--- a/presentation/Simulation assignment.pptx
+++ b/presentation/Simulation assignment.pptx
@@ -7,7 +7,8 @@
   <p:sldIdLst>
     <p:sldId id="256" r:id="rId2"/>
     <p:sldId id="257" r:id="rId3"/>
-    <p:sldId id="258" r:id="rId4"/>
+    <p:sldId id="259" r:id="rId4"/>
+    <p:sldId id="258" r:id="rId5"/>
   </p:sldIdLst>
   <p:sldSz cx="12192000" cy="6858000"/>
   <p:notesSz cx="6858000" cy="9144000"/>
@@ -175,7 +176,7 @@
           <a:noFill/>
           <a:extLst>
             <a:ext uri="{909E8E84-426E-40dd-AFC4-6F175D3DCCD1}">
-              <a14:hiddenFill xmlns="" xmlns:a14="http://schemas.microsoft.com/office/drawing/2010/main">
+              <a14:hiddenFill xmlns:a14="http://schemas.microsoft.com/office/drawing/2010/main" xmlns="">
                 <a:solidFill>
                   <a:srgbClr val="FFFFFF"/>
                 </a:solidFill>
@@ -234,7 +235,7 @@
             </a:ln>
             <a:extLst>
               <a:ext uri="{91240B29-F687-4f45-9708-019B960494DF}">
-                <a14:hiddenLine xmlns="" xmlns:a14="http://schemas.microsoft.com/office/drawing/2010/main" w="9525">
+                <a14:hiddenLine xmlns:a14="http://schemas.microsoft.com/office/drawing/2010/main" xmlns="" w="9525">
                   <a:solidFill>
                     <a:srgbClr val="000000"/>
                   </a:solidFill>
@@ -324,7 +325,7 @@
             </a:ln>
             <a:extLst>
               <a:ext uri="{91240B29-F687-4f45-9708-019B960494DF}">
-                <a14:hiddenLine xmlns="" xmlns:a14="http://schemas.microsoft.com/office/drawing/2010/main" w="9525">
+                <a14:hiddenLine xmlns:a14="http://schemas.microsoft.com/office/drawing/2010/main" xmlns="" w="9525">
                   <a:solidFill>
                     <a:srgbClr val="000000"/>
                   </a:solidFill>
@@ -414,7 +415,7 @@
             </a:ln>
             <a:extLst>
               <a:ext uri="{91240B29-F687-4f45-9708-019B960494DF}">
-                <a14:hiddenLine xmlns="" xmlns:a14="http://schemas.microsoft.com/office/drawing/2010/main" w="9525">
+                <a14:hiddenLine xmlns:a14="http://schemas.microsoft.com/office/drawing/2010/main" xmlns="" w="9525">
                   <a:solidFill>
                     <a:srgbClr val="000000"/>
                   </a:solidFill>
@@ -448,7 +449,7 @@
             </a:ln>
             <a:extLst>
               <a:ext uri="{91240B29-F687-4f45-9708-019B960494DF}">
-                <a14:hiddenLine xmlns="" xmlns:a14="http://schemas.microsoft.com/office/drawing/2010/main" w="9525">
+                <a14:hiddenLine xmlns:a14="http://schemas.microsoft.com/office/drawing/2010/main" xmlns="" w="9525">
                   <a:solidFill>
                     <a:srgbClr val="000000"/>
                   </a:solidFill>
@@ -538,7 +539,7 @@
             </a:ln>
             <a:extLst>
               <a:ext uri="{91240B29-F687-4f45-9708-019B960494DF}">
-                <a14:hiddenLine xmlns="" xmlns:a14="http://schemas.microsoft.com/office/drawing/2010/main" w="9525">
+                <a14:hiddenLine xmlns:a14="http://schemas.microsoft.com/office/drawing/2010/main" xmlns="" w="9525">
                   <a:solidFill>
                     <a:srgbClr val="000000"/>
                   </a:solidFill>
@@ -600,7 +601,7 @@
             </a:ln>
             <a:extLst>
               <a:ext uri="{91240B29-F687-4f45-9708-019B960494DF}">
-                <a14:hiddenLine xmlns="" xmlns:a14="http://schemas.microsoft.com/office/drawing/2010/main" w="9525">
+                <a14:hiddenLine xmlns:a14="http://schemas.microsoft.com/office/drawing/2010/main" xmlns="" w="9525">
                   <a:solidFill>
                     <a:srgbClr val="000000"/>
                   </a:solidFill>
@@ -662,7 +663,7 @@
             </a:ln>
             <a:extLst>
               <a:ext uri="{91240B29-F687-4f45-9708-019B960494DF}">
-                <a14:hiddenLine xmlns="" xmlns:a14="http://schemas.microsoft.com/office/drawing/2010/main" w="9525">
+                <a14:hiddenLine xmlns:a14="http://schemas.microsoft.com/office/drawing/2010/main" xmlns="" w="9525">
                   <a:solidFill>
                     <a:srgbClr val="000000"/>
                   </a:solidFill>
@@ -752,7 +753,7 @@
             </a:ln>
             <a:extLst>
               <a:ext uri="{91240B29-F687-4f45-9708-019B960494DF}">
-                <a14:hiddenLine xmlns="" xmlns:a14="http://schemas.microsoft.com/office/drawing/2010/main" w="9525">
+                <a14:hiddenLine xmlns:a14="http://schemas.microsoft.com/office/drawing/2010/main" xmlns="" w="9525">
                   <a:solidFill>
                     <a:srgbClr val="000000"/>
                   </a:solidFill>
@@ -814,7 +815,7 @@
             </a:ln>
             <a:extLst>
               <a:ext uri="{91240B29-F687-4f45-9708-019B960494DF}">
-                <a14:hiddenLine xmlns="" xmlns:a14="http://schemas.microsoft.com/office/drawing/2010/main" w="9525">
+                <a14:hiddenLine xmlns:a14="http://schemas.microsoft.com/office/drawing/2010/main" xmlns="" w="9525">
                   <a:solidFill>
                     <a:srgbClr val="000000"/>
                   </a:solidFill>
@@ -876,7 +877,7 @@
             </a:ln>
             <a:extLst>
               <a:ext uri="{91240B29-F687-4f45-9708-019B960494DF}">
-                <a14:hiddenLine xmlns="" xmlns:a14="http://schemas.microsoft.com/office/drawing/2010/main" w="9525">
+                <a14:hiddenLine xmlns:a14="http://schemas.microsoft.com/office/drawing/2010/main" xmlns="" w="9525">
                   <a:solidFill>
                     <a:srgbClr val="000000"/>
                   </a:solidFill>
@@ -966,7 +967,7 @@
             </a:ln>
             <a:extLst>
               <a:ext uri="{91240B29-F687-4f45-9708-019B960494DF}">
-                <a14:hiddenLine xmlns="" xmlns:a14="http://schemas.microsoft.com/office/drawing/2010/main" w="9525">
+                <a14:hiddenLine xmlns:a14="http://schemas.microsoft.com/office/drawing/2010/main" xmlns="" w="9525">
                   <a:solidFill>
                     <a:srgbClr val="000000"/>
                   </a:solidFill>
@@ -1056,7 +1057,7 @@
             </a:ln>
             <a:extLst>
               <a:ext uri="{91240B29-F687-4f45-9708-019B960494DF}">
-                <a14:hiddenLine xmlns="" xmlns:a14="http://schemas.microsoft.com/office/drawing/2010/main" w="9525">
+                <a14:hiddenLine xmlns:a14="http://schemas.microsoft.com/office/drawing/2010/main" xmlns="" w="9525">
                   <a:solidFill>
                     <a:srgbClr val="000000"/>
                   </a:solidFill>
@@ -1118,7 +1119,7 @@
             </a:ln>
             <a:extLst>
               <a:ext uri="{91240B29-F687-4f45-9708-019B960494DF}">
-                <a14:hiddenLine xmlns="" xmlns:a14="http://schemas.microsoft.com/office/drawing/2010/main" w="9525">
+                <a14:hiddenLine xmlns:a14="http://schemas.microsoft.com/office/drawing/2010/main" xmlns="" w="9525">
                   <a:solidFill>
                     <a:srgbClr val="000000"/>
                   </a:solidFill>
@@ -1228,7 +1229,7 @@
             </a:ln>
             <a:extLst>
               <a:ext uri="{91240B29-F687-4f45-9708-019B960494DF}">
-                <a14:hiddenLine xmlns="" xmlns:a14="http://schemas.microsoft.com/office/drawing/2010/main" w="9525">
+                <a14:hiddenLine xmlns:a14="http://schemas.microsoft.com/office/drawing/2010/main" xmlns="" w="9525">
                   <a:solidFill>
                     <a:srgbClr val="000000"/>
                   </a:solidFill>
@@ -1290,7 +1291,7 @@
             </a:ln>
             <a:extLst>
               <a:ext uri="{91240B29-F687-4f45-9708-019B960494DF}">
-                <a14:hiddenLine xmlns="" xmlns:a14="http://schemas.microsoft.com/office/drawing/2010/main" w="9525">
+                <a14:hiddenLine xmlns:a14="http://schemas.microsoft.com/office/drawing/2010/main" xmlns="" w="9525">
                   <a:solidFill>
                     <a:srgbClr val="000000"/>
                   </a:solidFill>
@@ -1380,7 +1381,7 @@
             </a:ln>
             <a:extLst>
               <a:ext uri="{91240B29-F687-4f45-9708-019B960494DF}">
-                <a14:hiddenLine xmlns="" xmlns:a14="http://schemas.microsoft.com/office/drawing/2010/main" w="9525">
+                <a14:hiddenLine xmlns:a14="http://schemas.microsoft.com/office/drawing/2010/main" xmlns="" w="9525">
                   <a:solidFill>
                     <a:srgbClr val="000000"/>
                   </a:solidFill>
@@ -1470,7 +1471,7 @@
             </a:ln>
             <a:extLst>
               <a:ext uri="{91240B29-F687-4f45-9708-019B960494DF}">
-                <a14:hiddenLine xmlns="" xmlns:a14="http://schemas.microsoft.com/office/drawing/2010/main" w="9525">
+                <a14:hiddenLine xmlns:a14="http://schemas.microsoft.com/office/drawing/2010/main" xmlns="" w="9525">
                   <a:solidFill>
                     <a:srgbClr val="000000"/>
                   </a:solidFill>
@@ -1532,7 +1533,7 @@
             </a:ln>
             <a:extLst>
               <a:ext uri="{91240B29-F687-4f45-9708-019B960494DF}">
-                <a14:hiddenLine xmlns="" xmlns:a14="http://schemas.microsoft.com/office/drawing/2010/main" w="9525">
+                <a14:hiddenLine xmlns:a14="http://schemas.microsoft.com/office/drawing/2010/main" xmlns="" w="9525">
                   <a:solidFill>
                     <a:srgbClr val="000000"/>
                   </a:solidFill>
@@ -1622,7 +1623,7 @@
             </a:ln>
             <a:extLst>
               <a:ext uri="{91240B29-F687-4f45-9708-019B960494DF}">
-                <a14:hiddenLine xmlns="" xmlns:a14="http://schemas.microsoft.com/office/drawing/2010/main" w="9525">
+                <a14:hiddenLine xmlns:a14="http://schemas.microsoft.com/office/drawing/2010/main" xmlns="" w="9525">
                   <a:solidFill>
                     <a:srgbClr val="000000"/>
                   </a:solidFill>
@@ -1712,7 +1713,7 @@
             </a:ln>
             <a:extLst>
               <a:ext uri="{91240B29-F687-4f45-9708-019B960494DF}">
-                <a14:hiddenLine xmlns="" xmlns:a14="http://schemas.microsoft.com/office/drawing/2010/main" w="9525">
+                <a14:hiddenLine xmlns:a14="http://schemas.microsoft.com/office/drawing/2010/main" xmlns="" w="9525">
                   <a:solidFill>
                     <a:srgbClr val="000000"/>
                   </a:solidFill>
@@ -1768,7 +1769,7 @@
             </a:ln>
             <a:extLst>
               <a:ext uri="{91240B29-F687-4f45-9708-019B960494DF}">
-                <a14:hiddenLine xmlns="" xmlns:a14="http://schemas.microsoft.com/office/drawing/2010/main" w="9525">
+                <a14:hiddenLine xmlns:a14="http://schemas.microsoft.com/office/drawing/2010/main" xmlns="" w="9525">
                   <a:solidFill>
                     <a:srgbClr val="000000"/>
                   </a:solidFill>
@@ -1858,7 +1859,7 @@
             </a:ln>
             <a:extLst>
               <a:ext uri="{91240B29-F687-4f45-9708-019B960494DF}">
-                <a14:hiddenLine xmlns="" xmlns:a14="http://schemas.microsoft.com/office/drawing/2010/main" w="9525">
+                <a14:hiddenLine xmlns:a14="http://schemas.microsoft.com/office/drawing/2010/main" xmlns="" w="9525">
                   <a:solidFill>
                     <a:srgbClr val="000000"/>
                   </a:solidFill>
@@ -1914,7 +1915,7 @@
             </a:ln>
             <a:extLst>
               <a:ext uri="{91240B29-F687-4f45-9708-019B960494DF}">
-                <a14:hiddenLine xmlns="" xmlns:a14="http://schemas.microsoft.com/office/drawing/2010/main" w="9525">
+                <a14:hiddenLine xmlns:a14="http://schemas.microsoft.com/office/drawing/2010/main" xmlns="" w="9525">
                   <a:solidFill>
                     <a:srgbClr val="000000"/>
                   </a:solidFill>
@@ -2004,7 +2005,7 @@
             </a:ln>
             <a:extLst>
               <a:ext uri="{91240B29-F687-4f45-9708-019B960494DF}">
-                <a14:hiddenLine xmlns="" xmlns:a14="http://schemas.microsoft.com/office/drawing/2010/main" w="9525">
+                <a14:hiddenLine xmlns:a14="http://schemas.microsoft.com/office/drawing/2010/main" xmlns="" w="9525">
                   <a:solidFill>
                     <a:srgbClr val="000000"/>
                   </a:solidFill>
@@ -2072,7 +2073,7 @@
             </a:ln>
             <a:extLst>
               <a:ext uri="{91240B29-F687-4f45-9708-019B960494DF}">
-                <a14:hiddenLine xmlns="" xmlns:a14="http://schemas.microsoft.com/office/drawing/2010/main" w="9525">
+                <a14:hiddenLine xmlns:a14="http://schemas.microsoft.com/office/drawing/2010/main" xmlns="" w="9525">
                   <a:solidFill>
                     <a:srgbClr val="000000"/>
                   </a:solidFill>
@@ -2162,7 +2163,7 @@
             </a:ln>
             <a:extLst>
               <a:ext uri="{91240B29-F687-4f45-9708-019B960494DF}">
-                <a14:hiddenLine xmlns="" xmlns:a14="http://schemas.microsoft.com/office/drawing/2010/main" w="9525">
+                <a14:hiddenLine xmlns:a14="http://schemas.microsoft.com/office/drawing/2010/main" xmlns="" w="9525">
                   <a:solidFill>
                     <a:srgbClr val="000000"/>
                   </a:solidFill>
@@ -2230,7 +2231,7 @@
             </a:ln>
             <a:extLst>
               <a:ext uri="{91240B29-F687-4f45-9708-019B960494DF}">
-                <a14:hiddenLine xmlns="" xmlns:a14="http://schemas.microsoft.com/office/drawing/2010/main" w="9525">
+                <a14:hiddenLine xmlns:a14="http://schemas.microsoft.com/office/drawing/2010/main" xmlns="" w="9525">
                   <a:solidFill>
                     <a:srgbClr val="000000"/>
                   </a:solidFill>
@@ -2320,7 +2321,7 @@
             </a:ln>
             <a:extLst>
               <a:ext uri="{91240B29-F687-4f45-9708-019B960494DF}">
-                <a14:hiddenLine xmlns="" xmlns:a14="http://schemas.microsoft.com/office/drawing/2010/main" w="9525">
+                <a14:hiddenLine xmlns:a14="http://schemas.microsoft.com/office/drawing/2010/main" xmlns="" w="9525">
                   <a:solidFill>
                     <a:srgbClr val="000000"/>
                   </a:solidFill>
@@ -2354,7 +2355,7 @@
             </a:ln>
             <a:extLst>
               <a:ext uri="{91240B29-F687-4f45-9708-019B960494DF}">
-                <a14:hiddenLine xmlns="" xmlns:a14="http://schemas.microsoft.com/office/drawing/2010/main" w="9525">
+                <a14:hiddenLine xmlns:a14="http://schemas.microsoft.com/office/drawing/2010/main" xmlns="" w="9525">
                   <a:solidFill>
                     <a:srgbClr val="000000"/>
                   </a:solidFill>
@@ -2444,7 +2445,7 @@
             </a:ln>
             <a:extLst>
               <a:ext uri="{91240B29-F687-4f45-9708-019B960494DF}">
-                <a14:hiddenLine xmlns="" xmlns:a14="http://schemas.microsoft.com/office/drawing/2010/main" w="9525">
+                <a14:hiddenLine xmlns:a14="http://schemas.microsoft.com/office/drawing/2010/main" xmlns="" w="9525">
                   <a:solidFill>
                     <a:srgbClr val="000000"/>
                   </a:solidFill>
@@ -2506,7 +2507,7 @@
             </a:ln>
             <a:extLst>
               <a:ext uri="{91240B29-F687-4f45-9708-019B960494DF}">
-                <a14:hiddenLine xmlns="" xmlns:a14="http://schemas.microsoft.com/office/drawing/2010/main" w="9525">
+                <a14:hiddenLine xmlns:a14="http://schemas.microsoft.com/office/drawing/2010/main" xmlns="" w="9525">
                   <a:solidFill>
                     <a:srgbClr val="000000"/>
                   </a:solidFill>
@@ -2568,7 +2569,7 @@
             </a:ln>
             <a:extLst>
               <a:ext uri="{91240B29-F687-4f45-9708-019B960494DF}">
-                <a14:hiddenLine xmlns="" xmlns:a14="http://schemas.microsoft.com/office/drawing/2010/main" w="9525">
+                <a14:hiddenLine xmlns:a14="http://schemas.microsoft.com/office/drawing/2010/main" xmlns="" w="9525">
                   <a:solidFill>
                     <a:srgbClr val="000000"/>
                   </a:solidFill>
@@ -2658,7 +2659,7 @@
             </a:ln>
             <a:extLst>
               <a:ext uri="{91240B29-F687-4f45-9708-019B960494DF}">
-                <a14:hiddenLine xmlns="" xmlns:a14="http://schemas.microsoft.com/office/drawing/2010/main" w="9525">
+                <a14:hiddenLine xmlns:a14="http://schemas.microsoft.com/office/drawing/2010/main" xmlns="" w="9525">
                   <a:solidFill>
                     <a:srgbClr val="000000"/>
                   </a:solidFill>
@@ -2726,7 +2727,7 @@
             </a:ln>
             <a:extLst>
               <a:ext uri="{91240B29-F687-4f45-9708-019B960494DF}">
-                <a14:hiddenLine xmlns="" xmlns:a14="http://schemas.microsoft.com/office/drawing/2010/main" w="9525">
+                <a14:hiddenLine xmlns:a14="http://schemas.microsoft.com/office/drawing/2010/main" xmlns="" w="9525">
                   <a:solidFill>
                     <a:srgbClr val="000000"/>
                   </a:solidFill>
@@ -2788,7 +2789,7 @@
             </a:ln>
             <a:extLst>
               <a:ext uri="{91240B29-F687-4f45-9708-019B960494DF}">
-                <a14:hiddenLine xmlns="" xmlns:a14="http://schemas.microsoft.com/office/drawing/2010/main" w="9525">
+                <a14:hiddenLine xmlns:a14="http://schemas.microsoft.com/office/drawing/2010/main" xmlns="" w="9525">
                   <a:solidFill>
                     <a:srgbClr val="000000"/>
                   </a:solidFill>
@@ -2878,7 +2879,7 @@
             </a:ln>
             <a:extLst>
               <a:ext uri="{91240B29-F687-4f45-9708-019B960494DF}">
-                <a14:hiddenLine xmlns="" xmlns:a14="http://schemas.microsoft.com/office/drawing/2010/main" w="9525">
+                <a14:hiddenLine xmlns:a14="http://schemas.microsoft.com/office/drawing/2010/main" xmlns="" w="9525">
                   <a:solidFill>
                     <a:srgbClr val="000000"/>
                   </a:solidFill>
@@ -2940,7 +2941,7 @@
             </a:ln>
             <a:extLst>
               <a:ext uri="{91240B29-F687-4f45-9708-019B960494DF}">
-                <a14:hiddenLine xmlns="" xmlns:a14="http://schemas.microsoft.com/office/drawing/2010/main" w="9525">
+                <a14:hiddenLine xmlns:a14="http://schemas.microsoft.com/office/drawing/2010/main" xmlns="" w="9525">
                   <a:solidFill>
                     <a:srgbClr val="000000"/>
                   </a:solidFill>
@@ -3030,7 +3031,7 @@
             </a:ln>
             <a:extLst>
               <a:ext uri="{91240B29-F687-4f45-9708-019B960494DF}">
-                <a14:hiddenLine xmlns="" xmlns:a14="http://schemas.microsoft.com/office/drawing/2010/main" w="9525">
+                <a14:hiddenLine xmlns:a14="http://schemas.microsoft.com/office/drawing/2010/main" xmlns="" w="9525">
                   <a:solidFill>
                     <a:srgbClr val="000000"/>
                   </a:solidFill>
@@ -3092,7 +3093,7 @@
             </a:ln>
             <a:extLst>
               <a:ext uri="{91240B29-F687-4f45-9708-019B960494DF}">
-                <a14:hiddenLine xmlns="" xmlns:a14="http://schemas.microsoft.com/office/drawing/2010/main" w="9525">
+                <a14:hiddenLine xmlns:a14="http://schemas.microsoft.com/office/drawing/2010/main" xmlns="" w="9525">
                   <a:solidFill>
                     <a:srgbClr val="000000"/>
                   </a:solidFill>
@@ -3182,7 +3183,7 @@
             </a:ln>
             <a:extLst>
               <a:ext uri="{91240B29-F687-4f45-9708-019B960494DF}">
-                <a14:hiddenLine xmlns="" xmlns:a14="http://schemas.microsoft.com/office/drawing/2010/main" w="9525">
+                <a14:hiddenLine xmlns:a14="http://schemas.microsoft.com/office/drawing/2010/main" xmlns="" w="9525">
                   <a:solidFill>
                     <a:srgbClr val="000000"/>
                   </a:solidFill>
@@ -3216,7 +3217,7 @@
             </a:ln>
             <a:extLst>
               <a:ext uri="{91240B29-F687-4f45-9708-019B960494DF}">
-                <a14:hiddenLine xmlns="" xmlns:a14="http://schemas.microsoft.com/office/drawing/2010/main" w="9525">
+                <a14:hiddenLine xmlns:a14="http://schemas.microsoft.com/office/drawing/2010/main" xmlns="" w="9525">
                   <a:solidFill>
                     <a:srgbClr val="000000"/>
                   </a:solidFill>
@@ -3281,7 +3282,7 @@
             </a:ln>
             <a:extLst>
               <a:ext uri="{91240B29-F687-4f45-9708-019B960494DF}">
-                <a14:hiddenLine xmlns="" xmlns:a14="http://schemas.microsoft.com/office/drawing/2010/main" w="9525">
+                <a14:hiddenLine xmlns:a14="http://schemas.microsoft.com/office/drawing/2010/main" xmlns="" w="9525">
                   <a:solidFill>
                     <a:srgbClr val="000000"/>
                   </a:solidFill>
@@ -3371,7 +3372,7 @@
             </a:ln>
             <a:extLst>
               <a:ext uri="{91240B29-F687-4f45-9708-019B960494DF}">
-                <a14:hiddenLine xmlns="" xmlns:a14="http://schemas.microsoft.com/office/drawing/2010/main" w="9525">
+                <a14:hiddenLine xmlns:a14="http://schemas.microsoft.com/office/drawing/2010/main" xmlns="" w="9525">
                   <a:solidFill>
                     <a:srgbClr val="000000"/>
                   </a:solidFill>
@@ -3433,7 +3434,7 @@
             </a:ln>
             <a:extLst>
               <a:ext uri="{91240B29-F687-4f45-9708-019B960494DF}">
-                <a14:hiddenLine xmlns="" xmlns:a14="http://schemas.microsoft.com/office/drawing/2010/main" w="9525">
+                <a14:hiddenLine xmlns:a14="http://schemas.microsoft.com/office/drawing/2010/main" xmlns="" w="9525">
                   <a:solidFill>
                     <a:srgbClr val="000000"/>
                   </a:solidFill>
@@ -3523,7 +3524,7 @@
             </a:ln>
             <a:extLst>
               <a:ext uri="{91240B29-F687-4f45-9708-019B960494DF}">
-                <a14:hiddenLine xmlns="" xmlns:a14="http://schemas.microsoft.com/office/drawing/2010/main" w="9525">
+                <a14:hiddenLine xmlns:a14="http://schemas.microsoft.com/office/drawing/2010/main" xmlns="" w="9525">
                   <a:solidFill>
                     <a:srgbClr val="000000"/>
                   </a:solidFill>
@@ -3613,7 +3614,7 @@
             </a:ln>
             <a:extLst>
               <a:ext uri="{91240B29-F687-4f45-9708-019B960494DF}">
-                <a14:hiddenLine xmlns="" xmlns:a14="http://schemas.microsoft.com/office/drawing/2010/main" w="9525">
+                <a14:hiddenLine xmlns:a14="http://schemas.microsoft.com/office/drawing/2010/main" xmlns="" w="9525">
                   <a:solidFill>
                     <a:srgbClr val="000000"/>
                   </a:solidFill>
@@ -3678,7 +3679,7 @@
             </a:ln>
             <a:extLst>
               <a:ext uri="{91240B29-F687-4f45-9708-019B960494DF}">
-                <a14:hiddenLine xmlns="" xmlns:a14="http://schemas.microsoft.com/office/drawing/2010/main" w="9525">
+                <a14:hiddenLine xmlns:a14="http://schemas.microsoft.com/office/drawing/2010/main" xmlns="" w="9525">
                   <a:solidFill>
                     <a:srgbClr val="000000"/>
                   </a:solidFill>
@@ -3740,7 +3741,7 @@
             </a:ln>
             <a:extLst>
               <a:ext uri="{91240B29-F687-4f45-9708-019B960494DF}">
-                <a14:hiddenLine xmlns="" xmlns:a14="http://schemas.microsoft.com/office/drawing/2010/main" w="9525">
+                <a14:hiddenLine xmlns:a14="http://schemas.microsoft.com/office/drawing/2010/main" xmlns="" w="9525">
                   <a:solidFill>
                     <a:srgbClr val="000000"/>
                   </a:solidFill>
@@ -3830,7 +3831,7 @@
             </a:ln>
             <a:extLst>
               <a:ext uri="{91240B29-F687-4f45-9708-019B960494DF}">
-                <a14:hiddenLine xmlns="" xmlns:a14="http://schemas.microsoft.com/office/drawing/2010/main" w="9525">
+                <a14:hiddenLine xmlns:a14="http://schemas.microsoft.com/office/drawing/2010/main" xmlns="" w="9525">
                   <a:solidFill>
                     <a:srgbClr val="000000"/>
                   </a:solidFill>
@@ -3920,7 +3921,7 @@
             </a:ln>
             <a:extLst>
               <a:ext uri="{91240B29-F687-4f45-9708-019B960494DF}">
-                <a14:hiddenLine xmlns="" xmlns:a14="http://schemas.microsoft.com/office/drawing/2010/main" w="9525">
+                <a14:hiddenLine xmlns:a14="http://schemas.microsoft.com/office/drawing/2010/main" xmlns="" w="9525">
                   <a:solidFill>
                     <a:srgbClr val="000000"/>
                   </a:solidFill>
@@ -3982,7 +3983,7 @@
             </a:ln>
             <a:extLst>
               <a:ext uri="{91240B29-F687-4f45-9708-019B960494DF}">
-                <a14:hiddenLine xmlns="" xmlns:a14="http://schemas.microsoft.com/office/drawing/2010/main" w="9525">
+                <a14:hiddenLine xmlns:a14="http://schemas.microsoft.com/office/drawing/2010/main" xmlns="" w="9525">
                   <a:solidFill>
                     <a:srgbClr val="000000"/>
                   </a:solidFill>
@@ -4102,7 +4103,7 @@
             </a:ln>
             <a:extLst>
               <a:ext uri="{91240B29-F687-4f45-9708-019B960494DF}">
-                <a14:hiddenLine xmlns="" xmlns:a14="http://schemas.microsoft.com/office/drawing/2010/main" w="9525">
+                <a14:hiddenLine xmlns:a14="http://schemas.microsoft.com/office/drawing/2010/main" xmlns="" w="9525">
                   <a:solidFill>
                     <a:srgbClr val="000000"/>
                   </a:solidFill>
@@ -4170,7 +4171,7 @@
             </a:ln>
             <a:extLst>
               <a:ext uri="{91240B29-F687-4f45-9708-019B960494DF}">
-                <a14:hiddenLine xmlns="" xmlns:a14="http://schemas.microsoft.com/office/drawing/2010/main" w="9525">
+                <a14:hiddenLine xmlns:a14="http://schemas.microsoft.com/office/drawing/2010/main" xmlns="" w="9525">
                   <a:solidFill>
                     <a:srgbClr val="000000"/>
                   </a:solidFill>
@@ -4260,7 +4261,7 @@
             </a:ln>
             <a:extLst>
               <a:ext uri="{91240B29-F687-4f45-9708-019B960494DF}">
-                <a14:hiddenLine xmlns="" xmlns:a14="http://schemas.microsoft.com/office/drawing/2010/main" w="9525">
+                <a14:hiddenLine xmlns:a14="http://schemas.microsoft.com/office/drawing/2010/main" xmlns="" w="9525">
                   <a:solidFill>
                     <a:srgbClr val="000000"/>
                   </a:solidFill>
@@ -8989,7 +8990,7 @@
           <a:noFill/>
           <a:extLst>
             <a:ext uri="{909E8E84-426E-40dd-AFC4-6F175D3DCCD1}">
-              <a14:hiddenFill xmlns="" xmlns:a14="http://schemas.microsoft.com/office/drawing/2010/main">
+              <a14:hiddenFill xmlns:a14="http://schemas.microsoft.com/office/drawing/2010/main" xmlns="">
                 <a:solidFill>
                   <a:srgbClr val="FFFFFF"/>
                 </a:solidFill>
@@ -9063,7 +9064,7 @@
               </a:ln>
               <a:extLst>
                 <a:ext uri="{91240B29-F687-4f45-9708-019B960494DF}">
-                  <a14:hiddenLine xmlns="" xmlns:a14="http://schemas.microsoft.com/office/drawing/2010/main" w="9525">
+                  <a14:hiddenLine xmlns:a14="http://schemas.microsoft.com/office/drawing/2010/main" xmlns="" w="9525">
                     <a:solidFill>
                       <a:srgbClr val="000000"/>
                     </a:solidFill>
@@ -9153,7 +9154,7 @@
               </a:ln>
               <a:extLst>
                 <a:ext uri="{91240B29-F687-4f45-9708-019B960494DF}">
-                  <a14:hiddenLine xmlns="" xmlns:a14="http://schemas.microsoft.com/office/drawing/2010/main" w="9525">
+                  <a14:hiddenLine xmlns:a14="http://schemas.microsoft.com/office/drawing/2010/main" xmlns="" w="9525">
                     <a:solidFill>
                       <a:srgbClr val="000000"/>
                     </a:solidFill>
@@ -9243,7 +9244,7 @@
               </a:ln>
               <a:extLst>
                 <a:ext uri="{91240B29-F687-4f45-9708-019B960494DF}">
-                  <a14:hiddenLine xmlns="" xmlns:a14="http://schemas.microsoft.com/office/drawing/2010/main" w="9525">
+                  <a14:hiddenLine xmlns:a14="http://schemas.microsoft.com/office/drawing/2010/main" xmlns="" w="9525">
                     <a:solidFill>
                       <a:srgbClr val="000000"/>
                     </a:solidFill>
@@ -9305,7 +9306,7 @@
               </a:ln>
               <a:extLst>
                 <a:ext uri="{91240B29-F687-4f45-9708-019B960494DF}">
-                  <a14:hiddenLine xmlns="" xmlns:a14="http://schemas.microsoft.com/office/drawing/2010/main" w="9525">
+                  <a14:hiddenLine xmlns:a14="http://schemas.microsoft.com/office/drawing/2010/main" xmlns="" w="9525">
                     <a:solidFill>
                       <a:srgbClr val="000000"/>
                     </a:solidFill>
@@ -9395,7 +9396,7 @@
               </a:ln>
               <a:extLst>
                 <a:ext uri="{91240B29-F687-4f45-9708-019B960494DF}">
-                  <a14:hiddenLine xmlns="" xmlns:a14="http://schemas.microsoft.com/office/drawing/2010/main" w="9525">
+                  <a14:hiddenLine xmlns:a14="http://schemas.microsoft.com/office/drawing/2010/main" xmlns="" w="9525">
                     <a:solidFill>
                       <a:srgbClr val="000000"/>
                     </a:solidFill>
@@ -9457,7 +9458,7 @@
               </a:ln>
               <a:extLst>
                 <a:ext uri="{91240B29-F687-4f45-9708-019B960494DF}">
-                  <a14:hiddenLine xmlns="" xmlns:a14="http://schemas.microsoft.com/office/drawing/2010/main" w="9525">
+                  <a14:hiddenLine xmlns:a14="http://schemas.microsoft.com/office/drawing/2010/main" xmlns="" w="9525">
                     <a:solidFill>
                       <a:srgbClr val="000000"/>
                     </a:solidFill>
@@ -9519,7 +9520,7 @@
               </a:ln>
               <a:extLst>
                 <a:ext uri="{91240B29-F687-4f45-9708-019B960494DF}">
-                  <a14:hiddenLine xmlns="" xmlns:a14="http://schemas.microsoft.com/office/drawing/2010/main" w="9525">
+                  <a14:hiddenLine xmlns:a14="http://schemas.microsoft.com/office/drawing/2010/main" xmlns="" w="9525">
                     <a:solidFill>
                       <a:srgbClr val="000000"/>
                     </a:solidFill>
@@ -9609,7 +9610,7 @@
               </a:ln>
               <a:extLst>
                 <a:ext uri="{91240B29-F687-4f45-9708-019B960494DF}">
-                  <a14:hiddenLine xmlns="" xmlns:a14="http://schemas.microsoft.com/office/drawing/2010/main" w="9525">
+                  <a14:hiddenLine xmlns:a14="http://schemas.microsoft.com/office/drawing/2010/main" xmlns="" w="9525">
                     <a:solidFill>
                       <a:srgbClr val="000000"/>
                     </a:solidFill>
@@ -9699,7 +9700,7 @@
               </a:ln>
               <a:extLst>
                 <a:ext uri="{91240B29-F687-4f45-9708-019B960494DF}">
-                  <a14:hiddenLine xmlns="" xmlns:a14="http://schemas.microsoft.com/office/drawing/2010/main" w="9525">
+                  <a14:hiddenLine xmlns:a14="http://schemas.microsoft.com/office/drawing/2010/main" xmlns="" w="9525">
                     <a:solidFill>
                       <a:srgbClr val="000000"/>
                     </a:solidFill>
@@ -9761,7 +9762,7 @@
               </a:ln>
               <a:extLst>
                 <a:ext uri="{91240B29-F687-4f45-9708-019B960494DF}">
-                  <a14:hiddenLine xmlns="" xmlns:a14="http://schemas.microsoft.com/office/drawing/2010/main" w="9525">
+                  <a14:hiddenLine xmlns:a14="http://schemas.microsoft.com/office/drawing/2010/main" xmlns="" w="9525">
                     <a:solidFill>
                       <a:srgbClr val="000000"/>
                     </a:solidFill>
@@ -9871,7 +9872,7 @@
               </a:ln>
               <a:extLst>
                 <a:ext uri="{91240B29-F687-4f45-9708-019B960494DF}">
-                  <a14:hiddenLine xmlns="" xmlns:a14="http://schemas.microsoft.com/office/drawing/2010/main" w="9525">
+                  <a14:hiddenLine xmlns:a14="http://schemas.microsoft.com/office/drawing/2010/main" xmlns="" w="9525">
                     <a:solidFill>
                       <a:srgbClr val="000000"/>
                     </a:solidFill>
@@ -9955,7 +9956,7 @@
               </a:ln>
               <a:extLst>
                 <a:ext uri="{91240B29-F687-4f45-9708-019B960494DF}">
-                  <a14:hiddenLine xmlns="" xmlns:a14="http://schemas.microsoft.com/office/drawing/2010/main" w="9525">
+                  <a14:hiddenLine xmlns:a14="http://schemas.microsoft.com/office/drawing/2010/main" xmlns="" w="9525">
                     <a:solidFill>
                       <a:srgbClr val="000000"/>
                     </a:solidFill>
@@ -10017,7 +10018,7 @@
               </a:ln>
               <a:extLst>
                 <a:ext uri="{91240B29-F687-4f45-9708-019B960494DF}">
-                  <a14:hiddenLine xmlns="" xmlns:a14="http://schemas.microsoft.com/office/drawing/2010/main" w="9525">
+                  <a14:hiddenLine xmlns:a14="http://schemas.microsoft.com/office/drawing/2010/main" xmlns="" w="9525">
                     <a:solidFill>
                       <a:srgbClr val="000000"/>
                     </a:solidFill>
@@ -10079,7 +10080,7 @@
               </a:ln>
               <a:extLst>
                 <a:ext uri="{91240B29-F687-4f45-9708-019B960494DF}">
-                  <a14:hiddenLine xmlns="" xmlns:a14="http://schemas.microsoft.com/office/drawing/2010/main" w="9525">
+                  <a14:hiddenLine xmlns:a14="http://schemas.microsoft.com/office/drawing/2010/main" xmlns="" w="9525">
                     <a:solidFill>
                       <a:srgbClr val="000000"/>
                     </a:solidFill>
@@ -10169,7 +10170,7 @@
               </a:ln>
               <a:extLst>
                 <a:ext uri="{91240B29-F687-4f45-9708-019B960494DF}">
-                  <a14:hiddenLine xmlns="" xmlns:a14="http://schemas.microsoft.com/office/drawing/2010/main" w="9525">
+                  <a14:hiddenLine xmlns:a14="http://schemas.microsoft.com/office/drawing/2010/main" xmlns="" w="9525">
                     <a:solidFill>
                       <a:srgbClr val="000000"/>
                     </a:solidFill>
@@ -10203,7 +10204,7 @@
               </a:ln>
               <a:extLst>
                 <a:ext uri="{91240B29-F687-4f45-9708-019B960494DF}">
-                  <a14:hiddenLine xmlns="" xmlns:a14="http://schemas.microsoft.com/office/drawing/2010/main" w="9525">
+                  <a14:hiddenLine xmlns:a14="http://schemas.microsoft.com/office/drawing/2010/main" xmlns="" w="9525">
                     <a:solidFill>
                       <a:srgbClr val="000000"/>
                     </a:solidFill>
@@ -10268,7 +10269,7 @@
               </a:ln>
               <a:extLst>
                 <a:ext uri="{91240B29-F687-4f45-9708-019B960494DF}">
-                  <a14:hiddenLine xmlns="" xmlns:a14="http://schemas.microsoft.com/office/drawing/2010/main" w="9525">
+                  <a14:hiddenLine xmlns:a14="http://schemas.microsoft.com/office/drawing/2010/main" xmlns="" w="9525">
                     <a:solidFill>
                       <a:srgbClr val="000000"/>
                     </a:solidFill>
@@ -10358,7 +10359,7 @@
               </a:ln>
               <a:extLst>
                 <a:ext uri="{91240B29-F687-4f45-9708-019B960494DF}">
-                  <a14:hiddenLine xmlns="" xmlns:a14="http://schemas.microsoft.com/office/drawing/2010/main" w="9525">
+                  <a14:hiddenLine xmlns:a14="http://schemas.microsoft.com/office/drawing/2010/main" xmlns="" w="9525">
                     <a:solidFill>
                       <a:srgbClr val="000000"/>
                     </a:solidFill>
@@ -10420,7 +10421,7 @@
               </a:ln>
               <a:extLst>
                 <a:ext uri="{91240B29-F687-4f45-9708-019B960494DF}">
-                  <a14:hiddenLine xmlns="" xmlns:a14="http://schemas.microsoft.com/office/drawing/2010/main" w="9525">
+                  <a14:hiddenLine xmlns:a14="http://schemas.microsoft.com/office/drawing/2010/main" xmlns="" w="9525">
                     <a:solidFill>
                       <a:srgbClr val="000000"/>
                     </a:solidFill>
@@ -10510,7 +10511,7 @@
               </a:ln>
               <a:extLst>
                 <a:ext uri="{91240B29-F687-4f45-9708-019B960494DF}">
-                  <a14:hiddenLine xmlns="" xmlns:a14="http://schemas.microsoft.com/office/drawing/2010/main" w="9525">
+                  <a14:hiddenLine xmlns:a14="http://schemas.microsoft.com/office/drawing/2010/main" xmlns="" w="9525">
                     <a:solidFill>
                       <a:srgbClr val="000000"/>
                     </a:solidFill>
@@ -10575,7 +10576,7 @@
               </a:ln>
               <a:extLst>
                 <a:ext uri="{91240B29-F687-4f45-9708-019B960494DF}">
-                  <a14:hiddenLine xmlns="" xmlns:a14="http://schemas.microsoft.com/office/drawing/2010/main" w="9525">
+                  <a14:hiddenLine xmlns:a14="http://schemas.microsoft.com/office/drawing/2010/main" xmlns="" w="9525">
                     <a:solidFill>
                       <a:srgbClr val="000000"/>
                     </a:solidFill>
@@ -10637,7 +10638,7 @@
               </a:ln>
               <a:extLst>
                 <a:ext uri="{91240B29-F687-4f45-9708-019B960494DF}">
-                  <a14:hiddenLine xmlns="" xmlns:a14="http://schemas.microsoft.com/office/drawing/2010/main" w="9525">
+                  <a14:hiddenLine xmlns:a14="http://schemas.microsoft.com/office/drawing/2010/main" xmlns="" w="9525">
                     <a:solidFill>
                       <a:srgbClr val="000000"/>
                     </a:solidFill>
@@ -10727,7 +10728,7 @@
               </a:ln>
               <a:extLst>
                 <a:ext uri="{91240B29-F687-4f45-9708-019B960494DF}">
-                  <a14:hiddenLine xmlns="" xmlns:a14="http://schemas.microsoft.com/office/drawing/2010/main" w="9525">
+                  <a14:hiddenLine xmlns:a14="http://schemas.microsoft.com/office/drawing/2010/main" xmlns="" w="9525">
                     <a:solidFill>
                       <a:srgbClr val="000000"/>
                     </a:solidFill>
@@ -10817,7 +10818,7 @@
               </a:ln>
               <a:extLst>
                 <a:ext uri="{91240B29-F687-4f45-9708-019B960494DF}">
-                  <a14:hiddenLine xmlns="" xmlns:a14="http://schemas.microsoft.com/office/drawing/2010/main" w="9525">
+                  <a14:hiddenLine xmlns:a14="http://schemas.microsoft.com/office/drawing/2010/main" xmlns="" w="9525">
                     <a:solidFill>
                       <a:srgbClr val="000000"/>
                     </a:solidFill>
@@ -10882,7 +10883,7 @@
               </a:ln>
               <a:extLst>
                 <a:ext uri="{91240B29-F687-4f45-9708-019B960494DF}">
-                  <a14:hiddenLine xmlns="" xmlns:a14="http://schemas.microsoft.com/office/drawing/2010/main" w="9525">
+                  <a14:hiddenLine xmlns:a14="http://schemas.microsoft.com/office/drawing/2010/main" xmlns="" w="9525">
                     <a:solidFill>
                       <a:srgbClr val="000000"/>
                     </a:solidFill>
@@ -11002,7 +11003,7 @@
               </a:ln>
               <a:extLst>
                 <a:ext uri="{91240B29-F687-4f45-9708-019B960494DF}">
-                  <a14:hiddenLine xmlns="" xmlns:a14="http://schemas.microsoft.com/office/drawing/2010/main" w="9525">
+                  <a14:hiddenLine xmlns:a14="http://schemas.microsoft.com/office/drawing/2010/main" xmlns="" w="9525">
                     <a:solidFill>
                       <a:srgbClr val="000000"/>
                     </a:solidFill>
@@ -11083,7 +11084,7 @@
               </a:ln>
               <a:extLst>
                 <a:ext uri="{91240B29-F687-4f45-9708-019B960494DF}">
-                  <a14:hiddenLine xmlns="" xmlns:a14="http://schemas.microsoft.com/office/drawing/2010/main" w="9525">
+                  <a14:hiddenLine xmlns:a14="http://schemas.microsoft.com/office/drawing/2010/main" xmlns="" w="9525">
                     <a:solidFill>
                       <a:srgbClr val="000000"/>
                     </a:solidFill>
@@ -11198,7 +11199,7 @@
               </a:ln>
               <a:extLst>
                 <a:ext uri="{91240B29-F687-4f45-9708-019B960494DF}">
-                  <a14:hiddenLine xmlns="" xmlns:a14="http://schemas.microsoft.com/office/drawing/2010/main" w="9525">
+                  <a14:hiddenLine xmlns:a14="http://schemas.microsoft.com/office/drawing/2010/main" xmlns="" w="9525">
                     <a:solidFill>
                       <a:srgbClr val="000000"/>
                     </a:solidFill>
@@ -11288,7 +11289,7 @@
               </a:ln>
               <a:extLst>
                 <a:ext uri="{91240B29-F687-4f45-9708-019B960494DF}">
-                  <a14:hiddenLine xmlns="" xmlns:a14="http://schemas.microsoft.com/office/drawing/2010/main" w="9525">
+                  <a14:hiddenLine xmlns:a14="http://schemas.microsoft.com/office/drawing/2010/main" xmlns="" w="9525">
                     <a:solidFill>
                       <a:srgbClr val="000000"/>
                     </a:solidFill>
@@ -11353,7 +11354,7 @@
               </a:ln>
               <a:extLst>
                 <a:ext uri="{91240B29-F687-4f45-9708-019B960494DF}">
-                  <a14:hiddenLine xmlns="" xmlns:a14="http://schemas.microsoft.com/office/drawing/2010/main" w="9525">
+                  <a14:hiddenLine xmlns:a14="http://schemas.microsoft.com/office/drawing/2010/main" xmlns="" w="9525">
                     <a:solidFill>
                       <a:srgbClr val="000000"/>
                     </a:solidFill>
@@ -11443,7 +11444,7 @@
               </a:ln>
               <a:extLst>
                 <a:ext uri="{91240B29-F687-4f45-9708-019B960494DF}">
-                  <a14:hiddenLine xmlns="" xmlns:a14="http://schemas.microsoft.com/office/drawing/2010/main" w="9525">
+                  <a14:hiddenLine xmlns:a14="http://schemas.microsoft.com/office/drawing/2010/main" xmlns="" w="9525">
                     <a:solidFill>
                       <a:srgbClr val="000000"/>
                     </a:solidFill>
@@ -11511,7 +11512,7 @@
               </a:ln>
               <a:extLst>
                 <a:ext uri="{91240B29-F687-4f45-9708-019B960494DF}">
-                  <a14:hiddenLine xmlns="" xmlns:a14="http://schemas.microsoft.com/office/drawing/2010/main" w="9525">
+                  <a14:hiddenLine xmlns:a14="http://schemas.microsoft.com/office/drawing/2010/main" xmlns="" w="9525">
                     <a:solidFill>
                       <a:srgbClr val="000000"/>
                     </a:solidFill>
@@ -11601,7 +11602,7 @@
               </a:ln>
               <a:extLst>
                 <a:ext uri="{91240B29-F687-4f45-9708-019B960494DF}">
-                  <a14:hiddenLine xmlns="" xmlns:a14="http://schemas.microsoft.com/office/drawing/2010/main" w="9525">
+                  <a14:hiddenLine xmlns:a14="http://schemas.microsoft.com/office/drawing/2010/main" xmlns="" w="9525">
                     <a:solidFill>
                       <a:srgbClr val="000000"/>
                     </a:solidFill>
@@ -11669,7 +11670,7 @@
               </a:ln>
               <a:extLst>
                 <a:ext uri="{91240B29-F687-4f45-9708-019B960494DF}">
-                  <a14:hiddenLine xmlns="" xmlns:a14="http://schemas.microsoft.com/office/drawing/2010/main" w="9525">
+                  <a14:hiddenLine xmlns:a14="http://schemas.microsoft.com/office/drawing/2010/main" xmlns="" w="9525">
                     <a:solidFill>
                       <a:srgbClr val="000000"/>
                     </a:solidFill>
@@ -11759,7 +11760,7 @@
               </a:ln>
               <a:extLst>
                 <a:ext uri="{91240B29-F687-4f45-9708-019B960494DF}">
-                  <a14:hiddenLine xmlns="" xmlns:a14="http://schemas.microsoft.com/office/drawing/2010/main" w="9525">
+                  <a14:hiddenLine xmlns:a14="http://schemas.microsoft.com/office/drawing/2010/main" xmlns="" w="9525">
                     <a:solidFill>
                       <a:srgbClr val="000000"/>
                     </a:solidFill>
@@ -11793,7 +11794,7 @@
               </a:ln>
               <a:extLst>
                 <a:ext uri="{91240B29-F687-4f45-9708-019B960494DF}">
-                  <a14:hiddenLine xmlns="" xmlns:a14="http://schemas.microsoft.com/office/drawing/2010/main" w="9525">
+                  <a14:hiddenLine xmlns:a14="http://schemas.microsoft.com/office/drawing/2010/main" xmlns="" w="9525">
                     <a:solidFill>
                       <a:srgbClr val="000000"/>
                     </a:solidFill>
@@ -12587,6 +12588,179 @@
           <p:cNvPr id="2" name="Title 1">
             <a:extLst>
               <a:ext uri="{FF2B5EF4-FFF2-40B4-BE49-F238E27FC236}">
+                <a16:creationId xmlns:a16="http://schemas.microsoft.com/office/drawing/2014/main" id="{91E65E50-61BC-4C8A-8E92-ADDAE4FC7F52}"/>
+              </a:ext>
+            </a:extLst>
+          </p:cNvPr>
+          <p:cNvSpPr>
+            <a:spLocks noGrp="1"/>
+          </p:cNvSpPr>
+          <p:nvPr>
+            <p:ph type="title"/>
+          </p:nvPr>
+        </p:nvSpPr>
+        <p:spPr/>
+        <p:txBody>
+          <a:bodyPr/>
+          <a:lstStyle/>
+          <a:p>
+            <a:pPr algn="ctr"/>
+            <a:r>
+              <a:rPr lang="en-US" dirty="0"/>
+              <a:t>Questions to be answered</a:t>
+            </a:r>
+          </a:p>
+        </p:txBody>
+      </p:sp>
+      <p:sp>
+        <p:nvSpPr>
+          <p:cNvPr id="3" name="Content Placeholder 2">
+            <a:extLst>
+              <a:ext uri="{FF2B5EF4-FFF2-40B4-BE49-F238E27FC236}">
+                <a16:creationId xmlns:a16="http://schemas.microsoft.com/office/drawing/2014/main" id="{8FABC416-E36F-48ED-BA1C-8EB306E1618D}"/>
+              </a:ext>
+            </a:extLst>
+          </p:cNvPr>
+          <p:cNvSpPr>
+            <a:spLocks noGrp="1"/>
+          </p:cNvSpPr>
+          <p:nvPr>
+            <p:ph idx="1"/>
+          </p:nvPr>
+        </p:nvSpPr>
+        <p:spPr/>
+        <p:txBody>
+          <a:bodyPr/>
+          <a:lstStyle/>
+          <a:p>
+            <a:r>
+              <a:rPr lang="en-US" dirty="0"/>
+              <a:t>Feasible frequencies of the tram</a:t>
+            </a:r>
+          </a:p>
+          <a:p>
+            <a:r>
+              <a:rPr lang="en-US" dirty="0"/>
+              <a:t>Maximum amount of passengers that line can handle</a:t>
+            </a:r>
+          </a:p>
+          <a:p>
+            <a:r>
+              <a:rPr lang="en-US" dirty="0"/>
+              <a:t>Possible measures to improve the operational performance</a:t>
+            </a:r>
+          </a:p>
+        </p:txBody>
+      </p:sp>
+      <p:cxnSp>
+        <p:nvCxnSpPr>
+          <p:cNvPr id="5" name="Straight Arrow Connector 4">
+            <a:extLst>
+              <a:ext uri="{FF2B5EF4-FFF2-40B4-BE49-F238E27FC236}">
+                <a16:creationId xmlns:a16="http://schemas.microsoft.com/office/drawing/2014/main" id="{EC190A12-D0EB-46CF-A130-BEEAB7FE4FDB}"/>
+              </a:ext>
+            </a:extLst>
+          </p:cNvPr>
+          <p:cNvCxnSpPr/>
+          <p:nvPr/>
+        </p:nvCxnSpPr>
+        <p:spPr>
+          <a:xfrm>
+            <a:off x="1496291" y="5015345"/>
+            <a:ext cx="1645920" cy="0"/>
+          </a:xfrm>
+          <a:prstGeom prst="straightConnector1">
+            <a:avLst/>
+          </a:prstGeom>
+          <a:ln w="76200">
+            <a:tailEnd type="triangle"/>
+          </a:ln>
+        </p:spPr>
+        <p:style>
+          <a:lnRef idx="1">
+            <a:schemeClr val="accent1"/>
+          </a:lnRef>
+          <a:fillRef idx="0">
+            <a:schemeClr val="accent1"/>
+          </a:fillRef>
+          <a:effectRef idx="0">
+            <a:schemeClr val="accent1"/>
+          </a:effectRef>
+          <a:fontRef idx="minor">
+            <a:schemeClr val="tx1"/>
+          </a:fontRef>
+        </p:style>
+      </p:cxnSp>
+      <p:sp>
+        <p:nvSpPr>
+          <p:cNvPr id="6" name="TextBox 5">
+            <a:extLst>
+              <a:ext uri="{FF2B5EF4-FFF2-40B4-BE49-F238E27FC236}">
+                <a16:creationId xmlns:a16="http://schemas.microsoft.com/office/drawing/2014/main" id="{07030E73-52D6-413B-AEE1-BC7606FB77D7}"/>
+              </a:ext>
+            </a:extLst>
+          </p:cNvPr>
+          <p:cNvSpPr txBox="1"/>
+          <p:nvPr/>
+        </p:nvSpPr>
+        <p:spPr>
+          <a:xfrm>
+            <a:off x="4364182" y="4830679"/>
+            <a:ext cx="1425968" cy="369332"/>
+          </a:xfrm>
+          <a:prstGeom prst="rect">
+            <a:avLst/>
+          </a:prstGeom>
+          <a:noFill/>
+        </p:spPr>
+        <p:txBody>
+          <a:bodyPr wrap="none" rtlCol="0">
+            <a:spAutoFit/>
+          </a:bodyPr>
+          <a:lstStyle/>
+          <a:p>
+            <a:r>
+              <a:rPr lang="en-US" b="1" dirty="0"/>
+              <a:t>SIMULATION</a:t>
+            </a:r>
+          </a:p>
+        </p:txBody>
+      </p:sp>
+    </p:spTree>
+    <p:extLst>
+      <p:ext uri="{BB962C8B-B14F-4D97-AF65-F5344CB8AC3E}">
+        <p14:creationId xmlns:p14="http://schemas.microsoft.com/office/powerpoint/2010/main" val="2387556811"/>
+      </p:ext>
+    </p:extLst>
+  </p:cSld>
+  <p:clrMapOvr>
+    <a:masterClrMapping/>
+  </p:clrMapOvr>
+</p:sld>
+</file>
+
+<file path=ppt/slides/slide4.xml><?xml version="1.0" encoding="utf-8"?>
+<p:sld xmlns:a="http://schemas.openxmlformats.org/drawingml/2006/main" xmlns:r="http://schemas.openxmlformats.org/officeDocument/2006/relationships" xmlns:p="http://schemas.openxmlformats.org/presentationml/2006/main">
+  <p:cSld>
+    <p:spTree>
+      <p:nvGrpSpPr>
+        <p:cNvPr id="1" name=""/>
+        <p:cNvGrpSpPr/>
+        <p:nvPr/>
+      </p:nvGrpSpPr>
+      <p:grpSpPr>
+        <a:xfrm>
+          <a:off x="0" y="0"/>
+          <a:ext cx="0" cy="0"/>
+          <a:chOff x="0" y="0"/>
+          <a:chExt cx="0" cy="0"/>
+        </a:xfrm>
+      </p:grpSpPr>
+      <p:sp>
+        <p:nvSpPr>
+          <p:cNvPr id="2" name="Title 1">
+            <a:extLst>
+              <a:ext uri="{FF2B5EF4-FFF2-40B4-BE49-F238E27FC236}">
                 <a16:creationId xmlns:a16="http://schemas.microsoft.com/office/drawing/2014/main" id="{8154E1F1-6EC6-4230-B697-F4F0EC514043}"/>
               </a:ext>
             </a:extLst>

--- a/presentation/Simulation assignment.pptx
+++ b/presentation/Simulation assignment.pptx
@@ -8,7 +8,8 @@
     <p:sldId id="256" r:id="rId2"/>
     <p:sldId id="257" r:id="rId3"/>
     <p:sldId id="259" r:id="rId4"/>
-    <p:sldId id="258" r:id="rId5"/>
+    <p:sldId id="260" r:id="rId5"/>
+    <p:sldId id="258" r:id="rId6"/>
   </p:sldIdLst>
   <p:sldSz cx="12192000" cy="6858000"/>
   <p:notesSz cx="6858000" cy="9144000"/>
@@ -176,7 +177,7 @@
           <a:noFill/>
           <a:extLst>
             <a:ext uri="{909E8E84-426E-40dd-AFC4-6F175D3DCCD1}">
-              <a14:hiddenFill xmlns:a14="http://schemas.microsoft.com/office/drawing/2010/main" xmlns="">
+              <a14:hiddenFill xmlns="" xmlns:a14="http://schemas.microsoft.com/office/drawing/2010/main">
                 <a:solidFill>
                   <a:srgbClr val="FFFFFF"/>
                 </a:solidFill>
@@ -235,7 +236,7 @@
             </a:ln>
             <a:extLst>
               <a:ext uri="{91240B29-F687-4f45-9708-019B960494DF}">
-                <a14:hiddenLine xmlns:a14="http://schemas.microsoft.com/office/drawing/2010/main" xmlns="" w="9525">
+                <a14:hiddenLine xmlns="" xmlns:a14="http://schemas.microsoft.com/office/drawing/2010/main" w="9525">
                   <a:solidFill>
                     <a:srgbClr val="000000"/>
                   </a:solidFill>
@@ -325,7 +326,7 @@
             </a:ln>
             <a:extLst>
               <a:ext uri="{91240B29-F687-4f45-9708-019B960494DF}">
-                <a14:hiddenLine xmlns:a14="http://schemas.microsoft.com/office/drawing/2010/main" xmlns="" w="9525">
+                <a14:hiddenLine xmlns="" xmlns:a14="http://schemas.microsoft.com/office/drawing/2010/main" w="9525">
                   <a:solidFill>
                     <a:srgbClr val="000000"/>
                   </a:solidFill>
@@ -415,7 +416,7 @@
             </a:ln>
             <a:extLst>
               <a:ext uri="{91240B29-F687-4f45-9708-019B960494DF}">
-                <a14:hiddenLine xmlns:a14="http://schemas.microsoft.com/office/drawing/2010/main" xmlns="" w="9525">
+                <a14:hiddenLine xmlns="" xmlns:a14="http://schemas.microsoft.com/office/drawing/2010/main" w="9525">
                   <a:solidFill>
                     <a:srgbClr val="000000"/>
                   </a:solidFill>
@@ -449,7 +450,7 @@
             </a:ln>
             <a:extLst>
               <a:ext uri="{91240B29-F687-4f45-9708-019B960494DF}">
-                <a14:hiddenLine xmlns:a14="http://schemas.microsoft.com/office/drawing/2010/main" xmlns="" w="9525">
+                <a14:hiddenLine xmlns="" xmlns:a14="http://schemas.microsoft.com/office/drawing/2010/main" w="9525">
                   <a:solidFill>
                     <a:srgbClr val="000000"/>
                   </a:solidFill>
@@ -539,7 +540,7 @@
             </a:ln>
             <a:extLst>
               <a:ext uri="{91240B29-F687-4f45-9708-019B960494DF}">
-                <a14:hiddenLine xmlns:a14="http://schemas.microsoft.com/office/drawing/2010/main" xmlns="" w="9525">
+                <a14:hiddenLine xmlns="" xmlns:a14="http://schemas.microsoft.com/office/drawing/2010/main" w="9525">
                   <a:solidFill>
                     <a:srgbClr val="000000"/>
                   </a:solidFill>
@@ -601,7 +602,7 @@
             </a:ln>
             <a:extLst>
               <a:ext uri="{91240B29-F687-4f45-9708-019B960494DF}">
-                <a14:hiddenLine xmlns:a14="http://schemas.microsoft.com/office/drawing/2010/main" xmlns="" w="9525">
+                <a14:hiddenLine xmlns="" xmlns:a14="http://schemas.microsoft.com/office/drawing/2010/main" w="9525">
                   <a:solidFill>
                     <a:srgbClr val="000000"/>
                   </a:solidFill>
@@ -663,7 +664,7 @@
             </a:ln>
             <a:extLst>
               <a:ext uri="{91240B29-F687-4f45-9708-019B960494DF}">
-                <a14:hiddenLine xmlns:a14="http://schemas.microsoft.com/office/drawing/2010/main" xmlns="" w="9525">
+                <a14:hiddenLine xmlns="" xmlns:a14="http://schemas.microsoft.com/office/drawing/2010/main" w="9525">
                   <a:solidFill>
                     <a:srgbClr val="000000"/>
                   </a:solidFill>
@@ -753,7 +754,7 @@
             </a:ln>
             <a:extLst>
               <a:ext uri="{91240B29-F687-4f45-9708-019B960494DF}">
-                <a14:hiddenLine xmlns:a14="http://schemas.microsoft.com/office/drawing/2010/main" xmlns="" w="9525">
+                <a14:hiddenLine xmlns="" xmlns:a14="http://schemas.microsoft.com/office/drawing/2010/main" w="9525">
                   <a:solidFill>
                     <a:srgbClr val="000000"/>
                   </a:solidFill>
@@ -815,7 +816,7 @@
             </a:ln>
             <a:extLst>
               <a:ext uri="{91240B29-F687-4f45-9708-019B960494DF}">
-                <a14:hiddenLine xmlns:a14="http://schemas.microsoft.com/office/drawing/2010/main" xmlns="" w="9525">
+                <a14:hiddenLine xmlns="" xmlns:a14="http://schemas.microsoft.com/office/drawing/2010/main" w="9525">
                   <a:solidFill>
                     <a:srgbClr val="000000"/>
                   </a:solidFill>
@@ -877,7 +878,7 @@
             </a:ln>
             <a:extLst>
               <a:ext uri="{91240B29-F687-4f45-9708-019B960494DF}">
-                <a14:hiddenLine xmlns:a14="http://schemas.microsoft.com/office/drawing/2010/main" xmlns="" w="9525">
+                <a14:hiddenLine xmlns="" xmlns:a14="http://schemas.microsoft.com/office/drawing/2010/main" w="9525">
                   <a:solidFill>
                     <a:srgbClr val="000000"/>
                   </a:solidFill>
@@ -967,7 +968,7 @@
             </a:ln>
             <a:extLst>
               <a:ext uri="{91240B29-F687-4f45-9708-019B960494DF}">
-                <a14:hiddenLine xmlns:a14="http://schemas.microsoft.com/office/drawing/2010/main" xmlns="" w="9525">
+                <a14:hiddenLine xmlns="" xmlns:a14="http://schemas.microsoft.com/office/drawing/2010/main" w="9525">
                   <a:solidFill>
                     <a:srgbClr val="000000"/>
                   </a:solidFill>
@@ -1057,7 +1058,7 @@
             </a:ln>
             <a:extLst>
               <a:ext uri="{91240B29-F687-4f45-9708-019B960494DF}">
-                <a14:hiddenLine xmlns:a14="http://schemas.microsoft.com/office/drawing/2010/main" xmlns="" w="9525">
+                <a14:hiddenLine xmlns="" xmlns:a14="http://schemas.microsoft.com/office/drawing/2010/main" w="9525">
                   <a:solidFill>
                     <a:srgbClr val="000000"/>
                   </a:solidFill>
@@ -1119,7 +1120,7 @@
             </a:ln>
             <a:extLst>
               <a:ext uri="{91240B29-F687-4f45-9708-019B960494DF}">
-                <a14:hiddenLine xmlns:a14="http://schemas.microsoft.com/office/drawing/2010/main" xmlns="" w="9525">
+                <a14:hiddenLine xmlns="" xmlns:a14="http://schemas.microsoft.com/office/drawing/2010/main" w="9525">
                   <a:solidFill>
                     <a:srgbClr val="000000"/>
                   </a:solidFill>
@@ -1229,7 +1230,7 @@
             </a:ln>
             <a:extLst>
               <a:ext uri="{91240B29-F687-4f45-9708-019B960494DF}">
-                <a14:hiddenLine xmlns:a14="http://schemas.microsoft.com/office/drawing/2010/main" xmlns="" w="9525">
+                <a14:hiddenLine xmlns="" xmlns:a14="http://schemas.microsoft.com/office/drawing/2010/main" w="9525">
                   <a:solidFill>
                     <a:srgbClr val="000000"/>
                   </a:solidFill>
@@ -1291,7 +1292,7 @@
             </a:ln>
             <a:extLst>
               <a:ext uri="{91240B29-F687-4f45-9708-019B960494DF}">
-                <a14:hiddenLine xmlns:a14="http://schemas.microsoft.com/office/drawing/2010/main" xmlns="" w="9525">
+                <a14:hiddenLine xmlns="" xmlns:a14="http://schemas.microsoft.com/office/drawing/2010/main" w="9525">
                   <a:solidFill>
                     <a:srgbClr val="000000"/>
                   </a:solidFill>
@@ -1381,7 +1382,7 @@
             </a:ln>
             <a:extLst>
               <a:ext uri="{91240B29-F687-4f45-9708-019B960494DF}">
-                <a14:hiddenLine xmlns:a14="http://schemas.microsoft.com/office/drawing/2010/main" xmlns="" w="9525">
+                <a14:hiddenLine xmlns="" xmlns:a14="http://schemas.microsoft.com/office/drawing/2010/main" w="9525">
                   <a:solidFill>
                     <a:srgbClr val="000000"/>
                   </a:solidFill>
@@ -1471,7 +1472,7 @@
             </a:ln>
             <a:extLst>
               <a:ext uri="{91240B29-F687-4f45-9708-019B960494DF}">
-                <a14:hiddenLine xmlns:a14="http://schemas.microsoft.com/office/drawing/2010/main" xmlns="" w="9525">
+                <a14:hiddenLine xmlns="" xmlns:a14="http://schemas.microsoft.com/office/drawing/2010/main" w="9525">
                   <a:solidFill>
                     <a:srgbClr val="000000"/>
                   </a:solidFill>
@@ -1533,7 +1534,7 @@
             </a:ln>
             <a:extLst>
               <a:ext uri="{91240B29-F687-4f45-9708-019B960494DF}">
-                <a14:hiddenLine xmlns:a14="http://schemas.microsoft.com/office/drawing/2010/main" xmlns="" w="9525">
+                <a14:hiddenLine xmlns="" xmlns:a14="http://schemas.microsoft.com/office/drawing/2010/main" w="9525">
                   <a:solidFill>
                     <a:srgbClr val="000000"/>
                   </a:solidFill>
@@ -1623,7 +1624,7 @@
             </a:ln>
             <a:extLst>
               <a:ext uri="{91240B29-F687-4f45-9708-019B960494DF}">
-                <a14:hiddenLine xmlns:a14="http://schemas.microsoft.com/office/drawing/2010/main" xmlns="" w="9525">
+                <a14:hiddenLine xmlns="" xmlns:a14="http://schemas.microsoft.com/office/drawing/2010/main" w="9525">
                   <a:solidFill>
                     <a:srgbClr val="000000"/>
                   </a:solidFill>
@@ -1713,7 +1714,7 @@
             </a:ln>
             <a:extLst>
               <a:ext uri="{91240B29-F687-4f45-9708-019B960494DF}">
-                <a14:hiddenLine xmlns:a14="http://schemas.microsoft.com/office/drawing/2010/main" xmlns="" w="9525">
+                <a14:hiddenLine xmlns="" xmlns:a14="http://schemas.microsoft.com/office/drawing/2010/main" w="9525">
                   <a:solidFill>
                     <a:srgbClr val="000000"/>
                   </a:solidFill>
@@ -1769,7 +1770,7 @@
             </a:ln>
             <a:extLst>
               <a:ext uri="{91240B29-F687-4f45-9708-019B960494DF}">
-                <a14:hiddenLine xmlns:a14="http://schemas.microsoft.com/office/drawing/2010/main" xmlns="" w="9525">
+                <a14:hiddenLine xmlns="" xmlns:a14="http://schemas.microsoft.com/office/drawing/2010/main" w="9525">
                   <a:solidFill>
                     <a:srgbClr val="000000"/>
                   </a:solidFill>
@@ -1859,7 +1860,7 @@
             </a:ln>
             <a:extLst>
               <a:ext uri="{91240B29-F687-4f45-9708-019B960494DF}">
-                <a14:hiddenLine xmlns:a14="http://schemas.microsoft.com/office/drawing/2010/main" xmlns="" w="9525">
+                <a14:hiddenLine xmlns="" xmlns:a14="http://schemas.microsoft.com/office/drawing/2010/main" w="9525">
                   <a:solidFill>
                     <a:srgbClr val="000000"/>
                   </a:solidFill>
@@ -1915,7 +1916,7 @@
             </a:ln>
             <a:extLst>
               <a:ext uri="{91240B29-F687-4f45-9708-019B960494DF}">
-                <a14:hiddenLine xmlns:a14="http://schemas.microsoft.com/office/drawing/2010/main" xmlns="" w="9525">
+                <a14:hiddenLine xmlns="" xmlns:a14="http://schemas.microsoft.com/office/drawing/2010/main" w="9525">
                   <a:solidFill>
                     <a:srgbClr val="000000"/>
                   </a:solidFill>
@@ -2005,7 +2006,7 @@
             </a:ln>
             <a:extLst>
               <a:ext uri="{91240B29-F687-4f45-9708-019B960494DF}">
-                <a14:hiddenLine xmlns:a14="http://schemas.microsoft.com/office/drawing/2010/main" xmlns="" w="9525">
+                <a14:hiddenLine xmlns="" xmlns:a14="http://schemas.microsoft.com/office/drawing/2010/main" w="9525">
                   <a:solidFill>
                     <a:srgbClr val="000000"/>
                   </a:solidFill>
@@ -2073,7 +2074,7 @@
             </a:ln>
             <a:extLst>
               <a:ext uri="{91240B29-F687-4f45-9708-019B960494DF}">
-                <a14:hiddenLine xmlns:a14="http://schemas.microsoft.com/office/drawing/2010/main" xmlns="" w="9525">
+                <a14:hiddenLine xmlns="" xmlns:a14="http://schemas.microsoft.com/office/drawing/2010/main" w="9525">
                   <a:solidFill>
                     <a:srgbClr val="000000"/>
                   </a:solidFill>
@@ -2163,7 +2164,7 @@
             </a:ln>
             <a:extLst>
               <a:ext uri="{91240B29-F687-4f45-9708-019B960494DF}">
-                <a14:hiddenLine xmlns:a14="http://schemas.microsoft.com/office/drawing/2010/main" xmlns="" w="9525">
+                <a14:hiddenLine xmlns="" xmlns:a14="http://schemas.microsoft.com/office/drawing/2010/main" w="9525">
                   <a:solidFill>
                     <a:srgbClr val="000000"/>
                   </a:solidFill>
@@ -2231,7 +2232,7 @@
             </a:ln>
             <a:extLst>
               <a:ext uri="{91240B29-F687-4f45-9708-019B960494DF}">
-                <a14:hiddenLine xmlns:a14="http://schemas.microsoft.com/office/drawing/2010/main" xmlns="" w="9525">
+                <a14:hiddenLine xmlns="" xmlns:a14="http://schemas.microsoft.com/office/drawing/2010/main" w="9525">
                   <a:solidFill>
                     <a:srgbClr val="000000"/>
                   </a:solidFill>
@@ -2321,7 +2322,7 @@
             </a:ln>
             <a:extLst>
               <a:ext uri="{91240B29-F687-4f45-9708-019B960494DF}">
-                <a14:hiddenLine xmlns:a14="http://schemas.microsoft.com/office/drawing/2010/main" xmlns="" w="9525">
+                <a14:hiddenLine xmlns="" xmlns:a14="http://schemas.microsoft.com/office/drawing/2010/main" w="9525">
                   <a:solidFill>
                     <a:srgbClr val="000000"/>
                   </a:solidFill>
@@ -2355,7 +2356,7 @@
             </a:ln>
             <a:extLst>
               <a:ext uri="{91240B29-F687-4f45-9708-019B960494DF}">
-                <a14:hiddenLine xmlns:a14="http://schemas.microsoft.com/office/drawing/2010/main" xmlns="" w="9525">
+                <a14:hiddenLine xmlns="" xmlns:a14="http://schemas.microsoft.com/office/drawing/2010/main" w="9525">
                   <a:solidFill>
                     <a:srgbClr val="000000"/>
                   </a:solidFill>
@@ -2445,7 +2446,7 @@
             </a:ln>
             <a:extLst>
               <a:ext uri="{91240B29-F687-4f45-9708-019B960494DF}">
-                <a14:hiddenLine xmlns:a14="http://schemas.microsoft.com/office/drawing/2010/main" xmlns="" w="9525">
+                <a14:hiddenLine xmlns="" xmlns:a14="http://schemas.microsoft.com/office/drawing/2010/main" w="9525">
                   <a:solidFill>
                     <a:srgbClr val="000000"/>
                   </a:solidFill>
@@ -2507,7 +2508,7 @@
             </a:ln>
             <a:extLst>
               <a:ext uri="{91240B29-F687-4f45-9708-019B960494DF}">
-                <a14:hiddenLine xmlns:a14="http://schemas.microsoft.com/office/drawing/2010/main" xmlns="" w="9525">
+                <a14:hiddenLine xmlns="" xmlns:a14="http://schemas.microsoft.com/office/drawing/2010/main" w="9525">
                   <a:solidFill>
                     <a:srgbClr val="000000"/>
                   </a:solidFill>
@@ -2569,7 +2570,7 @@
             </a:ln>
             <a:extLst>
               <a:ext uri="{91240B29-F687-4f45-9708-019B960494DF}">
-                <a14:hiddenLine xmlns:a14="http://schemas.microsoft.com/office/drawing/2010/main" xmlns="" w="9525">
+                <a14:hiddenLine xmlns="" xmlns:a14="http://schemas.microsoft.com/office/drawing/2010/main" w="9525">
                   <a:solidFill>
                     <a:srgbClr val="000000"/>
                   </a:solidFill>
@@ -2659,7 +2660,7 @@
             </a:ln>
             <a:extLst>
               <a:ext uri="{91240B29-F687-4f45-9708-019B960494DF}">
-                <a14:hiddenLine xmlns:a14="http://schemas.microsoft.com/office/drawing/2010/main" xmlns="" w="9525">
+                <a14:hiddenLine xmlns="" xmlns:a14="http://schemas.microsoft.com/office/drawing/2010/main" w="9525">
                   <a:solidFill>
                     <a:srgbClr val="000000"/>
                   </a:solidFill>
@@ -2727,7 +2728,7 @@
             </a:ln>
             <a:extLst>
               <a:ext uri="{91240B29-F687-4f45-9708-019B960494DF}">
-                <a14:hiddenLine xmlns:a14="http://schemas.microsoft.com/office/drawing/2010/main" xmlns="" w="9525">
+                <a14:hiddenLine xmlns="" xmlns:a14="http://schemas.microsoft.com/office/drawing/2010/main" w="9525">
                   <a:solidFill>
                     <a:srgbClr val="000000"/>
                   </a:solidFill>
@@ -2789,7 +2790,7 @@
             </a:ln>
             <a:extLst>
               <a:ext uri="{91240B29-F687-4f45-9708-019B960494DF}">
-                <a14:hiddenLine xmlns:a14="http://schemas.microsoft.com/office/drawing/2010/main" xmlns="" w="9525">
+                <a14:hiddenLine xmlns="" xmlns:a14="http://schemas.microsoft.com/office/drawing/2010/main" w="9525">
                   <a:solidFill>
                     <a:srgbClr val="000000"/>
                   </a:solidFill>
@@ -2879,7 +2880,7 @@
             </a:ln>
             <a:extLst>
               <a:ext uri="{91240B29-F687-4f45-9708-019B960494DF}">
-                <a14:hiddenLine xmlns:a14="http://schemas.microsoft.com/office/drawing/2010/main" xmlns="" w="9525">
+                <a14:hiddenLine xmlns="" xmlns:a14="http://schemas.microsoft.com/office/drawing/2010/main" w="9525">
                   <a:solidFill>
                     <a:srgbClr val="000000"/>
                   </a:solidFill>
@@ -2941,7 +2942,7 @@
             </a:ln>
             <a:extLst>
               <a:ext uri="{91240B29-F687-4f45-9708-019B960494DF}">
-                <a14:hiddenLine xmlns:a14="http://schemas.microsoft.com/office/drawing/2010/main" xmlns="" w="9525">
+                <a14:hiddenLine xmlns="" xmlns:a14="http://schemas.microsoft.com/office/drawing/2010/main" w="9525">
                   <a:solidFill>
                     <a:srgbClr val="000000"/>
                   </a:solidFill>
@@ -3031,7 +3032,7 @@
             </a:ln>
             <a:extLst>
               <a:ext uri="{91240B29-F687-4f45-9708-019B960494DF}">
-                <a14:hiddenLine xmlns:a14="http://schemas.microsoft.com/office/drawing/2010/main" xmlns="" w="9525">
+                <a14:hiddenLine xmlns="" xmlns:a14="http://schemas.microsoft.com/office/drawing/2010/main" w="9525">
                   <a:solidFill>
                     <a:srgbClr val="000000"/>
                   </a:solidFill>
@@ -3093,7 +3094,7 @@
             </a:ln>
             <a:extLst>
               <a:ext uri="{91240B29-F687-4f45-9708-019B960494DF}">
-                <a14:hiddenLine xmlns:a14="http://schemas.microsoft.com/office/drawing/2010/main" xmlns="" w="9525">
+                <a14:hiddenLine xmlns="" xmlns:a14="http://schemas.microsoft.com/office/drawing/2010/main" w="9525">
                   <a:solidFill>
                     <a:srgbClr val="000000"/>
                   </a:solidFill>
@@ -3183,7 +3184,7 @@
             </a:ln>
             <a:extLst>
               <a:ext uri="{91240B29-F687-4f45-9708-019B960494DF}">
-                <a14:hiddenLine xmlns:a14="http://schemas.microsoft.com/office/drawing/2010/main" xmlns="" w="9525">
+                <a14:hiddenLine xmlns="" xmlns:a14="http://schemas.microsoft.com/office/drawing/2010/main" w="9525">
                   <a:solidFill>
                     <a:srgbClr val="000000"/>
                   </a:solidFill>
@@ -3217,7 +3218,7 @@
             </a:ln>
             <a:extLst>
               <a:ext uri="{91240B29-F687-4f45-9708-019B960494DF}">
-                <a14:hiddenLine xmlns:a14="http://schemas.microsoft.com/office/drawing/2010/main" xmlns="" w="9525">
+                <a14:hiddenLine xmlns="" xmlns:a14="http://schemas.microsoft.com/office/drawing/2010/main" w="9525">
                   <a:solidFill>
                     <a:srgbClr val="000000"/>
                   </a:solidFill>
@@ -3282,7 +3283,7 @@
             </a:ln>
             <a:extLst>
               <a:ext uri="{91240B29-F687-4f45-9708-019B960494DF}">
-                <a14:hiddenLine xmlns:a14="http://schemas.microsoft.com/office/drawing/2010/main" xmlns="" w="9525">
+                <a14:hiddenLine xmlns="" xmlns:a14="http://schemas.microsoft.com/office/drawing/2010/main" w="9525">
                   <a:solidFill>
                     <a:srgbClr val="000000"/>
                   </a:solidFill>
@@ -3372,7 +3373,7 @@
             </a:ln>
             <a:extLst>
               <a:ext uri="{91240B29-F687-4f45-9708-019B960494DF}">
-                <a14:hiddenLine xmlns:a14="http://schemas.microsoft.com/office/drawing/2010/main" xmlns="" w="9525">
+                <a14:hiddenLine xmlns="" xmlns:a14="http://schemas.microsoft.com/office/drawing/2010/main" w="9525">
                   <a:solidFill>
                     <a:srgbClr val="000000"/>
                   </a:solidFill>
@@ -3434,7 +3435,7 @@
             </a:ln>
             <a:extLst>
               <a:ext uri="{91240B29-F687-4f45-9708-019B960494DF}">
-                <a14:hiddenLine xmlns:a14="http://schemas.microsoft.com/office/drawing/2010/main" xmlns="" w="9525">
+                <a14:hiddenLine xmlns="" xmlns:a14="http://schemas.microsoft.com/office/drawing/2010/main" w="9525">
                   <a:solidFill>
                     <a:srgbClr val="000000"/>
                   </a:solidFill>
@@ -3524,7 +3525,7 @@
             </a:ln>
             <a:extLst>
               <a:ext uri="{91240B29-F687-4f45-9708-019B960494DF}">
-                <a14:hiddenLine xmlns:a14="http://schemas.microsoft.com/office/drawing/2010/main" xmlns="" w="9525">
+                <a14:hiddenLine xmlns="" xmlns:a14="http://schemas.microsoft.com/office/drawing/2010/main" w="9525">
                   <a:solidFill>
                     <a:srgbClr val="000000"/>
                   </a:solidFill>
@@ -3614,7 +3615,7 @@
             </a:ln>
             <a:extLst>
               <a:ext uri="{91240B29-F687-4f45-9708-019B960494DF}">
-                <a14:hiddenLine xmlns:a14="http://schemas.microsoft.com/office/drawing/2010/main" xmlns="" w="9525">
+                <a14:hiddenLine xmlns="" xmlns:a14="http://schemas.microsoft.com/office/drawing/2010/main" w="9525">
                   <a:solidFill>
                     <a:srgbClr val="000000"/>
                   </a:solidFill>
@@ -3679,7 +3680,7 @@
             </a:ln>
             <a:extLst>
               <a:ext uri="{91240B29-F687-4f45-9708-019B960494DF}">
-                <a14:hiddenLine xmlns:a14="http://schemas.microsoft.com/office/drawing/2010/main" xmlns="" w="9525">
+                <a14:hiddenLine xmlns="" xmlns:a14="http://schemas.microsoft.com/office/drawing/2010/main" w="9525">
                   <a:solidFill>
                     <a:srgbClr val="000000"/>
                   </a:solidFill>
@@ -3741,7 +3742,7 @@
             </a:ln>
             <a:extLst>
               <a:ext uri="{91240B29-F687-4f45-9708-019B960494DF}">
-                <a14:hiddenLine xmlns:a14="http://schemas.microsoft.com/office/drawing/2010/main" xmlns="" w="9525">
+                <a14:hiddenLine xmlns="" xmlns:a14="http://schemas.microsoft.com/office/drawing/2010/main" w="9525">
                   <a:solidFill>
                     <a:srgbClr val="000000"/>
                   </a:solidFill>
@@ -3831,7 +3832,7 @@
             </a:ln>
             <a:extLst>
               <a:ext uri="{91240B29-F687-4f45-9708-019B960494DF}">
-                <a14:hiddenLine xmlns:a14="http://schemas.microsoft.com/office/drawing/2010/main" xmlns="" w="9525">
+                <a14:hiddenLine xmlns="" xmlns:a14="http://schemas.microsoft.com/office/drawing/2010/main" w="9525">
                   <a:solidFill>
                     <a:srgbClr val="000000"/>
                   </a:solidFill>
@@ -3921,7 +3922,7 @@
             </a:ln>
             <a:extLst>
               <a:ext uri="{91240B29-F687-4f45-9708-019B960494DF}">
-                <a14:hiddenLine xmlns:a14="http://schemas.microsoft.com/office/drawing/2010/main" xmlns="" w="9525">
+                <a14:hiddenLine xmlns="" xmlns:a14="http://schemas.microsoft.com/office/drawing/2010/main" w="9525">
                   <a:solidFill>
                     <a:srgbClr val="000000"/>
                   </a:solidFill>
@@ -3983,7 +3984,7 @@
             </a:ln>
             <a:extLst>
               <a:ext uri="{91240B29-F687-4f45-9708-019B960494DF}">
-                <a14:hiddenLine xmlns:a14="http://schemas.microsoft.com/office/drawing/2010/main" xmlns="" w="9525">
+                <a14:hiddenLine xmlns="" xmlns:a14="http://schemas.microsoft.com/office/drawing/2010/main" w="9525">
                   <a:solidFill>
                     <a:srgbClr val="000000"/>
                   </a:solidFill>
@@ -4103,7 +4104,7 @@
             </a:ln>
             <a:extLst>
               <a:ext uri="{91240B29-F687-4f45-9708-019B960494DF}">
-                <a14:hiddenLine xmlns:a14="http://schemas.microsoft.com/office/drawing/2010/main" xmlns="" w="9525">
+                <a14:hiddenLine xmlns="" xmlns:a14="http://schemas.microsoft.com/office/drawing/2010/main" w="9525">
                   <a:solidFill>
                     <a:srgbClr val="000000"/>
                   </a:solidFill>
@@ -4171,7 +4172,7 @@
             </a:ln>
             <a:extLst>
               <a:ext uri="{91240B29-F687-4f45-9708-019B960494DF}">
-                <a14:hiddenLine xmlns:a14="http://schemas.microsoft.com/office/drawing/2010/main" xmlns="" w="9525">
+                <a14:hiddenLine xmlns="" xmlns:a14="http://schemas.microsoft.com/office/drawing/2010/main" w="9525">
                   <a:solidFill>
                     <a:srgbClr val="000000"/>
                   </a:solidFill>
@@ -4261,7 +4262,7 @@
             </a:ln>
             <a:extLst>
               <a:ext uri="{91240B29-F687-4f45-9708-019B960494DF}">
-                <a14:hiddenLine xmlns:a14="http://schemas.microsoft.com/office/drawing/2010/main" xmlns="" w="9525">
+                <a14:hiddenLine xmlns="" xmlns:a14="http://schemas.microsoft.com/office/drawing/2010/main" w="9525">
                   <a:solidFill>
                     <a:srgbClr val="000000"/>
                   </a:solidFill>
@@ -8990,7 +8991,7 @@
           <a:noFill/>
           <a:extLst>
             <a:ext uri="{909E8E84-426E-40dd-AFC4-6F175D3DCCD1}">
-              <a14:hiddenFill xmlns:a14="http://schemas.microsoft.com/office/drawing/2010/main" xmlns="">
+              <a14:hiddenFill xmlns="" xmlns:a14="http://schemas.microsoft.com/office/drawing/2010/main">
                 <a:solidFill>
                   <a:srgbClr val="FFFFFF"/>
                 </a:solidFill>
@@ -9064,7 +9065,7 @@
               </a:ln>
               <a:extLst>
                 <a:ext uri="{91240B29-F687-4f45-9708-019B960494DF}">
-                  <a14:hiddenLine xmlns:a14="http://schemas.microsoft.com/office/drawing/2010/main" xmlns="" w="9525">
+                  <a14:hiddenLine xmlns="" xmlns:a14="http://schemas.microsoft.com/office/drawing/2010/main" w="9525">
                     <a:solidFill>
                       <a:srgbClr val="000000"/>
                     </a:solidFill>
@@ -9154,7 +9155,7 @@
               </a:ln>
               <a:extLst>
                 <a:ext uri="{91240B29-F687-4f45-9708-019B960494DF}">
-                  <a14:hiddenLine xmlns:a14="http://schemas.microsoft.com/office/drawing/2010/main" xmlns="" w="9525">
+                  <a14:hiddenLine xmlns="" xmlns:a14="http://schemas.microsoft.com/office/drawing/2010/main" w="9525">
                     <a:solidFill>
                       <a:srgbClr val="000000"/>
                     </a:solidFill>
@@ -9244,7 +9245,7 @@
               </a:ln>
               <a:extLst>
                 <a:ext uri="{91240B29-F687-4f45-9708-019B960494DF}">
-                  <a14:hiddenLine xmlns:a14="http://schemas.microsoft.com/office/drawing/2010/main" xmlns="" w="9525">
+                  <a14:hiddenLine xmlns="" xmlns:a14="http://schemas.microsoft.com/office/drawing/2010/main" w="9525">
                     <a:solidFill>
                       <a:srgbClr val="000000"/>
                     </a:solidFill>
@@ -9306,7 +9307,7 @@
               </a:ln>
               <a:extLst>
                 <a:ext uri="{91240B29-F687-4f45-9708-019B960494DF}">
-                  <a14:hiddenLine xmlns:a14="http://schemas.microsoft.com/office/drawing/2010/main" xmlns="" w="9525">
+                  <a14:hiddenLine xmlns="" xmlns:a14="http://schemas.microsoft.com/office/drawing/2010/main" w="9525">
                     <a:solidFill>
                       <a:srgbClr val="000000"/>
                     </a:solidFill>
@@ -9396,7 +9397,7 @@
               </a:ln>
               <a:extLst>
                 <a:ext uri="{91240B29-F687-4f45-9708-019B960494DF}">
-                  <a14:hiddenLine xmlns:a14="http://schemas.microsoft.com/office/drawing/2010/main" xmlns="" w="9525">
+                  <a14:hiddenLine xmlns="" xmlns:a14="http://schemas.microsoft.com/office/drawing/2010/main" w="9525">
                     <a:solidFill>
                       <a:srgbClr val="000000"/>
                     </a:solidFill>
@@ -9458,7 +9459,7 @@
               </a:ln>
               <a:extLst>
                 <a:ext uri="{91240B29-F687-4f45-9708-019B960494DF}">
-                  <a14:hiddenLine xmlns:a14="http://schemas.microsoft.com/office/drawing/2010/main" xmlns="" w="9525">
+                  <a14:hiddenLine xmlns="" xmlns:a14="http://schemas.microsoft.com/office/drawing/2010/main" w="9525">
                     <a:solidFill>
                       <a:srgbClr val="000000"/>
                     </a:solidFill>
@@ -9520,7 +9521,7 @@
               </a:ln>
               <a:extLst>
                 <a:ext uri="{91240B29-F687-4f45-9708-019B960494DF}">
-                  <a14:hiddenLine xmlns:a14="http://schemas.microsoft.com/office/drawing/2010/main" xmlns="" w="9525">
+                  <a14:hiddenLine xmlns="" xmlns:a14="http://schemas.microsoft.com/office/drawing/2010/main" w="9525">
                     <a:solidFill>
                       <a:srgbClr val="000000"/>
                     </a:solidFill>
@@ -9610,7 +9611,7 @@
               </a:ln>
               <a:extLst>
                 <a:ext uri="{91240B29-F687-4f45-9708-019B960494DF}">
-                  <a14:hiddenLine xmlns:a14="http://schemas.microsoft.com/office/drawing/2010/main" xmlns="" w="9525">
+                  <a14:hiddenLine xmlns="" xmlns:a14="http://schemas.microsoft.com/office/drawing/2010/main" w="9525">
                     <a:solidFill>
                       <a:srgbClr val="000000"/>
                     </a:solidFill>
@@ -9700,7 +9701,7 @@
               </a:ln>
               <a:extLst>
                 <a:ext uri="{91240B29-F687-4f45-9708-019B960494DF}">
-                  <a14:hiddenLine xmlns:a14="http://schemas.microsoft.com/office/drawing/2010/main" xmlns="" w="9525">
+                  <a14:hiddenLine xmlns="" xmlns:a14="http://schemas.microsoft.com/office/drawing/2010/main" w="9525">
                     <a:solidFill>
                       <a:srgbClr val="000000"/>
                     </a:solidFill>
@@ -9762,7 +9763,7 @@
               </a:ln>
               <a:extLst>
                 <a:ext uri="{91240B29-F687-4f45-9708-019B960494DF}">
-                  <a14:hiddenLine xmlns:a14="http://schemas.microsoft.com/office/drawing/2010/main" xmlns="" w="9525">
+                  <a14:hiddenLine xmlns="" xmlns:a14="http://schemas.microsoft.com/office/drawing/2010/main" w="9525">
                     <a:solidFill>
                       <a:srgbClr val="000000"/>
                     </a:solidFill>
@@ -9872,7 +9873,7 @@
               </a:ln>
               <a:extLst>
                 <a:ext uri="{91240B29-F687-4f45-9708-019B960494DF}">
-                  <a14:hiddenLine xmlns:a14="http://schemas.microsoft.com/office/drawing/2010/main" xmlns="" w="9525">
+                  <a14:hiddenLine xmlns="" xmlns:a14="http://schemas.microsoft.com/office/drawing/2010/main" w="9525">
                     <a:solidFill>
                       <a:srgbClr val="000000"/>
                     </a:solidFill>
@@ -9956,7 +9957,7 @@
               </a:ln>
               <a:extLst>
                 <a:ext uri="{91240B29-F687-4f45-9708-019B960494DF}">
-                  <a14:hiddenLine xmlns:a14="http://schemas.microsoft.com/office/drawing/2010/main" xmlns="" w="9525">
+                  <a14:hiddenLine xmlns="" xmlns:a14="http://schemas.microsoft.com/office/drawing/2010/main" w="9525">
                     <a:solidFill>
                       <a:srgbClr val="000000"/>
                     </a:solidFill>
@@ -10018,7 +10019,7 @@
               </a:ln>
               <a:extLst>
                 <a:ext uri="{91240B29-F687-4f45-9708-019B960494DF}">
-                  <a14:hiddenLine xmlns:a14="http://schemas.microsoft.com/office/drawing/2010/main" xmlns="" w="9525">
+                  <a14:hiddenLine xmlns="" xmlns:a14="http://schemas.microsoft.com/office/drawing/2010/main" w="9525">
                     <a:solidFill>
                       <a:srgbClr val="000000"/>
                     </a:solidFill>
@@ -10080,7 +10081,7 @@
               </a:ln>
               <a:extLst>
                 <a:ext uri="{91240B29-F687-4f45-9708-019B960494DF}">
-                  <a14:hiddenLine xmlns:a14="http://schemas.microsoft.com/office/drawing/2010/main" xmlns="" w="9525">
+                  <a14:hiddenLine xmlns="" xmlns:a14="http://schemas.microsoft.com/office/drawing/2010/main" w="9525">
                     <a:solidFill>
                       <a:srgbClr val="000000"/>
                     </a:solidFill>
@@ -10170,7 +10171,7 @@
               </a:ln>
               <a:extLst>
                 <a:ext uri="{91240B29-F687-4f45-9708-019B960494DF}">
-                  <a14:hiddenLine xmlns:a14="http://schemas.microsoft.com/office/drawing/2010/main" xmlns="" w="9525">
+                  <a14:hiddenLine xmlns="" xmlns:a14="http://schemas.microsoft.com/office/drawing/2010/main" w="9525">
                     <a:solidFill>
                       <a:srgbClr val="000000"/>
                     </a:solidFill>
@@ -10204,7 +10205,7 @@
               </a:ln>
               <a:extLst>
                 <a:ext uri="{91240B29-F687-4f45-9708-019B960494DF}">
-                  <a14:hiddenLine xmlns:a14="http://schemas.microsoft.com/office/drawing/2010/main" xmlns="" w="9525">
+                  <a14:hiddenLine xmlns="" xmlns:a14="http://schemas.microsoft.com/office/drawing/2010/main" w="9525">
                     <a:solidFill>
                       <a:srgbClr val="000000"/>
                     </a:solidFill>
@@ -10269,7 +10270,7 @@
               </a:ln>
               <a:extLst>
                 <a:ext uri="{91240B29-F687-4f45-9708-019B960494DF}">
-                  <a14:hiddenLine xmlns:a14="http://schemas.microsoft.com/office/drawing/2010/main" xmlns="" w="9525">
+                  <a14:hiddenLine xmlns="" xmlns:a14="http://schemas.microsoft.com/office/drawing/2010/main" w="9525">
                     <a:solidFill>
                       <a:srgbClr val="000000"/>
                     </a:solidFill>
@@ -10359,7 +10360,7 @@
               </a:ln>
               <a:extLst>
                 <a:ext uri="{91240B29-F687-4f45-9708-019B960494DF}">
-                  <a14:hiddenLine xmlns:a14="http://schemas.microsoft.com/office/drawing/2010/main" xmlns="" w="9525">
+                  <a14:hiddenLine xmlns="" xmlns:a14="http://schemas.microsoft.com/office/drawing/2010/main" w="9525">
                     <a:solidFill>
                       <a:srgbClr val="000000"/>
                     </a:solidFill>
@@ -10421,7 +10422,7 @@
               </a:ln>
               <a:extLst>
                 <a:ext uri="{91240B29-F687-4f45-9708-019B960494DF}">
-                  <a14:hiddenLine xmlns:a14="http://schemas.microsoft.com/office/drawing/2010/main" xmlns="" w="9525">
+                  <a14:hiddenLine xmlns="" xmlns:a14="http://schemas.microsoft.com/office/drawing/2010/main" w="9525">
                     <a:solidFill>
                       <a:srgbClr val="000000"/>
                     </a:solidFill>
@@ -10511,7 +10512,7 @@
               </a:ln>
               <a:extLst>
                 <a:ext uri="{91240B29-F687-4f45-9708-019B960494DF}">
-                  <a14:hiddenLine xmlns:a14="http://schemas.microsoft.com/office/drawing/2010/main" xmlns="" w="9525">
+                  <a14:hiddenLine xmlns="" xmlns:a14="http://schemas.microsoft.com/office/drawing/2010/main" w="9525">
                     <a:solidFill>
                       <a:srgbClr val="000000"/>
                     </a:solidFill>
@@ -10576,7 +10577,7 @@
               </a:ln>
               <a:extLst>
                 <a:ext uri="{91240B29-F687-4f45-9708-019B960494DF}">
-                  <a14:hiddenLine xmlns:a14="http://schemas.microsoft.com/office/drawing/2010/main" xmlns="" w="9525">
+                  <a14:hiddenLine xmlns="" xmlns:a14="http://schemas.microsoft.com/office/drawing/2010/main" w="9525">
                     <a:solidFill>
                       <a:srgbClr val="000000"/>
                     </a:solidFill>
@@ -10638,7 +10639,7 @@
               </a:ln>
               <a:extLst>
                 <a:ext uri="{91240B29-F687-4f45-9708-019B960494DF}">
-                  <a14:hiddenLine xmlns:a14="http://schemas.microsoft.com/office/drawing/2010/main" xmlns="" w="9525">
+                  <a14:hiddenLine xmlns="" xmlns:a14="http://schemas.microsoft.com/office/drawing/2010/main" w="9525">
                     <a:solidFill>
                       <a:srgbClr val="000000"/>
                     </a:solidFill>
@@ -10728,7 +10729,7 @@
               </a:ln>
               <a:extLst>
                 <a:ext uri="{91240B29-F687-4f45-9708-019B960494DF}">
-                  <a14:hiddenLine xmlns:a14="http://schemas.microsoft.com/office/drawing/2010/main" xmlns="" w="9525">
+                  <a14:hiddenLine xmlns="" xmlns:a14="http://schemas.microsoft.com/office/drawing/2010/main" w="9525">
                     <a:solidFill>
                       <a:srgbClr val="000000"/>
                     </a:solidFill>
@@ -10818,7 +10819,7 @@
               </a:ln>
               <a:extLst>
                 <a:ext uri="{91240B29-F687-4f45-9708-019B960494DF}">
-                  <a14:hiddenLine xmlns:a14="http://schemas.microsoft.com/office/drawing/2010/main" xmlns="" w="9525">
+                  <a14:hiddenLine xmlns="" xmlns:a14="http://schemas.microsoft.com/office/drawing/2010/main" w="9525">
                     <a:solidFill>
                       <a:srgbClr val="000000"/>
                     </a:solidFill>
@@ -10883,7 +10884,7 @@
               </a:ln>
               <a:extLst>
                 <a:ext uri="{91240B29-F687-4f45-9708-019B960494DF}">
-                  <a14:hiddenLine xmlns:a14="http://schemas.microsoft.com/office/drawing/2010/main" xmlns="" w="9525">
+                  <a14:hiddenLine xmlns="" xmlns:a14="http://schemas.microsoft.com/office/drawing/2010/main" w="9525">
                     <a:solidFill>
                       <a:srgbClr val="000000"/>
                     </a:solidFill>
@@ -11003,7 +11004,7 @@
               </a:ln>
               <a:extLst>
                 <a:ext uri="{91240B29-F687-4f45-9708-019B960494DF}">
-                  <a14:hiddenLine xmlns:a14="http://schemas.microsoft.com/office/drawing/2010/main" xmlns="" w="9525">
+                  <a14:hiddenLine xmlns="" xmlns:a14="http://schemas.microsoft.com/office/drawing/2010/main" w="9525">
                     <a:solidFill>
                       <a:srgbClr val="000000"/>
                     </a:solidFill>
@@ -11084,7 +11085,7 @@
               </a:ln>
               <a:extLst>
                 <a:ext uri="{91240B29-F687-4f45-9708-019B960494DF}">
-                  <a14:hiddenLine xmlns:a14="http://schemas.microsoft.com/office/drawing/2010/main" xmlns="" w="9525">
+                  <a14:hiddenLine xmlns="" xmlns:a14="http://schemas.microsoft.com/office/drawing/2010/main" w="9525">
                     <a:solidFill>
                       <a:srgbClr val="000000"/>
                     </a:solidFill>
@@ -11199,7 +11200,7 @@
               </a:ln>
               <a:extLst>
                 <a:ext uri="{91240B29-F687-4f45-9708-019B960494DF}">
-                  <a14:hiddenLine xmlns:a14="http://schemas.microsoft.com/office/drawing/2010/main" xmlns="" w="9525">
+                  <a14:hiddenLine xmlns="" xmlns:a14="http://schemas.microsoft.com/office/drawing/2010/main" w="9525">
                     <a:solidFill>
                       <a:srgbClr val="000000"/>
                     </a:solidFill>
@@ -11289,7 +11290,7 @@
               </a:ln>
               <a:extLst>
                 <a:ext uri="{91240B29-F687-4f45-9708-019B960494DF}">
-                  <a14:hiddenLine xmlns:a14="http://schemas.microsoft.com/office/drawing/2010/main" xmlns="" w="9525">
+                  <a14:hiddenLine xmlns="" xmlns:a14="http://schemas.microsoft.com/office/drawing/2010/main" w="9525">
                     <a:solidFill>
                       <a:srgbClr val="000000"/>
                     </a:solidFill>
@@ -11354,7 +11355,7 @@
               </a:ln>
               <a:extLst>
                 <a:ext uri="{91240B29-F687-4f45-9708-019B960494DF}">
-                  <a14:hiddenLine xmlns:a14="http://schemas.microsoft.com/office/drawing/2010/main" xmlns="" w="9525">
+                  <a14:hiddenLine xmlns="" xmlns:a14="http://schemas.microsoft.com/office/drawing/2010/main" w="9525">
                     <a:solidFill>
                       <a:srgbClr val="000000"/>
                     </a:solidFill>
@@ -11444,7 +11445,7 @@
               </a:ln>
               <a:extLst>
                 <a:ext uri="{91240B29-F687-4f45-9708-019B960494DF}">
-                  <a14:hiddenLine xmlns:a14="http://schemas.microsoft.com/office/drawing/2010/main" xmlns="" w="9525">
+                  <a14:hiddenLine xmlns="" xmlns:a14="http://schemas.microsoft.com/office/drawing/2010/main" w="9525">
                     <a:solidFill>
                       <a:srgbClr val="000000"/>
                     </a:solidFill>
@@ -11512,7 +11513,7 @@
               </a:ln>
               <a:extLst>
                 <a:ext uri="{91240B29-F687-4f45-9708-019B960494DF}">
-                  <a14:hiddenLine xmlns:a14="http://schemas.microsoft.com/office/drawing/2010/main" xmlns="" w="9525">
+                  <a14:hiddenLine xmlns="" xmlns:a14="http://schemas.microsoft.com/office/drawing/2010/main" w="9525">
                     <a:solidFill>
                       <a:srgbClr val="000000"/>
                     </a:solidFill>
@@ -11602,7 +11603,7 @@
               </a:ln>
               <a:extLst>
                 <a:ext uri="{91240B29-F687-4f45-9708-019B960494DF}">
-                  <a14:hiddenLine xmlns:a14="http://schemas.microsoft.com/office/drawing/2010/main" xmlns="" w="9525">
+                  <a14:hiddenLine xmlns="" xmlns:a14="http://schemas.microsoft.com/office/drawing/2010/main" w="9525">
                     <a:solidFill>
                       <a:srgbClr val="000000"/>
                     </a:solidFill>
@@ -11670,7 +11671,7 @@
               </a:ln>
               <a:extLst>
                 <a:ext uri="{91240B29-F687-4f45-9708-019B960494DF}">
-                  <a14:hiddenLine xmlns:a14="http://schemas.microsoft.com/office/drawing/2010/main" xmlns="" w="9525">
+                  <a14:hiddenLine xmlns="" xmlns:a14="http://schemas.microsoft.com/office/drawing/2010/main" w="9525">
                     <a:solidFill>
                       <a:srgbClr val="000000"/>
                     </a:solidFill>
@@ -11760,7 +11761,7 @@
               </a:ln>
               <a:extLst>
                 <a:ext uri="{91240B29-F687-4f45-9708-019B960494DF}">
-                  <a14:hiddenLine xmlns:a14="http://schemas.microsoft.com/office/drawing/2010/main" xmlns="" w="9525">
+                  <a14:hiddenLine xmlns="" xmlns:a14="http://schemas.microsoft.com/office/drawing/2010/main" w="9525">
                     <a:solidFill>
                       <a:srgbClr val="000000"/>
                     </a:solidFill>
@@ -11794,7 +11795,7 @@
               </a:ln>
               <a:extLst>
                 <a:ext uri="{91240B29-F687-4f45-9708-019B960494DF}">
-                  <a14:hiddenLine xmlns:a14="http://schemas.microsoft.com/office/drawing/2010/main" xmlns="" w="9525">
+                  <a14:hiddenLine xmlns="" xmlns:a14="http://schemas.microsoft.com/office/drawing/2010/main" w="9525">
                     <a:solidFill>
                       <a:srgbClr val="000000"/>
                     </a:solidFill>
@@ -12761,6 +12762,97 @@
           <p:cNvPr id="2" name="Title 1">
             <a:extLst>
               <a:ext uri="{FF2B5EF4-FFF2-40B4-BE49-F238E27FC236}">
+                <a16:creationId xmlns:a16="http://schemas.microsoft.com/office/drawing/2014/main" id="{2FFD2255-DFF9-442F-B0EE-0B75DF4B2B4A}"/>
+              </a:ext>
+            </a:extLst>
+          </p:cNvPr>
+          <p:cNvSpPr>
+            <a:spLocks noGrp="1"/>
+          </p:cNvSpPr>
+          <p:nvPr>
+            <p:ph type="title"/>
+          </p:nvPr>
+        </p:nvSpPr>
+        <p:spPr/>
+        <p:txBody>
+          <a:bodyPr/>
+          <a:lstStyle/>
+          <a:p>
+            <a:pPr algn="ctr"/>
+            <a:r>
+              <a:rPr lang="en-US" dirty="0"/>
+              <a:t>Simulation model</a:t>
+            </a:r>
+          </a:p>
+        </p:txBody>
+      </p:sp>
+      <p:pic>
+        <p:nvPicPr>
+          <p:cNvPr id="4" name="Content Placeholder 3" descr="EventGraph.png">
+            <a:extLst>
+              <a:ext uri="{FF2B5EF4-FFF2-40B4-BE49-F238E27FC236}">
+                <a16:creationId xmlns:a16="http://schemas.microsoft.com/office/drawing/2014/main" id="{CD1D1B85-0AC1-43E9-B476-07D03C6E16E5}"/>
+              </a:ext>
+            </a:extLst>
+          </p:cNvPr>
+          <p:cNvPicPr>
+            <a:picLocks noGrp="1"/>
+          </p:cNvPicPr>
+          <p:nvPr>
+            <p:ph idx="1"/>
+          </p:nvPr>
+        </p:nvPicPr>
+        <p:blipFill>
+          <a:blip r:embed="rId2" cstate="print"/>
+          <a:stretch>
+            <a:fillRect/>
+          </a:stretch>
+        </p:blipFill>
+        <p:spPr>
+          <a:xfrm>
+            <a:off x="1587253" y="1992035"/>
+            <a:ext cx="7948999" cy="3541712"/>
+          </a:xfrm>
+          <a:prstGeom prst="rect">
+            <a:avLst/>
+          </a:prstGeom>
+        </p:spPr>
+      </p:pic>
+    </p:spTree>
+    <p:extLst>
+      <p:ext uri="{BB962C8B-B14F-4D97-AF65-F5344CB8AC3E}">
+        <p14:creationId xmlns:p14="http://schemas.microsoft.com/office/powerpoint/2010/main" val="624245973"/>
+      </p:ext>
+    </p:extLst>
+  </p:cSld>
+  <p:clrMapOvr>
+    <a:masterClrMapping/>
+  </p:clrMapOvr>
+</p:sld>
+</file>
+
+<file path=ppt/slides/slide5.xml><?xml version="1.0" encoding="utf-8"?>
+<p:sld xmlns:a="http://schemas.openxmlformats.org/drawingml/2006/main" xmlns:r="http://schemas.openxmlformats.org/officeDocument/2006/relationships" xmlns:p="http://schemas.openxmlformats.org/presentationml/2006/main">
+  <p:cSld>
+    <p:spTree>
+      <p:nvGrpSpPr>
+        <p:cNvPr id="1" name=""/>
+        <p:cNvGrpSpPr/>
+        <p:nvPr/>
+      </p:nvGrpSpPr>
+      <p:grpSpPr>
+        <a:xfrm>
+          <a:off x="0" y="0"/>
+          <a:ext cx="0" cy="0"/>
+          <a:chOff x="0" y="0"/>
+          <a:chExt cx="0" cy="0"/>
+        </a:xfrm>
+      </p:grpSpPr>
+      <p:sp>
+        <p:nvSpPr>
+          <p:cNvPr id="2" name="Title 1">
+            <a:extLst>
+              <a:ext uri="{FF2B5EF4-FFF2-40B4-BE49-F238E27FC236}">
                 <a16:creationId xmlns:a16="http://schemas.microsoft.com/office/drawing/2014/main" id="{8154E1F1-6EC6-4230-B697-F4F0EC514043}"/>
               </a:ext>
             </a:extLst>

--- a/presentation/Simulation assignment.pptx
+++ b/presentation/Simulation assignment.pptx
@@ -9,7 +9,10 @@
     <p:sldId id="257" r:id="rId3"/>
     <p:sldId id="259" r:id="rId4"/>
     <p:sldId id="260" r:id="rId5"/>
-    <p:sldId id="258" r:id="rId6"/>
+    <p:sldId id="263" r:id="rId6"/>
+    <p:sldId id="262" r:id="rId7"/>
+    <p:sldId id="258" r:id="rId8"/>
+    <p:sldId id="261" r:id="rId9"/>
   </p:sldIdLst>
   <p:sldSz cx="12192000" cy="6858000"/>
   <p:notesSz cx="6858000" cy="9144000"/>
@@ -177,7 +180,7 @@
           <a:noFill/>
           <a:extLst>
             <a:ext uri="{909E8E84-426E-40dd-AFC4-6F175D3DCCD1}">
-              <a14:hiddenFill xmlns="" xmlns:a14="http://schemas.microsoft.com/office/drawing/2010/main">
+              <a14:hiddenFill xmlns:a14="http://schemas.microsoft.com/office/drawing/2010/main" xmlns="">
                 <a:solidFill>
                   <a:srgbClr val="FFFFFF"/>
                 </a:solidFill>
@@ -236,7 +239,7 @@
             </a:ln>
             <a:extLst>
               <a:ext uri="{91240B29-F687-4f45-9708-019B960494DF}">
-                <a14:hiddenLine xmlns="" xmlns:a14="http://schemas.microsoft.com/office/drawing/2010/main" w="9525">
+                <a14:hiddenLine xmlns:a14="http://schemas.microsoft.com/office/drawing/2010/main" xmlns="" w="9525">
                   <a:solidFill>
                     <a:srgbClr val="000000"/>
                   </a:solidFill>
@@ -326,7 +329,7 @@
             </a:ln>
             <a:extLst>
               <a:ext uri="{91240B29-F687-4f45-9708-019B960494DF}">
-                <a14:hiddenLine xmlns="" xmlns:a14="http://schemas.microsoft.com/office/drawing/2010/main" w="9525">
+                <a14:hiddenLine xmlns:a14="http://schemas.microsoft.com/office/drawing/2010/main" xmlns="" w="9525">
                   <a:solidFill>
                     <a:srgbClr val="000000"/>
                   </a:solidFill>
@@ -416,7 +419,7 @@
             </a:ln>
             <a:extLst>
               <a:ext uri="{91240B29-F687-4f45-9708-019B960494DF}">
-                <a14:hiddenLine xmlns="" xmlns:a14="http://schemas.microsoft.com/office/drawing/2010/main" w="9525">
+                <a14:hiddenLine xmlns:a14="http://schemas.microsoft.com/office/drawing/2010/main" xmlns="" w="9525">
                   <a:solidFill>
                     <a:srgbClr val="000000"/>
                   </a:solidFill>
@@ -450,7 +453,7 @@
             </a:ln>
             <a:extLst>
               <a:ext uri="{91240B29-F687-4f45-9708-019B960494DF}">
-                <a14:hiddenLine xmlns="" xmlns:a14="http://schemas.microsoft.com/office/drawing/2010/main" w="9525">
+                <a14:hiddenLine xmlns:a14="http://schemas.microsoft.com/office/drawing/2010/main" xmlns="" w="9525">
                   <a:solidFill>
                     <a:srgbClr val="000000"/>
                   </a:solidFill>
@@ -540,7 +543,7 @@
             </a:ln>
             <a:extLst>
               <a:ext uri="{91240B29-F687-4f45-9708-019B960494DF}">
-                <a14:hiddenLine xmlns="" xmlns:a14="http://schemas.microsoft.com/office/drawing/2010/main" w="9525">
+                <a14:hiddenLine xmlns:a14="http://schemas.microsoft.com/office/drawing/2010/main" xmlns="" w="9525">
                   <a:solidFill>
                     <a:srgbClr val="000000"/>
                   </a:solidFill>
@@ -602,7 +605,7 @@
             </a:ln>
             <a:extLst>
               <a:ext uri="{91240B29-F687-4f45-9708-019B960494DF}">
-                <a14:hiddenLine xmlns="" xmlns:a14="http://schemas.microsoft.com/office/drawing/2010/main" w="9525">
+                <a14:hiddenLine xmlns:a14="http://schemas.microsoft.com/office/drawing/2010/main" xmlns="" w="9525">
                   <a:solidFill>
                     <a:srgbClr val="000000"/>
                   </a:solidFill>
@@ -664,7 +667,7 @@
             </a:ln>
             <a:extLst>
               <a:ext uri="{91240B29-F687-4f45-9708-019B960494DF}">
-                <a14:hiddenLine xmlns="" xmlns:a14="http://schemas.microsoft.com/office/drawing/2010/main" w="9525">
+                <a14:hiddenLine xmlns:a14="http://schemas.microsoft.com/office/drawing/2010/main" xmlns="" w="9525">
                   <a:solidFill>
                     <a:srgbClr val="000000"/>
                   </a:solidFill>
@@ -754,7 +757,7 @@
             </a:ln>
             <a:extLst>
               <a:ext uri="{91240B29-F687-4f45-9708-019B960494DF}">
-                <a14:hiddenLine xmlns="" xmlns:a14="http://schemas.microsoft.com/office/drawing/2010/main" w="9525">
+                <a14:hiddenLine xmlns:a14="http://schemas.microsoft.com/office/drawing/2010/main" xmlns="" w="9525">
                   <a:solidFill>
                     <a:srgbClr val="000000"/>
                   </a:solidFill>
@@ -816,7 +819,7 @@
             </a:ln>
             <a:extLst>
               <a:ext uri="{91240B29-F687-4f45-9708-019B960494DF}">
-                <a14:hiddenLine xmlns="" xmlns:a14="http://schemas.microsoft.com/office/drawing/2010/main" w="9525">
+                <a14:hiddenLine xmlns:a14="http://schemas.microsoft.com/office/drawing/2010/main" xmlns="" w="9525">
                   <a:solidFill>
                     <a:srgbClr val="000000"/>
                   </a:solidFill>
@@ -878,7 +881,7 @@
             </a:ln>
             <a:extLst>
               <a:ext uri="{91240B29-F687-4f45-9708-019B960494DF}">
-                <a14:hiddenLine xmlns="" xmlns:a14="http://schemas.microsoft.com/office/drawing/2010/main" w="9525">
+                <a14:hiddenLine xmlns:a14="http://schemas.microsoft.com/office/drawing/2010/main" xmlns="" w="9525">
                   <a:solidFill>
                     <a:srgbClr val="000000"/>
                   </a:solidFill>
@@ -968,7 +971,7 @@
             </a:ln>
             <a:extLst>
               <a:ext uri="{91240B29-F687-4f45-9708-019B960494DF}">
-                <a14:hiddenLine xmlns="" xmlns:a14="http://schemas.microsoft.com/office/drawing/2010/main" w="9525">
+                <a14:hiddenLine xmlns:a14="http://schemas.microsoft.com/office/drawing/2010/main" xmlns="" w="9525">
                   <a:solidFill>
                     <a:srgbClr val="000000"/>
                   </a:solidFill>
@@ -1058,7 +1061,7 @@
             </a:ln>
             <a:extLst>
               <a:ext uri="{91240B29-F687-4f45-9708-019B960494DF}">
-                <a14:hiddenLine xmlns="" xmlns:a14="http://schemas.microsoft.com/office/drawing/2010/main" w="9525">
+                <a14:hiddenLine xmlns:a14="http://schemas.microsoft.com/office/drawing/2010/main" xmlns="" w="9525">
                   <a:solidFill>
                     <a:srgbClr val="000000"/>
                   </a:solidFill>
@@ -1120,7 +1123,7 @@
             </a:ln>
             <a:extLst>
               <a:ext uri="{91240B29-F687-4f45-9708-019B960494DF}">
-                <a14:hiddenLine xmlns="" xmlns:a14="http://schemas.microsoft.com/office/drawing/2010/main" w="9525">
+                <a14:hiddenLine xmlns:a14="http://schemas.microsoft.com/office/drawing/2010/main" xmlns="" w="9525">
                   <a:solidFill>
                     <a:srgbClr val="000000"/>
                   </a:solidFill>
@@ -1230,7 +1233,7 @@
             </a:ln>
             <a:extLst>
               <a:ext uri="{91240B29-F687-4f45-9708-019B960494DF}">
-                <a14:hiddenLine xmlns="" xmlns:a14="http://schemas.microsoft.com/office/drawing/2010/main" w="9525">
+                <a14:hiddenLine xmlns:a14="http://schemas.microsoft.com/office/drawing/2010/main" xmlns="" w="9525">
                   <a:solidFill>
                     <a:srgbClr val="000000"/>
                   </a:solidFill>
@@ -1292,7 +1295,7 @@
             </a:ln>
             <a:extLst>
               <a:ext uri="{91240B29-F687-4f45-9708-019B960494DF}">
-                <a14:hiddenLine xmlns="" xmlns:a14="http://schemas.microsoft.com/office/drawing/2010/main" w="9525">
+                <a14:hiddenLine xmlns:a14="http://schemas.microsoft.com/office/drawing/2010/main" xmlns="" w="9525">
                   <a:solidFill>
                     <a:srgbClr val="000000"/>
                   </a:solidFill>
@@ -1382,7 +1385,7 @@
             </a:ln>
             <a:extLst>
               <a:ext uri="{91240B29-F687-4f45-9708-019B960494DF}">
-                <a14:hiddenLine xmlns="" xmlns:a14="http://schemas.microsoft.com/office/drawing/2010/main" w="9525">
+                <a14:hiddenLine xmlns:a14="http://schemas.microsoft.com/office/drawing/2010/main" xmlns="" w="9525">
                   <a:solidFill>
                     <a:srgbClr val="000000"/>
                   </a:solidFill>
@@ -1472,7 +1475,7 @@
             </a:ln>
             <a:extLst>
               <a:ext uri="{91240B29-F687-4f45-9708-019B960494DF}">
-                <a14:hiddenLine xmlns="" xmlns:a14="http://schemas.microsoft.com/office/drawing/2010/main" w="9525">
+                <a14:hiddenLine xmlns:a14="http://schemas.microsoft.com/office/drawing/2010/main" xmlns="" w="9525">
                   <a:solidFill>
                     <a:srgbClr val="000000"/>
                   </a:solidFill>
@@ -1534,7 +1537,7 @@
             </a:ln>
             <a:extLst>
               <a:ext uri="{91240B29-F687-4f45-9708-019B960494DF}">
-                <a14:hiddenLine xmlns="" xmlns:a14="http://schemas.microsoft.com/office/drawing/2010/main" w="9525">
+                <a14:hiddenLine xmlns:a14="http://schemas.microsoft.com/office/drawing/2010/main" xmlns="" w="9525">
                   <a:solidFill>
                     <a:srgbClr val="000000"/>
                   </a:solidFill>
@@ -1624,7 +1627,7 @@
             </a:ln>
             <a:extLst>
               <a:ext uri="{91240B29-F687-4f45-9708-019B960494DF}">
-                <a14:hiddenLine xmlns="" xmlns:a14="http://schemas.microsoft.com/office/drawing/2010/main" w="9525">
+                <a14:hiddenLine xmlns:a14="http://schemas.microsoft.com/office/drawing/2010/main" xmlns="" w="9525">
                   <a:solidFill>
                     <a:srgbClr val="000000"/>
                   </a:solidFill>
@@ -1714,7 +1717,7 @@
             </a:ln>
             <a:extLst>
               <a:ext uri="{91240B29-F687-4f45-9708-019B960494DF}">
-                <a14:hiddenLine xmlns="" xmlns:a14="http://schemas.microsoft.com/office/drawing/2010/main" w="9525">
+                <a14:hiddenLine xmlns:a14="http://schemas.microsoft.com/office/drawing/2010/main" xmlns="" w="9525">
                   <a:solidFill>
                     <a:srgbClr val="000000"/>
                   </a:solidFill>
@@ -1770,7 +1773,7 @@
             </a:ln>
             <a:extLst>
               <a:ext uri="{91240B29-F687-4f45-9708-019B960494DF}">
-                <a14:hiddenLine xmlns="" xmlns:a14="http://schemas.microsoft.com/office/drawing/2010/main" w="9525">
+                <a14:hiddenLine xmlns:a14="http://schemas.microsoft.com/office/drawing/2010/main" xmlns="" w="9525">
                   <a:solidFill>
                     <a:srgbClr val="000000"/>
                   </a:solidFill>
@@ -1860,7 +1863,7 @@
             </a:ln>
             <a:extLst>
               <a:ext uri="{91240B29-F687-4f45-9708-019B960494DF}">
-                <a14:hiddenLine xmlns="" xmlns:a14="http://schemas.microsoft.com/office/drawing/2010/main" w="9525">
+                <a14:hiddenLine xmlns:a14="http://schemas.microsoft.com/office/drawing/2010/main" xmlns="" w="9525">
                   <a:solidFill>
                     <a:srgbClr val="000000"/>
                   </a:solidFill>
@@ -1916,7 +1919,7 @@
             </a:ln>
             <a:extLst>
               <a:ext uri="{91240B29-F687-4f45-9708-019B960494DF}">
-                <a14:hiddenLine xmlns="" xmlns:a14="http://schemas.microsoft.com/office/drawing/2010/main" w="9525">
+                <a14:hiddenLine xmlns:a14="http://schemas.microsoft.com/office/drawing/2010/main" xmlns="" w="9525">
                   <a:solidFill>
                     <a:srgbClr val="000000"/>
                   </a:solidFill>
@@ -2006,7 +2009,7 @@
             </a:ln>
             <a:extLst>
               <a:ext uri="{91240B29-F687-4f45-9708-019B960494DF}">
-                <a14:hiddenLine xmlns="" xmlns:a14="http://schemas.microsoft.com/office/drawing/2010/main" w="9525">
+                <a14:hiddenLine xmlns:a14="http://schemas.microsoft.com/office/drawing/2010/main" xmlns="" w="9525">
                   <a:solidFill>
                     <a:srgbClr val="000000"/>
                   </a:solidFill>
@@ -2074,7 +2077,7 @@
             </a:ln>
             <a:extLst>
               <a:ext uri="{91240B29-F687-4f45-9708-019B960494DF}">
-                <a14:hiddenLine xmlns="" xmlns:a14="http://schemas.microsoft.com/office/drawing/2010/main" w="9525">
+                <a14:hiddenLine xmlns:a14="http://schemas.microsoft.com/office/drawing/2010/main" xmlns="" w="9525">
                   <a:solidFill>
                     <a:srgbClr val="000000"/>
                   </a:solidFill>
@@ -2164,7 +2167,7 @@
             </a:ln>
             <a:extLst>
               <a:ext uri="{91240B29-F687-4f45-9708-019B960494DF}">
-                <a14:hiddenLine xmlns="" xmlns:a14="http://schemas.microsoft.com/office/drawing/2010/main" w="9525">
+                <a14:hiddenLine xmlns:a14="http://schemas.microsoft.com/office/drawing/2010/main" xmlns="" w="9525">
                   <a:solidFill>
                     <a:srgbClr val="000000"/>
                   </a:solidFill>
@@ -2232,7 +2235,7 @@
             </a:ln>
             <a:extLst>
               <a:ext uri="{91240B29-F687-4f45-9708-019B960494DF}">
-                <a14:hiddenLine xmlns="" xmlns:a14="http://schemas.microsoft.com/office/drawing/2010/main" w="9525">
+                <a14:hiddenLine xmlns:a14="http://schemas.microsoft.com/office/drawing/2010/main" xmlns="" w="9525">
                   <a:solidFill>
                     <a:srgbClr val="000000"/>
                   </a:solidFill>
@@ -2322,7 +2325,7 @@
             </a:ln>
             <a:extLst>
               <a:ext uri="{91240B29-F687-4f45-9708-019B960494DF}">
-                <a14:hiddenLine xmlns="" xmlns:a14="http://schemas.microsoft.com/office/drawing/2010/main" w="9525">
+                <a14:hiddenLine xmlns:a14="http://schemas.microsoft.com/office/drawing/2010/main" xmlns="" w="9525">
                   <a:solidFill>
                     <a:srgbClr val="000000"/>
                   </a:solidFill>
@@ -2356,7 +2359,7 @@
             </a:ln>
             <a:extLst>
               <a:ext uri="{91240B29-F687-4f45-9708-019B960494DF}">
-                <a14:hiddenLine xmlns="" xmlns:a14="http://schemas.microsoft.com/office/drawing/2010/main" w="9525">
+                <a14:hiddenLine xmlns:a14="http://schemas.microsoft.com/office/drawing/2010/main" xmlns="" w="9525">
                   <a:solidFill>
                     <a:srgbClr val="000000"/>
                   </a:solidFill>
@@ -2446,7 +2449,7 @@
             </a:ln>
             <a:extLst>
               <a:ext uri="{91240B29-F687-4f45-9708-019B960494DF}">
-                <a14:hiddenLine xmlns="" xmlns:a14="http://schemas.microsoft.com/office/drawing/2010/main" w="9525">
+                <a14:hiddenLine xmlns:a14="http://schemas.microsoft.com/office/drawing/2010/main" xmlns="" w="9525">
                   <a:solidFill>
                     <a:srgbClr val="000000"/>
                   </a:solidFill>
@@ -2508,7 +2511,7 @@
             </a:ln>
             <a:extLst>
               <a:ext uri="{91240B29-F687-4f45-9708-019B960494DF}">
-                <a14:hiddenLine xmlns="" xmlns:a14="http://schemas.microsoft.com/office/drawing/2010/main" w="9525">
+                <a14:hiddenLine xmlns:a14="http://schemas.microsoft.com/office/drawing/2010/main" xmlns="" w="9525">
                   <a:solidFill>
                     <a:srgbClr val="000000"/>
                   </a:solidFill>
@@ -2570,7 +2573,7 @@
             </a:ln>
             <a:extLst>
               <a:ext uri="{91240B29-F687-4f45-9708-019B960494DF}">
-                <a14:hiddenLine xmlns="" xmlns:a14="http://schemas.microsoft.com/office/drawing/2010/main" w="9525">
+                <a14:hiddenLine xmlns:a14="http://schemas.microsoft.com/office/drawing/2010/main" xmlns="" w="9525">
                   <a:solidFill>
                     <a:srgbClr val="000000"/>
                   </a:solidFill>
@@ -2660,7 +2663,7 @@
             </a:ln>
             <a:extLst>
               <a:ext uri="{91240B29-F687-4f45-9708-019B960494DF}">
-                <a14:hiddenLine xmlns="" xmlns:a14="http://schemas.microsoft.com/office/drawing/2010/main" w="9525">
+                <a14:hiddenLine xmlns:a14="http://schemas.microsoft.com/office/drawing/2010/main" xmlns="" w="9525">
                   <a:solidFill>
                     <a:srgbClr val="000000"/>
                   </a:solidFill>
@@ -2728,7 +2731,7 @@
             </a:ln>
             <a:extLst>
               <a:ext uri="{91240B29-F687-4f45-9708-019B960494DF}">
-                <a14:hiddenLine xmlns="" xmlns:a14="http://schemas.microsoft.com/office/drawing/2010/main" w="9525">
+                <a14:hiddenLine xmlns:a14="http://schemas.microsoft.com/office/drawing/2010/main" xmlns="" w="9525">
                   <a:solidFill>
                     <a:srgbClr val="000000"/>
                   </a:solidFill>
@@ -2790,7 +2793,7 @@
             </a:ln>
             <a:extLst>
               <a:ext uri="{91240B29-F687-4f45-9708-019B960494DF}">
-                <a14:hiddenLine xmlns="" xmlns:a14="http://schemas.microsoft.com/office/drawing/2010/main" w="9525">
+                <a14:hiddenLine xmlns:a14="http://schemas.microsoft.com/office/drawing/2010/main" xmlns="" w="9525">
                   <a:solidFill>
                     <a:srgbClr val="000000"/>
                   </a:solidFill>
@@ -2880,7 +2883,7 @@
             </a:ln>
             <a:extLst>
               <a:ext uri="{91240B29-F687-4f45-9708-019B960494DF}">
-                <a14:hiddenLine xmlns="" xmlns:a14="http://schemas.microsoft.com/office/drawing/2010/main" w="9525">
+                <a14:hiddenLine xmlns:a14="http://schemas.microsoft.com/office/drawing/2010/main" xmlns="" w="9525">
                   <a:solidFill>
                     <a:srgbClr val="000000"/>
                   </a:solidFill>
@@ -2942,7 +2945,7 @@
             </a:ln>
             <a:extLst>
               <a:ext uri="{91240B29-F687-4f45-9708-019B960494DF}">
-                <a14:hiddenLine xmlns="" xmlns:a14="http://schemas.microsoft.com/office/drawing/2010/main" w="9525">
+                <a14:hiddenLine xmlns:a14="http://schemas.microsoft.com/office/drawing/2010/main" xmlns="" w="9525">
                   <a:solidFill>
                     <a:srgbClr val="000000"/>
                   </a:solidFill>
@@ -3032,7 +3035,7 @@
             </a:ln>
             <a:extLst>
               <a:ext uri="{91240B29-F687-4f45-9708-019B960494DF}">
-                <a14:hiddenLine xmlns="" xmlns:a14="http://schemas.microsoft.com/office/drawing/2010/main" w="9525">
+                <a14:hiddenLine xmlns:a14="http://schemas.microsoft.com/office/drawing/2010/main" xmlns="" w="9525">
                   <a:solidFill>
                     <a:srgbClr val="000000"/>
                   </a:solidFill>
@@ -3094,7 +3097,7 @@
             </a:ln>
             <a:extLst>
               <a:ext uri="{91240B29-F687-4f45-9708-019B960494DF}">
-                <a14:hiddenLine xmlns="" xmlns:a14="http://schemas.microsoft.com/office/drawing/2010/main" w="9525">
+                <a14:hiddenLine xmlns:a14="http://schemas.microsoft.com/office/drawing/2010/main" xmlns="" w="9525">
                   <a:solidFill>
                     <a:srgbClr val="000000"/>
                   </a:solidFill>
@@ -3184,7 +3187,7 @@
             </a:ln>
             <a:extLst>
               <a:ext uri="{91240B29-F687-4f45-9708-019B960494DF}">
-                <a14:hiddenLine xmlns="" xmlns:a14="http://schemas.microsoft.com/office/drawing/2010/main" w="9525">
+                <a14:hiddenLine xmlns:a14="http://schemas.microsoft.com/office/drawing/2010/main" xmlns="" w="9525">
                   <a:solidFill>
                     <a:srgbClr val="000000"/>
                   </a:solidFill>
@@ -3218,7 +3221,7 @@
             </a:ln>
             <a:extLst>
               <a:ext uri="{91240B29-F687-4f45-9708-019B960494DF}">
-                <a14:hiddenLine xmlns="" xmlns:a14="http://schemas.microsoft.com/office/drawing/2010/main" w="9525">
+                <a14:hiddenLine xmlns:a14="http://schemas.microsoft.com/office/drawing/2010/main" xmlns="" w="9525">
                   <a:solidFill>
                     <a:srgbClr val="000000"/>
                   </a:solidFill>
@@ -3283,7 +3286,7 @@
             </a:ln>
             <a:extLst>
               <a:ext uri="{91240B29-F687-4f45-9708-019B960494DF}">
-                <a14:hiddenLine xmlns="" xmlns:a14="http://schemas.microsoft.com/office/drawing/2010/main" w="9525">
+                <a14:hiddenLine xmlns:a14="http://schemas.microsoft.com/office/drawing/2010/main" xmlns="" w="9525">
                   <a:solidFill>
                     <a:srgbClr val="000000"/>
                   </a:solidFill>
@@ -3373,7 +3376,7 @@
             </a:ln>
             <a:extLst>
               <a:ext uri="{91240B29-F687-4f45-9708-019B960494DF}">
-                <a14:hiddenLine xmlns="" xmlns:a14="http://schemas.microsoft.com/office/drawing/2010/main" w="9525">
+                <a14:hiddenLine xmlns:a14="http://schemas.microsoft.com/office/drawing/2010/main" xmlns="" w="9525">
                   <a:solidFill>
                     <a:srgbClr val="000000"/>
                   </a:solidFill>
@@ -3435,7 +3438,7 @@
             </a:ln>
             <a:extLst>
               <a:ext uri="{91240B29-F687-4f45-9708-019B960494DF}">
-                <a14:hiddenLine xmlns="" xmlns:a14="http://schemas.microsoft.com/office/drawing/2010/main" w="9525">
+                <a14:hiddenLine xmlns:a14="http://schemas.microsoft.com/office/drawing/2010/main" xmlns="" w="9525">
                   <a:solidFill>
                     <a:srgbClr val="000000"/>
                   </a:solidFill>
@@ -3525,7 +3528,7 @@
             </a:ln>
             <a:extLst>
               <a:ext uri="{91240B29-F687-4f45-9708-019B960494DF}">
-                <a14:hiddenLine xmlns="" xmlns:a14="http://schemas.microsoft.com/office/drawing/2010/main" w="9525">
+                <a14:hiddenLine xmlns:a14="http://schemas.microsoft.com/office/drawing/2010/main" xmlns="" w="9525">
                   <a:solidFill>
                     <a:srgbClr val="000000"/>
                   </a:solidFill>
@@ -3615,7 +3618,7 @@
             </a:ln>
             <a:extLst>
               <a:ext uri="{91240B29-F687-4f45-9708-019B960494DF}">
-                <a14:hiddenLine xmlns="" xmlns:a14="http://schemas.microsoft.com/office/drawing/2010/main" w="9525">
+                <a14:hiddenLine xmlns:a14="http://schemas.microsoft.com/office/drawing/2010/main" xmlns="" w="9525">
                   <a:solidFill>
                     <a:srgbClr val="000000"/>
                   </a:solidFill>
@@ -3680,7 +3683,7 @@
             </a:ln>
             <a:extLst>
               <a:ext uri="{91240B29-F687-4f45-9708-019B960494DF}">
-                <a14:hiddenLine xmlns="" xmlns:a14="http://schemas.microsoft.com/office/drawing/2010/main" w="9525">
+                <a14:hiddenLine xmlns:a14="http://schemas.microsoft.com/office/drawing/2010/main" xmlns="" w="9525">
                   <a:solidFill>
                     <a:srgbClr val="000000"/>
                   </a:solidFill>
@@ -3742,7 +3745,7 @@
             </a:ln>
             <a:extLst>
               <a:ext uri="{91240B29-F687-4f45-9708-019B960494DF}">
-                <a14:hiddenLine xmlns="" xmlns:a14="http://schemas.microsoft.com/office/drawing/2010/main" w="9525">
+                <a14:hiddenLine xmlns:a14="http://schemas.microsoft.com/office/drawing/2010/main" xmlns="" w="9525">
                   <a:solidFill>
                     <a:srgbClr val="000000"/>
                   </a:solidFill>
@@ -3832,7 +3835,7 @@
             </a:ln>
             <a:extLst>
               <a:ext uri="{91240B29-F687-4f45-9708-019B960494DF}">
-                <a14:hiddenLine xmlns="" xmlns:a14="http://schemas.microsoft.com/office/drawing/2010/main" w="9525">
+                <a14:hiddenLine xmlns:a14="http://schemas.microsoft.com/office/drawing/2010/main" xmlns="" w="9525">
                   <a:solidFill>
                     <a:srgbClr val="000000"/>
                   </a:solidFill>
@@ -3922,7 +3925,7 @@
             </a:ln>
             <a:extLst>
               <a:ext uri="{91240B29-F687-4f45-9708-019B960494DF}">
-                <a14:hiddenLine xmlns="" xmlns:a14="http://schemas.microsoft.com/office/drawing/2010/main" w="9525">
+                <a14:hiddenLine xmlns:a14="http://schemas.microsoft.com/office/drawing/2010/main" xmlns="" w="9525">
                   <a:solidFill>
                     <a:srgbClr val="000000"/>
                   </a:solidFill>
@@ -3984,7 +3987,7 @@
             </a:ln>
             <a:extLst>
               <a:ext uri="{91240B29-F687-4f45-9708-019B960494DF}">
-                <a14:hiddenLine xmlns="" xmlns:a14="http://schemas.microsoft.com/office/drawing/2010/main" w="9525">
+                <a14:hiddenLine xmlns:a14="http://schemas.microsoft.com/office/drawing/2010/main" xmlns="" w="9525">
                   <a:solidFill>
                     <a:srgbClr val="000000"/>
                   </a:solidFill>
@@ -4104,7 +4107,7 @@
             </a:ln>
             <a:extLst>
               <a:ext uri="{91240B29-F687-4f45-9708-019B960494DF}">
-                <a14:hiddenLine xmlns="" xmlns:a14="http://schemas.microsoft.com/office/drawing/2010/main" w="9525">
+                <a14:hiddenLine xmlns:a14="http://schemas.microsoft.com/office/drawing/2010/main" xmlns="" w="9525">
                   <a:solidFill>
                     <a:srgbClr val="000000"/>
                   </a:solidFill>
@@ -4172,7 +4175,7 @@
             </a:ln>
             <a:extLst>
               <a:ext uri="{91240B29-F687-4f45-9708-019B960494DF}">
-                <a14:hiddenLine xmlns="" xmlns:a14="http://schemas.microsoft.com/office/drawing/2010/main" w="9525">
+                <a14:hiddenLine xmlns:a14="http://schemas.microsoft.com/office/drawing/2010/main" xmlns="" w="9525">
                   <a:solidFill>
                     <a:srgbClr val="000000"/>
                   </a:solidFill>
@@ -4262,7 +4265,7 @@
             </a:ln>
             <a:extLst>
               <a:ext uri="{91240B29-F687-4f45-9708-019B960494DF}">
-                <a14:hiddenLine xmlns="" xmlns:a14="http://schemas.microsoft.com/office/drawing/2010/main" w="9525">
+                <a14:hiddenLine xmlns:a14="http://schemas.microsoft.com/office/drawing/2010/main" xmlns="" w="9525">
                   <a:solidFill>
                     <a:srgbClr val="000000"/>
                   </a:solidFill>
@@ -8991,7 +8994,7 @@
           <a:noFill/>
           <a:extLst>
             <a:ext uri="{909E8E84-426E-40dd-AFC4-6F175D3DCCD1}">
-              <a14:hiddenFill xmlns="" xmlns:a14="http://schemas.microsoft.com/office/drawing/2010/main">
+              <a14:hiddenFill xmlns:a14="http://schemas.microsoft.com/office/drawing/2010/main" xmlns="">
                 <a:solidFill>
                   <a:srgbClr val="FFFFFF"/>
                 </a:solidFill>
@@ -9065,7 +9068,7 @@
               </a:ln>
               <a:extLst>
                 <a:ext uri="{91240B29-F687-4f45-9708-019B960494DF}">
-                  <a14:hiddenLine xmlns="" xmlns:a14="http://schemas.microsoft.com/office/drawing/2010/main" w="9525">
+                  <a14:hiddenLine xmlns:a14="http://schemas.microsoft.com/office/drawing/2010/main" xmlns="" w="9525">
                     <a:solidFill>
                       <a:srgbClr val="000000"/>
                     </a:solidFill>
@@ -9155,7 +9158,7 @@
               </a:ln>
               <a:extLst>
                 <a:ext uri="{91240B29-F687-4f45-9708-019B960494DF}">
-                  <a14:hiddenLine xmlns="" xmlns:a14="http://schemas.microsoft.com/office/drawing/2010/main" w="9525">
+                  <a14:hiddenLine xmlns:a14="http://schemas.microsoft.com/office/drawing/2010/main" xmlns="" w="9525">
                     <a:solidFill>
                       <a:srgbClr val="000000"/>
                     </a:solidFill>
@@ -9245,7 +9248,7 @@
               </a:ln>
               <a:extLst>
                 <a:ext uri="{91240B29-F687-4f45-9708-019B960494DF}">
-                  <a14:hiddenLine xmlns="" xmlns:a14="http://schemas.microsoft.com/office/drawing/2010/main" w="9525">
+                  <a14:hiddenLine xmlns:a14="http://schemas.microsoft.com/office/drawing/2010/main" xmlns="" w="9525">
                     <a:solidFill>
                       <a:srgbClr val="000000"/>
                     </a:solidFill>
@@ -9307,7 +9310,7 @@
               </a:ln>
               <a:extLst>
                 <a:ext uri="{91240B29-F687-4f45-9708-019B960494DF}">
-                  <a14:hiddenLine xmlns="" xmlns:a14="http://schemas.microsoft.com/office/drawing/2010/main" w="9525">
+                  <a14:hiddenLine xmlns:a14="http://schemas.microsoft.com/office/drawing/2010/main" xmlns="" w="9525">
                     <a:solidFill>
                       <a:srgbClr val="000000"/>
                     </a:solidFill>
@@ -9397,7 +9400,7 @@
               </a:ln>
               <a:extLst>
                 <a:ext uri="{91240B29-F687-4f45-9708-019B960494DF}">
-                  <a14:hiddenLine xmlns="" xmlns:a14="http://schemas.microsoft.com/office/drawing/2010/main" w="9525">
+                  <a14:hiddenLine xmlns:a14="http://schemas.microsoft.com/office/drawing/2010/main" xmlns="" w="9525">
                     <a:solidFill>
                       <a:srgbClr val="000000"/>
                     </a:solidFill>
@@ -9459,7 +9462,7 @@
               </a:ln>
               <a:extLst>
                 <a:ext uri="{91240B29-F687-4f45-9708-019B960494DF}">
-                  <a14:hiddenLine xmlns="" xmlns:a14="http://schemas.microsoft.com/office/drawing/2010/main" w="9525">
+                  <a14:hiddenLine xmlns:a14="http://schemas.microsoft.com/office/drawing/2010/main" xmlns="" w="9525">
                     <a:solidFill>
                       <a:srgbClr val="000000"/>
                     </a:solidFill>
@@ -9521,7 +9524,7 @@
               </a:ln>
               <a:extLst>
                 <a:ext uri="{91240B29-F687-4f45-9708-019B960494DF}">
-                  <a14:hiddenLine xmlns="" xmlns:a14="http://schemas.microsoft.com/office/drawing/2010/main" w="9525">
+                  <a14:hiddenLine xmlns:a14="http://schemas.microsoft.com/office/drawing/2010/main" xmlns="" w="9525">
                     <a:solidFill>
                       <a:srgbClr val="000000"/>
                     </a:solidFill>
@@ -9611,7 +9614,7 @@
               </a:ln>
               <a:extLst>
                 <a:ext uri="{91240B29-F687-4f45-9708-019B960494DF}">
-                  <a14:hiddenLine xmlns="" xmlns:a14="http://schemas.microsoft.com/office/drawing/2010/main" w="9525">
+                  <a14:hiddenLine xmlns:a14="http://schemas.microsoft.com/office/drawing/2010/main" xmlns="" w="9525">
                     <a:solidFill>
                       <a:srgbClr val="000000"/>
                     </a:solidFill>
@@ -9701,7 +9704,7 @@
               </a:ln>
               <a:extLst>
                 <a:ext uri="{91240B29-F687-4f45-9708-019B960494DF}">
-                  <a14:hiddenLine xmlns="" xmlns:a14="http://schemas.microsoft.com/office/drawing/2010/main" w="9525">
+                  <a14:hiddenLine xmlns:a14="http://schemas.microsoft.com/office/drawing/2010/main" xmlns="" w="9525">
                     <a:solidFill>
                       <a:srgbClr val="000000"/>
                     </a:solidFill>
@@ -9763,7 +9766,7 @@
               </a:ln>
               <a:extLst>
                 <a:ext uri="{91240B29-F687-4f45-9708-019B960494DF}">
-                  <a14:hiddenLine xmlns="" xmlns:a14="http://schemas.microsoft.com/office/drawing/2010/main" w="9525">
+                  <a14:hiddenLine xmlns:a14="http://schemas.microsoft.com/office/drawing/2010/main" xmlns="" w="9525">
                     <a:solidFill>
                       <a:srgbClr val="000000"/>
                     </a:solidFill>
@@ -9873,7 +9876,7 @@
               </a:ln>
               <a:extLst>
                 <a:ext uri="{91240B29-F687-4f45-9708-019B960494DF}">
-                  <a14:hiddenLine xmlns="" xmlns:a14="http://schemas.microsoft.com/office/drawing/2010/main" w="9525">
+                  <a14:hiddenLine xmlns:a14="http://schemas.microsoft.com/office/drawing/2010/main" xmlns="" w="9525">
                     <a:solidFill>
                       <a:srgbClr val="000000"/>
                     </a:solidFill>
@@ -9957,7 +9960,7 @@
               </a:ln>
               <a:extLst>
                 <a:ext uri="{91240B29-F687-4f45-9708-019B960494DF}">
-                  <a14:hiddenLine xmlns="" xmlns:a14="http://schemas.microsoft.com/office/drawing/2010/main" w="9525">
+                  <a14:hiddenLine xmlns:a14="http://schemas.microsoft.com/office/drawing/2010/main" xmlns="" w="9525">
                     <a:solidFill>
                       <a:srgbClr val="000000"/>
                     </a:solidFill>
@@ -10019,7 +10022,7 @@
               </a:ln>
               <a:extLst>
                 <a:ext uri="{91240B29-F687-4f45-9708-019B960494DF}">
-                  <a14:hiddenLine xmlns="" xmlns:a14="http://schemas.microsoft.com/office/drawing/2010/main" w="9525">
+                  <a14:hiddenLine xmlns:a14="http://schemas.microsoft.com/office/drawing/2010/main" xmlns="" w="9525">
                     <a:solidFill>
                       <a:srgbClr val="000000"/>
                     </a:solidFill>
@@ -10081,7 +10084,7 @@
               </a:ln>
               <a:extLst>
                 <a:ext uri="{91240B29-F687-4f45-9708-019B960494DF}">
-                  <a14:hiddenLine xmlns="" xmlns:a14="http://schemas.microsoft.com/office/drawing/2010/main" w="9525">
+                  <a14:hiddenLine xmlns:a14="http://schemas.microsoft.com/office/drawing/2010/main" xmlns="" w="9525">
                     <a:solidFill>
                       <a:srgbClr val="000000"/>
                     </a:solidFill>
@@ -10171,7 +10174,7 @@
               </a:ln>
               <a:extLst>
                 <a:ext uri="{91240B29-F687-4f45-9708-019B960494DF}">
-                  <a14:hiddenLine xmlns="" xmlns:a14="http://schemas.microsoft.com/office/drawing/2010/main" w="9525">
+                  <a14:hiddenLine xmlns:a14="http://schemas.microsoft.com/office/drawing/2010/main" xmlns="" w="9525">
                     <a:solidFill>
                       <a:srgbClr val="000000"/>
                     </a:solidFill>
@@ -10205,7 +10208,7 @@
               </a:ln>
               <a:extLst>
                 <a:ext uri="{91240B29-F687-4f45-9708-019B960494DF}">
-                  <a14:hiddenLine xmlns="" xmlns:a14="http://schemas.microsoft.com/office/drawing/2010/main" w="9525">
+                  <a14:hiddenLine xmlns:a14="http://schemas.microsoft.com/office/drawing/2010/main" xmlns="" w="9525">
                     <a:solidFill>
                       <a:srgbClr val="000000"/>
                     </a:solidFill>
@@ -10270,7 +10273,7 @@
               </a:ln>
               <a:extLst>
                 <a:ext uri="{91240B29-F687-4f45-9708-019B960494DF}">
-                  <a14:hiddenLine xmlns="" xmlns:a14="http://schemas.microsoft.com/office/drawing/2010/main" w="9525">
+                  <a14:hiddenLine xmlns:a14="http://schemas.microsoft.com/office/drawing/2010/main" xmlns="" w="9525">
                     <a:solidFill>
                       <a:srgbClr val="000000"/>
                     </a:solidFill>
@@ -10360,7 +10363,7 @@
               </a:ln>
               <a:extLst>
                 <a:ext uri="{91240B29-F687-4f45-9708-019B960494DF}">
-                  <a14:hiddenLine xmlns="" xmlns:a14="http://schemas.microsoft.com/office/drawing/2010/main" w="9525">
+                  <a14:hiddenLine xmlns:a14="http://schemas.microsoft.com/office/drawing/2010/main" xmlns="" w="9525">
                     <a:solidFill>
                       <a:srgbClr val="000000"/>
                     </a:solidFill>
@@ -10422,7 +10425,7 @@
               </a:ln>
               <a:extLst>
                 <a:ext uri="{91240B29-F687-4f45-9708-019B960494DF}">
-                  <a14:hiddenLine xmlns="" xmlns:a14="http://schemas.microsoft.com/office/drawing/2010/main" w="9525">
+                  <a14:hiddenLine xmlns:a14="http://schemas.microsoft.com/office/drawing/2010/main" xmlns="" w="9525">
                     <a:solidFill>
                       <a:srgbClr val="000000"/>
                     </a:solidFill>
@@ -10512,7 +10515,7 @@
               </a:ln>
               <a:extLst>
                 <a:ext uri="{91240B29-F687-4f45-9708-019B960494DF}">
-                  <a14:hiddenLine xmlns="" xmlns:a14="http://schemas.microsoft.com/office/drawing/2010/main" w="9525">
+                  <a14:hiddenLine xmlns:a14="http://schemas.microsoft.com/office/drawing/2010/main" xmlns="" w="9525">
                     <a:solidFill>
                       <a:srgbClr val="000000"/>
                     </a:solidFill>
@@ -10577,7 +10580,7 @@
               </a:ln>
               <a:extLst>
                 <a:ext uri="{91240B29-F687-4f45-9708-019B960494DF}">
-                  <a14:hiddenLine xmlns="" xmlns:a14="http://schemas.microsoft.com/office/drawing/2010/main" w="9525">
+                  <a14:hiddenLine xmlns:a14="http://schemas.microsoft.com/office/drawing/2010/main" xmlns="" w="9525">
                     <a:solidFill>
                       <a:srgbClr val="000000"/>
                     </a:solidFill>
@@ -10639,7 +10642,7 @@
               </a:ln>
               <a:extLst>
                 <a:ext uri="{91240B29-F687-4f45-9708-019B960494DF}">
-                  <a14:hiddenLine xmlns="" xmlns:a14="http://schemas.microsoft.com/office/drawing/2010/main" w="9525">
+                  <a14:hiddenLine xmlns:a14="http://schemas.microsoft.com/office/drawing/2010/main" xmlns="" w="9525">
                     <a:solidFill>
                       <a:srgbClr val="000000"/>
                     </a:solidFill>
@@ -10729,7 +10732,7 @@
               </a:ln>
               <a:extLst>
                 <a:ext uri="{91240B29-F687-4f45-9708-019B960494DF}">
-                  <a14:hiddenLine xmlns="" xmlns:a14="http://schemas.microsoft.com/office/drawing/2010/main" w="9525">
+                  <a14:hiddenLine xmlns:a14="http://schemas.microsoft.com/office/drawing/2010/main" xmlns="" w="9525">
                     <a:solidFill>
                       <a:srgbClr val="000000"/>
                     </a:solidFill>
@@ -10819,7 +10822,7 @@
               </a:ln>
               <a:extLst>
                 <a:ext uri="{91240B29-F687-4f45-9708-019B960494DF}">
-                  <a14:hiddenLine xmlns="" xmlns:a14="http://schemas.microsoft.com/office/drawing/2010/main" w="9525">
+                  <a14:hiddenLine xmlns:a14="http://schemas.microsoft.com/office/drawing/2010/main" xmlns="" w="9525">
                     <a:solidFill>
                       <a:srgbClr val="000000"/>
                     </a:solidFill>
@@ -10884,7 +10887,7 @@
               </a:ln>
               <a:extLst>
                 <a:ext uri="{91240B29-F687-4f45-9708-019B960494DF}">
-                  <a14:hiddenLine xmlns="" xmlns:a14="http://schemas.microsoft.com/office/drawing/2010/main" w="9525">
+                  <a14:hiddenLine xmlns:a14="http://schemas.microsoft.com/office/drawing/2010/main" xmlns="" w="9525">
                     <a:solidFill>
                       <a:srgbClr val="000000"/>
                     </a:solidFill>
@@ -11004,7 +11007,7 @@
               </a:ln>
               <a:extLst>
                 <a:ext uri="{91240B29-F687-4f45-9708-019B960494DF}">
-                  <a14:hiddenLine xmlns="" xmlns:a14="http://schemas.microsoft.com/office/drawing/2010/main" w="9525">
+                  <a14:hiddenLine xmlns:a14="http://schemas.microsoft.com/office/drawing/2010/main" xmlns="" w="9525">
                     <a:solidFill>
                       <a:srgbClr val="000000"/>
                     </a:solidFill>
@@ -11085,7 +11088,7 @@
               </a:ln>
               <a:extLst>
                 <a:ext uri="{91240B29-F687-4f45-9708-019B960494DF}">
-                  <a14:hiddenLine xmlns="" xmlns:a14="http://schemas.microsoft.com/office/drawing/2010/main" w="9525">
+                  <a14:hiddenLine xmlns:a14="http://schemas.microsoft.com/office/drawing/2010/main" xmlns="" w="9525">
                     <a:solidFill>
                       <a:srgbClr val="000000"/>
                     </a:solidFill>
@@ -11200,7 +11203,7 @@
               </a:ln>
               <a:extLst>
                 <a:ext uri="{91240B29-F687-4f45-9708-019B960494DF}">
-                  <a14:hiddenLine xmlns="" xmlns:a14="http://schemas.microsoft.com/office/drawing/2010/main" w="9525">
+                  <a14:hiddenLine xmlns:a14="http://schemas.microsoft.com/office/drawing/2010/main" xmlns="" w="9525">
                     <a:solidFill>
                       <a:srgbClr val="000000"/>
                     </a:solidFill>
@@ -11290,7 +11293,7 @@
               </a:ln>
               <a:extLst>
                 <a:ext uri="{91240B29-F687-4f45-9708-019B960494DF}">
-                  <a14:hiddenLine xmlns="" xmlns:a14="http://schemas.microsoft.com/office/drawing/2010/main" w="9525">
+                  <a14:hiddenLine xmlns:a14="http://schemas.microsoft.com/office/drawing/2010/main" xmlns="" w="9525">
                     <a:solidFill>
                       <a:srgbClr val="000000"/>
                     </a:solidFill>
@@ -11355,7 +11358,7 @@
               </a:ln>
               <a:extLst>
                 <a:ext uri="{91240B29-F687-4f45-9708-019B960494DF}">
-                  <a14:hiddenLine xmlns="" xmlns:a14="http://schemas.microsoft.com/office/drawing/2010/main" w="9525">
+                  <a14:hiddenLine xmlns:a14="http://schemas.microsoft.com/office/drawing/2010/main" xmlns="" w="9525">
                     <a:solidFill>
                       <a:srgbClr val="000000"/>
                     </a:solidFill>
@@ -11445,7 +11448,7 @@
               </a:ln>
               <a:extLst>
                 <a:ext uri="{91240B29-F687-4f45-9708-019B960494DF}">
-                  <a14:hiddenLine xmlns="" xmlns:a14="http://schemas.microsoft.com/office/drawing/2010/main" w="9525">
+                  <a14:hiddenLine xmlns:a14="http://schemas.microsoft.com/office/drawing/2010/main" xmlns="" w="9525">
                     <a:solidFill>
                       <a:srgbClr val="000000"/>
                     </a:solidFill>
@@ -11513,7 +11516,7 @@
               </a:ln>
               <a:extLst>
                 <a:ext uri="{91240B29-F687-4f45-9708-019B960494DF}">
-                  <a14:hiddenLine xmlns="" xmlns:a14="http://schemas.microsoft.com/office/drawing/2010/main" w="9525">
+                  <a14:hiddenLine xmlns:a14="http://schemas.microsoft.com/office/drawing/2010/main" xmlns="" w="9525">
                     <a:solidFill>
                       <a:srgbClr val="000000"/>
                     </a:solidFill>
@@ -11603,7 +11606,7 @@
               </a:ln>
               <a:extLst>
                 <a:ext uri="{91240B29-F687-4f45-9708-019B960494DF}">
-                  <a14:hiddenLine xmlns="" xmlns:a14="http://schemas.microsoft.com/office/drawing/2010/main" w="9525">
+                  <a14:hiddenLine xmlns:a14="http://schemas.microsoft.com/office/drawing/2010/main" xmlns="" w="9525">
                     <a:solidFill>
                       <a:srgbClr val="000000"/>
                     </a:solidFill>
@@ -11671,7 +11674,7 @@
               </a:ln>
               <a:extLst>
                 <a:ext uri="{91240B29-F687-4f45-9708-019B960494DF}">
-                  <a14:hiddenLine xmlns="" xmlns:a14="http://schemas.microsoft.com/office/drawing/2010/main" w="9525">
+                  <a14:hiddenLine xmlns:a14="http://schemas.microsoft.com/office/drawing/2010/main" xmlns="" w="9525">
                     <a:solidFill>
                       <a:srgbClr val="000000"/>
                     </a:solidFill>
@@ -11761,7 +11764,7 @@
               </a:ln>
               <a:extLst>
                 <a:ext uri="{91240B29-F687-4f45-9708-019B960494DF}">
-                  <a14:hiddenLine xmlns="" xmlns:a14="http://schemas.microsoft.com/office/drawing/2010/main" w="9525">
+                  <a14:hiddenLine xmlns:a14="http://schemas.microsoft.com/office/drawing/2010/main" xmlns="" w="9525">
                     <a:solidFill>
                       <a:srgbClr val="000000"/>
                     </a:solidFill>
@@ -11795,7 +11798,7 @@
               </a:ln>
               <a:extLst>
                 <a:ext uri="{91240B29-F687-4f45-9708-019B960494DF}">
-                  <a14:hiddenLine xmlns="" xmlns:a14="http://schemas.microsoft.com/office/drawing/2010/main" w="9525">
+                  <a14:hiddenLine xmlns:a14="http://schemas.microsoft.com/office/drawing/2010/main" xmlns="" w="9525">
                     <a:solidFill>
                       <a:srgbClr val="000000"/>
                     </a:solidFill>
@@ -12608,7 +12611,7 @@
             <a:pPr algn="ctr"/>
             <a:r>
               <a:rPr lang="en-US" dirty="0"/>
-              <a:t>Questions to be answered</a:t>
+              <a:t>Problem description</a:t>
             </a:r>
           </a:p>
         </p:txBody>
@@ -12634,18 +12637,30 @@
           <a:bodyPr/>
           <a:lstStyle/>
           <a:p>
+            <a:pPr marL="457200" lvl="1" indent="0">
+              <a:buNone/>
+            </a:pPr>
+            <a:r>
+              <a:rPr lang="en-US" sz="2400" dirty="0"/>
+              <a:t>Questions to be answered:</a:t>
+            </a:r>
+          </a:p>
+          <a:p>
+            <a:pPr lvl="1"/>
             <a:r>
               <a:rPr lang="en-US" dirty="0"/>
               <a:t>Feasible frequencies of the tram</a:t>
             </a:r>
           </a:p>
           <a:p>
+            <a:pPr lvl="1"/>
             <a:r>
               <a:rPr lang="en-US" dirty="0"/>
               <a:t>Maximum amount of passengers that line can handle</a:t>
             </a:r>
           </a:p>
           <a:p>
+            <a:pPr lvl="1"/>
             <a:r>
               <a:rPr lang="en-US" dirty="0"/>
               <a:t>Possible measures to improve the operational performance</a:t>
@@ -12707,7 +12722,7 @@
         <p:spPr>
           <a:xfrm>
             <a:off x="4364182" y="4830679"/>
-            <a:ext cx="1425968" cy="369332"/>
+            <a:ext cx="1567096" cy="400110"/>
           </a:xfrm>
           <a:prstGeom prst="rect">
             <a:avLst/>
@@ -12721,7 +12736,7 @@
           <a:lstStyle/>
           <a:p>
             <a:r>
-              <a:rPr lang="en-US" b="1" dirty="0"/>
+              <a:rPr lang="en-US" sz="2000" b="1" dirty="0"/>
               <a:t>SIMULATION</a:t>
             </a:r>
           </a:p>
@@ -12781,7 +12796,138 @@
             <a:pPr algn="ctr"/>
             <a:r>
               <a:rPr lang="en-US" dirty="0"/>
-              <a:t>Simulation model</a:t>
+              <a:t>Problem description</a:t>
+            </a:r>
+          </a:p>
+        </p:txBody>
+      </p:sp>
+      <p:sp>
+        <p:nvSpPr>
+          <p:cNvPr id="6" name="Content Placeholder 5">
+            <a:extLst>
+              <a:ext uri="{FF2B5EF4-FFF2-40B4-BE49-F238E27FC236}">
+                <a16:creationId xmlns:a16="http://schemas.microsoft.com/office/drawing/2014/main" id="{0B520486-29EB-4C7E-B108-2EEAAABEA7B6}"/>
+              </a:ext>
+            </a:extLst>
+          </p:cNvPr>
+          <p:cNvSpPr>
+            <a:spLocks noGrp="1"/>
+          </p:cNvSpPr>
+          <p:nvPr>
+            <p:ph idx="1"/>
+          </p:nvPr>
+        </p:nvSpPr>
+        <p:spPr/>
+        <p:txBody>
+          <a:bodyPr/>
+          <a:lstStyle/>
+          <a:p>
+            <a:pPr marL="457200" lvl="1" indent="0">
+              <a:buNone/>
+            </a:pPr>
+            <a:r>
+              <a:rPr lang="en-US" dirty="0"/>
+              <a:t>Simulation model:</a:t>
+            </a:r>
+          </a:p>
+          <a:p>
+            <a:pPr lvl="1"/>
+            <a:r>
+              <a:rPr lang="en-US" dirty="0"/>
+              <a:t>Events</a:t>
+            </a:r>
+          </a:p>
+          <a:p>
+            <a:pPr lvl="1"/>
+            <a:r>
+              <a:rPr lang="en-US" dirty="0"/>
+              <a:t>Initialization</a:t>
+            </a:r>
+          </a:p>
+          <a:p>
+            <a:pPr lvl="1"/>
+            <a:r>
+              <a:rPr lang="en-US" dirty="0"/>
+              <a:t>State</a:t>
+            </a:r>
+          </a:p>
+          <a:p>
+            <a:pPr lvl="1"/>
+            <a:r>
+              <a:rPr lang="en-US" dirty="0"/>
+              <a:t>Event handlers</a:t>
+            </a:r>
+          </a:p>
+          <a:p>
+            <a:pPr lvl="1"/>
+            <a:r>
+              <a:rPr lang="en-US" dirty="0"/>
+              <a:t>Performance Measures</a:t>
+            </a:r>
+          </a:p>
+          <a:p>
+            <a:endParaRPr lang="en-US" dirty="0"/>
+          </a:p>
+          <a:p>
+            <a:endParaRPr lang="en-US" dirty="0"/>
+          </a:p>
+        </p:txBody>
+      </p:sp>
+    </p:spTree>
+    <p:extLst>
+      <p:ext uri="{BB962C8B-B14F-4D97-AF65-F5344CB8AC3E}">
+        <p14:creationId xmlns:p14="http://schemas.microsoft.com/office/powerpoint/2010/main" val="624245973"/>
+      </p:ext>
+    </p:extLst>
+  </p:cSld>
+  <p:clrMapOvr>
+    <a:masterClrMapping/>
+  </p:clrMapOvr>
+</p:sld>
+</file>
+
+<file path=ppt/slides/slide5.xml><?xml version="1.0" encoding="utf-8"?>
+<p:sld xmlns:a="http://schemas.openxmlformats.org/drawingml/2006/main" xmlns:r="http://schemas.openxmlformats.org/officeDocument/2006/relationships" xmlns:p="http://schemas.openxmlformats.org/presentationml/2006/main">
+  <p:cSld>
+    <p:spTree>
+      <p:nvGrpSpPr>
+        <p:cNvPr id="1" name=""/>
+        <p:cNvGrpSpPr/>
+        <p:nvPr/>
+      </p:nvGrpSpPr>
+      <p:grpSpPr>
+        <a:xfrm>
+          <a:off x="0" y="0"/>
+          <a:ext cx="0" cy="0"/>
+          <a:chOff x="0" y="0"/>
+          <a:chExt cx="0" cy="0"/>
+        </a:xfrm>
+      </p:grpSpPr>
+      <p:sp>
+        <p:nvSpPr>
+          <p:cNvPr id="2" name="Title 1">
+            <a:extLst>
+              <a:ext uri="{FF2B5EF4-FFF2-40B4-BE49-F238E27FC236}">
+                <a16:creationId xmlns:a16="http://schemas.microsoft.com/office/drawing/2014/main" id="{2FFD2255-DFF9-442F-B0EE-0B75DF4B2B4A}"/>
+              </a:ext>
+            </a:extLst>
+          </p:cNvPr>
+          <p:cNvSpPr>
+            <a:spLocks noGrp="1"/>
+          </p:cNvSpPr>
+          <p:nvPr>
+            <p:ph type="title"/>
+          </p:nvPr>
+        </p:nvSpPr>
+        <p:spPr/>
+        <p:txBody>
+          <a:bodyPr/>
+          <a:lstStyle/>
+          <a:p>
+            <a:pPr algn="ctr"/>
+            <a:r>
+              <a:rPr lang="en-US" dirty="0"/>
+              <a:t>Problem description</a:t>
             </a:r>
           </a:p>
         </p:txBody>
@@ -12810,7 +12956,7 @@
         </p:blipFill>
         <p:spPr>
           <a:xfrm>
-            <a:off x="1587253" y="1992035"/>
+            <a:off x="1658274" y="2462551"/>
             <a:ext cx="7948999" cy="3541712"/>
           </a:xfrm>
           <a:prstGeom prst="rect">
@@ -12818,10 +12964,46 @@
           </a:prstGeom>
         </p:spPr>
       </p:pic>
+      <p:sp>
+        <p:nvSpPr>
+          <p:cNvPr id="3" name="TextBox 2">
+            <a:extLst>
+              <a:ext uri="{FF2B5EF4-FFF2-40B4-BE49-F238E27FC236}">
+                <a16:creationId xmlns:a16="http://schemas.microsoft.com/office/drawing/2014/main" id="{594CAA22-6530-4B1D-A2EF-450AD4D1432D}"/>
+              </a:ext>
+            </a:extLst>
+          </p:cNvPr>
+          <p:cNvSpPr txBox="1"/>
+          <p:nvPr/>
+        </p:nvSpPr>
+        <p:spPr>
+          <a:xfrm>
+            <a:off x="1419508" y="2277885"/>
+            <a:ext cx="2139519" cy="369332"/>
+          </a:xfrm>
+          <a:prstGeom prst="rect">
+            <a:avLst/>
+          </a:prstGeom>
+          <a:noFill/>
+        </p:spPr>
+        <p:txBody>
+          <a:bodyPr wrap="square" rtlCol="0">
+            <a:spAutoFit/>
+          </a:bodyPr>
+          <a:lstStyle/>
+          <a:p>
+            <a:pPr algn="ctr"/>
+            <a:r>
+              <a:rPr lang="en-US" dirty="0"/>
+              <a:t>Event graph</a:t>
+            </a:r>
+          </a:p>
+        </p:txBody>
+      </p:sp>
     </p:spTree>
     <p:extLst>
       <p:ext uri="{BB962C8B-B14F-4D97-AF65-F5344CB8AC3E}">
-        <p14:creationId xmlns:p14="http://schemas.microsoft.com/office/powerpoint/2010/main" val="624245973"/>
+        <p14:creationId xmlns:p14="http://schemas.microsoft.com/office/powerpoint/2010/main" val="3907193672"/>
       </p:ext>
     </p:extLst>
   </p:cSld>
@@ -12831,7 +13013,439 @@
 </p:sld>
 </file>
 
-<file path=ppt/slides/slide5.xml><?xml version="1.0" encoding="utf-8"?>
+<file path=ppt/slides/slide6.xml><?xml version="1.0" encoding="utf-8"?>
+<p:sld xmlns:a="http://schemas.openxmlformats.org/drawingml/2006/main" xmlns:r="http://schemas.openxmlformats.org/officeDocument/2006/relationships" xmlns:p="http://schemas.openxmlformats.org/presentationml/2006/main">
+  <p:cSld>
+    <p:spTree>
+      <p:nvGrpSpPr>
+        <p:cNvPr id="1" name=""/>
+        <p:cNvGrpSpPr/>
+        <p:nvPr/>
+      </p:nvGrpSpPr>
+      <p:grpSpPr>
+        <a:xfrm>
+          <a:off x="0" y="0"/>
+          <a:ext cx="0" cy="0"/>
+          <a:chOff x="0" y="0"/>
+          <a:chExt cx="0" cy="0"/>
+        </a:xfrm>
+      </p:grpSpPr>
+      <p:sp>
+        <p:nvSpPr>
+          <p:cNvPr id="2" name="Title 1">
+            <a:extLst>
+              <a:ext uri="{FF2B5EF4-FFF2-40B4-BE49-F238E27FC236}">
+                <a16:creationId xmlns:a16="http://schemas.microsoft.com/office/drawing/2014/main" id="{72EE6C34-7D8D-403A-A21C-198B88EDE56E}"/>
+              </a:ext>
+            </a:extLst>
+          </p:cNvPr>
+          <p:cNvSpPr>
+            <a:spLocks noGrp="1"/>
+          </p:cNvSpPr>
+          <p:nvPr>
+            <p:ph type="title"/>
+          </p:nvPr>
+        </p:nvSpPr>
+        <p:spPr/>
+        <p:txBody>
+          <a:bodyPr/>
+          <a:lstStyle/>
+          <a:p>
+            <a:pPr algn="ctr"/>
+            <a:r>
+              <a:rPr lang="en-US" dirty="0"/>
+              <a:t>Problem description</a:t>
+            </a:r>
+          </a:p>
+        </p:txBody>
+      </p:sp>
+      <mc:AlternateContent xmlns:mc="http://schemas.openxmlformats.org/markup-compatibility/2006">
+        <mc:Choice xmlns:a14="http://schemas.microsoft.com/office/drawing/2010/main" Requires="a14">
+          <p:sp>
+            <p:nvSpPr>
+              <p:cNvPr id="3" name="Content Placeholder 2">
+                <a:extLst>
+                  <a:ext uri="{FF2B5EF4-FFF2-40B4-BE49-F238E27FC236}">
+                    <a16:creationId xmlns:a16="http://schemas.microsoft.com/office/drawing/2014/main" id="{12ABD7B2-0C3E-4EAA-B491-8F23BA528F0D}"/>
+                  </a:ext>
+                </a:extLst>
+              </p:cNvPr>
+              <p:cNvSpPr>
+                <a:spLocks noGrp="1"/>
+              </p:cNvSpPr>
+              <p:nvPr>
+                <p:ph idx="1"/>
+              </p:nvPr>
+            </p:nvSpPr>
+            <p:spPr/>
+            <p:txBody>
+              <a:bodyPr>
+                <a:normAutofit/>
+              </a:bodyPr>
+              <a:lstStyle/>
+              <a:p>
+                <a:pPr marL="0" indent="0">
+                  <a:buNone/>
+                </a:pPr>
+                <a:r>
+                  <a:rPr lang="en-US" dirty="0"/>
+                  <a:t>Performance Measures</a:t>
+                </a:r>
+              </a:p>
+              <a:p>
+                <a:pPr lvl="1"/>
+                <a:r>
+                  <a:rPr lang="en-US" dirty="0">
+                    <a:solidFill>
+                      <a:prstClr val="white"/>
+                    </a:solidFill>
+                  </a:rPr>
+                  <a:t>Punctuality:			</a:t>
+                </a:r>
+              </a:p>
+              <a:p>
+                <a:pPr lvl="2"/>
+                <a14:m>
+                  <m:oMath xmlns:m="http://schemas.openxmlformats.org/officeDocument/2006/math">
+                    <m:r>
+                      <a:rPr lang="en-US" i="1" smtClean="0">
+                        <a:solidFill>
+                          <a:schemeClr val="accent1"/>
+                        </a:solidFill>
+                      </a:rPr>
+                      <m:t>𝑑𝑒𝑝𝑎𝑟𝑡𝑢𝑟𝑒</m:t>
+                    </m:r>
+                    <m:r>
+                      <a:rPr lang="en-US" i="1" smtClean="0">
+                        <a:solidFill>
+                          <a:schemeClr val="accent1"/>
+                        </a:solidFill>
+                      </a:rPr>
+                      <m:t> </m:t>
+                    </m:r>
+                    <m:r>
+                      <a:rPr lang="en-US" i="1" smtClean="0">
+                        <a:solidFill>
+                          <a:schemeClr val="accent1"/>
+                        </a:solidFill>
+                      </a:rPr>
+                      <m:t>𝑑𝑒𝑙𝑎𝑦</m:t>
+                    </m:r>
+                    <m:r>
+                      <a:rPr lang="en-US" i="1" smtClean="0">
+                        <a:solidFill>
+                          <a:schemeClr val="accent1"/>
+                        </a:solidFill>
+                      </a:rPr>
+                      <m:t>=</m:t>
+                    </m:r>
+                    <m:sSub>
+                      <m:sSubPr>
+                        <m:ctrlPr>
+                          <a:rPr lang="en-US" i="1">
+                            <a:solidFill>
+                              <a:schemeClr val="accent1"/>
+                            </a:solidFill>
+                          </a:rPr>
+                        </m:ctrlPr>
+                      </m:sSubPr>
+                      <m:e>
+                        <m:r>
+                          <a:rPr lang="en-US" i="1">
+                            <a:solidFill>
+                              <a:schemeClr val="accent1"/>
+                            </a:solidFill>
+                          </a:rPr>
+                          <m:t>𝑡</m:t>
+                        </m:r>
+                      </m:e>
+                      <m:sub>
+                        <m:r>
+                          <a:rPr lang="en-US" i="1">
+                            <a:solidFill>
+                              <a:schemeClr val="accent1"/>
+                            </a:solidFill>
+                          </a:rPr>
+                          <m:t>𝑎𝑐𝑡𝑢𝑎𝑙</m:t>
+                        </m:r>
+                      </m:sub>
+                    </m:sSub>
+                    <m:r>
+                      <a:rPr lang="en-US" i="1">
+                        <a:solidFill>
+                          <a:schemeClr val="accent1"/>
+                        </a:solidFill>
+                      </a:rPr>
+                      <m:t>− </m:t>
+                    </m:r>
+                    <m:sSub>
+                      <m:sSubPr>
+                        <m:ctrlPr>
+                          <a:rPr lang="en-US" i="1">
+                            <a:solidFill>
+                              <a:schemeClr val="accent1"/>
+                            </a:solidFill>
+                          </a:rPr>
+                        </m:ctrlPr>
+                      </m:sSubPr>
+                      <m:e>
+                        <m:r>
+                          <a:rPr lang="en-US" i="1">
+                            <a:solidFill>
+                              <a:schemeClr val="accent1"/>
+                            </a:solidFill>
+                          </a:rPr>
+                          <m:t>𝑡</m:t>
+                        </m:r>
+                      </m:e>
+                      <m:sub>
+                        <m:r>
+                          <a:rPr lang="en-US" i="1">
+                            <a:solidFill>
+                              <a:schemeClr val="accent1"/>
+                            </a:solidFill>
+                          </a:rPr>
+                          <m:t>𝑡𝑖𝑚𝑒𝑡𝑎𝑏𝑙𝑒</m:t>
+                        </m:r>
+                      </m:sub>
+                    </m:sSub>
+                  </m:oMath>
+                </a14:m>
+                <a:endParaRPr lang="en-US" dirty="0">
+                  <a:solidFill>
+                    <a:prstClr val="white"/>
+                  </a:solidFill>
+                </a:endParaRPr>
+              </a:p>
+              <a:p>
+                <a:pPr lvl="1"/>
+                <a:r>
+                  <a:rPr lang="en-US" dirty="0">
+                    <a:solidFill>
+                      <a:prstClr val="white"/>
+                    </a:solidFill>
+                  </a:rPr>
+                  <a:t>Passenger Waiting Times:	</a:t>
+                </a:r>
+              </a:p>
+              <a:p>
+                <a:pPr lvl="2"/>
+                <a14:m>
+                  <m:oMath xmlns:m="http://schemas.openxmlformats.org/officeDocument/2006/math">
+                    <m:r>
+                      <a:rPr lang="en-US" dirty="0">
+                        <a:solidFill>
+                          <a:schemeClr val="accent1"/>
+                        </a:solidFill>
+                        <a:latin typeface="Cambria Math" panose="02040503050406030204" pitchFamily="18" charset="0"/>
+                      </a:rPr>
+                      <m:t>	</m:t>
+                    </m:r>
+                    <m:r>
+                      <a:rPr lang="en-US" i="1">
+                        <a:solidFill>
+                          <a:schemeClr val="accent1"/>
+                        </a:solidFill>
+                        <a:latin typeface="Cambria Math" panose="02040503050406030204" pitchFamily="18" charset="0"/>
+                      </a:rPr>
+                      <m:t>𝑤𝑎𝑖𝑡𝑖𝑛𝑔</m:t>
+                    </m:r>
+                    <m:r>
+                      <a:rPr lang="en-US" i="1">
+                        <a:solidFill>
+                          <a:schemeClr val="accent1"/>
+                        </a:solidFill>
+                        <a:latin typeface="Cambria Math" panose="02040503050406030204" pitchFamily="18" charset="0"/>
+                      </a:rPr>
+                      <m:t> </m:t>
+                    </m:r>
+                    <m:r>
+                      <a:rPr lang="en-US" i="1">
+                        <a:solidFill>
+                          <a:schemeClr val="accent1"/>
+                        </a:solidFill>
+                        <a:latin typeface="Cambria Math" panose="02040503050406030204" pitchFamily="18" charset="0"/>
+                      </a:rPr>
+                      <m:t>𝑡𝑖𝑚𝑒</m:t>
+                    </m:r>
+                    <m:r>
+                      <a:rPr lang="en-US" i="1">
+                        <a:solidFill>
+                          <a:schemeClr val="accent1"/>
+                        </a:solidFill>
+                        <a:latin typeface="Cambria Math" panose="02040503050406030204" pitchFamily="18" charset="0"/>
+                      </a:rPr>
+                      <m:t>=</m:t>
+                    </m:r>
+                    <m:sSub>
+                      <m:sSubPr>
+                        <m:ctrlPr>
+                          <a:rPr lang="en-US" i="1">
+                            <a:solidFill>
+                              <a:schemeClr val="accent1"/>
+                            </a:solidFill>
+                            <a:latin typeface="Cambria Math" panose="02040503050406030204" pitchFamily="18" charset="0"/>
+                          </a:rPr>
+                        </m:ctrlPr>
+                      </m:sSubPr>
+                      <m:e>
+                        <m:r>
+                          <a:rPr lang="en-US" i="1">
+                            <a:solidFill>
+                              <a:schemeClr val="accent1"/>
+                            </a:solidFill>
+                            <a:latin typeface="Cambria Math" panose="02040503050406030204" pitchFamily="18" charset="0"/>
+                          </a:rPr>
+                          <m:t>𝑡</m:t>
+                        </m:r>
+                      </m:e>
+                      <m:sub>
+                        <m:r>
+                          <a:rPr lang="en-US" i="1">
+                            <a:solidFill>
+                              <a:schemeClr val="accent1"/>
+                            </a:solidFill>
+                            <a:latin typeface="Cambria Math" panose="02040503050406030204" pitchFamily="18" charset="0"/>
+                          </a:rPr>
+                          <m:t>𝑏𝑜𝑎𝑟𝑑𝑖𝑛𝑔</m:t>
+                        </m:r>
+                      </m:sub>
+                    </m:sSub>
+                    <m:r>
+                      <a:rPr lang="en-US" i="1">
+                        <a:solidFill>
+                          <a:schemeClr val="accent1"/>
+                        </a:solidFill>
+                        <a:latin typeface="Cambria Math" panose="02040503050406030204" pitchFamily="18" charset="0"/>
+                      </a:rPr>
+                      <m:t>− </m:t>
+                    </m:r>
+                    <m:sSub>
+                      <m:sSubPr>
+                        <m:ctrlPr>
+                          <a:rPr lang="en-US" i="1">
+                            <a:solidFill>
+                              <a:schemeClr val="accent1"/>
+                            </a:solidFill>
+                            <a:latin typeface="Cambria Math" panose="02040503050406030204" pitchFamily="18" charset="0"/>
+                          </a:rPr>
+                        </m:ctrlPr>
+                      </m:sSubPr>
+                      <m:e>
+                        <m:r>
+                          <a:rPr lang="en-US" i="1">
+                            <a:solidFill>
+                              <a:schemeClr val="accent1"/>
+                            </a:solidFill>
+                            <a:latin typeface="Cambria Math" panose="02040503050406030204" pitchFamily="18" charset="0"/>
+                          </a:rPr>
+                          <m:t>𝑡</m:t>
+                        </m:r>
+                      </m:e>
+                      <m:sub>
+                        <m:r>
+                          <a:rPr lang="en-US" i="1">
+                            <a:solidFill>
+                              <a:schemeClr val="accent1"/>
+                            </a:solidFill>
+                            <a:latin typeface="Cambria Math" panose="02040503050406030204" pitchFamily="18" charset="0"/>
+                          </a:rPr>
+                          <m:t>𝑎𝑟𝑟𝑖𝑣𝑎𝑙</m:t>
+                        </m:r>
+                      </m:sub>
+                    </m:sSub>
+                  </m:oMath>
+                </a14:m>
+                <a:endParaRPr lang="en-US" dirty="0">
+                  <a:solidFill>
+                    <a:prstClr val="white"/>
+                  </a:solidFill>
+                </a:endParaRPr>
+              </a:p>
+              <a:p>
+                <a:pPr lvl="1"/>
+                <a:r>
+                  <a:rPr lang="en-US" dirty="0">
+                    <a:solidFill>
+                      <a:prstClr val="white"/>
+                    </a:solidFill>
+                  </a:rPr>
+                  <a:t>Stop Congestion:			</a:t>
+                </a:r>
+              </a:p>
+              <a:p>
+                <a:pPr marL="0" lvl="0" indent="0">
+                  <a:buNone/>
+                </a:pPr>
+                <a:endParaRPr lang="en-US" dirty="0">
+                  <a:solidFill>
+                    <a:prstClr val="white"/>
+                  </a:solidFill>
+                </a:endParaRPr>
+              </a:p>
+              <a:p>
+                <a:pPr marL="0" indent="0">
+                  <a:buNone/>
+                </a:pPr>
+                <a:endParaRPr lang="en-US" dirty="0"/>
+              </a:p>
+            </p:txBody>
+          </p:sp>
+        </mc:Choice>
+        <mc:Fallback>
+          <p:sp>
+            <p:nvSpPr>
+              <p:cNvPr id="3" name="Content Placeholder 2">
+                <a:extLst>
+                  <a:ext uri="{FF2B5EF4-FFF2-40B4-BE49-F238E27FC236}">
+                    <a16:creationId xmlns:a16="http://schemas.microsoft.com/office/drawing/2014/main" id="{12ABD7B2-0C3E-4EAA-B491-8F23BA528F0D}"/>
+                  </a:ext>
+                </a:extLst>
+              </p:cNvPr>
+              <p:cNvSpPr>
+                <a:spLocks noGrp="1" noRot="1" noChangeAspect="1" noMove="1" noResize="1" noEditPoints="1" noAdjustHandles="1" noChangeArrowheads="1" noChangeShapeType="1" noTextEdit="1"/>
+              </p:cNvSpPr>
+              <p:nvPr>
+                <p:ph idx="1"/>
+              </p:nvPr>
+            </p:nvSpPr>
+            <p:spPr>
+              <a:blipFill>
+                <a:blip r:embed="rId2"/>
+                <a:stretch>
+                  <a:fillRect l="-923" t="-172"/>
+                </a:stretch>
+              </a:blipFill>
+            </p:spPr>
+            <p:txBody>
+              <a:bodyPr/>
+              <a:lstStyle/>
+              <a:p>
+                <a:r>
+                  <a:rPr lang="en-US">
+                    <a:noFill/>
+                  </a:rPr>
+                  <a:t> </a:t>
+                </a:r>
+              </a:p>
+            </p:txBody>
+          </p:sp>
+        </mc:Fallback>
+      </mc:AlternateContent>
+    </p:spTree>
+    <p:extLst>
+      <p:ext uri="{BB962C8B-B14F-4D97-AF65-F5344CB8AC3E}">
+        <p14:creationId xmlns:p14="http://schemas.microsoft.com/office/powerpoint/2010/main" val="3533473101"/>
+      </p:ext>
+    </p:extLst>
+  </p:cSld>
+  <p:clrMapOvr>
+    <a:masterClrMapping/>
+  </p:clrMapOvr>
+</p:sld>
+</file>
+
+<file path=ppt/slides/slide7.xml><?xml version="1.0" encoding="utf-8"?>
 <p:sld xmlns:a="http://schemas.openxmlformats.org/drawingml/2006/main" xmlns:r="http://schemas.openxmlformats.org/officeDocument/2006/relationships" xmlns:p="http://schemas.openxmlformats.org/presentationml/2006/main">
   <p:cSld>
     <p:spTree>
@@ -12906,6 +13520,90 @@
     <p:extLst>
       <p:ext uri="{BB962C8B-B14F-4D97-AF65-F5344CB8AC3E}">
         <p14:creationId xmlns:p14="http://schemas.microsoft.com/office/powerpoint/2010/main" val="3700407136"/>
+      </p:ext>
+    </p:extLst>
+  </p:cSld>
+  <p:clrMapOvr>
+    <a:masterClrMapping/>
+  </p:clrMapOvr>
+</p:sld>
+</file>
+
+<file path=ppt/slides/slide8.xml><?xml version="1.0" encoding="utf-8"?>
+<p:sld xmlns:a="http://schemas.openxmlformats.org/drawingml/2006/main" xmlns:r="http://schemas.openxmlformats.org/officeDocument/2006/relationships" xmlns:p="http://schemas.openxmlformats.org/presentationml/2006/main">
+  <p:cSld>
+    <p:spTree>
+      <p:nvGrpSpPr>
+        <p:cNvPr id="1" name=""/>
+        <p:cNvGrpSpPr/>
+        <p:nvPr/>
+      </p:nvGrpSpPr>
+      <p:grpSpPr>
+        <a:xfrm>
+          <a:off x="0" y="0"/>
+          <a:ext cx="0" cy="0"/>
+          <a:chOff x="0" y="0"/>
+          <a:chExt cx="0" cy="0"/>
+        </a:xfrm>
+      </p:grpSpPr>
+      <p:sp>
+        <p:nvSpPr>
+          <p:cNvPr id="2" name="Title 1">
+            <a:extLst>
+              <a:ext uri="{FF2B5EF4-FFF2-40B4-BE49-F238E27FC236}">
+                <a16:creationId xmlns:a16="http://schemas.microsoft.com/office/drawing/2014/main" id="{88E937E0-A6EB-446C-8487-65416B0067E0}"/>
+              </a:ext>
+            </a:extLst>
+          </p:cNvPr>
+          <p:cNvSpPr>
+            <a:spLocks noGrp="1"/>
+          </p:cNvSpPr>
+          <p:nvPr>
+            <p:ph type="title"/>
+          </p:nvPr>
+        </p:nvSpPr>
+        <p:spPr/>
+        <p:txBody>
+          <a:bodyPr/>
+          <a:lstStyle/>
+          <a:p>
+            <a:pPr algn="ctr"/>
+            <a:r>
+              <a:rPr lang="en-US" dirty="0"/>
+              <a:t>Output analysis</a:t>
+            </a:r>
+          </a:p>
+        </p:txBody>
+      </p:sp>
+      <p:sp>
+        <p:nvSpPr>
+          <p:cNvPr id="3" name="Content Placeholder 2">
+            <a:extLst>
+              <a:ext uri="{FF2B5EF4-FFF2-40B4-BE49-F238E27FC236}">
+                <a16:creationId xmlns:a16="http://schemas.microsoft.com/office/drawing/2014/main" id="{80357D3F-B9D0-46DD-A13D-8295D2CAFDA4}"/>
+              </a:ext>
+            </a:extLst>
+          </p:cNvPr>
+          <p:cNvSpPr>
+            <a:spLocks noGrp="1"/>
+          </p:cNvSpPr>
+          <p:nvPr>
+            <p:ph idx="1"/>
+          </p:nvPr>
+        </p:nvSpPr>
+        <p:spPr/>
+        <p:txBody>
+          <a:bodyPr/>
+          <a:lstStyle/>
+          <a:p>
+            <a:endParaRPr lang="en-US" dirty="0"/>
+          </a:p>
+        </p:txBody>
+      </p:sp>
+    </p:spTree>
+    <p:extLst>
+      <p:ext uri="{BB962C8B-B14F-4D97-AF65-F5344CB8AC3E}">
+        <p14:creationId xmlns:p14="http://schemas.microsoft.com/office/powerpoint/2010/main" val="2774981893"/>
       </p:ext>
     </p:extLst>
   </p:cSld>

--- a/presentation/Simulation assignment.pptx
+++ b/presentation/Simulation assignment.pptx
@@ -793,7 +793,7 @@
           <a:noFill/>
           <a:extLst>
             <a:ext uri="{909E8E84-426E-40dd-AFC4-6F175D3DCCD1}">
-              <a14:hiddenFill xmlns:a14="http://schemas.microsoft.com/office/drawing/2010/main" xmlns="">
+              <a14:hiddenFill xmlns="" xmlns:a14="http://schemas.microsoft.com/office/drawing/2010/main">
                 <a:solidFill>
                   <a:srgbClr val="FFFFFF"/>
                 </a:solidFill>
@@ -852,7 +852,7 @@
             </a:ln>
             <a:extLst>
               <a:ext uri="{91240B29-F687-4f45-9708-019B960494DF}">
-                <a14:hiddenLine xmlns:a14="http://schemas.microsoft.com/office/drawing/2010/main" xmlns="" w="9525">
+                <a14:hiddenLine xmlns="" xmlns:a14="http://schemas.microsoft.com/office/drawing/2010/main" w="9525">
                   <a:solidFill>
                     <a:srgbClr val="000000"/>
                   </a:solidFill>
@@ -942,7 +942,7 @@
             </a:ln>
             <a:extLst>
               <a:ext uri="{91240B29-F687-4f45-9708-019B960494DF}">
-                <a14:hiddenLine xmlns:a14="http://schemas.microsoft.com/office/drawing/2010/main" xmlns="" w="9525">
+                <a14:hiddenLine xmlns="" xmlns:a14="http://schemas.microsoft.com/office/drawing/2010/main" w="9525">
                   <a:solidFill>
                     <a:srgbClr val="000000"/>
                   </a:solidFill>
@@ -1032,7 +1032,7 @@
             </a:ln>
             <a:extLst>
               <a:ext uri="{91240B29-F687-4f45-9708-019B960494DF}">
-                <a14:hiddenLine xmlns:a14="http://schemas.microsoft.com/office/drawing/2010/main" xmlns="" w="9525">
+                <a14:hiddenLine xmlns="" xmlns:a14="http://schemas.microsoft.com/office/drawing/2010/main" w="9525">
                   <a:solidFill>
                     <a:srgbClr val="000000"/>
                   </a:solidFill>
@@ -1066,7 +1066,7 @@
             </a:ln>
             <a:extLst>
               <a:ext uri="{91240B29-F687-4f45-9708-019B960494DF}">
-                <a14:hiddenLine xmlns:a14="http://schemas.microsoft.com/office/drawing/2010/main" xmlns="" w="9525">
+                <a14:hiddenLine xmlns="" xmlns:a14="http://schemas.microsoft.com/office/drawing/2010/main" w="9525">
                   <a:solidFill>
                     <a:srgbClr val="000000"/>
                   </a:solidFill>
@@ -1156,7 +1156,7 @@
             </a:ln>
             <a:extLst>
               <a:ext uri="{91240B29-F687-4f45-9708-019B960494DF}">
-                <a14:hiddenLine xmlns:a14="http://schemas.microsoft.com/office/drawing/2010/main" xmlns="" w="9525">
+                <a14:hiddenLine xmlns="" xmlns:a14="http://schemas.microsoft.com/office/drawing/2010/main" w="9525">
                   <a:solidFill>
                     <a:srgbClr val="000000"/>
                   </a:solidFill>
@@ -1218,7 +1218,7 @@
             </a:ln>
             <a:extLst>
               <a:ext uri="{91240B29-F687-4f45-9708-019B960494DF}">
-                <a14:hiddenLine xmlns:a14="http://schemas.microsoft.com/office/drawing/2010/main" xmlns="" w="9525">
+                <a14:hiddenLine xmlns="" xmlns:a14="http://schemas.microsoft.com/office/drawing/2010/main" w="9525">
                   <a:solidFill>
                     <a:srgbClr val="000000"/>
                   </a:solidFill>
@@ -1280,7 +1280,7 @@
             </a:ln>
             <a:extLst>
               <a:ext uri="{91240B29-F687-4f45-9708-019B960494DF}">
-                <a14:hiddenLine xmlns:a14="http://schemas.microsoft.com/office/drawing/2010/main" xmlns="" w="9525">
+                <a14:hiddenLine xmlns="" xmlns:a14="http://schemas.microsoft.com/office/drawing/2010/main" w="9525">
                   <a:solidFill>
                     <a:srgbClr val="000000"/>
                   </a:solidFill>
@@ -1370,7 +1370,7 @@
             </a:ln>
             <a:extLst>
               <a:ext uri="{91240B29-F687-4f45-9708-019B960494DF}">
-                <a14:hiddenLine xmlns:a14="http://schemas.microsoft.com/office/drawing/2010/main" xmlns="" w="9525">
+                <a14:hiddenLine xmlns="" xmlns:a14="http://schemas.microsoft.com/office/drawing/2010/main" w="9525">
                   <a:solidFill>
                     <a:srgbClr val="000000"/>
                   </a:solidFill>
@@ -1432,7 +1432,7 @@
             </a:ln>
             <a:extLst>
               <a:ext uri="{91240B29-F687-4f45-9708-019B960494DF}">
-                <a14:hiddenLine xmlns:a14="http://schemas.microsoft.com/office/drawing/2010/main" xmlns="" w="9525">
+                <a14:hiddenLine xmlns="" xmlns:a14="http://schemas.microsoft.com/office/drawing/2010/main" w="9525">
                   <a:solidFill>
                     <a:srgbClr val="000000"/>
                   </a:solidFill>
@@ -1494,7 +1494,7 @@
             </a:ln>
             <a:extLst>
               <a:ext uri="{91240B29-F687-4f45-9708-019B960494DF}">
-                <a14:hiddenLine xmlns:a14="http://schemas.microsoft.com/office/drawing/2010/main" xmlns="" w="9525">
+                <a14:hiddenLine xmlns="" xmlns:a14="http://schemas.microsoft.com/office/drawing/2010/main" w="9525">
                   <a:solidFill>
                     <a:srgbClr val="000000"/>
                   </a:solidFill>
@@ -1584,7 +1584,7 @@
             </a:ln>
             <a:extLst>
               <a:ext uri="{91240B29-F687-4f45-9708-019B960494DF}">
-                <a14:hiddenLine xmlns:a14="http://schemas.microsoft.com/office/drawing/2010/main" xmlns="" w="9525">
+                <a14:hiddenLine xmlns="" xmlns:a14="http://schemas.microsoft.com/office/drawing/2010/main" w="9525">
                   <a:solidFill>
                     <a:srgbClr val="000000"/>
                   </a:solidFill>
@@ -1674,7 +1674,7 @@
             </a:ln>
             <a:extLst>
               <a:ext uri="{91240B29-F687-4f45-9708-019B960494DF}">
-                <a14:hiddenLine xmlns:a14="http://schemas.microsoft.com/office/drawing/2010/main" xmlns="" w="9525">
+                <a14:hiddenLine xmlns="" xmlns:a14="http://schemas.microsoft.com/office/drawing/2010/main" w="9525">
                   <a:solidFill>
                     <a:srgbClr val="000000"/>
                   </a:solidFill>
@@ -1736,7 +1736,7 @@
             </a:ln>
             <a:extLst>
               <a:ext uri="{91240B29-F687-4f45-9708-019B960494DF}">
-                <a14:hiddenLine xmlns:a14="http://schemas.microsoft.com/office/drawing/2010/main" xmlns="" w="9525">
+                <a14:hiddenLine xmlns="" xmlns:a14="http://schemas.microsoft.com/office/drawing/2010/main" w="9525">
                   <a:solidFill>
                     <a:srgbClr val="000000"/>
                   </a:solidFill>
@@ -1846,7 +1846,7 @@
             </a:ln>
             <a:extLst>
               <a:ext uri="{91240B29-F687-4f45-9708-019B960494DF}">
-                <a14:hiddenLine xmlns:a14="http://schemas.microsoft.com/office/drawing/2010/main" xmlns="" w="9525">
+                <a14:hiddenLine xmlns="" xmlns:a14="http://schemas.microsoft.com/office/drawing/2010/main" w="9525">
                   <a:solidFill>
                     <a:srgbClr val="000000"/>
                   </a:solidFill>
@@ -1908,7 +1908,7 @@
             </a:ln>
             <a:extLst>
               <a:ext uri="{91240B29-F687-4f45-9708-019B960494DF}">
-                <a14:hiddenLine xmlns:a14="http://schemas.microsoft.com/office/drawing/2010/main" xmlns="" w="9525">
+                <a14:hiddenLine xmlns="" xmlns:a14="http://schemas.microsoft.com/office/drawing/2010/main" w="9525">
                   <a:solidFill>
                     <a:srgbClr val="000000"/>
                   </a:solidFill>
@@ -1998,7 +1998,7 @@
             </a:ln>
             <a:extLst>
               <a:ext uri="{91240B29-F687-4f45-9708-019B960494DF}">
-                <a14:hiddenLine xmlns:a14="http://schemas.microsoft.com/office/drawing/2010/main" xmlns="" w="9525">
+                <a14:hiddenLine xmlns="" xmlns:a14="http://schemas.microsoft.com/office/drawing/2010/main" w="9525">
                   <a:solidFill>
                     <a:srgbClr val="000000"/>
                   </a:solidFill>
@@ -2088,7 +2088,7 @@
             </a:ln>
             <a:extLst>
               <a:ext uri="{91240B29-F687-4f45-9708-019B960494DF}">
-                <a14:hiddenLine xmlns:a14="http://schemas.microsoft.com/office/drawing/2010/main" xmlns="" w="9525">
+                <a14:hiddenLine xmlns="" xmlns:a14="http://schemas.microsoft.com/office/drawing/2010/main" w="9525">
                   <a:solidFill>
                     <a:srgbClr val="000000"/>
                   </a:solidFill>
@@ -2150,7 +2150,7 @@
             </a:ln>
             <a:extLst>
               <a:ext uri="{91240B29-F687-4f45-9708-019B960494DF}">
-                <a14:hiddenLine xmlns:a14="http://schemas.microsoft.com/office/drawing/2010/main" xmlns="" w="9525">
+                <a14:hiddenLine xmlns="" xmlns:a14="http://schemas.microsoft.com/office/drawing/2010/main" w="9525">
                   <a:solidFill>
                     <a:srgbClr val="000000"/>
                   </a:solidFill>
@@ -2240,7 +2240,7 @@
             </a:ln>
             <a:extLst>
               <a:ext uri="{91240B29-F687-4f45-9708-019B960494DF}">
-                <a14:hiddenLine xmlns:a14="http://schemas.microsoft.com/office/drawing/2010/main" xmlns="" w="9525">
+                <a14:hiddenLine xmlns="" xmlns:a14="http://schemas.microsoft.com/office/drawing/2010/main" w="9525">
                   <a:solidFill>
                     <a:srgbClr val="000000"/>
                   </a:solidFill>
@@ -2330,7 +2330,7 @@
             </a:ln>
             <a:extLst>
               <a:ext uri="{91240B29-F687-4f45-9708-019B960494DF}">
-                <a14:hiddenLine xmlns:a14="http://schemas.microsoft.com/office/drawing/2010/main" xmlns="" w="9525">
+                <a14:hiddenLine xmlns="" xmlns:a14="http://schemas.microsoft.com/office/drawing/2010/main" w="9525">
                   <a:solidFill>
                     <a:srgbClr val="000000"/>
                   </a:solidFill>
@@ -2386,7 +2386,7 @@
             </a:ln>
             <a:extLst>
               <a:ext uri="{91240B29-F687-4f45-9708-019B960494DF}">
-                <a14:hiddenLine xmlns:a14="http://schemas.microsoft.com/office/drawing/2010/main" xmlns="" w="9525">
+                <a14:hiddenLine xmlns="" xmlns:a14="http://schemas.microsoft.com/office/drawing/2010/main" w="9525">
                   <a:solidFill>
                     <a:srgbClr val="000000"/>
                   </a:solidFill>
@@ -2476,7 +2476,7 @@
             </a:ln>
             <a:extLst>
               <a:ext uri="{91240B29-F687-4f45-9708-019B960494DF}">
-                <a14:hiddenLine xmlns:a14="http://schemas.microsoft.com/office/drawing/2010/main" xmlns="" w="9525">
+                <a14:hiddenLine xmlns="" xmlns:a14="http://schemas.microsoft.com/office/drawing/2010/main" w="9525">
                   <a:solidFill>
                     <a:srgbClr val="000000"/>
                   </a:solidFill>
@@ -2532,7 +2532,7 @@
             </a:ln>
             <a:extLst>
               <a:ext uri="{91240B29-F687-4f45-9708-019B960494DF}">
-                <a14:hiddenLine xmlns:a14="http://schemas.microsoft.com/office/drawing/2010/main" xmlns="" w="9525">
+                <a14:hiddenLine xmlns="" xmlns:a14="http://schemas.microsoft.com/office/drawing/2010/main" w="9525">
                   <a:solidFill>
                     <a:srgbClr val="000000"/>
                   </a:solidFill>
@@ -2622,7 +2622,7 @@
             </a:ln>
             <a:extLst>
               <a:ext uri="{91240B29-F687-4f45-9708-019B960494DF}">
-                <a14:hiddenLine xmlns:a14="http://schemas.microsoft.com/office/drawing/2010/main" xmlns="" w="9525">
+                <a14:hiddenLine xmlns="" xmlns:a14="http://schemas.microsoft.com/office/drawing/2010/main" w="9525">
                   <a:solidFill>
                     <a:srgbClr val="000000"/>
                   </a:solidFill>
@@ -2690,7 +2690,7 @@
             </a:ln>
             <a:extLst>
               <a:ext uri="{91240B29-F687-4f45-9708-019B960494DF}">
-                <a14:hiddenLine xmlns:a14="http://schemas.microsoft.com/office/drawing/2010/main" xmlns="" w="9525">
+                <a14:hiddenLine xmlns="" xmlns:a14="http://schemas.microsoft.com/office/drawing/2010/main" w="9525">
                   <a:solidFill>
                     <a:srgbClr val="000000"/>
                   </a:solidFill>
@@ -2780,7 +2780,7 @@
             </a:ln>
             <a:extLst>
               <a:ext uri="{91240B29-F687-4f45-9708-019B960494DF}">
-                <a14:hiddenLine xmlns:a14="http://schemas.microsoft.com/office/drawing/2010/main" xmlns="" w="9525">
+                <a14:hiddenLine xmlns="" xmlns:a14="http://schemas.microsoft.com/office/drawing/2010/main" w="9525">
                   <a:solidFill>
                     <a:srgbClr val="000000"/>
                   </a:solidFill>
@@ -2848,7 +2848,7 @@
             </a:ln>
             <a:extLst>
               <a:ext uri="{91240B29-F687-4f45-9708-019B960494DF}">
-                <a14:hiddenLine xmlns:a14="http://schemas.microsoft.com/office/drawing/2010/main" xmlns="" w="9525">
+                <a14:hiddenLine xmlns="" xmlns:a14="http://schemas.microsoft.com/office/drawing/2010/main" w="9525">
                   <a:solidFill>
                     <a:srgbClr val="000000"/>
                   </a:solidFill>
@@ -2938,7 +2938,7 @@
             </a:ln>
             <a:extLst>
               <a:ext uri="{91240B29-F687-4f45-9708-019B960494DF}">
-                <a14:hiddenLine xmlns:a14="http://schemas.microsoft.com/office/drawing/2010/main" xmlns="" w="9525">
+                <a14:hiddenLine xmlns="" xmlns:a14="http://schemas.microsoft.com/office/drawing/2010/main" w="9525">
                   <a:solidFill>
                     <a:srgbClr val="000000"/>
                   </a:solidFill>
@@ -2972,7 +2972,7 @@
             </a:ln>
             <a:extLst>
               <a:ext uri="{91240B29-F687-4f45-9708-019B960494DF}">
-                <a14:hiddenLine xmlns:a14="http://schemas.microsoft.com/office/drawing/2010/main" xmlns="" w="9525">
+                <a14:hiddenLine xmlns="" xmlns:a14="http://schemas.microsoft.com/office/drawing/2010/main" w="9525">
                   <a:solidFill>
                     <a:srgbClr val="000000"/>
                   </a:solidFill>
@@ -3062,7 +3062,7 @@
             </a:ln>
             <a:extLst>
               <a:ext uri="{91240B29-F687-4f45-9708-019B960494DF}">
-                <a14:hiddenLine xmlns:a14="http://schemas.microsoft.com/office/drawing/2010/main" xmlns="" w="9525">
+                <a14:hiddenLine xmlns="" xmlns:a14="http://schemas.microsoft.com/office/drawing/2010/main" w="9525">
                   <a:solidFill>
                     <a:srgbClr val="000000"/>
                   </a:solidFill>
@@ -3124,7 +3124,7 @@
             </a:ln>
             <a:extLst>
               <a:ext uri="{91240B29-F687-4f45-9708-019B960494DF}">
-                <a14:hiddenLine xmlns:a14="http://schemas.microsoft.com/office/drawing/2010/main" xmlns="" w="9525">
+                <a14:hiddenLine xmlns="" xmlns:a14="http://schemas.microsoft.com/office/drawing/2010/main" w="9525">
                   <a:solidFill>
                     <a:srgbClr val="000000"/>
                   </a:solidFill>
@@ -3186,7 +3186,7 @@
             </a:ln>
             <a:extLst>
               <a:ext uri="{91240B29-F687-4f45-9708-019B960494DF}">
-                <a14:hiddenLine xmlns:a14="http://schemas.microsoft.com/office/drawing/2010/main" xmlns="" w="9525">
+                <a14:hiddenLine xmlns="" xmlns:a14="http://schemas.microsoft.com/office/drawing/2010/main" w="9525">
                   <a:solidFill>
                     <a:srgbClr val="000000"/>
                   </a:solidFill>
@@ -3276,7 +3276,7 @@
             </a:ln>
             <a:extLst>
               <a:ext uri="{91240B29-F687-4f45-9708-019B960494DF}">
-                <a14:hiddenLine xmlns:a14="http://schemas.microsoft.com/office/drawing/2010/main" xmlns="" w="9525">
+                <a14:hiddenLine xmlns="" xmlns:a14="http://schemas.microsoft.com/office/drawing/2010/main" w="9525">
                   <a:solidFill>
                     <a:srgbClr val="000000"/>
                   </a:solidFill>
@@ -3344,7 +3344,7 @@
             </a:ln>
             <a:extLst>
               <a:ext uri="{91240B29-F687-4f45-9708-019B960494DF}">
-                <a14:hiddenLine xmlns:a14="http://schemas.microsoft.com/office/drawing/2010/main" xmlns="" w="9525">
+                <a14:hiddenLine xmlns="" xmlns:a14="http://schemas.microsoft.com/office/drawing/2010/main" w="9525">
                   <a:solidFill>
                     <a:srgbClr val="000000"/>
                   </a:solidFill>
@@ -3406,7 +3406,7 @@
             </a:ln>
             <a:extLst>
               <a:ext uri="{91240B29-F687-4f45-9708-019B960494DF}">
-                <a14:hiddenLine xmlns:a14="http://schemas.microsoft.com/office/drawing/2010/main" xmlns="" w="9525">
+                <a14:hiddenLine xmlns="" xmlns:a14="http://schemas.microsoft.com/office/drawing/2010/main" w="9525">
                   <a:solidFill>
                     <a:srgbClr val="000000"/>
                   </a:solidFill>
@@ -3496,7 +3496,7 @@
             </a:ln>
             <a:extLst>
               <a:ext uri="{91240B29-F687-4f45-9708-019B960494DF}">
-                <a14:hiddenLine xmlns:a14="http://schemas.microsoft.com/office/drawing/2010/main" xmlns="" w="9525">
+                <a14:hiddenLine xmlns="" xmlns:a14="http://schemas.microsoft.com/office/drawing/2010/main" w="9525">
                   <a:solidFill>
                     <a:srgbClr val="000000"/>
                   </a:solidFill>
@@ -3558,7 +3558,7 @@
             </a:ln>
             <a:extLst>
               <a:ext uri="{91240B29-F687-4f45-9708-019B960494DF}">
-                <a14:hiddenLine xmlns:a14="http://schemas.microsoft.com/office/drawing/2010/main" xmlns="" w="9525">
+                <a14:hiddenLine xmlns="" xmlns:a14="http://schemas.microsoft.com/office/drawing/2010/main" w="9525">
                   <a:solidFill>
                     <a:srgbClr val="000000"/>
                   </a:solidFill>
@@ -3648,7 +3648,7 @@
             </a:ln>
             <a:extLst>
               <a:ext uri="{91240B29-F687-4f45-9708-019B960494DF}">
-                <a14:hiddenLine xmlns:a14="http://schemas.microsoft.com/office/drawing/2010/main" xmlns="" w="9525">
+                <a14:hiddenLine xmlns="" xmlns:a14="http://schemas.microsoft.com/office/drawing/2010/main" w="9525">
                   <a:solidFill>
                     <a:srgbClr val="000000"/>
                   </a:solidFill>
@@ -3710,7 +3710,7 @@
             </a:ln>
             <a:extLst>
               <a:ext uri="{91240B29-F687-4f45-9708-019B960494DF}">
-                <a14:hiddenLine xmlns:a14="http://schemas.microsoft.com/office/drawing/2010/main" xmlns="" w="9525">
+                <a14:hiddenLine xmlns="" xmlns:a14="http://schemas.microsoft.com/office/drawing/2010/main" w="9525">
                   <a:solidFill>
                     <a:srgbClr val="000000"/>
                   </a:solidFill>
@@ -3800,7 +3800,7 @@
             </a:ln>
             <a:extLst>
               <a:ext uri="{91240B29-F687-4f45-9708-019B960494DF}">
-                <a14:hiddenLine xmlns:a14="http://schemas.microsoft.com/office/drawing/2010/main" xmlns="" w="9525">
+                <a14:hiddenLine xmlns="" xmlns:a14="http://schemas.microsoft.com/office/drawing/2010/main" w="9525">
                   <a:solidFill>
                     <a:srgbClr val="000000"/>
                   </a:solidFill>
@@ -3834,7 +3834,7 @@
             </a:ln>
             <a:extLst>
               <a:ext uri="{91240B29-F687-4f45-9708-019B960494DF}">
-                <a14:hiddenLine xmlns:a14="http://schemas.microsoft.com/office/drawing/2010/main" xmlns="" w="9525">
+                <a14:hiddenLine xmlns="" xmlns:a14="http://schemas.microsoft.com/office/drawing/2010/main" w="9525">
                   <a:solidFill>
                     <a:srgbClr val="000000"/>
                   </a:solidFill>
@@ -3899,7 +3899,7 @@
             </a:ln>
             <a:extLst>
               <a:ext uri="{91240B29-F687-4f45-9708-019B960494DF}">
-                <a14:hiddenLine xmlns:a14="http://schemas.microsoft.com/office/drawing/2010/main" xmlns="" w="9525">
+                <a14:hiddenLine xmlns="" xmlns:a14="http://schemas.microsoft.com/office/drawing/2010/main" w="9525">
                   <a:solidFill>
                     <a:srgbClr val="000000"/>
                   </a:solidFill>
@@ -3989,7 +3989,7 @@
             </a:ln>
             <a:extLst>
               <a:ext uri="{91240B29-F687-4f45-9708-019B960494DF}">
-                <a14:hiddenLine xmlns:a14="http://schemas.microsoft.com/office/drawing/2010/main" xmlns="" w="9525">
+                <a14:hiddenLine xmlns="" xmlns:a14="http://schemas.microsoft.com/office/drawing/2010/main" w="9525">
                   <a:solidFill>
                     <a:srgbClr val="000000"/>
                   </a:solidFill>
@@ -4051,7 +4051,7 @@
             </a:ln>
             <a:extLst>
               <a:ext uri="{91240B29-F687-4f45-9708-019B960494DF}">
-                <a14:hiddenLine xmlns:a14="http://schemas.microsoft.com/office/drawing/2010/main" xmlns="" w="9525">
+                <a14:hiddenLine xmlns="" xmlns:a14="http://schemas.microsoft.com/office/drawing/2010/main" w="9525">
                   <a:solidFill>
                     <a:srgbClr val="000000"/>
                   </a:solidFill>
@@ -4141,7 +4141,7 @@
             </a:ln>
             <a:extLst>
               <a:ext uri="{91240B29-F687-4f45-9708-019B960494DF}">
-                <a14:hiddenLine xmlns:a14="http://schemas.microsoft.com/office/drawing/2010/main" xmlns="" w="9525">
+                <a14:hiddenLine xmlns="" xmlns:a14="http://schemas.microsoft.com/office/drawing/2010/main" w="9525">
                   <a:solidFill>
                     <a:srgbClr val="000000"/>
                   </a:solidFill>
@@ -4231,7 +4231,7 @@
             </a:ln>
             <a:extLst>
               <a:ext uri="{91240B29-F687-4f45-9708-019B960494DF}">
-                <a14:hiddenLine xmlns:a14="http://schemas.microsoft.com/office/drawing/2010/main" xmlns="" w="9525">
+                <a14:hiddenLine xmlns="" xmlns:a14="http://schemas.microsoft.com/office/drawing/2010/main" w="9525">
                   <a:solidFill>
                     <a:srgbClr val="000000"/>
                   </a:solidFill>
@@ -4296,7 +4296,7 @@
             </a:ln>
             <a:extLst>
               <a:ext uri="{91240B29-F687-4f45-9708-019B960494DF}">
-                <a14:hiddenLine xmlns:a14="http://schemas.microsoft.com/office/drawing/2010/main" xmlns="" w="9525">
+                <a14:hiddenLine xmlns="" xmlns:a14="http://schemas.microsoft.com/office/drawing/2010/main" w="9525">
                   <a:solidFill>
                     <a:srgbClr val="000000"/>
                   </a:solidFill>
@@ -4358,7 +4358,7 @@
             </a:ln>
             <a:extLst>
               <a:ext uri="{91240B29-F687-4f45-9708-019B960494DF}">
-                <a14:hiddenLine xmlns:a14="http://schemas.microsoft.com/office/drawing/2010/main" xmlns="" w="9525">
+                <a14:hiddenLine xmlns="" xmlns:a14="http://schemas.microsoft.com/office/drawing/2010/main" w="9525">
                   <a:solidFill>
                     <a:srgbClr val="000000"/>
                   </a:solidFill>
@@ -4448,7 +4448,7 @@
             </a:ln>
             <a:extLst>
               <a:ext uri="{91240B29-F687-4f45-9708-019B960494DF}">
-                <a14:hiddenLine xmlns:a14="http://schemas.microsoft.com/office/drawing/2010/main" xmlns="" w="9525">
+                <a14:hiddenLine xmlns="" xmlns:a14="http://schemas.microsoft.com/office/drawing/2010/main" w="9525">
                   <a:solidFill>
                     <a:srgbClr val="000000"/>
                   </a:solidFill>
@@ -4538,7 +4538,7 @@
             </a:ln>
             <a:extLst>
               <a:ext uri="{91240B29-F687-4f45-9708-019B960494DF}">
-                <a14:hiddenLine xmlns:a14="http://schemas.microsoft.com/office/drawing/2010/main" xmlns="" w="9525">
+                <a14:hiddenLine xmlns="" xmlns:a14="http://schemas.microsoft.com/office/drawing/2010/main" w="9525">
                   <a:solidFill>
                     <a:srgbClr val="000000"/>
                   </a:solidFill>
@@ -4600,7 +4600,7 @@
             </a:ln>
             <a:extLst>
               <a:ext uri="{91240B29-F687-4f45-9708-019B960494DF}">
-                <a14:hiddenLine xmlns:a14="http://schemas.microsoft.com/office/drawing/2010/main" xmlns="" w="9525">
+                <a14:hiddenLine xmlns="" xmlns:a14="http://schemas.microsoft.com/office/drawing/2010/main" w="9525">
                   <a:solidFill>
                     <a:srgbClr val="000000"/>
                   </a:solidFill>
@@ -4720,7 +4720,7 @@
             </a:ln>
             <a:extLst>
               <a:ext uri="{91240B29-F687-4f45-9708-019B960494DF}">
-                <a14:hiddenLine xmlns:a14="http://schemas.microsoft.com/office/drawing/2010/main" xmlns="" w="9525">
+                <a14:hiddenLine xmlns="" xmlns:a14="http://schemas.microsoft.com/office/drawing/2010/main" w="9525">
                   <a:solidFill>
                     <a:srgbClr val="000000"/>
                   </a:solidFill>
@@ -4788,7 +4788,7 @@
             </a:ln>
             <a:extLst>
               <a:ext uri="{91240B29-F687-4f45-9708-019B960494DF}">
-                <a14:hiddenLine xmlns:a14="http://schemas.microsoft.com/office/drawing/2010/main" xmlns="" w="9525">
+                <a14:hiddenLine xmlns="" xmlns:a14="http://schemas.microsoft.com/office/drawing/2010/main" w="9525">
                   <a:solidFill>
                     <a:srgbClr val="000000"/>
                   </a:solidFill>
@@ -4878,7 +4878,7 @@
             </a:ln>
             <a:extLst>
               <a:ext uri="{91240B29-F687-4f45-9708-019B960494DF}">
-                <a14:hiddenLine xmlns:a14="http://schemas.microsoft.com/office/drawing/2010/main" xmlns="" w="9525">
+                <a14:hiddenLine xmlns="" xmlns:a14="http://schemas.microsoft.com/office/drawing/2010/main" w="9525">
                   <a:solidFill>
                     <a:srgbClr val="000000"/>
                   </a:solidFill>
@@ -9607,7 +9607,7 @@
           <a:noFill/>
           <a:extLst>
             <a:ext uri="{909E8E84-426E-40dd-AFC4-6F175D3DCCD1}">
-              <a14:hiddenFill xmlns:a14="http://schemas.microsoft.com/office/drawing/2010/main" xmlns="">
+              <a14:hiddenFill xmlns="" xmlns:a14="http://schemas.microsoft.com/office/drawing/2010/main">
                 <a:solidFill>
                   <a:srgbClr val="FFFFFF"/>
                 </a:solidFill>
@@ -9681,7 +9681,7 @@
               </a:ln>
               <a:extLst>
                 <a:ext uri="{91240B29-F687-4f45-9708-019B960494DF}">
-                  <a14:hiddenLine xmlns:a14="http://schemas.microsoft.com/office/drawing/2010/main" xmlns="" w="9525">
+                  <a14:hiddenLine xmlns="" xmlns:a14="http://schemas.microsoft.com/office/drawing/2010/main" w="9525">
                     <a:solidFill>
                       <a:srgbClr val="000000"/>
                     </a:solidFill>
@@ -9771,7 +9771,7 @@
               </a:ln>
               <a:extLst>
                 <a:ext uri="{91240B29-F687-4f45-9708-019B960494DF}">
-                  <a14:hiddenLine xmlns:a14="http://schemas.microsoft.com/office/drawing/2010/main" xmlns="" w="9525">
+                  <a14:hiddenLine xmlns="" xmlns:a14="http://schemas.microsoft.com/office/drawing/2010/main" w="9525">
                     <a:solidFill>
                       <a:srgbClr val="000000"/>
                     </a:solidFill>
@@ -9861,7 +9861,7 @@
               </a:ln>
               <a:extLst>
                 <a:ext uri="{91240B29-F687-4f45-9708-019B960494DF}">
-                  <a14:hiddenLine xmlns:a14="http://schemas.microsoft.com/office/drawing/2010/main" xmlns="" w="9525">
+                  <a14:hiddenLine xmlns="" xmlns:a14="http://schemas.microsoft.com/office/drawing/2010/main" w="9525">
                     <a:solidFill>
                       <a:srgbClr val="000000"/>
                     </a:solidFill>
@@ -9923,7 +9923,7 @@
               </a:ln>
               <a:extLst>
                 <a:ext uri="{91240B29-F687-4f45-9708-019B960494DF}">
-                  <a14:hiddenLine xmlns:a14="http://schemas.microsoft.com/office/drawing/2010/main" xmlns="" w="9525">
+                  <a14:hiddenLine xmlns="" xmlns:a14="http://schemas.microsoft.com/office/drawing/2010/main" w="9525">
                     <a:solidFill>
                       <a:srgbClr val="000000"/>
                     </a:solidFill>
@@ -10013,7 +10013,7 @@
               </a:ln>
               <a:extLst>
                 <a:ext uri="{91240B29-F687-4f45-9708-019B960494DF}">
-                  <a14:hiddenLine xmlns:a14="http://schemas.microsoft.com/office/drawing/2010/main" xmlns="" w="9525">
+                  <a14:hiddenLine xmlns="" xmlns:a14="http://schemas.microsoft.com/office/drawing/2010/main" w="9525">
                     <a:solidFill>
                       <a:srgbClr val="000000"/>
                     </a:solidFill>
@@ -10075,7 +10075,7 @@
               </a:ln>
               <a:extLst>
                 <a:ext uri="{91240B29-F687-4f45-9708-019B960494DF}">
-                  <a14:hiddenLine xmlns:a14="http://schemas.microsoft.com/office/drawing/2010/main" xmlns="" w="9525">
+                  <a14:hiddenLine xmlns="" xmlns:a14="http://schemas.microsoft.com/office/drawing/2010/main" w="9525">
                     <a:solidFill>
                       <a:srgbClr val="000000"/>
                     </a:solidFill>
@@ -10137,7 +10137,7 @@
               </a:ln>
               <a:extLst>
                 <a:ext uri="{91240B29-F687-4f45-9708-019B960494DF}">
-                  <a14:hiddenLine xmlns:a14="http://schemas.microsoft.com/office/drawing/2010/main" xmlns="" w="9525">
+                  <a14:hiddenLine xmlns="" xmlns:a14="http://schemas.microsoft.com/office/drawing/2010/main" w="9525">
                     <a:solidFill>
                       <a:srgbClr val="000000"/>
                     </a:solidFill>
@@ -10227,7 +10227,7 @@
               </a:ln>
               <a:extLst>
                 <a:ext uri="{91240B29-F687-4f45-9708-019B960494DF}">
-                  <a14:hiddenLine xmlns:a14="http://schemas.microsoft.com/office/drawing/2010/main" xmlns="" w="9525">
+                  <a14:hiddenLine xmlns="" xmlns:a14="http://schemas.microsoft.com/office/drawing/2010/main" w="9525">
                     <a:solidFill>
                       <a:srgbClr val="000000"/>
                     </a:solidFill>
@@ -10317,7 +10317,7 @@
               </a:ln>
               <a:extLst>
                 <a:ext uri="{91240B29-F687-4f45-9708-019B960494DF}">
-                  <a14:hiddenLine xmlns:a14="http://schemas.microsoft.com/office/drawing/2010/main" xmlns="" w="9525">
+                  <a14:hiddenLine xmlns="" xmlns:a14="http://schemas.microsoft.com/office/drawing/2010/main" w="9525">
                     <a:solidFill>
                       <a:srgbClr val="000000"/>
                     </a:solidFill>
@@ -10379,7 +10379,7 @@
               </a:ln>
               <a:extLst>
                 <a:ext uri="{91240B29-F687-4f45-9708-019B960494DF}">
-                  <a14:hiddenLine xmlns:a14="http://schemas.microsoft.com/office/drawing/2010/main" xmlns="" w="9525">
+                  <a14:hiddenLine xmlns="" xmlns:a14="http://schemas.microsoft.com/office/drawing/2010/main" w="9525">
                     <a:solidFill>
                       <a:srgbClr val="000000"/>
                     </a:solidFill>
@@ -10489,7 +10489,7 @@
               </a:ln>
               <a:extLst>
                 <a:ext uri="{91240B29-F687-4f45-9708-019B960494DF}">
-                  <a14:hiddenLine xmlns:a14="http://schemas.microsoft.com/office/drawing/2010/main" xmlns="" w="9525">
+                  <a14:hiddenLine xmlns="" xmlns:a14="http://schemas.microsoft.com/office/drawing/2010/main" w="9525">
                     <a:solidFill>
                       <a:srgbClr val="000000"/>
                     </a:solidFill>
@@ -10573,7 +10573,7 @@
               </a:ln>
               <a:extLst>
                 <a:ext uri="{91240B29-F687-4f45-9708-019B960494DF}">
-                  <a14:hiddenLine xmlns:a14="http://schemas.microsoft.com/office/drawing/2010/main" xmlns="" w="9525">
+                  <a14:hiddenLine xmlns="" xmlns:a14="http://schemas.microsoft.com/office/drawing/2010/main" w="9525">
                     <a:solidFill>
                       <a:srgbClr val="000000"/>
                     </a:solidFill>
@@ -10635,7 +10635,7 @@
               </a:ln>
               <a:extLst>
                 <a:ext uri="{91240B29-F687-4f45-9708-019B960494DF}">
-                  <a14:hiddenLine xmlns:a14="http://schemas.microsoft.com/office/drawing/2010/main" xmlns="" w="9525">
+                  <a14:hiddenLine xmlns="" xmlns:a14="http://schemas.microsoft.com/office/drawing/2010/main" w="9525">
                     <a:solidFill>
                       <a:srgbClr val="000000"/>
                     </a:solidFill>
@@ -10697,7 +10697,7 @@
               </a:ln>
               <a:extLst>
                 <a:ext uri="{91240B29-F687-4f45-9708-019B960494DF}">
-                  <a14:hiddenLine xmlns:a14="http://schemas.microsoft.com/office/drawing/2010/main" xmlns="" w="9525">
+                  <a14:hiddenLine xmlns="" xmlns:a14="http://schemas.microsoft.com/office/drawing/2010/main" w="9525">
                     <a:solidFill>
                       <a:srgbClr val="000000"/>
                     </a:solidFill>
@@ -10787,7 +10787,7 @@
               </a:ln>
               <a:extLst>
                 <a:ext uri="{91240B29-F687-4f45-9708-019B960494DF}">
-                  <a14:hiddenLine xmlns:a14="http://schemas.microsoft.com/office/drawing/2010/main" xmlns="" w="9525">
+                  <a14:hiddenLine xmlns="" xmlns:a14="http://schemas.microsoft.com/office/drawing/2010/main" w="9525">
                     <a:solidFill>
                       <a:srgbClr val="000000"/>
                     </a:solidFill>
@@ -10821,7 +10821,7 @@
               </a:ln>
               <a:extLst>
                 <a:ext uri="{91240B29-F687-4f45-9708-019B960494DF}">
-                  <a14:hiddenLine xmlns:a14="http://schemas.microsoft.com/office/drawing/2010/main" xmlns="" w="9525">
+                  <a14:hiddenLine xmlns="" xmlns:a14="http://schemas.microsoft.com/office/drawing/2010/main" w="9525">
                     <a:solidFill>
                       <a:srgbClr val="000000"/>
                     </a:solidFill>
@@ -10886,7 +10886,7 @@
               </a:ln>
               <a:extLst>
                 <a:ext uri="{91240B29-F687-4f45-9708-019B960494DF}">
-                  <a14:hiddenLine xmlns:a14="http://schemas.microsoft.com/office/drawing/2010/main" xmlns="" w="9525">
+                  <a14:hiddenLine xmlns="" xmlns:a14="http://schemas.microsoft.com/office/drawing/2010/main" w="9525">
                     <a:solidFill>
                       <a:srgbClr val="000000"/>
                     </a:solidFill>
@@ -10976,7 +10976,7 @@
               </a:ln>
               <a:extLst>
                 <a:ext uri="{91240B29-F687-4f45-9708-019B960494DF}">
-                  <a14:hiddenLine xmlns:a14="http://schemas.microsoft.com/office/drawing/2010/main" xmlns="" w="9525">
+                  <a14:hiddenLine xmlns="" xmlns:a14="http://schemas.microsoft.com/office/drawing/2010/main" w="9525">
                     <a:solidFill>
                       <a:srgbClr val="000000"/>
                     </a:solidFill>
@@ -11038,7 +11038,7 @@
               </a:ln>
               <a:extLst>
                 <a:ext uri="{91240B29-F687-4f45-9708-019B960494DF}">
-                  <a14:hiddenLine xmlns:a14="http://schemas.microsoft.com/office/drawing/2010/main" xmlns="" w="9525">
+                  <a14:hiddenLine xmlns="" xmlns:a14="http://schemas.microsoft.com/office/drawing/2010/main" w="9525">
                     <a:solidFill>
                       <a:srgbClr val="000000"/>
                     </a:solidFill>
@@ -11128,7 +11128,7 @@
               </a:ln>
               <a:extLst>
                 <a:ext uri="{91240B29-F687-4f45-9708-019B960494DF}">
-                  <a14:hiddenLine xmlns:a14="http://schemas.microsoft.com/office/drawing/2010/main" xmlns="" w="9525">
+                  <a14:hiddenLine xmlns="" xmlns:a14="http://schemas.microsoft.com/office/drawing/2010/main" w="9525">
                     <a:solidFill>
                       <a:srgbClr val="000000"/>
                     </a:solidFill>
@@ -11193,7 +11193,7 @@
               </a:ln>
               <a:extLst>
                 <a:ext uri="{91240B29-F687-4f45-9708-019B960494DF}">
-                  <a14:hiddenLine xmlns:a14="http://schemas.microsoft.com/office/drawing/2010/main" xmlns="" w="9525">
+                  <a14:hiddenLine xmlns="" xmlns:a14="http://schemas.microsoft.com/office/drawing/2010/main" w="9525">
                     <a:solidFill>
                       <a:srgbClr val="000000"/>
                     </a:solidFill>
@@ -11255,7 +11255,7 @@
               </a:ln>
               <a:extLst>
                 <a:ext uri="{91240B29-F687-4f45-9708-019B960494DF}">
-                  <a14:hiddenLine xmlns:a14="http://schemas.microsoft.com/office/drawing/2010/main" xmlns="" w="9525">
+                  <a14:hiddenLine xmlns="" xmlns:a14="http://schemas.microsoft.com/office/drawing/2010/main" w="9525">
                     <a:solidFill>
                       <a:srgbClr val="000000"/>
                     </a:solidFill>
@@ -11345,7 +11345,7 @@
               </a:ln>
               <a:extLst>
                 <a:ext uri="{91240B29-F687-4f45-9708-019B960494DF}">
-                  <a14:hiddenLine xmlns:a14="http://schemas.microsoft.com/office/drawing/2010/main" xmlns="" w="9525">
+                  <a14:hiddenLine xmlns="" xmlns:a14="http://schemas.microsoft.com/office/drawing/2010/main" w="9525">
                     <a:solidFill>
                       <a:srgbClr val="000000"/>
                     </a:solidFill>
@@ -11435,7 +11435,7 @@
               </a:ln>
               <a:extLst>
                 <a:ext uri="{91240B29-F687-4f45-9708-019B960494DF}">
-                  <a14:hiddenLine xmlns:a14="http://schemas.microsoft.com/office/drawing/2010/main" xmlns="" w="9525">
+                  <a14:hiddenLine xmlns="" xmlns:a14="http://schemas.microsoft.com/office/drawing/2010/main" w="9525">
                     <a:solidFill>
                       <a:srgbClr val="000000"/>
                     </a:solidFill>
@@ -11500,7 +11500,7 @@
               </a:ln>
               <a:extLst>
                 <a:ext uri="{91240B29-F687-4f45-9708-019B960494DF}">
-                  <a14:hiddenLine xmlns:a14="http://schemas.microsoft.com/office/drawing/2010/main" xmlns="" w="9525">
+                  <a14:hiddenLine xmlns="" xmlns:a14="http://schemas.microsoft.com/office/drawing/2010/main" w="9525">
                     <a:solidFill>
                       <a:srgbClr val="000000"/>
                     </a:solidFill>
@@ -11620,7 +11620,7 @@
               </a:ln>
               <a:extLst>
                 <a:ext uri="{91240B29-F687-4f45-9708-019B960494DF}">
-                  <a14:hiddenLine xmlns:a14="http://schemas.microsoft.com/office/drawing/2010/main" xmlns="" w="9525">
+                  <a14:hiddenLine xmlns="" xmlns:a14="http://schemas.microsoft.com/office/drawing/2010/main" w="9525">
                     <a:solidFill>
                       <a:srgbClr val="000000"/>
                     </a:solidFill>
@@ -11701,7 +11701,7 @@
               </a:ln>
               <a:extLst>
                 <a:ext uri="{91240B29-F687-4f45-9708-019B960494DF}">
-                  <a14:hiddenLine xmlns:a14="http://schemas.microsoft.com/office/drawing/2010/main" xmlns="" w="9525">
+                  <a14:hiddenLine xmlns="" xmlns:a14="http://schemas.microsoft.com/office/drawing/2010/main" w="9525">
                     <a:solidFill>
                       <a:srgbClr val="000000"/>
                     </a:solidFill>
@@ -11816,7 +11816,7 @@
               </a:ln>
               <a:extLst>
                 <a:ext uri="{91240B29-F687-4f45-9708-019B960494DF}">
-                  <a14:hiddenLine xmlns:a14="http://schemas.microsoft.com/office/drawing/2010/main" xmlns="" w="9525">
+                  <a14:hiddenLine xmlns="" xmlns:a14="http://schemas.microsoft.com/office/drawing/2010/main" w="9525">
                     <a:solidFill>
                       <a:srgbClr val="000000"/>
                     </a:solidFill>
@@ -11906,7 +11906,7 @@
               </a:ln>
               <a:extLst>
                 <a:ext uri="{91240B29-F687-4f45-9708-019B960494DF}">
-                  <a14:hiddenLine xmlns:a14="http://schemas.microsoft.com/office/drawing/2010/main" xmlns="" w="9525">
+                  <a14:hiddenLine xmlns="" xmlns:a14="http://schemas.microsoft.com/office/drawing/2010/main" w="9525">
                     <a:solidFill>
                       <a:srgbClr val="000000"/>
                     </a:solidFill>
@@ -11971,7 +11971,7 @@
               </a:ln>
               <a:extLst>
                 <a:ext uri="{91240B29-F687-4f45-9708-019B960494DF}">
-                  <a14:hiddenLine xmlns:a14="http://schemas.microsoft.com/office/drawing/2010/main" xmlns="" w="9525">
+                  <a14:hiddenLine xmlns="" xmlns:a14="http://schemas.microsoft.com/office/drawing/2010/main" w="9525">
                     <a:solidFill>
                       <a:srgbClr val="000000"/>
                     </a:solidFill>
@@ -12061,7 +12061,7 @@
               </a:ln>
               <a:extLst>
                 <a:ext uri="{91240B29-F687-4f45-9708-019B960494DF}">
-                  <a14:hiddenLine xmlns:a14="http://schemas.microsoft.com/office/drawing/2010/main" xmlns="" w="9525">
+                  <a14:hiddenLine xmlns="" xmlns:a14="http://schemas.microsoft.com/office/drawing/2010/main" w="9525">
                     <a:solidFill>
                       <a:srgbClr val="000000"/>
                     </a:solidFill>
@@ -12129,7 +12129,7 @@
               </a:ln>
               <a:extLst>
                 <a:ext uri="{91240B29-F687-4f45-9708-019B960494DF}">
-                  <a14:hiddenLine xmlns:a14="http://schemas.microsoft.com/office/drawing/2010/main" xmlns="" w="9525">
+                  <a14:hiddenLine xmlns="" xmlns:a14="http://schemas.microsoft.com/office/drawing/2010/main" w="9525">
                     <a:solidFill>
                       <a:srgbClr val="000000"/>
                     </a:solidFill>
@@ -12219,7 +12219,7 @@
               </a:ln>
               <a:extLst>
                 <a:ext uri="{91240B29-F687-4f45-9708-019B960494DF}">
-                  <a14:hiddenLine xmlns:a14="http://schemas.microsoft.com/office/drawing/2010/main" xmlns="" w="9525">
+                  <a14:hiddenLine xmlns="" xmlns:a14="http://schemas.microsoft.com/office/drawing/2010/main" w="9525">
                     <a:solidFill>
                       <a:srgbClr val="000000"/>
                     </a:solidFill>
@@ -12287,7 +12287,7 @@
               </a:ln>
               <a:extLst>
                 <a:ext uri="{91240B29-F687-4f45-9708-019B960494DF}">
-                  <a14:hiddenLine xmlns:a14="http://schemas.microsoft.com/office/drawing/2010/main" xmlns="" w="9525">
+                  <a14:hiddenLine xmlns="" xmlns:a14="http://schemas.microsoft.com/office/drawing/2010/main" w="9525">
                     <a:solidFill>
                       <a:srgbClr val="000000"/>
                     </a:solidFill>
@@ -12377,7 +12377,7 @@
               </a:ln>
               <a:extLst>
                 <a:ext uri="{91240B29-F687-4f45-9708-019B960494DF}">
-                  <a14:hiddenLine xmlns:a14="http://schemas.microsoft.com/office/drawing/2010/main" xmlns="" w="9525">
+                  <a14:hiddenLine xmlns="" xmlns:a14="http://schemas.microsoft.com/office/drawing/2010/main" w="9525">
                     <a:solidFill>
                       <a:srgbClr val="000000"/>
                     </a:solidFill>
@@ -12411,7 +12411,7 @@
               </a:ln>
               <a:extLst>
                 <a:ext uri="{91240B29-F687-4f45-9708-019B960494DF}">
-                  <a14:hiddenLine xmlns:a14="http://schemas.microsoft.com/office/drawing/2010/main" xmlns="" w="9525">
+                  <a14:hiddenLine xmlns="" xmlns:a14="http://schemas.microsoft.com/office/drawing/2010/main" w="9525">
                     <a:solidFill>
                       <a:srgbClr val="000000"/>
                     </a:solidFill>
@@ -13165,8 +13165,8 @@
           </a:p>
         </p:txBody>
       </p:sp>
-      <mc:AlternateContent xmlns:mc="http://schemas.openxmlformats.org/markup-compatibility/2006">
-        <mc:Choice xmlns:a14="http://schemas.microsoft.com/office/drawing/2010/main" Requires="a14">
+      <mc:AlternateContent xmlns:mc="http://schemas.openxmlformats.org/markup-compatibility/2006" xmlns:a14="http://schemas.microsoft.com/office/drawing/2010/main">
+        <mc:Choice Requires="a14">
           <p:graphicFrame>
             <p:nvGraphicFramePr>
               <p:cNvPr id="4" name="Table 3">
@@ -13292,6 +13292,7 @@
                                 <m:r>
                                   <a:rPr lang="en-US" sz="1100">
                                     <a:effectLst/>
+                                    <a:latin typeface="Cambria Math" panose="02040503050406030204" pitchFamily="18" charset="0"/>
                                   </a:rPr>
                                   <m:t>𝒏𝒕</m:t>
                                 </m:r>
@@ -13333,6 +13334,7 @@
                                 <m:r>
                                   <a:rPr lang="en-US" sz="1100">
                                     <a:effectLst/>
+                                    <a:latin typeface="Cambria Math" panose="02040503050406030204" pitchFamily="18" charset="0"/>
                                   </a:rPr>
                                   <m:t>𝒅𝒃</m:t>
                                 </m:r>
@@ -13374,6 +13376,7 @@
                                 <m:r>
                                   <a:rPr lang="en-US" sz="1100">
                                     <a:effectLst/>
+                                    <a:latin typeface="Cambria Math" panose="02040503050406030204" pitchFamily="18" charset="0"/>
                                   </a:rPr>
                                   <m:t>𝒒</m:t>
                                 </m:r>
@@ -13415,6 +13418,7 @@
                                 <m:r>
                                   <a:rPr lang="en-US" sz="1100">
                                     <a:effectLst/>
+                                    <a:latin typeface="Cambria Math" panose="02040503050406030204" pitchFamily="18" charset="0"/>
                                   </a:rPr>
                                   <m:t>𝒇</m:t>
                                 </m:r>
@@ -13559,8 +13563,9 @@
                                 <m:sSub>
                                   <m:sSubPr>
                                     <m:ctrlPr>
-                                      <a:rPr lang="en-US" sz="1100">
+                                      <a:rPr lang="en-US" sz="1100" i="1">
                                         <a:effectLst/>
+                                        <a:latin typeface="Cambria Math" panose="02040503050406030204" pitchFamily="18" charset="0"/>
                                       </a:rPr>
                                     </m:ctrlPr>
                                   </m:sSubPr>
@@ -13568,6 +13573,7 @@
                                     <m:r>
                                       <a:rPr lang="en-US" sz="1100">
                                         <a:effectLst/>
+                                        <a:latin typeface="Cambria Math" panose="02040503050406030204" pitchFamily="18" charset="0"/>
                                       </a:rPr>
                                       <m:t>𝑞</m:t>
                                     </m:r>
@@ -13576,6 +13582,7 @@
                                     <m:r>
                                       <a:rPr lang="en-US" sz="1100">
                                         <a:effectLst/>
+                                        <a:latin typeface="Cambria Math" panose="02040503050406030204" pitchFamily="18" charset="0"/>
                                       </a:rPr>
                                       <m:t>𝑏𝑎𝑠𝑒</m:t>
                                     </m:r>
@@ -13619,8 +13626,9 @@
                                 <m:sSub>
                                   <m:sSubPr>
                                     <m:ctrlPr>
-                                      <a:rPr lang="en-US" sz="1100">
+                                      <a:rPr lang="en-US" sz="1100" i="1">
                                         <a:effectLst/>
+                                        <a:latin typeface="Cambria Math" panose="02040503050406030204" pitchFamily="18" charset="0"/>
                                       </a:rPr>
                                     </m:ctrlPr>
                                   </m:sSubPr>
@@ -13628,6 +13636,7 @@
                                     <m:r>
                                       <a:rPr lang="en-US" sz="1100">
                                         <a:effectLst/>
+                                        <a:latin typeface="Cambria Math" panose="02040503050406030204" pitchFamily="18" charset="0"/>
                                       </a:rPr>
                                       <m:t>𝑓</m:t>
                                     </m:r>
@@ -13636,6 +13645,7 @@
                                     <m:r>
                                       <a:rPr lang="en-US" sz="1100">
                                         <a:effectLst/>
+                                        <a:latin typeface="Cambria Math" panose="02040503050406030204" pitchFamily="18" charset="0"/>
                                       </a:rPr>
                                       <m:t>𝑏𝑎𝑠𝑒</m:t>
                                     </m:r>
@@ -13782,8 +13792,9 @@
                                 <m:sSub>
                                   <m:sSubPr>
                                     <m:ctrlPr>
-                                      <a:rPr lang="en-US" sz="1100">
+                                      <a:rPr lang="en-US" sz="1100" i="1">
                                         <a:effectLst/>
+                                        <a:latin typeface="Cambria Math" panose="02040503050406030204" pitchFamily="18" charset="0"/>
                                       </a:rPr>
                                     </m:ctrlPr>
                                   </m:sSubPr>
@@ -13791,6 +13802,7 @@
                                     <m:r>
                                       <a:rPr lang="en-US" sz="1100">
                                         <a:effectLst/>
+                                        <a:latin typeface="Cambria Math" panose="02040503050406030204" pitchFamily="18" charset="0"/>
                                       </a:rPr>
                                       <m:t>𝑞</m:t>
                                     </m:r>
@@ -13799,6 +13811,7 @@
                                     <m:r>
                                       <a:rPr lang="en-US" sz="1100">
                                         <a:effectLst/>
+                                        <a:latin typeface="Cambria Math" panose="02040503050406030204" pitchFamily="18" charset="0"/>
                                       </a:rPr>
                                       <m:t>𝑏𝑎𝑠𝑒</m:t>
                                     </m:r>
@@ -13807,6 +13820,7 @@
                                 <m:r>
                                   <a:rPr lang="en-US" sz="1100">
                                     <a:effectLst/>
+                                    <a:latin typeface="Cambria Math" panose="02040503050406030204" pitchFamily="18" charset="0"/>
                                   </a:rPr>
                                   <m:t>− 2</m:t>
                                 </m:r>
@@ -13844,8 +13858,9 @@
                               <m:sSub>
                                 <m:sSubPr>
                                   <m:ctrlPr>
-                                    <a:rPr lang="en-US" sz="1100">
+                                    <a:rPr lang="en-US" sz="1100" i="1">
                                       <a:effectLst/>
+                                      <a:latin typeface="Cambria Math" panose="02040503050406030204" pitchFamily="18" charset="0"/>
                                     </a:rPr>
                                   </m:ctrlPr>
                                 </m:sSubPr>
@@ -13853,6 +13868,7 @@
                                   <m:r>
                                     <a:rPr lang="en-US" sz="1100">
                                       <a:effectLst/>
+                                      <a:latin typeface="Cambria Math" panose="02040503050406030204" pitchFamily="18" charset="0"/>
                                     </a:rPr>
                                     <m:t>𝑓</m:t>
                                   </m:r>
@@ -13861,6 +13877,7 @@
                                   <m:r>
                                     <a:rPr lang="en-US" sz="1100">
                                       <a:effectLst/>
+                                      <a:latin typeface="Cambria Math" panose="02040503050406030204" pitchFamily="18" charset="0"/>
                                     </a:rPr>
                                     <m:t>𝑏𝑎𝑠𝑒</m:t>
                                   </m:r>
@@ -13895,7 +13912,7 @@
             </a:graphic>
           </p:graphicFrame>
         </mc:Choice>
-        <mc:Fallback>
+        <mc:Fallback xmlns="">
           <p:graphicFrame>
             <p:nvGraphicFramePr>
               <p:cNvPr id="4" name="Table 3">
@@ -14446,8 +14463,8 @@
           </a:p>
         </p:txBody>
       </p:sp>
-      <mc:AlternateContent xmlns:mc="http://schemas.openxmlformats.org/markup-compatibility/2006">
-        <mc:Choice xmlns:a14="http://schemas.microsoft.com/office/drawing/2010/main" Requires="a14">
+      <mc:AlternateContent xmlns:mc="http://schemas.openxmlformats.org/markup-compatibility/2006" xmlns:a14="http://schemas.microsoft.com/office/drawing/2010/main">
+        <mc:Choice Requires="a14">
           <p:graphicFrame>
             <p:nvGraphicFramePr>
               <p:cNvPr id="4" name="Table 3">
@@ -17380,7 +17397,7 @@
             </a:graphic>
           </p:graphicFrame>
         </mc:Choice>
-        <mc:Fallback>
+        <mc:Fallback xmlns="">
           <p:graphicFrame>
             <p:nvGraphicFramePr>
               <p:cNvPr id="4" name="Table 3">
@@ -20216,23 +20233,14 @@
             </a:r>
           </a:p>
           <a:p>
-            <a:pPr lvl="1"/>
-            <a:r>
-              <a:rPr lang="en-US" dirty="0" err="1">
-                <a:solidFill>
-                  <a:schemeClr val="accent1"/>
-                </a:solidFill>
-              </a:rPr>
-              <a:t>df</a:t>
-            </a:r>
-            <a:r>
-              <a:rPr lang="en-US" dirty="0">
-                <a:solidFill>
-                  <a:schemeClr val="accent1"/>
-                </a:solidFill>
-              </a:rPr>
-              <a:t>=30</a:t>
-            </a:r>
+            <a:pPr marL="457200" lvl="1" indent="0">
+              <a:buNone/>
+            </a:pPr>
+            <a:endParaRPr lang="en-US" dirty="0">
+              <a:solidFill>
+                <a:schemeClr val="accent1"/>
+              </a:solidFill>
+            </a:endParaRPr>
           </a:p>
           <a:p>
             <a:pPr marL="0" indent="0">
@@ -20254,8 +20262,8 @@
           </a:p>
         </p:txBody>
       </p:sp>
-      <mc:AlternateContent xmlns:mc="http://schemas.openxmlformats.org/markup-compatibility/2006">
-        <mc:Choice xmlns:a14="http://schemas.microsoft.com/office/drawing/2010/main" Requires="a14">
+      <mc:AlternateContent xmlns:mc="http://schemas.openxmlformats.org/markup-compatibility/2006" xmlns:a14="http://schemas.microsoft.com/office/drawing/2010/main">
+        <mc:Choice Requires="a14">
           <p:graphicFrame>
             <p:nvGraphicFramePr>
               <p:cNvPr id="4" name="Table 3">
@@ -20356,8 +20364,9 @@
                                 <m:sSub>
                                   <m:sSubPr>
                                     <m:ctrlPr>
-                                      <a:rPr lang="en-US" sz="1100">
+                                      <a:rPr lang="en-US" sz="1100" i="1">
                                         <a:effectLst/>
+                                        <a:latin typeface="Cambria Math" panose="02040503050406030204" pitchFamily="18" charset="0"/>
                                       </a:rPr>
                                     </m:ctrlPr>
                                   </m:sSubPr>
@@ -20365,6 +20374,7 @@
                                     <m:r>
                                       <a:rPr lang="en-US" sz="1100">
                                         <a:effectLst/>
+                                        <a:latin typeface="Cambria Math" panose="02040503050406030204" pitchFamily="18" charset="0"/>
                                       </a:rPr>
                                       <m:t>𝒒</m:t>
                                     </m:r>
@@ -20373,6 +20383,7 @@
                                     <m:r>
                                       <a:rPr lang="en-US" sz="1100">
                                         <a:effectLst/>
+                                        <a:latin typeface="Cambria Math" panose="02040503050406030204" pitchFamily="18" charset="0"/>
                                       </a:rPr>
                                       <m:t>𝒃𝒂𝒔𝒆</m:t>
                                     </m:r>
@@ -20416,8 +20427,9 @@
                                 <m:sSub>
                                   <m:sSubPr>
                                     <m:ctrlPr>
-                                      <a:rPr lang="en-US" sz="1100">
+                                      <a:rPr lang="en-US" sz="1100" i="1">
                                         <a:effectLst/>
+                                        <a:latin typeface="Cambria Math" panose="02040503050406030204" pitchFamily="18" charset="0"/>
                                       </a:rPr>
                                     </m:ctrlPr>
                                   </m:sSubPr>
@@ -20425,6 +20437,7 @@
                                     <m:r>
                                       <a:rPr lang="en-US" sz="1100">
                                         <a:effectLst/>
+                                        <a:latin typeface="Cambria Math" panose="02040503050406030204" pitchFamily="18" charset="0"/>
                                       </a:rPr>
                                       <m:t>𝒇</m:t>
                                     </m:r>
@@ -20433,6 +20446,7 @@
                                     <m:r>
                                       <a:rPr lang="en-US" sz="1100">
                                         <a:effectLst/>
+                                        <a:latin typeface="Cambria Math" panose="02040503050406030204" pitchFamily="18" charset="0"/>
                                       </a:rPr>
                                       <m:t>𝒃𝒂𝒔𝒆</m:t>
                                     </m:r>
@@ -20477,8 +20491,9 @@
                                   <m:accPr>
                                     <m:chr m:val="̅"/>
                                     <m:ctrlPr>
-                                      <a:rPr lang="en-US" sz="1100">
+                                      <a:rPr lang="en-US" sz="1100" i="1">
                                         <a:effectLst/>
+                                        <a:latin typeface="Cambria Math" panose="02040503050406030204" pitchFamily="18" charset="0"/>
                                       </a:rPr>
                                     </m:ctrlPr>
                                   </m:accPr>
@@ -20486,8 +20501,9 @@
                                     <m:sSub>
                                       <m:sSubPr>
                                         <m:ctrlPr>
-                                          <a:rPr lang="en-US" sz="1100">
+                                          <a:rPr lang="en-US" sz="1100" i="1">
                                             <a:effectLst/>
+                                            <a:latin typeface="Cambria Math" panose="02040503050406030204" pitchFamily="18" charset="0"/>
                                           </a:rPr>
                                         </m:ctrlPr>
                                       </m:sSubPr>
@@ -20495,6 +20511,7 @@
                                         <m:r>
                                           <a:rPr lang="en-US" sz="1100">
                                             <a:effectLst/>
+                                            <a:latin typeface="Cambria Math" panose="02040503050406030204" pitchFamily="18" charset="0"/>
                                           </a:rPr>
                                           <m:t>𝒁</m:t>
                                         </m:r>
@@ -20503,6 +20520,7 @@
                                         <m:r>
                                           <a:rPr lang="en-US" sz="1100">
                                             <a:effectLst/>
+                                            <a:latin typeface="Cambria Math" panose="02040503050406030204" pitchFamily="18" charset="0"/>
                                           </a:rPr>
                                           <m:t>𝒘𝒕</m:t>
                                         </m:r>
@@ -20548,8 +20566,9 @@
                                 <m:sSubSup>
                                   <m:sSubSupPr>
                                     <m:ctrlPr>
-                                      <a:rPr lang="en-US" sz="1100">
+                                      <a:rPr lang="en-US" sz="1100" i="1">
                                         <a:effectLst/>
+                                        <a:latin typeface="Cambria Math" panose="02040503050406030204" pitchFamily="18" charset="0"/>
                                       </a:rPr>
                                     </m:ctrlPr>
                                   </m:sSubSupPr>
@@ -20557,8 +20576,9 @@
                                     <m:sSub>
                                       <m:sSubPr>
                                         <m:ctrlPr>
-                                          <a:rPr lang="en-US" sz="1100">
+                                          <a:rPr lang="en-US" sz="1100" i="1">
                                             <a:effectLst/>
+                                            <a:latin typeface="Cambria Math" panose="02040503050406030204" pitchFamily="18" charset="0"/>
                                           </a:rPr>
                                         </m:ctrlPr>
                                       </m:sSubPr>
@@ -20566,6 +20586,7 @@
                                         <m:r>
                                           <a:rPr lang="en-US" sz="1100">
                                             <a:effectLst/>
+                                            <a:latin typeface="Cambria Math" panose="02040503050406030204" pitchFamily="18" charset="0"/>
                                           </a:rPr>
                                           <m:t>𝑺</m:t>
                                         </m:r>
@@ -20574,6 +20595,7 @@
                                         <m:r>
                                           <a:rPr lang="en-US" sz="1100">
                                             <a:effectLst/>
+                                            <a:latin typeface="Cambria Math" panose="02040503050406030204" pitchFamily="18" charset="0"/>
                                           </a:rPr>
                                           <m:t>𝒛</m:t>
                                         </m:r>
@@ -20584,6 +20606,7 @@
                                     <m:r>
                                       <a:rPr lang="en-US" sz="1100">
                                         <a:effectLst/>
+                                        <a:latin typeface="Cambria Math" panose="02040503050406030204" pitchFamily="18" charset="0"/>
                                       </a:rPr>
                                       <m:t>𝒘𝒕</m:t>
                                     </m:r>
@@ -20592,6 +20615,7 @@
                                     <m:r>
                                       <a:rPr lang="en-US" sz="1100">
                                         <a:effectLst/>
+                                        <a:latin typeface="Cambria Math" panose="02040503050406030204" pitchFamily="18" charset="0"/>
                                       </a:rPr>
                                       <m:t>𝟐</m:t>
                                     </m:r>
@@ -20636,8 +20660,9 @@
                                   <m:accPr>
                                     <m:chr m:val="̅"/>
                                     <m:ctrlPr>
-                                      <a:rPr lang="en-US" sz="1100">
+                                      <a:rPr lang="en-US" sz="1100" i="1">
                                         <a:effectLst/>
+                                        <a:latin typeface="Cambria Math" panose="02040503050406030204" pitchFamily="18" charset="0"/>
                                       </a:rPr>
                                     </m:ctrlPr>
                                   </m:accPr>
@@ -20645,8 +20670,9 @@
                                     <m:sSub>
                                       <m:sSubPr>
                                         <m:ctrlPr>
-                                          <a:rPr lang="en-US" sz="1100">
+                                          <a:rPr lang="en-US" sz="1100" i="1">
                                             <a:effectLst/>
+                                            <a:latin typeface="Cambria Math" panose="02040503050406030204" pitchFamily="18" charset="0"/>
                                           </a:rPr>
                                         </m:ctrlPr>
                                       </m:sSubPr>
@@ -20654,6 +20680,7 @@
                                         <m:r>
                                           <a:rPr lang="en-US" sz="1100">
                                             <a:effectLst/>
+                                            <a:latin typeface="Cambria Math" panose="02040503050406030204" pitchFamily="18" charset="0"/>
                                           </a:rPr>
                                           <m:t>𝒁</m:t>
                                         </m:r>
@@ -20662,6 +20689,7 @@
                                         <m:r>
                                           <a:rPr lang="en-US" sz="1100">
                                             <a:effectLst/>
+                                            <a:latin typeface="Cambria Math" panose="02040503050406030204" pitchFamily="18" charset="0"/>
                                           </a:rPr>
                                           <m:t>𝒄𝒐𝒏𝒈</m:t>
                                         </m:r>
@@ -20707,8 +20735,9 @@
                                 <m:sSubSup>
                                   <m:sSubSupPr>
                                     <m:ctrlPr>
-                                      <a:rPr lang="en-US" sz="1100">
+                                      <a:rPr lang="en-US" sz="1100" i="1">
                                         <a:effectLst/>
+                                        <a:latin typeface="Cambria Math" panose="02040503050406030204" pitchFamily="18" charset="0"/>
                                       </a:rPr>
                                     </m:ctrlPr>
                                   </m:sSubSupPr>
@@ -20716,8 +20745,9 @@
                                     <m:sSub>
                                       <m:sSubPr>
                                         <m:ctrlPr>
-                                          <a:rPr lang="en-US" sz="1100">
+                                          <a:rPr lang="en-US" sz="1100" i="1">
                                             <a:effectLst/>
+                                            <a:latin typeface="Cambria Math" panose="02040503050406030204" pitchFamily="18" charset="0"/>
                                           </a:rPr>
                                         </m:ctrlPr>
                                       </m:sSubPr>
@@ -20725,6 +20755,7 @@
                                         <m:r>
                                           <a:rPr lang="en-US" sz="1100">
                                             <a:effectLst/>
+                                            <a:latin typeface="Cambria Math" panose="02040503050406030204" pitchFamily="18" charset="0"/>
                                           </a:rPr>
                                           <m:t>𝑺</m:t>
                                         </m:r>
@@ -20733,6 +20764,7 @@
                                         <m:r>
                                           <a:rPr lang="en-US" sz="1100">
                                             <a:effectLst/>
+                                            <a:latin typeface="Cambria Math" panose="02040503050406030204" pitchFamily="18" charset="0"/>
                                           </a:rPr>
                                           <m:t>𝒛</m:t>
                                         </m:r>
@@ -20743,6 +20775,7 @@
                                     <m:r>
                                       <a:rPr lang="en-US" sz="1100">
                                         <a:effectLst/>
+                                        <a:latin typeface="Cambria Math" panose="02040503050406030204" pitchFamily="18" charset="0"/>
                                       </a:rPr>
                                       <m:t>𝒄𝒐𝒏𝒈</m:t>
                                     </m:r>
@@ -20751,6 +20784,7 @@
                                     <m:r>
                                       <a:rPr lang="en-US" sz="1100">
                                         <a:effectLst/>
+                                        <a:latin typeface="Cambria Math" panose="02040503050406030204" pitchFamily="18" charset="0"/>
                                       </a:rPr>
                                       <m:t>𝟐</m:t>
                                     </m:r>
@@ -23168,7 +23202,7 @@
             </a:graphic>
           </p:graphicFrame>
         </mc:Choice>
-        <mc:Fallback>
+        <mc:Fallback xmlns="">
           <p:graphicFrame>
             <p:nvGraphicFramePr>
               <p:cNvPr id="4" name="Table 3">
@@ -25885,8 +25919,8 @@
           </a:p>
         </p:txBody>
       </p:sp>
-      <mc:AlternateContent xmlns:mc="http://schemas.openxmlformats.org/markup-compatibility/2006">
-        <mc:Choice xmlns:a14="http://schemas.microsoft.com/office/drawing/2010/main" Requires="a14">
+      <mc:AlternateContent xmlns:mc="http://schemas.openxmlformats.org/markup-compatibility/2006" xmlns:a14="http://schemas.microsoft.com/office/drawing/2010/main">
+        <mc:Choice Requires="a14">
           <p:graphicFrame>
             <p:nvGraphicFramePr>
               <p:cNvPr id="5" name="Table 4">
@@ -25973,8 +26007,9 @@
                                 <m:sSub>
                                   <m:sSubPr>
                                     <m:ctrlPr>
-                                      <a:rPr lang="en-US" sz="1100">
+                                      <a:rPr lang="en-US" sz="1100" i="1">
                                         <a:effectLst/>
+                                        <a:latin typeface="Cambria Math" panose="02040503050406030204" pitchFamily="18" charset="0"/>
                                       </a:rPr>
                                     </m:ctrlPr>
                                   </m:sSubPr>
@@ -25982,6 +26017,7 @@
                                     <m:r>
                                       <a:rPr lang="en-US" sz="1100">
                                         <a:effectLst/>
+                                        <a:latin typeface="Cambria Math" panose="02040503050406030204" pitchFamily="18" charset="0"/>
                                       </a:rPr>
                                       <m:t>𝒒</m:t>
                                     </m:r>
@@ -25990,6 +26026,7 @@
                                     <m:r>
                                       <a:rPr lang="en-US" sz="1100">
                                         <a:effectLst/>
+                                        <a:latin typeface="Cambria Math" panose="02040503050406030204" pitchFamily="18" charset="0"/>
                                       </a:rPr>
                                       <m:t>𝒃𝒂𝒔𝒆</m:t>
                                     </m:r>
@@ -26033,8 +26070,9 @@
                                 <m:sSub>
                                   <m:sSubPr>
                                     <m:ctrlPr>
-                                      <a:rPr lang="en-US" sz="1100">
+                                      <a:rPr lang="en-US" sz="1100" i="1">
                                         <a:effectLst/>
+                                        <a:latin typeface="Cambria Math" panose="02040503050406030204" pitchFamily="18" charset="0"/>
                                       </a:rPr>
                                     </m:ctrlPr>
                                   </m:sSubPr>
@@ -26042,6 +26080,7 @@
                                     <m:r>
                                       <a:rPr lang="en-US" sz="1100">
                                         <a:effectLst/>
+                                        <a:latin typeface="Cambria Math" panose="02040503050406030204" pitchFamily="18" charset="0"/>
                                       </a:rPr>
                                       <m:t>𝒇</m:t>
                                     </m:r>
@@ -26050,6 +26089,7 @@
                                     <m:r>
                                       <a:rPr lang="en-US" sz="1100">
                                         <a:effectLst/>
+                                        <a:latin typeface="Cambria Math" panose="02040503050406030204" pitchFamily="18" charset="0"/>
                                       </a:rPr>
                                       <m:t>𝒃𝒂𝒔𝒆</m:t>
                                     </m:r>
@@ -26093,8 +26133,9 @@
                                 <m:sSubSup>
                                   <m:sSubSupPr>
                                     <m:ctrlPr>
-                                      <a:rPr lang="en-US" sz="1100">
+                                      <a:rPr lang="en-US" sz="1100" i="1">
                                         <a:effectLst/>
+                                        <a:latin typeface="Cambria Math" panose="02040503050406030204" pitchFamily="18" charset="0"/>
                                       </a:rPr>
                                     </m:ctrlPr>
                                   </m:sSubSupPr>
@@ -26102,12 +26143,14 @@
                                     <m:r>
                                       <a:rPr lang="en-US" sz="1100">
                                         <a:effectLst/>
+                                        <a:latin typeface="Cambria Math" panose="02040503050406030204" pitchFamily="18" charset="0"/>
                                       </a:rPr>
                                       <m:t>                             </m:t>
                                     </m:r>
                                     <m:r>
                                       <a:rPr lang="en-US" sz="1100">
                                         <a:effectLst/>
+                                        <a:latin typeface="Cambria Math" panose="02040503050406030204" pitchFamily="18" charset="0"/>
                                       </a:rPr>
                                       <m:t>𝒁</m:t>
                                     </m:r>
@@ -26116,6 +26159,7 @@
                                     <m:r>
                                       <a:rPr lang="en-US" sz="1100">
                                         <a:effectLst/>
+                                        <a:latin typeface="Cambria Math" panose="02040503050406030204" pitchFamily="18" charset="0"/>
                                       </a:rPr>
                                       <m:t>𝒘𝒕</m:t>
                                     </m:r>
@@ -26124,12 +26168,14 @@
                                     <m:r>
                                       <a:rPr lang="en-US" sz="1100">
                                         <a:effectLst/>
+                                        <a:latin typeface="Cambria Math" panose="02040503050406030204" pitchFamily="18" charset="0"/>
                                       </a:rPr>
                                       <m:t>𝟗𝟓</m:t>
                                     </m:r>
                                     <m:r>
                                       <a:rPr lang="en-US" sz="1100">
                                         <a:effectLst/>
+                                        <a:latin typeface="Cambria Math" panose="02040503050406030204" pitchFamily="18" charset="0"/>
                                       </a:rPr>
                                       <m:t>%</m:t>
                                     </m:r>
@@ -26175,8 +26221,9 @@
                               <m:sSubSup>
                                 <m:sSubSupPr>
                                   <m:ctrlPr>
-                                    <a:rPr lang="en-US" sz="1100">
+                                    <a:rPr lang="en-US" sz="1100" i="1">
                                       <a:effectLst/>
+                                      <a:latin typeface="Cambria Math" panose="02040503050406030204" pitchFamily="18" charset="0"/>
                                     </a:rPr>
                                   </m:ctrlPr>
                                 </m:sSubSupPr>
@@ -26184,6 +26231,7 @@
                                   <m:r>
                                     <a:rPr lang="en-US" sz="1100">
                                       <a:effectLst/>
+                                      <a:latin typeface="Cambria Math" panose="02040503050406030204" pitchFamily="18" charset="0"/>
                                     </a:rPr>
                                     <m:t>𝒁</m:t>
                                   </m:r>
@@ -26192,6 +26240,7 @@
                                   <m:r>
                                     <a:rPr lang="en-US" sz="1100">
                                       <a:effectLst/>
+                                      <a:latin typeface="Cambria Math" panose="02040503050406030204" pitchFamily="18" charset="0"/>
                                     </a:rPr>
                                     <m:t>𝒄𝒐𝒏𝒈</m:t>
                                   </m:r>
@@ -26200,12 +26249,14 @@
                                   <m:r>
                                     <a:rPr lang="en-US" sz="1100">
                                       <a:effectLst/>
+                                      <a:latin typeface="Cambria Math" panose="02040503050406030204" pitchFamily="18" charset="0"/>
                                     </a:rPr>
                                     <m:t>𝟗𝟓</m:t>
                                   </m:r>
                                   <m:r>
                                     <a:rPr lang="en-US" sz="1100">
                                       <a:effectLst/>
+                                      <a:latin typeface="Cambria Math" panose="02040503050406030204" pitchFamily="18" charset="0"/>
                                     </a:rPr>
                                     <m:t>%</m:t>
                                   </m:r>
@@ -27854,7 +27905,7 @@
             </a:graphic>
           </p:graphicFrame>
         </mc:Choice>
-        <mc:Fallback>
+        <mc:Fallback xmlns="">
           <p:graphicFrame>
             <p:nvGraphicFramePr>
               <p:cNvPr id="5" name="Table 4">
@@ -29712,8 +29763,8 @@
           </a:p>
         </p:txBody>
       </p:sp>
-      <mc:AlternateContent xmlns:mc="http://schemas.openxmlformats.org/markup-compatibility/2006">
-        <mc:Choice xmlns:a14="http://schemas.microsoft.com/office/drawing/2010/main" Requires="a14">
+      <mc:AlternateContent xmlns:mc="http://schemas.openxmlformats.org/markup-compatibility/2006" xmlns:a14="http://schemas.microsoft.com/office/drawing/2010/main">
+        <mc:Choice Requires="a14">
           <p:graphicFrame>
             <p:nvGraphicFramePr>
               <p:cNvPr id="4" name="Table 3">
@@ -29801,6 +29852,7 @@
                                 <m:r>
                                   <a:rPr lang="en-US" sz="1100">
                                     <a:effectLst/>
+                                    <a:latin typeface="Cambria Math" panose="02040503050406030204" pitchFamily="18" charset="0"/>
                                   </a:rPr>
                                   <m:t>𝒇</m:t>
                                 </m:r>
@@ -29843,8 +29895,9 @@
                                   <m:accPr>
                                     <m:chr m:val="̅"/>
                                     <m:ctrlPr>
-                                      <a:rPr lang="en-US" sz="1100">
+                                      <a:rPr lang="en-US" sz="1100" i="1">
                                         <a:effectLst/>
+                                        <a:latin typeface="Cambria Math" panose="02040503050406030204" pitchFamily="18" charset="0"/>
                                       </a:rPr>
                                     </m:ctrlPr>
                                   </m:accPr>
@@ -29852,6 +29905,7 @@
                                     <m:r>
                                       <a:rPr lang="en-US" sz="1100">
                                         <a:effectLst/>
+                                        <a:latin typeface="Cambria Math" panose="02040503050406030204" pitchFamily="18" charset="0"/>
                                       </a:rPr>
                                       <m:t>𝒘𝒕</m:t>
                                     </m:r>
@@ -29896,8 +29950,9 @@
                                   <m:accPr>
                                     <m:chr m:val="̅"/>
                                     <m:ctrlPr>
-                                      <a:rPr lang="en-US" sz="1100">
+                                      <a:rPr lang="en-US" sz="1100" i="1">
                                         <a:effectLst/>
+                                        <a:latin typeface="Cambria Math" panose="02040503050406030204" pitchFamily="18" charset="0"/>
                                       </a:rPr>
                                     </m:ctrlPr>
                                   </m:accPr>
@@ -29905,14 +29960,16 @@
                                     <m:r>
                                       <a:rPr lang="en-US" sz="1100">
                                         <a:effectLst/>
+                                        <a:latin typeface="Cambria Math" panose="02040503050406030204" pitchFamily="18" charset="0"/>
                                       </a:rPr>
                                       <m:t>𝒅</m:t>
                                     </m:r>
                                     <m:sSub>
                                       <m:sSubPr>
                                         <m:ctrlPr>
-                                          <a:rPr lang="en-US" sz="1100">
+                                          <a:rPr lang="en-US" sz="1100" i="1">
                                             <a:effectLst/>
+                                            <a:latin typeface="Cambria Math" panose="02040503050406030204" pitchFamily="18" charset="0"/>
                                           </a:rPr>
                                         </m:ctrlPr>
                                       </m:sSubPr>
@@ -29920,6 +29977,7 @@
                                         <m:r>
                                           <a:rPr lang="en-US" sz="1100">
                                             <a:effectLst/>
+                                            <a:latin typeface="Cambria Math" panose="02040503050406030204" pitchFamily="18" charset="0"/>
                                           </a:rPr>
                                           <m:t>𝒅</m:t>
                                         </m:r>
@@ -29928,6 +29986,7 @@
                                         <m:r>
                                           <a:rPr lang="en-US" sz="1100">
                                             <a:effectLst/>
+                                            <a:latin typeface="Cambria Math" panose="02040503050406030204" pitchFamily="18" charset="0"/>
                                           </a:rPr>
                                           <m:t>𝑷𝑹</m:t>
                                         </m:r>
@@ -29974,8 +30033,9 @@
                                   <m:accPr>
                                     <m:chr m:val="̅"/>
                                     <m:ctrlPr>
-                                      <a:rPr lang="en-US" sz="1100">
+                                      <a:rPr lang="en-US" sz="1100" i="1">
                                         <a:effectLst/>
+                                        <a:latin typeface="Cambria Math" panose="02040503050406030204" pitchFamily="18" charset="0"/>
                                       </a:rPr>
                                     </m:ctrlPr>
                                   </m:accPr>
@@ -29983,14 +30043,16 @@
                                     <m:r>
                                       <a:rPr lang="en-US" sz="1100">
                                         <a:effectLst/>
+                                        <a:latin typeface="Cambria Math" panose="02040503050406030204" pitchFamily="18" charset="0"/>
                                       </a:rPr>
                                       <m:t>𝒅</m:t>
                                     </m:r>
                                     <m:sSub>
                                       <m:sSubPr>
                                         <m:ctrlPr>
-                                          <a:rPr lang="en-US" sz="1100">
+                                          <a:rPr lang="en-US" sz="1100" i="1">
                                             <a:effectLst/>
+                                            <a:latin typeface="Cambria Math" panose="02040503050406030204" pitchFamily="18" charset="0"/>
                                           </a:rPr>
                                         </m:ctrlPr>
                                       </m:sSubPr>
@@ -29998,6 +30060,7 @@
                                         <m:r>
                                           <a:rPr lang="en-US" sz="1100">
                                             <a:effectLst/>
+                                            <a:latin typeface="Cambria Math" panose="02040503050406030204" pitchFamily="18" charset="0"/>
                                           </a:rPr>
                                           <m:t>𝒅</m:t>
                                         </m:r>
@@ -30006,6 +30069,7 @@
                                         <m:r>
                                           <a:rPr lang="en-US" sz="1100">
                                             <a:effectLst/>
+                                            <a:latin typeface="Cambria Math" panose="02040503050406030204" pitchFamily="18" charset="0"/>
                                           </a:rPr>
                                           <m:t>𝑪𝑺</m:t>
                                         </m:r>
@@ -30048,8 +30112,9 @@
                                 <m:accPr>
                                   <m:chr m:val="̅"/>
                                   <m:ctrlPr>
-                                    <a:rPr lang="en-US" sz="1100">
+                                    <a:rPr lang="en-US" sz="1100" i="1">
                                       <a:effectLst/>
+                                      <a:latin typeface="Cambria Math" panose="02040503050406030204" pitchFamily="18" charset="0"/>
                                     </a:rPr>
                                   </m:ctrlPr>
                                 </m:accPr>
@@ -30057,6 +30122,7 @@
                                   <m:r>
                                     <a:rPr lang="en-US" sz="1100">
                                       <a:effectLst/>
+                                      <a:latin typeface="Cambria Math" panose="02040503050406030204" pitchFamily="18" charset="0"/>
                                     </a:rPr>
                                     <m:t>𝒄𝒐𝒏𝒈</m:t>
                                   </m:r>
@@ -31427,7 +31493,7 @@
             </a:graphic>
           </p:graphicFrame>
         </mc:Choice>
-        <mc:Fallback>
+        <mc:Fallback xmlns="">
           <p:graphicFrame>
             <p:nvGraphicFramePr>
               <p:cNvPr id="4" name="Table 3">

--- a/presentation/Simulation assignment.pptx
+++ b/presentation/Simulation assignment.pptx
@@ -120,7 +120,7 @@
   </p:defaultTextStyle>
   <p:extLst>
     <p:ext uri="{EFAFB233-063F-42B5-8137-9DF3F51BA10A}">
-      <p15:sldGuideLst xmlns:p15="http://schemas.microsoft.com/office/powerpoint/2012/main"/>
+      <p15:sldGuideLst xmlns:p15="http://schemas.microsoft.com/office/powerpoint/2012/main" xmlns=""/>
     </p:ext>
   </p:extLst>
 </p:presentation>
@@ -131,26 +131,14 @@
 </file>
 
 <file path=ppt/charts/chart1.xml><?xml version="1.0" encoding="utf-8"?>
-<c:chartSpace xmlns:c="http://schemas.openxmlformats.org/drawingml/2006/chart" xmlns:a="http://schemas.openxmlformats.org/drawingml/2006/main" xmlns:r="http://schemas.openxmlformats.org/officeDocument/2006/relationships" xmlns:c16r2="http://schemas.microsoft.com/office/drawing/2015/06/chart">
-  <c:date1904 val="0"/>
+<c:chartSpace xmlns:c="http://schemas.openxmlformats.org/drawingml/2006/chart" xmlns:a="http://schemas.openxmlformats.org/drawingml/2006/main" xmlns:r="http://schemas.openxmlformats.org/officeDocument/2006/relationships">
   <c:lang val="en-US"/>
-  <c:roundedCorners val="0"/>
-  <mc:AlternateContent xmlns:mc="http://schemas.openxmlformats.org/markup-compatibility/2006">
-    <mc:Choice xmlns:c14="http://schemas.microsoft.com/office/drawing/2007/8/2/chart" Requires="c14">
-      <c14:style val="102"/>
-    </mc:Choice>
-    <mc:Fallback>
-      <c:style val="2"/>
-    </mc:Fallback>
-  </mc:AlternateContent>
   <c:chart>
-    <c:autoTitleDeleted val="0"/>
     <c:plotArea>
       <c:layout/>
       <c:barChart>
         <c:barDir val="col"/>
         <c:grouping val="stacked"/>
-        <c:varyColors val="0"/>
         <c:ser>
           <c:idx val="0"/>
           <c:order val="0"/>
@@ -165,7 +153,6 @@
               </c:strCache>
             </c:strRef>
           </c:tx>
-          <c:invertIfNegative val="0"/>
           <c:cat>
             <c:strRef>
               <c:f>Sheet1!$A$2:$A$13</c:f>
@@ -250,12 +237,12 @@
                   <c:v>75.760000000000005</c:v>
                 </c:pt>
                 <c:pt idx="11">
-                  <c:v>114.4400000000001</c:v>
+                  <c:v>114.44000000000011</c:v>
                 </c:pt>
               </c:numCache>
             </c:numRef>
           </c:val>
-          <c:extLst>
+          <c:extLst xmlns:c16r2="http://schemas.microsoft.com/office/drawing/2015/06/chart">
             <c:ext xmlns:c16="http://schemas.microsoft.com/office/drawing/2014/chart" uri="{C3380CC4-5D6E-409C-BE32-E72D297353CC}">
               <c16:uniqueId val="{00000000-C9B4-48CB-ACE2-A76424904B1E}"/>
             </c:ext>
@@ -275,7 +262,6 @@
               </c:strCache>
             </c:strRef>
           </c:tx>
-          <c:invertIfNegative val="0"/>
           <c:cat>
             <c:strRef>
               <c:f>Sheet1!$A$2:$A$13</c:f>
@@ -333,7 +319,7 @@
                   <c:v>69.38</c:v>
                 </c:pt>
                 <c:pt idx="2">
-                  <c:v>37.349999999999994</c:v>
+                  <c:v>37.35</c:v>
                 </c:pt>
                 <c:pt idx="3">
                   <c:v>55.54</c:v>
@@ -365,95 +351,65 @@
               </c:numCache>
             </c:numRef>
           </c:val>
-          <c:extLst>
+          <c:extLst xmlns:c16r2="http://schemas.microsoft.com/office/drawing/2015/06/chart">
             <c:ext xmlns:c16="http://schemas.microsoft.com/office/drawing/2014/chart" uri="{C3380CC4-5D6E-409C-BE32-E72D297353CC}">
               <c16:uniqueId val="{00000001-C9B4-48CB-ACE2-A76424904B1E}"/>
             </c:ext>
           </c:extLst>
         </c:ser>
-        <c:dLbls>
-          <c:showLegendKey val="0"/>
-          <c:showVal val="0"/>
-          <c:showCatName val="0"/>
-          <c:showSerName val="0"/>
-          <c:showPercent val="0"/>
-          <c:showBubbleSize val="0"/>
-        </c:dLbls>
-        <c:gapWidth val="150"/>
+        <c:dLbls/>
         <c:overlap val="100"/>
-        <c:axId val="94340224"/>
-        <c:axId val="94341760"/>
+        <c:axId val="139868032"/>
+        <c:axId val="139869568"/>
       </c:barChart>
       <c:catAx>
-        <c:axId val="94340224"/>
+        <c:axId val="139868032"/>
         <c:scaling>
           <c:orientation val="minMax"/>
         </c:scaling>
-        <c:delete val="0"/>
         <c:axPos val="b"/>
         <c:numFmt formatCode="General" sourceLinked="1"/>
-        <c:majorTickMark val="out"/>
-        <c:minorTickMark val="none"/>
         <c:tickLblPos val="nextTo"/>
-        <c:crossAx val="94341760"/>
+        <c:crossAx val="139869568"/>
         <c:crosses val="autoZero"/>
         <c:auto val="1"/>
         <c:lblAlgn val="ctr"/>
         <c:lblOffset val="100"/>
-        <c:noMultiLvlLbl val="0"/>
       </c:catAx>
       <c:valAx>
-        <c:axId val="94341760"/>
+        <c:axId val="139869568"/>
         <c:scaling>
           <c:orientation val="minMax"/>
         </c:scaling>
-        <c:delete val="0"/>
         <c:axPos val="l"/>
         <c:majorGridlines/>
         <c:numFmt formatCode="General" sourceLinked="1"/>
-        <c:majorTickMark val="out"/>
-        <c:minorTickMark val="none"/>
         <c:tickLblPos val="nextTo"/>
-        <c:crossAx val="94340224"/>
+        <c:crossAx val="139868032"/>
         <c:crosses val="autoZero"/>
         <c:crossBetween val="between"/>
       </c:valAx>
     </c:plotArea>
     <c:legend>
       <c:legendPos val="r"/>
-      <c:overlay val="0"/>
+      <c:layout/>
     </c:legend>
     <c:plotVisOnly val="1"/>
     <c:dispBlanksAs val="gap"/>
-    <c:showDLblsOverMax val="0"/>
   </c:chart>
-  <c:externalData r:id="rId1">
-    <c:autoUpdate val="0"/>
-  </c:externalData>
+  <c:externalData r:id="rId1"/>
 </c:chartSpace>
 </file>
 
 <file path=ppt/charts/chart2.xml><?xml version="1.0" encoding="utf-8"?>
-<c:chartSpace xmlns:c="http://schemas.openxmlformats.org/drawingml/2006/chart" xmlns:a="http://schemas.openxmlformats.org/drawingml/2006/main" xmlns:r="http://schemas.openxmlformats.org/officeDocument/2006/relationships" xmlns:c16r2="http://schemas.microsoft.com/office/drawing/2015/06/chart">
-  <c:date1904 val="0"/>
+<c:chartSpace xmlns:c="http://schemas.openxmlformats.org/drawingml/2006/chart" xmlns:a="http://schemas.openxmlformats.org/drawingml/2006/main" xmlns:r="http://schemas.openxmlformats.org/officeDocument/2006/relationships">
   <c:lang val="en-US"/>
-  <c:roundedCorners val="0"/>
-  <mc:AlternateContent xmlns:mc="http://schemas.openxmlformats.org/markup-compatibility/2006">
-    <mc:Choice xmlns:c14="http://schemas.microsoft.com/office/drawing/2007/8/2/chart" Requires="c14">
-      <c14:style val="102"/>
-    </mc:Choice>
-    <mc:Fallback>
-      <c:style val="2"/>
-    </mc:Fallback>
-  </mc:AlternateContent>
   <c:chart>
-    <c:autoTitleDeleted val="0"/>
     <c:plotArea>
       <c:layout/>
       <c:barChart>
         <c:barDir val="col"/>
         <c:grouping val="stacked"/>
-        <c:varyColors val="0"/>
         <c:ser>
           <c:idx val="0"/>
           <c:order val="0"/>
@@ -468,7 +424,6 @@
               </c:strCache>
             </c:strRef>
           </c:tx>
-          <c:invertIfNegative val="0"/>
           <c:cat>
             <c:strRef>
               <c:f>Sheet1!$A$2:$A$13</c:f>
@@ -544,7 +499,7 @@
                   <c:v>9.67</c:v>
                 </c:pt>
                 <c:pt idx="8">
-                  <c:v>12.239999999999998</c:v>
+                  <c:v>12.24</c:v>
                 </c:pt>
                 <c:pt idx="9">
                   <c:v>14.62</c:v>
@@ -558,7 +513,7 @@
               </c:numCache>
             </c:numRef>
           </c:val>
-          <c:extLst>
+          <c:extLst xmlns:c16r2="http://schemas.microsoft.com/office/drawing/2015/06/chart">
             <c:ext xmlns:c16="http://schemas.microsoft.com/office/drawing/2014/chart" uri="{C3380CC4-5D6E-409C-BE32-E72D297353CC}">
               <c16:uniqueId val="{00000000-1D71-44B6-80A9-3078959105A1}"/>
             </c:ext>
@@ -578,7 +533,6 @@
               </c:strCache>
             </c:strRef>
           </c:tx>
-          <c:invertIfNegative val="0"/>
           <c:cat>
             <c:strRef>
               <c:f>Sheet1!$A$2:$A$13</c:f>
@@ -639,7 +593,7 @@
                   <c:v>9.1</c:v>
                 </c:pt>
                 <c:pt idx="3">
-                  <c:v>10.850000000000012</c:v>
+                  <c:v>10.850000000000014</c:v>
                 </c:pt>
                 <c:pt idx="4">
                   <c:v>7.89</c:v>
@@ -668,71 +622,53 @@
               </c:numCache>
             </c:numRef>
           </c:val>
-          <c:extLst>
+          <c:extLst xmlns:c16r2="http://schemas.microsoft.com/office/drawing/2015/06/chart">
             <c:ext xmlns:c16="http://schemas.microsoft.com/office/drawing/2014/chart" uri="{C3380CC4-5D6E-409C-BE32-E72D297353CC}">
               <c16:uniqueId val="{00000001-1D71-44B6-80A9-3078959105A1}"/>
             </c:ext>
           </c:extLst>
         </c:ser>
-        <c:dLbls>
-          <c:showLegendKey val="0"/>
-          <c:showVal val="0"/>
-          <c:showCatName val="0"/>
-          <c:showSerName val="0"/>
-          <c:showPercent val="0"/>
-          <c:showBubbleSize val="0"/>
-        </c:dLbls>
-        <c:gapWidth val="150"/>
+        <c:dLbls/>
         <c:overlap val="100"/>
-        <c:axId val="32816512"/>
-        <c:axId val="94315648"/>
+        <c:axId val="139936896"/>
+        <c:axId val="139938432"/>
       </c:barChart>
       <c:catAx>
-        <c:axId val="32816512"/>
+        <c:axId val="139936896"/>
         <c:scaling>
           <c:orientation val="minMax"/>
         </c:scaling>
-        <c:delete val="0"/>
         <c:axPos val="b"/>
         <c:numFmt formatCode="General" sourceLinked="0"/>
-        <c:majorTickMark val="out"/>
-        <c:minorTickMark val="none"/>
         <c:tickLblPos val="nextTo"/>
-        <c:crossAx val="94315648"/>
+        <c:crossAx val="139938432"/>
         <c:crosses val="autoZero"/>
         <c:auto val="1"/>
         <c:lblAlgn val="ctr"/>
         <c:lblOffset val="100"/>
-        <c:noMultiLvlLbl val="0"/>
       </c:catAx>
       <c:valAx>
-        <c:axId val="94315648"/>
+        <c:axId val="139938432"/>
         <c:scaling>
           <c:orientation val="minMax"/>
         </c:scaling>
-        <c:delete val="0"/>
         <c:axPos val="l"/>
         <c:majorGridlines/>
         <c:numFmt formatCode="General" sourceLinked="1"/>
-        <c:majorTickMark val="out"/>
-        <c:minorTickMark val="none"/>
         <c:tickLblPos val="nextTo"/>
-        <c:crossAx val="32816512"/>
+        <c:crossAx val="139936896"/>
         <c:crosses val="autoZero"/>
         <c:crossBetween val="between"/>
       </c:valAx>
     </c:plotArea>
     <c:legend>
       <c:legendPos val="r"/>
-      <c:overlay val="0"/>
+      <c:layout/>
     </c:legend>
     <c:plotVisOnly val="1"/>
     <c:dispBlanksAs val="gap"/>
-    <c:showDLblsOverMax val="0"/>
   </c:chart>
-  <c:externalData r:id="rId1">
-    <c:autoUpdate val="0"/>
-  </c:externalData>
+  <c:externalData r:id="rId1"/>
 </c:chartSpace>
 </file>
 
@@ -773,7 +709,7 @@
             </a:duotone>
             <a:extLst>
               <a:ext uri="{28A0092B-C50C-407E-A947-70E740481C1C}">
-                <a14:useLocalDpi xmlns:a14="http://schemas.microsoft.com/office/drawing/2010/main" val="0"/>
+                <a14:useLocalDpi xmlns:a14="http://schemas.microsoft.com/office/drawing/2010/main" xmlns="" val="0"/>
               </a:ext>
             </a:extLst>
           </a:blip>
@@ -793,7 +729,7 @@
           <a:noFill/>
           <a:extLst>
             <a:ext uri="{909E8E84-426E-40dd-AFC4-6F175D3DCCD1}">
-              <a14:hiddenFill xmlns="" xmlns:a14="http://schemas.microsoft.com/office/drawing/2010/main">
+              <a14:hiddenFill xmlns:a14="http://schemas.microsoft.com/office/drawing/2010/main" xmlns="">
                 <a:solidFill>
                   <a:srgbClr val="FFFFFF"/>
                 </a:solidFill>
@@ -852,7 +788,7 @@
             </a:ln>
             <a:extLst>
               <a:ext uri="{91240B29-F687-4f45-9708-019B960494DF}">
-                <a14:hiddenLine xmlns="" xmlns:a14="http://schemas.microsoft.com/office/drawing/2010/main" w="9525">
+                <a14:hiddenLine xmlns:a14="http://schemas.microsoft.com/office/drawing/2010/main" xmlns="" w="9525">
                   <a:solidFill>
                     <a:srgbClr val="000000"/>
                   </a:solidFill>
@@ -942,7 +878,7 @@
             </a:ln>
             <a:extLst>
               <a:ext uri="{91240B29-F687-4f45-9708-019B960494DF}">
-                <a14:hiddenLine xmlns="" xmlns:a14="http://schemas.microsoft.com/office/drawing/2010/main" w="9525">
+                <a14:hiddenLine xmlns:a14="http://schemas.microsoft.com/office/drawing/2010/main" xmlns="" w="9525">
                   <a:solidFill>
                     <a:srgbClr val="000000"/>
                   </a:solidFill>
@@ -1032,7 +968,7 @@
             </a:ln>
             <a:extLst>
               <a:ext uri="{91240B29-F687-4f45-9708-019B960494DF}">
-                <a14:hiddenLine xmlns="" xmlns:a14="http://schemas.microsoft.com/office/drawing/2010/main" w="9525">
+                <a14:hiddenLine xmlns:a14="http://schemas.microsoft.com/office/drawing/2010/main" xmlns="" w="9525">
                   <a:solidFill>
                     <a:srgbClr val="000000"/>
                   </a:solidFill>
@@ -1066,7 +1002,7 @@
             </a:ln>
             <a:extLst>
               <a:ext uri="{91240B29-F687-4f45-9708-019B960494DF}">
-                <a14:hiddenLine xmlns="" xmlns:a14="http://schemas.microsoft.com/office/drawing/2010/main" w="9525">
+                <a14:hiddenLine xmlns:a14="http://schemas.microsoft.com/office/drawing/2010/main" xmlns="" w="9525">
                   <a:solidFill>
                     <a:srgbClr val="000000"/>
                   </a:solidFill>
@@ -1156,7 +1092,7 @@
             </a:ln>
             <a:extLst>
               <a:ext uri="{91240B29-F687-4f45-9708-019B960494DF}">
-                <a14:hiddenLine xmlns="" xmlns:a14="http://schemas.microsoft.com/office/drawing/2010/main" w="9525">
+                <a14:hiddenLine xmlns:a14="http://schemas.microsoft.com/office/drawing/2010/main" xmlns="" w="9525">
                   <a:solidFill>
                     <a:srgbClr val="000000"/>
                   </a:solidFill>
@@ -1218,7 +1154,7 @@
             </a:ln>
             <a:extLst>
               <a:ext uri="{91240B29-F687-4f45-9708-019B960494DF}">
-                <a14:hiddenLine xmlns="" xmlns:a14="http://schemas.microsoft.com/office/drawing/2010/main" w="9525">
+                <a14:hiddenLine xmlns:a14="http://schemas.microsoft.com/office/drawing/2010/main" xmlns="" w="9525">
                   <a:solidFill>
                     <a:srgbClr val="000000"/>
                   </a:solidFill>
@@ -1280,7 +1216,7 @@
             </a:ln>
             <a:extLst>
               <a:ext uri="{91240B29-F687-4f45-9708-019B960494DF}">
-                <a14:hiddenLine xmlns="" xmlns:a14="http://schemas.microsoft.com/office/drawing/2010/main" w="9525">
+                <a14:hiddenLine xmlns:a14="http://schemas.microsoft.com/office/drawing/2010/main" xmlns="" w="9525">
                   <a:solidFill>
                     <a:srgbClr val="000000"/>
                   </a:solidFill>
@@ -1370,7 +1306,7 @@
             </a:ln>
             <a:extLst>
               <a:ext uri="{91240B29-F687-4f45-9708-019B960494DF}">
-                <a14:hiddenLine xmlns="" xmlns:a14="http://schemas.microsoft.com/office/drawing/2010/main" w="9525">
+                <a14:hiddenLine xmlns:a14="http://schemas.microsoft.com/office/drawing/2010/main" xmlns="" w="9525">
                   <a:solidFill>
                     <a:srgbClr val="000000"/>
                   </a:solidFill>
@@ -1432,7 +1368,7 @@
             </a:ln>
             <a:extLst>
               <a:ext uri="{91240B29-F687-4f45-9708-019B960494DF}">
-                <a14:hiddenLine xmlns="" xmlns:a14="http://schemas.microsoft.com/office/drawing/2010/main" w="9525">
+                <a14:hiddenLine xmlns:a14="http://schemas.microsoft.com/office/drawing/2010/main" xmlns="" w="9525">
                   <a:solidFill>
                     <a:srgbClr val="000000"/>
                   </a:solidFill>
@@ -1494,7 +1430,7 @@
             </a:ln>
             <a:extLst>
               <a:ext uri="{91240B29-F687-4f45-9708-019B960494DF}">
-                <a14:hiddenLine xmlns="" xmlns:a14="http://schemas.microsoft.com/office/drawing/2010/main" w="9525">
+                <a14:hiddenLine xmlns:a14="http://schemas.microsoft.com/office/drawing/2010/main" xmlns="" w="9525">
                   <a:solidFill>
                     <a:srgbClr val="000000"/>
                   </a:solidFill>
@@ -1584,7 +1520,7 @@
             </a:ln>
             <a:extLst>
               <a:ext uri="{91240B29-F687-4f45-9708-019B960494DF}">
-                <a14:hiddenLine xmlns="" xmlns:a14="http://schemas.microsoft.com/office/drawing/2010/main" w="9525">
+                <a14:hiddenLine xmlns:a14="http://schemas.microsoft.com/office/drawing/2010/main" xmlns="" w="9525">
                   <a:solidFill>
                     <a:srgbClr val="000000"/>
                   </a:solidFill>
@@ -1674,7 +1610,7 @@
             </a:ln>
             <a:extLst>
               <a:ext uri="{91240B29-F687-4f45-9708-019B960494DF}">
-                <a14:hiddenLine xmlns="" xmlns:a14="http://schemas.microsoft.com/office/drawing/2010/main" w="9525">
+                <a14:hiddenLine xmlns:a14="http://schemas.microsoft.com/office/drawing/2010/main" xmlns="" w="9525">
                   <a:solidFill>
                     <a:srgbClr val="000000"/>
                   </a:solidFill>
@@ -1736,7 +1672,7 @@
             </a:ln>
             <a:extLst>
               <a:ext uri="{91240B29-F687-4f45-9708-019B960494DF}">
-                <a14:hiddenLine xmlns="" xmlns:a14="http://schemas.microsoft.com/office/drawing/2010/main" w="9525">
+                <a14:hiddenLine xmlns:a14="http://schemas.microsoft.com/office/drawing/2010/main" xmlns="" w="9525">
                   <a:solidFill>
                     <a:srgbClr val="000000"/>
                   </a:solidFill>
@@ -1846,7 +1782,7 @@
             </a:ln>
             <a:extLst>
               <a:ext uri="{91240B29-F687-4f45-9708-019B960494DF}">
-                <a14:hiddenLine xmlns="" xmlns:a14="http://schemas.microsoft.com/office/drawing/2010/main" w="9525">
+                <a14:hiddenLine xmlns:a14="http://schemas.microsoft.com/office/drawing/2010/main" xmlns="" w="9525">
                   <a:solidFill>
                     <a:srgbClr val="000000"/>
                   </a:solidFill>
@@ -1908,7 +1844,7 @@
             </a:ln>
             <a:extLst>
               <a:ext uri="{91240B29-F687-4f45-9708-019B960494DF}">
-                <a14:hiddenLine xmlns="" xmlns:a14="http://schemas.microsoft.com/office/drawing/2010/main" w="9525">
+                <a14:hiddenLine xmlns:a14="http://schemas.microsoft.com/office/drawing/2010/main" xmlns="" w="9525">
                   <a:solidFill>
                     <a:srgbClr val="000000"/>
                   </a:solidFill>
@@ -1998,7 +1934,7 @@
             </a:ln>
             <a:extLst>
               <a:ext uri="{91240B29-F687-4f45-9708-019B960494DF}">
-                <a14:hiddenLine xmlns="" xmlns:a14="http://schemas.microsoft.com/office/drawing/2010/main" w="9525">
+                <a14:hiddenLine xmlns:a14="http://schemas.microsoft.com/office/drawing/2010/main" xmlns="" w="9525">
                   <a:solidFill>
                     <a:srgbClr val="000000"/>
                   </a:solidFill>
@@ -2088,7 +2024,7 @@
             </a:ln>
             <a:extLst>
               <a:ext uri="{91240B29-F687-4f45-9708-019B960494DF}">
-                <a14:hiddenLine xmlns="" xmlns:a14="http://schemas.microsoft.com/office/drawing/2010/main" w="9525">
+                <a14:hiddenLine xmlns:a14="http://schemas.microsoft.com/office/drawing/2010/main" xmlns="" w="9525">
                   <a:solidFill>
                     <a:srgbClr val="000000"/>
                   </a:solidFill>
@@ -2150,7 +2086,7 @@
             </a:ln>
             <a:extLst>
               <a:ext uri="{91240B29-F687-4f45-9708-019B960494DF}">
-                <a14:hiddenLine xmlns="" xmlns:a14="http://schemas.microsoft.com/office/drawing/2010/main" w="9525">
+                <a14:hiddenLine xmlns:a14="http://schemas.microsoft.com/office/drawing/2010/main" xmlns="" w="9525">
                   <a:solidFill>
                     <a:srgbClr val="000000"/>
                   </a:solidFill>
@@ -2240,7 +2176,7 @@
             </a:ln>
             <a:extLst>
               <a:ext uri="{91240B29-F687-4f45-9708-019B960494DF}">
-                <a14:hiddenLine xmlns="" xmlns:a14="http://schemas.microsoft.com/office/drawing/2010/main" w="9525">
+                <a14:hiddenLine xmlns:a14="http://schemas.microsoft.com/office/drawing/2010/main" xmlns="" w="9525">
                   <a:solidFill>
                     <a:srgbClr val="000000"/>
                   </a:solidFill>
@@ -2330,7 +2266,7 @@
             </a:ln>
             <a:extLst>
               <a:ext uri="{91240B29-F687-4f45-9708-019B960494DF}">
-                <a14:hiddenLine xmlns="" xmlns:a14="http://schemas.microsoft.com/office/drawing/2010/main" w="9525">
+                <a14:hiddenLine xmlns:a14="http://schemas.microsoft.com/office/drawing/2010/main" xmlns="" w="9525">
                   <a:solidFill>
                     <a:srgbClr val="000000"/>
                   </a:solidFill>
@@ -2386,7 +2322,7 @@
             </a:ln>
             <a:extLst>
               <a:ext uri="{91240B29-F687-4f45-9708-019B960494DF}">
-                <a14:hiddenLine xmlns="" xmlns:a14="http://schemas.microsoft.com/office/drawing/2010/main" w="9525">
+                <a14:hiddenLine xmlns:a14="http://schemas.microsoft.com/office/drawing/2010/main" xmlns="" w="9525">
                   <a:solidFill>
                     <a:srgbClr val="000000"/>
                   </a:solidFill>
@@ -2476,7 +2412,7 @@
             </a:ln>
             <a:extLst>
               <a:ext uri="{91240B29-F687-4f45-9708-019B960494DF}">
-                <a14:hiddenLine xmlns="" xmlns:a14="http://schemas.microsoft.com/office/drawing/2010/main" w="9525">
+                <a14:hiddenLine xmlns:a14="http://schemas.microsoft.com/office/drawing/2010/main" xmlns="" w="9525">
                   <a:solidFill>
                     <a:srgbClr val="000000"/>
                   </a:solidFill>
@@ -2532,7 +2468,7 @@
             </a:ln>
             <a:extLst>
               <a:ext uri="{91240B29-F687-4f45-9708-019B960494DF}">
-                <a14:hiddenLine xmlns="" xmlns:a14="http://schemas.microsoft.com/office/drawing/2010/main" w="9525">
+                <a14:hiddenLine xmlns:a14="http://schemas.microsoft.com/office/drawing/2010/main" xmlns="" w="9525">
                   <a:solidFill>
                     <a:srgbClr val="000000"/>
                   </a:solidFill>
@@ -2622,7 +2558,7 @@
             </a:ln>
             <a:extLst>
               <a:ext uri="{91240B29-F687-4f45-9708-019B960494DF}">
-                <a14:hiddenLine xmlns="" xmlns:a14="http://schemas.microsoft.com/office/drawing/2010/main" w="9525">
+                <a14:hiddenLine xmlns:a14="http://schemas.microsoft.com/office/drawing/2010/main" xmlns="" w="9525">
                   <a:solidFill>
                     <a:srgbClr val="000000"/>
                   </a:solidFill>
@@ -2690,7 +2626,7 @@
             </a:ln>
             <a:extLst>
               <a:ext uri="{91240B29-F687-4f45-9708-019B960494DF}">
-                <a14:hiddenLine xmlns="" xmlns:a14="http://schemas.microsoft.com/office/drawing/2010/main" w="9525">
+                <a14:hiddenLine xmlns:a14="http://schemas.microsoft.com/office/drawing/2010/main" xmlns="" w="9525">
                   <a:solidFill>
                     <a:srgbClr val="000000"/>
                   </a:solidFill>
@@ -2780,7 +2716,7 @@
             </a:ln>
             <a:extLst>
               <a:ext uri="{91240B29-F687-4f45-9708-019B960494DF}">
-                <a14:hiddenLine xmlns="" xmlns:a14="http://schemas.microsoft.com/office/drawing/2010/main" w="9525">
+                <a14:hiddenLine xmlns:a14="http://schemas.microsoft.com/office/drawing/2010/main" xmlns="" w="9525">
                   <a:solidFill>
                     <a:srgbClr val="000000"/>
                   </a:solidFill>
@@ -2848,7 +2784,7 @@
             </a:ln>
             <a:extLst>
               <a:ext uri="{91240B29-F687-4f45-9708-019B960494DF}">
-                <a14:hiddenLine xmlns="" xmlns:a14="http://schemas.microsoft.com/office/drawing/2010/main" w="9525">
+                <a14:hiddenLine xmlns:a14="http://schemas.microsoft.com/office/drawing/2010/main" xmlns="" w="9525">
                   <a:solidFill>
                     <a:srgbClr val="000000"/>
                   </a:solidFill>
@@ -2938,7 +2874,7 @@
             </a:ln>
             <a:extLst>
               <a:ext uri="{91240B29-F687-4f45-9708-019B960494DF}">
-                <a14:hiddenLine xmlns="" xmlns:a14="http://schemas.microsoft.com/office/drawing/2010/main" w="9525">
+                <a14:hiddenLine xmlns:a14="http://schemas.microsoft.com/office/drawing/2010/main" xmlns="" w="9525">
                   <a:solidFill>
                     <a:srgbClr val="000000"/>
                   </a:solidFill>
@@ -2972,7 +2908,7 @@
             </a:ln>
             <a:extLst>
               <a:ext uri="{91240B29-F687-4f45-9708-019B960494DF}">
-                <a14:hiddenLine xmlns="" xmlns:a14="http://schemas.microsoft.com/office/drawing/2010/main" w="9525">
+                <a14:hiddenLine xmlns:a14="http://schemas.microsoft.com/office/drawing/2010/main" xmlns="" w="9525">
                   <a:solidFill>
                     <a:srgbClr val="000000"/>
                   </a:solidFill>
@@ -3062,7 +2998,7 @@
             </a:ln>
             <a:extLst>
               <a:ext uri="{91240B29-F687-4f45-9708-019B960494DF}">
-                <a14:hiddenLine xmlns="" xmlns:a14="http://schemas.microsoft.com/office/drawing/2010/main" w="9525">
+                <a14:hiddenLine xmlns:a14="http://schemas.microsoft.com/office/drawing/2010/main" xmlns="" w="9525">
                   <a:solidFill>
                     <a:srgbClr val="000000"/>
                   </a:solidFill>
@@ -3124,7 +3060,7 @@
             </a:ln>
             <a:extLst>
               <a:ext uri="{91240B29-F687-4f45-9708-019B960494DF}">
-                <a14:hiddenLine xmlns="" xmlns:a14="http://schemas.microsoft.com/office/drawing/2010/main" w="9525">
+                <a14:hiddenLine xmlns:a14="http://schemas.microsoft.com/office/drawing/2010/main" xmlns="" w="9525">
                   <a:solidFill>
                     <a:srgbClr val="000000"/>
                   </a:solidFill>
@@ -3186,7 +3122,7 @@
             </a:ln>
             <a:extLst>
               <a:ext uri="{91240B29-F687-4f45-9708-019B960494DF}">
-                <a14:hiddenLine xmlns="" xmlns:a14="http://schemas.microsoft.com/office/drawing/2010/main" w="9525">
+                <a14:hiddenLine xmlns:a14="http://schemas.microsoft.com/office/drawing/2010/main" xmlns="" w="9525">
                   <a:solidFill>
                     <a:srgbClr val="000000"/>
                   </a:solidFill>
@@ -3276,7 +3212,7 @@
             </a:ln>
             <a:extLst>
               <a:ext uri="{91240B29-F687-4f45-9708-019B960494DF}">
-                <a14:hiddenLine xmlns="" xmlns:a14="http://schemas.microsoft.com/office/drawing/2010/main" w="9525">
+                <a14:hiddenLine xmlns:a14="http://schemas.microsoft.com/office/drawing/2010/main" xmlns="" w="9525">
                   <a:solidFill>
                     <a:srgbClr val="000000"/>
                   </a:solidFill>
@@ -3344,7 +3280,7 @@
             </a:ln>
             <a:extLst>
               <a:ext uri="{91240B29-F687-4f45-9708-019B960494DF}">
-                <a14:hiddenLine xmlns="" xmlns:a14="http://schemas.microsoft.com/office/drawing/2010/main" w="9525">
+                <a14:hiddenLine xmlns:a14="http://schemas.microsoft.com/office/drawing/2010/main" xmlns="" w="9525">
                   <a:solidFill>
                     <a:srgbClr val="000000"/>
                   </a:solidFill>
@@ -3406,7 +3342,7 @@
             </a:ln>
             <a:extLst>
               <a:ext uri="{91240B29-F687-4f45-9708-019B960494DF}">
-                <a14:hiddenLine xmlns="" xmlns:a14="http://schemas.microsoft.com/office/drawing/2010/main" w="9525">
+                <a14:hiddenLine xmlns:a14="http://schemas.microsoft.com/office/drawing/2010/main" xmlns="" w="9525">
                   <a:solidFill>
                     <a:srgbClr val="000000"/>
                   </a:solidFill>
@@ -3496,7 +3432,7 @@
             </a:ln>
             <a:extLst>
               <a:ext uri="{91240B29-F687-4f45-9708-019B960494DF}">
-                <a14:hiddenLine xmlns="" xmlns:a14="http://schemas.microsoft.com/office/drawing/2010/main" w="9525">
+                <a14:hiddenLine xmlns:a14="http://schemas.microsoft.com/office/drawing/2010/main" xmlns="" w="9525">
                   <a:solidFill>
                     <a:srgbClr val="000000"/>
                   </a:solidFill>
@@ -3558,7 +3494,7 @@
             </a:ln>
             <a:extLst>
               <a:ext uri="{91240B29-F687-4f45-9708-019B960494DF}">
-                <a14:hiddenLine xmlns="" xmlns:a14="http://schemas.microsoft.com/office/drawing/2010/main" w="9525">
+                <a14:hiddenLine xmlns:a14="http://schemas.microsoft.com/office/drawing/2010/main" xmlns="" w="9525">
                   <a:solidFill>
                     <a:srgbClr val="000000"/>
                   </a:solidFill>
@@ -3648,7 +3584,7 @@
             </a:ln>
             <a:extLst>
               <a:ext uri="{91240B29-F687-4f45-9708-019B960494DF}">
-                <a14:hiddenLine xmlns="" xmlns:a14="http://schemas.microsoft.com/office/drawing/2010/main" w="9525">
+                <a14:hiddenLine xmlns:a14="http://schemas.microsoft.com/office/drawing/2010/main" xmlns="" w="9525">
                   <a:solidFill>
                     <a:srgbClr val="000000"/>
                   </a:solidFill>
@@ -3710,7 +3646,7 @@
             </a:ln>
             <a:extLst>
               <a:ext uri="{91240B29-F687-4f45-9708-019B960494DF}">
-                <a14:hiddenLine xmlns="" xmlns:a14="http://schemas.microsoft.com/office/drawing/2010/main" w="9525">
+                <a14:hiddenLine xmlns:a14="http://schemas.microsoft.com/office/drawing/2010/main" xmlns="" w="9525">
                   <a:solidFill>
                     <a:srgbClr val="000000"/>
                   </a:solidFill>
@@ -3800,7 +3736,7 @@
             </a:ln>
             <a:extLst>
               <a:ext uri="{91240B29-F687-4f45-9708-019B960494DF}">
-                <a14:hiddenLine xmlns="" xmlns:a14="http://schemas.microsoft.com/office/drawing/2010/main" w="9525">
+                <a14:hiddenLine xmlns:a14="http://schemas.microsoft.com/office/drawing/2010/main" xmlns="" w="9525">
                   <a:solidFill>
                     <a:srgbClr val="000000"/>
                   </a:solidFill>
@@ -3834,7 +3770,7 @@
             </a:ln>
             <a:extLst>
               <a:ext uri="{91240B29-F687-4f45-9708-019B960494DF}">
-                <a14:hiddenLine xmlns="" xmlns:a14="http://schemas.microsoft.com/office/drawing/2010/main" w="9525">
+                <a14:hiddenLine xmlns:a14="http://schemas.microsoft.com/office/drawing/2010/main" xmlns="" w="9525">
                   <a:solidFill>
                     <a:srgbClr val="000000"/>
                   </a:solidFill>
@@ -3899,7 +3835,7 @@
             </a:ln>
             <a:extLst>
               <a:ext uri="{91240B29-F687-4f45-9708-019B960494DF}">
-                <a14:hiddenLine xmlns="" xmlns:a14="http://schemas.microsoft.com/office/drawing/2010/main" w="9525">
+                <a14:hiddenLine xmlns:a14="http://schemas.microsoft.com/office/drawing/2010/main" xmlns="" w="9525">
                   <a:solidFill>
                     <a:srgbClr val="000000"/>
                   </a:solidFill>
@@ -3989,7 +3925,7 @@
             </a:ln>
             <a:extLst>
               <a:ext uri="{91240B29-F687-4f45-9708-019B960494DF}">
-                <a14:hiddenLine xmlns="" xmlns:a14="http://schemas.microsoft.com/office/drawing/2010/main" w="9525">
+                <a14:hiddenLine xmlns:a14="http://schemas.microsoft.com/office/drawing/2010/main" xmlns="" w="9525">
                   <a:solidFill>
                     <a:srgbClr val="000000"/>
                   </a:solidFill>
@@ -4051,7 +3987,7 @@
             </a:ln>
             <a:extLst>
               <a:ext uri="{91240B29-F687-4f45-9708-019B960494DF}">
-                <a14:hiddenLine xmlns="" xmlns:a14="http://schemas.microsoft.com/office/drawing/2010/main" w="9525">
+                <a14:hiddenLine xmlns:a14="http://schemas.microsoft.com/office/drawing/2010/main" xmlns="" w="9525">
                   <a:solidFill>
                     <a:srgbClr val="000000"/>
                   </a:solidFill>
@@ -4141,7 +4077,7 @@
             </a:ln>
             <a:extLst>
               <a:ext uri="{91240B29-F687-4f45-9708-019B960494DF}">
-                <a14:hiddenLine xmlns="" xmlns:a14="http://schemas.microsoft.com/office/drawing/2010/main" w="9525">
+                <a14:hiddenLine xmlns:a14="http://schemas.microsoft.com/office/drawing/2010/main" xmlns="" w="9525">
                   <a:solidFill>
                     <a:srgbClr val="000000"/>
                   </a:solidFill>
@@ -4231,7 +4167,7 @@
             </a:ln>
             <a:extLst>
               <a:ext uri="{91240B29-F687-4f45-9708-019B960494DF}">
-                <a14:hiddenLine xmlns="" xmlns:a14="http://schemas.microsoft.com/office/drawing/2010/main" w="9525">
+                <a14:hiddenLine xmlns:a14="http://schemas.microsoft.com/office/drawing/2010/main" xmlns="" w="9525">
                   <a:solidFill>
                     <a:srgbClr val="000000"/>
                   </a:solidFill>
@@ -4296,7 +4232,7 @@
             </a:ln>
             <a:extLst>
               <a:ext uri="{91240B29-F687-4f45-9708-019B960494DF}">
-                <a14:hiddenLine xmlns="" xmlns:a14="http://schemas.microsoft.com/office/drawing/2010/main" w="9525">
+                <a14:hiddenLine xmlns:a14="http://schemas.microsoft.com/office/drawing/2010/main" xmlns="" w="9525">
                   <a:solidFill>
                     <a:srgbClr val="000000"/>
                   </a:solidFill>
@@ -4358,7 +4294,7 @@
             </a:ln>
             <a:extLst>
               <a:ext uri="{91240B29-F687-4f45-9708-019B960494DF}">
-                <a14:hiddenLine xmlns="" xmlns:a14="http://schemas.microsoft.com/office/drawing/2010/main" w="9525">
+                <a14:hiddenLine xmlns:a14="http://schemas.microsoft.com/office/drawing/2010/main" xmlns="" w="9525">
                   <a:solidFill>
                     <a:srgbClr val="000000"/>
                   </a:solidFill>
@@ -4448,7 +4384,7 @@
             </a:ln>
             <a:extLst>
               <a:ext uri="{91240B29-F687-4f45-9708-019B960494DF}">
-                <a14:hiddenLine xmlns="" xmlns:a14="http://schemas.microsoft.com/office/drawing/2010/main" w="9525">
+                <a14:hiddenLine xmlns:a14="http://schemas.microsoft.com/office/drawing/2010/main" xmlns="" w="9525">
                   <a:solidFill>
                     <a:srgbClr val="000000"/>
                   </a:solidFill>
@@ -4538,7 +4474,7 @@
             </a:ln>
             <a:extLst>
               <a:ext uri="{91240B29-F687-4f45-9708-019B960494DF}">
-                <a14:hiddenLine xmlns="" xmlns:a14="http://schemas.microsoft.com/office/drawing/2010/main" w="9525">
+                <a14:hiddenLine xmlns:a14="http://schemas.microsoft.com/office/drawing/2010/main" xmlns="" w="9525">
                   <a:solidFill>
                     <a:srgbClr val="000000"/>
                   </a:solidFill>
@@ -4600,7 +4536,7 @@
             </a:ln>
             <a:extLst>
               <a:ext uri="{91240B29-F687-4f45-9708-019B960494DF}">
-                <a14:hiddenLine xmlns="" xmlns:a14="http://schemas.microsoft.com/office/drawing/2010/main" w="9525">
+                <a14:hiddenLine xmlns:a14="http://schemas.microsoft.com/office/drawing/2010/main" xmlns="" w="9525">
                   <a:solidFill>
                     <a:srgbClr val="000000"/>
                   </a:solidFill>
@@ -4720,7 +4656,7 @@
             </a:ln>
             <a:extLst>
               <a:ext uri="{91240B29-F687-4f45-9708-019B960494DF}">
-                <a14:hiddenLine xmlns="" xmlns:a14="http://schemas.microsoft.com/office/drawing/2010/main" w="9525">
+                <a14:hiddenLine xmlns:a14="http://schemas.microsoft.com/office/drawing/2010/main" xmlns="" w="9525">
                   <a:solidFill>
                     <a:srgbClr val="000000"/>
                   </a:solidFill>
@@ -4788,7 +4724,7 @@
             </a:ln>
             <a:extLst>
               <a:ext uri="{91240B29-F687-4f45-9708-019B960494DF}">
-                <a14:hiddenLine xmlns="" xmlns:a14="http://schemas.microsoft.com/office/drawing/2010/main" w="9525">
+                <a14:hiddenLine xmlns:a14="http://schemas.microsoft.com/office/drawing/2010/main" xmlns="" w="9525">
                   <a:solidFill>
                     <a:srgbClr val="000000"/>
                   </a:solidFill>
@@ -4878,7 +4814,7 @@
             </a:ln>
             <a:extLst>
               <a:ext uri="{91240B29-F687-4f45-9708-019B960494DF}">
-                <a14:hiddenLine xmlns="" xmlns:a14="http://schemas.microsoft.com/office/drawing/2010/main" w="9525">
+                <a14:hiddenLine xmlns:a14="http://schemas.microsoft.com/office/drawing/2010/main" xmlns="" w="9525">
                   <a:solidFill>
                     <a:srgbClr val="000000"/>
                   </a:solidFill>
@@ -5018,6 +4954,7 @@
           <a:p>
             <a:fld id="{48A87A34-81AB-432B-8DAE-1953F412C126}" type="datetimeFigureOut">
               <a:rPr lang="en-US" dirty="0"/>
+              <a:pPr/>
               <a:t>29-Oct-17</a:t>
             </a:fld>
             <a:endParaRPr lang="en-US" dirty="0"/>
@@ -5070,6 +5007,7 @@
           <a:p>
             <a:fld id="{6D22F896-40B5-4ADD-8801-0D06FADFA095}" type="slidenum">
               <a:rPr lang="en-US" dirty="0"/>
+              <a:pPr/>
               <a:t>‹#›</a:t>
             </a:fld>
             <a:endParaRPr lang="en-US" dirty="0"/>
@@ -5280,6 +5218,7 @@
           <a:p>
             <a:fld id="{48A87A34-81AB-432B-8DAE-1953F412C126}" type="datetimeFigureOut">
               <a:rPr lang="en-US" dirty="0"/>
+              <a:pPr/>
               <a:t>29-Oct-17</a:t>
             </a:fld>
             <a:endParaRPr lang="en-US" dirty="0"/>
@@ -5322,6 +5261,7 @@
           <a:p>
             <a:fld id="{6D22F896-40B5-4ADD-8801-0D06FADFA095}" type="slidenum">
               <a:rPr lang="en-US" dirty="0"/>
+              <a:pPr/>
               <a:t>‹#›</a:t>
             </a:fld>
             <a:endParaRPr lang="en-US" dirty="0"/>
@@ -5471,6 +5411,7 @@
           <a:p>
             <a:fld id="{48A87A34-81AB-432B-8DAE-1953F412C126}" type="datetimeFigureOut">
               <a:rPr lang="en-US" dirty="0"/>
+              <a:pPr/>
               <a:t>29-Oct-17</a:t>
             </a:fld>
             <a:endParaRPr lang="en-US" dirty="0"/>
@@ -5513,6 +5454,7 @@
           <a:p>
             <a:fld id="{6D22F896-40B5-4ADD-8801-0D06FADFA095}" type="slidenum">
               <a:rPr lang="en-US" dirty="0"/>
+              <a:pPr/>
               <a:t>‹#›</a:t>
             </a:fld>
             <a:endParaRPr lang="en-US" dirty="0"/>
@@ -5729,6 +5671,7 @@
           <a:p>
             <a:fld id="{48A87A34-81AB-432B-8DAE-1953F412C126}" type="datetimeFigureOut">
               <a:rPr lang="en-US" dirty="0"/>
+              <a:pPr/>
               <a:t>29-Oct-17</a:t>
             </a:fld>
             <a:endParaRPr lang="en-US" dirty="0"/>
@@ -5771,6 +5714,7 @@
           <a:p>
             <a:fld id="{6D22F896-40B5-4ADD-8801-0D06FADFA095}" type="slidenum">
               <a:rPr lang="en-US" dirty="0"/>
+              <a:pPr/>
               <a:t>‹#›</a:t>
             </a:fld>
             <a:endParaRPr lang="en-US" dirty="0"/>
@@ -6158,6 +6102,7 @@
           <a:p>
             <a:fld id="{48A87A34-81AB-432B-8DAE-1953F412C126}" type="datetimeFigureOut">
               <a:rPr lang="en-US" dirty="0"/>
+              <a:pPr/>
               <a:t>29-Oct-17</a:t>
             </a:fld>
             <a:endParaRPr lang="en-US" dirty="0"/>
@@ -6200,6 +6145,7 @@
           <a:p>
             <a:fld id="{6D22F896-40B5-4ADD-8801-0D06FADFA095}" type="slidenum">
               <a:rPr lang="en-US" dirty="0"/>
+              <a:pPr/>
               <a:t>‹#›</a:t>
             </a:fld>
             <a:endParaRPr lang="en-US" dirty="0"/>
@@ -6699,6 +6645,7 @@
           <a:p>
             <a:fld id="{48A87A34-81AB-432B-8DAE-1953F412C126}" type="datetimeFigureOut">
               <a:rPr lang="en-US" dirty="0"/>
+              <a:pPr/>
               <a:t>29-Oct-17</a:t>
             </a:fld>
             <a:endParaRPr lang="en-US" dirty="0"/>
@@ -6741,6 +6688,7 @@
           <a:p>
             <a:fld id="{6D22F896-40B5-4ADD-8801-0D06FADFA095}" type="slidenum">
               <a:rPr lang="en-US" dirty="0"/>
+              <a:pPr/>
               <a:t>‹#›</a:t>
             </a:fld>
             <a:endParaRPr lang="en-US" dirty="0"/>
@@ -7414,6 +7362,7 @@
           <a:p>
             <a:fld id="{48A87A34-81AB-432B-8DAE-1953F412C126}" type="datetimeFigureOut">
               <a:rPr lang="en-US" dirty="0"/>
+              <a:pPr/>
               <a:t>29-Oct-17</a:t>
             </a:fld>
             <a:endParaRPr lang="en-US" dirty="0"/>
@@ -7456,6 +7405,7 @@
           <a:p>
             <a:fld id="{6D22F896-40B5-4ADD-8801-0D06FADFA095}" type="slidenum">
               <a:rPr lang="en-US" dirty="0"/>
+              <a:pPr/>
               <a:t>‹#›</a:t>
             </a:fld>
             <a:endParaRPr lang="en-US" dirty="0"/>
@@ -7579,6 +7529,7 @@
           <a:p>
             <a:fld id="{48A87A34-81AB-432B-8DAE-1953F412C126}" type="datetimeFigureOut">
               <a:rPr lang="en-US" dirty="0"/>
+              <a:pPr/>
               <a:t>29-Oct-17</a:t>
             </a:fld>
             <a:endParaRPr lang="en-US" dirty="0"/>
@@ -7621,6 +7572,7 @@
           <a:p>
             <a:fld id="{6D22F896-40B5-4ADD-8801-0D06FADFA095}" type="slidenum">
               <a:rPr lang="en-US" dirty="0"/>
+              <a:pPr/>
               <a:t>‹#›</a:t>
             </a:fld>
             <a:endParaRPr lang="en-US" dirty="0"/>
@@ -7754,6 +7706,7 @@
           <a:p>
             <a:fld id="{48A87A34-81AB-432B-8DAE-1953F412C126}" type="datetimeFigureOut">
               <a:rPr lang="en-US" dirty="0"/>
+              <a:pPr/>
               <a:t>29-Oct-17</a:t>
             </a:fld>
             <a:endParaRPr lang="en-US" dirty="0"/>
@@ -7796,6 +7749,7 @@
           <a:p>
             <a:fld id="{6D22F896-40B5-4ADD-8801-0D06FADFA095}" type="slidenum">
               <a:rPr lang="en-US" dirty="0"/>
+              <a:pPr/>
               <a:t>‹#›</a:t>
             </a:fld>
             <a:endParaRPr lang="en-US" dirty="0"/>
@@ -7919,6 +7873,7 @@
           <a:p>
             <a:fld id="{48A87A34-81AB-432B-8DAE-1953F412C126}" type="datetimeFigureOut">
               <a:rPr lang="en-US" dirty="0"/>
+              <a:pPr/>
               <a:t>29-Oct-17</a:t>
             </a:fld>
             <a:endParaRPr lang="en-US" dirty="0"/>
@@ -7961,6 +7916,7 @@
           <a:p>
             <a:fld id="{6D22F896-40B5-4ADD-8801-0D06FADFA095}" type="slidenum">
               <a:rPr lang="en-US" dirty="0"/>
+              <a:pPr/>
               <a:t>‹#›</a:t>
             </a:fld>
             <a:endParaRPr lang="en-US" dirty="0"/>
@@ -8164,6 +8120,7 @@
           <a:p>
             <a:fld id="{48A87A34-81AB-432B-8DAE-1953F412C126}" type="datetimeFigureOut">
               <a:rPr lang="en-US" dirty="0"/>
+              <a:pPr/>
               <a:t>29-Oct-17</a:t>
             </a:fld>
             <a:endParaRPr lang="en-US" dirty="0"/>
@@ -8206,6 +8163,7 @@
           <a:p>
             <a:fld id="{6D22F896-40B5-4ADD-8801-0D06FADFA095}" type="slidenum">
               <a:rPr lang="en-US" dirty="0"/>
+              <a:pPr/>
               <a:t>‹#›</a:t>
             </a:fld>
             <a:endParaRPr lang="en-US" dirty="0"/>
@@ -8391,6 +8349,7 @@
           <a:p>
             <a:fld id="{48A87A34-81AB-432B-8DAE-1953F412C126}" type="datetimeFigureOut">
               <a:rPr lang="en-US" dirty="0"/>
+              <a:pPr/>
               <a:t>29-Oct-17</a:t>
             </a:fld>
             <a:endParaRPr lang="en-US" dirty="0"/>
@@ -8433,6 +8392,7 @@
           <a:p>
             <a:fld id="{6D22F896-40B5-4ADD-8801-0D06FADFA095}" type="slidenum">
               <a:rPr lang="en-US" dirty="0"/>
+              <a:pPr/>
               <a:t>‹#›</a:t>
             </a:fld>
             <a:endParaRPr lang="en-US" dirty="0"/>
@@ -8767,6 +8727,7 @@
           <a:p>
             <a:fld id="{48A87A34-81AB-432B-8DAE-1953F412C126}" type="datetimeFigureOut">
               <a:rPr lang="en-US" dirty="0"/>
+              <a:pPr/>
               <a:t>29-Oct-17</a:t>
             </a:fld>
             <a:endParaRPr lang="en-US" dirty="0"/>
@@ -8809,6 +8770,7 @@
           <a:p>
             <a:fld id="{6D22F896-40B5-4ADD-8801-0D06FADFA095}" type="slidenum">
               <a:rPr lang="en-US" dirty="0"/>
+              <a:pPr/>
               <a:t>‹#›</a:t>
             </a:fld>
             <a:endParaRPr lang="en-US" dirty="0"/>
@@ -8880,6 +8842,7 @@
           <a:p>
             <a:fld id="{48A87A34-81AB-432B-8DAE-1953F412C126}" type="datetimeFigureOut">
               <a:rPr lang="en-US" dirty="0"/>
+              <a:pPr/>
               <a:t>29-Oct-17</a:t>
             </a:fld>
             <a:endParaRPr lang="en-US" dirty="0"/>
@@ -8922,6 +8885,7 @@
           <a:p>
             <a:fld id="{6D22F896-40B5-4ADD-8801-0D06FADFA095}" type="slidenum">
               <a:rPr lang="en-US" dirty="0"/>
+              <a:pPr/>
               <a:t>‹#›</a:t>
             </a:fld>
             <a:endParaRPr lang="en-US" dirty="0"/>
@@ -8970,6 +8934,7 @@
           <a:p>
             <a:fld id="{48A87A34-81AB-432B-8DAE-1953F412C126}" type="datetimeFigureOut">
               <a:rPr lang="en-US" dirty="0"/>
+              <a:pPr/>
               <a:t>29-Oct-17</a:t>
             </a:fld>
             <a:endParaRPr lang="en-US" dirty="0"/>
@@ -9012,6 +8977,7 @@
           <a:p>
             <a:fld id="{6D22F896-40B5-4ADD-8801-0D06FADFA095}" type="slidenum">
               <a:rPr lang="en-US" dirty="0"/>
+              <a:pPr/>
               <a:t>‹#›</a:t>
             </a:fld>
             <a:endParaRPr lang="en-US" dirty="0"/>
@@ -9214,6 +9180,7 @@
           <a:p>
             <a:fld id="{48A87A34-81AB-432B-8DAE-1953F412C126}" type="datetimeFigureOut">
               <a:rPr lang="en-US" dirty="0"/>
+              <a:pPr/>
               <a:t>29-Oct-17</a:t>
             </a:fld>
             <a:endParaRPr lang="en-US" dirty="0"/>
@@ -9256,6 +9223,7 @@
           <a:p>
             <a:fld id="{6D22F896-40B5-4ADD-8801-0D06FADFA095}" type="slidenum">
               <a:rPr lang="en-US" dirty="0"/>
+              <a:pPr/>
               <a:t>‹#›</a:t>
             </a:fld>
             <a:endParaRPr lang="en-US" dirty="0"/>
@@ -9489,6 +9457,7 @@
           <a:p>
             <a:fld id="{48A87A34-81AB-432B-8DAE-1953F412C126}" type="datetimeFigureOut">
               <a:rPr lang="en-US" dirty="0"/>
+              <a:pPr/>
               <a:t>29-Oct-17</a:t>
             </a:fld>
             <a:endParaRPr lang="en-US" dirty="0"/>
@@ -9531,6 +9500,7 @@
           <a:p>
             <a:fld id="{6D22F896-40B5-4ADD-8801-0D06FADFA095}" type="slidenum">
               <a:rPr lang="en-US" dirty="0"/>
+              <a:pPr/>
               <a:t>‹#›</a:t>
             </a:fld>
             <a:endParaRPr lang="en-US" dirty="0"/>
@@ -9587,7 +9557,7 @@
             </a:duotone>
             <a:extLst>
               <a:ext uri="{28A0092B-C50C-407E-A947-70E740481C1C}">
-                <a14:useLocalDpi xmlns:a14="http://schemas.microsoft.com/office/drawing/2010/main" val="0"/>
+                <a14:useLocalDpi xmlns:a14="http://schemas.microsoft.com/office/drawing/2010/main" xmlns="" val="0"/>
               </a:ext>
             </a:extLst>
           </a:blip>
@@ -9607,7 +9577,7 @@
           <a:noFill/>
           <a:extLst>
             <a:ext uri="{909E8E84-426E-40dd-AFC4-6F175D3DCCD1}">
-              <a14:hiddenFill xmlns="" xmlns:a14="http://schemas.microsoft.com/office/drawing/2010/main">
+              <a14:hiddenFill xmlns:a14="http://schemas.microsoft.com/office/drawing/2010/main" xmlns="">
                 <a:solidFill>
                   <a:srgbClr val="FFFFFF"/>
                 </a:solidFill>
@@ -9681,7 +9651,7 @@
               </a:ln>
               <a:extLst>
                 <a:ext uri="{91240B29-F687-4f45-9708-019B960494DF}">
-                  <a14:hiddenLine xmlns="" xmlns:a14="http://schemas.microsoft.com/office/drawing/2010/main" w="9525">
+                  <a14:hiddenLine xmlns:a14="http://schemas.microsoft.com/office/drawing/2010/main" xmlns="" w="9525">
                     <a:solidFill>
                       <a:srgbClr val="000000"/>
                     </a:solidFill>
@@ -9771,7 +9741,7 @@
               </a:ln>
               <a:extLst>
                 <a:ext uri="{91240B29-F687-4f45-9708-019B960494DF}">
-                  <a14:hiddenLine xmlns="" xmlns:a14="http://schemas.microsoft.com/office/drawing/2010/main" w="9525">
+                  <a14:hiddenLine xmlns:a14="http://schemas.microsoft.com/office/drawing/2010/main" xmlns="" w="9525">
                     <a:solidFill>
                       <a:srgbClr val="000000"/>
                     </a:solidFill>
@@ -9861,7 +9831,7 @@
               </a:ln>
               <a:extLst>
                 <a:ext uri="{91240B29-F687-4f45-9708-019B960494DF}">
-                  <a14:hiddenLine xmlns="" xmlns:a14="http://schemas.microsoft.com/office/drawing/2010/main" w="9525">
+                  <a14:hiddenLine xmlns:a14="http://schemas.microsoft.com/office/drawing/2010/main" xmlns="" w="9525">
                     <a:solidFill>
                       <a:srgbClr val="000000"/>
                     </a:solidFill>
@@ -9923,7 +9893,7 @@
               </a:ln>
               <a:extLst>
                 <a:ext uri="{91240B29-F687-4f45-9708-019B960494DF}">
-                  <a14:hiddenLine xmlns="" xmlns:a14="http://schemas.microsoft.com/office/drawing/2010/main" w="9525">
+                  <a14:hiddenLine xmlns:a14="http://schemas.microsoft.com/office/drawing/2010/main" xmlns="" w="9525">
                     <a:solidFill>
                       <a:srgbClr val="000000"/>
                     </a:solidFill>
@@ -10013,7 +9983,7 @@
               </a:ln>
               <a:extLst>
                 <a:ext uri="{91240B29-F687-4f45-9708-019B960494DF}">
-                  <a14:hiddenLine xmlns="" xmlns:a14="http://schemas.microsoft.com/office/drawing/2010/main" w="9525">
+                  <a14:hiddenLine xmlns:a14="http://schemas.microsoft.com/office/drawing/2010/main" xmlns="" w="9525">
                     <a:solidFill>
                       <a:srgbClr val="000000"/>
                     </a:solidFill>
@@ -10075,7 +10045,7 @@
               </a:ln>
               <a:extLst>
                 <a:ext uri="{91240B29-F687-4f45-9708-019B960494DF}">
-                  <a14:hiddenLine xmlns="" xmlns:a14="http://schemas.microsoft.com/office/drawing/2010/main" w="9525">
+                  <a14:hiddenLine xmlns:a14="http://schemas.microsoft.com/office/drawing/2010/main" xmlns="" w="9525">
                     <a:solidFill>
                       <a:srgbClr val="000000"/>
                     </a:solidFill>
@@ -10137,7 +10107,7 @@
               </a:ln>
               <a:extLst>
                 <a:ext uri="{91240B29-F687-4f45-9708-019B960494DF}">
-                  <a14:hiddenLine xmlns="" xmlns:a14="http://schemas.microsoft.com/office/drawing/2010/main" w="9525">
+                  <a14:hiddenLine xmlns:a14="http://schemas.microsoft.com/office/drawing/2010/main" xmlns="" w="9525">
                     <a:solidFill>
                       <a:srgbClr val="000000"/>
                     </a:solidFill>
@@ -10227,7 +10197,7 @@
               </a:ln>
               <a:extLst>
                 <a:ext uri="{91240B29-F687-4f45-9708-019B960494DF}">
-                  <a14:hiddenLine xmlns="" xmlns:a14="http://schemas.microsoft.com/office/drawing/2010/main" w="9525">
+                  <a14:hiddenLine xmlns:a14="http://schemas.microsoft.com/office/drawing/2010/main" xmlns="" w="9525">
                     <a:solidFill>
                       <a:srgbClr val="000000"/>
                     </a:solidFill>
@@ -10317,7 +10287,7 @@
               </a:ln>
               <a:extLst>
                 <a:ext uri="{91240B29-F687-4f45-9708-019B960494DF}">
-                  <a14:hiddenLine xmlns="" xmlns:a14="http://schemas.microsoft.com/office/drawing/2010/main" w="9525">
+                  <a14:hiddenLine xmlns:a14="http://schemas.microsoft.com/office/drawing/2010/main" xmlns="" w="9525">
                     <a:solidFill>
                       <a:srgbClr val="000000"/>
                     </a:solidFill>
@@ -10379,7 +10349,7 @@
               </a:ln>
               <a:extLst>
                 <a:ext uri="{91240B29-F687-4f45-9708-019B960494DF}">
-                  <a14:hiddenLine xmlns="" xmlns:a14="http://schemas.microsoft.com/office/drawing/2010/main" w="9525">
+                  <a14:hiddenLine xmlns:a14="http://schemas.microsoft.com/office/drawing/2010/main" xmlns="" w="9525">
                     <a:solidFill>
                       <a:srgbClr val="000000"/>
                     </a:solidFill>
@@ -10489,7 +10459,7 @@
               </a:ln>
               <a:extLst>
                 <a:ext uri="{91240B29-F687-4f45-9708-019B960494DF}">
-                  <a14:hiddenLine xmlns="" xmlns:a14="http://schemas.microsoft.com/office/drawing/2010/main" w="9525">
+                  <a14:hiddenLine xmlns:a14="http://schemas.microsoft.com/office/drawing/2010/main" xmlns="" w="9525">
                     <a:solidFill>
                       <a:srgbClr val="000000"/>
                     </a:solidFill>
@@ -10573,7 +10543,7 @@
               </a:ln>
               <a:extLst>
                 <a:ext uri="{91240B29-F687-4f45-9708-019B960494DF}">
-                  <a14:hiddenLine xmlns="" xmlns:a14="http://schemas.microsoft.com/office/drawing/2010/main" w="9525">
+                  <a14:hiddenLine xmlns:a14="http://schemas.microsoft.com/office/drawing/2010/main" xmlns="" w="9525">
                     <a:solidFill>
                       <a:srgbClr val="000000"/>
                     </a:solidFill>
@@ -10635,7 +10605,7 @@
               </a:ln>
               <a:extLst>
                 <a:ext uri="{91240B29-F687-4f45-9708-019B960494DF}">
-                  <a14:hiddenLine xmlns="" xmlns:a14="http://schemas.microsoft.com/office/drawing/2010/main" w="9525">
+                  <a14:hiddenLine xmlns:a14="http://schemas.microsoft.com/office/drawing/2010/main" xmlns="" w="9525">
                     <a:solidFill>
                       <a:srgbClr val="000000"/>
                     </a:solidFill>
@@ -10697,7 +10667,7 @@
               </a:ln>
               <a:extLst>
                 <a:ext uri="{91240B29-F687-4f45-9708-019B960494DF}">
-                  <a14:hiddenLine xmlns="" xmlns:a14="http://schemas.microsoft.com/office/drawing/2010/main" w="9525">
+                  <a14:hiddenLine xmlns:a14="http://schemas.microsoft.com/office/drawing/2010/main" xmlns="" w="9525">
                     <a:solidFill>
                       <a:srgbClr val="000000"/>
                     </a:solidFill>
@@ -10787,7 +10757,7 @@
               </a:ln>
               <a:extLst>
                 <a:ext uri="{91240B29-F687-4f45-9708-019B960494DF}">
-                  <a14:hiddenLine xmlns="" xmlns:a14="http://schemas.microsoft.com/office/drawing/2010/main" w="9525">
+                  <a14:hiddenLine xmlns:a14="http://schemas.microsoft.com/office/drawing/2010/main" xmlns="" w="9525">
                     <a:solidFill>
                       <a:srgbClr val="000000"/>
                     </a:solidFill>
@@ -10821,7 +10791,7 @@
               </a:ln>
               <a:extLst>
                 <a:ext uri="{91240B29-F687-4f45-9708-019B960494DF}">
-                  <a14:hiddenLine xmlns="" xmlns:a14="http://schemas.microsoft.com/office/drawing/2010/main" w="9525">
+                  <a14:hiddenLine xmlns:a14="http://schemas.microsoft.com/office/drawing/2010/main" xmlns="" w="9525">
                     <a:solidFill>
                       <a:srgbClr val="000000"/>
                     </a:solidFill>
@@ -10886,7 +10856,7 @@
               </a:ln>
               <a:extLst>
                 <a:ext uri="{91240B29-F687-4f45-9708-019B960494DF}">
-                  <a14:hiddenLine xmlns="" xmlns:a14="http://schemas.microsoft.com/office/drawing/2010/main" w="9525">
+                  <a14:hiddenLine xmlns:a14="http://schemas.microsoft.com/office/drawing/2010/main" xmlns="" w="9525">
                     <a:solidFill>
                       <a:srgbClr val="000000"/>
                     </a:solidFill>
@@ -10976,7 +10946,7 @@
               </a:ln>
               <a:extLst>
                 <a:ext uri="{91240B29-F687-4f45-9708-019B960494DF}">
-                  <a14:hiddenLine xmlns="" xmlns:a14="http://schemas.microsoft.com/office/drawing/2010/main" w="9525">
+                  <a14:hiddenLine xmlns:a14="http://schemas.microsoft.com/office/drawing/2010/main" xmlns="" w="9525">
                     <a:solidFill>
                       <a:srgbClr val="000000"/>
                     </a:solidFill>
@@ -11038,7 +11008,7 @@
               </a:ln>
               <a:extLst>
                 <a:ext uri="{91240B29-F687-4f45-9708-019B960494DF}">
-                  <a14:hiddenLine xmlns="" xmlns:a14="http://schemas.microsoft.com/office/drawing/2010/main" w="9525">
+                  <a14:hiddenLine xmlns:a14="http://schemas.microsoft.com/office/drawing/2010/main" xmlns="" w="9525">
                     <a:solidFill>
                       <a:srgbClr val="000000"/>
                     </a:solidFill>
@@ -11128,7 +11098,7 @@
               </a:ln>
               <a:extLst>
                 <a:ext uri="{91240B29-F687-4f45-9708-019B960494DF}">
-                  <a14:hiddenLine xmlns="" xmlns:a14="http://schemas.microsoft.com/office/drawing/2010/main" w="9525">
+                  <a14:hiddenLine xmlns:a14="http://schemas.microsoft.com/office/drawing/2010/main" xmlns="" w="9525">
                     <a:solidFill>
                       <a:srgbClr val="000000"/>
                     </a:solidFill>
@@ -11193,7 +11163,7 @@
               </a:ln>
               <a:extLst>
                 <a:ext uri="{91240B29-F687-4f45-9708-019B960494DF}">
-                  <a14:hiddenLine xmlns="" xmlns:a14="http://schemas.microsoft.com/office/drawing/2010/main" w="9525">
+                  <a14:hiddenLine xmlns:a14="http://schemas.microsoft.com/office/drawing/2010/main" xmlns="" w="9525">
                     <a:solidFill>
                       <a:srgbClr val="000000"/>
                     </a:solidFill>
@@ -11255,7 +11225,7 @@
               </a:ln>
               <a:extLst>
                 <a:ext uri="{91240B29-F687-4f45-9708-019B960494DF}">
-                  <a14:hiddenLine xmlns="" xmlns:a14="http://schemas.microsoft.com/office/drawing/2010/main" w="9525">
+                  <a14:hiddenLine xmlns:a14="http://schemas.microsoft.com/office/drawing/2010/main" xmlns="" w="9525">
                     <a:solidFill>
                       <a:srgbClr val="000000"/>
                     </a:solidFill>
@@ -11345,7 +11315,7 @@
               </a:ln>
               <a:extLst>
                 <a:ext uri="{91240B29-F687-4f45-9708-019B960494DF}">
-                  <a14:hiddenLine xmlns="" xmlns:a14="http://schemas.microsoft.com/office/drawing/2010/main" w="9525">
+                  <a14:hiddenLine xmlns:a14="http://schemas.microsoft.com/office/drawing/2010/main" xmlns="" w="9525">
                     <a:solidFill>
                       <a:srgbClr val="000000"/>
                     </a:solidFill>
@@ -11435,7 +11405,7 @@
               </a:ln>
               <a:extLst>
                 <a:ext uri="{91240B29-F687-4f45-9708-019B960494DF}">
-                  <a14:hiddenLine xmlns="" xmlns:a14="http://schemas.microsoft.com/office/drawing/2010/main" w="9525">
+                  <a14:hiddenLine xmlns:a14="http://schemas.microsoft.com/office/drawing/2010/main" xmlns="" w="9525">
                     <a:solidFill>
                       <a:srgbClr val="000000"/>
                     </a:solidFill>
@@ -11500,7 +11470,7 @@
               </a:ln>
               <a:extLst>
                 <a:ext uri="{91240B29-F687-4f45-9708-019B960494DF}">
-                  <a14:hiddenLine xmlns="" xmlns:a14="http://schemas.microsoft.com/office/drawing/2010/main" w="9525">
+                  <a14:hiddenLine xmlns:a14="http://schemas.microsoft.com/office/drawing/2010/main" xmlns="" w="9525">
                     <a:solidFill>
                       <a:srgbClr val="000000"/>
                     </a:solidFill>
@@ -11620,7 +11590,7 @@
               </a:ln>
               <a:extLst>
                 <a:ext uri="{91240B29-F687-4f45-9708-019B960494DF}">
-                  <a14:hiddenLine xmlns="" xmlns:a14="http://schemas.microsoft.com/office/drawing/2010/main" w="9525">
+                  <a14:hiddenLine xmlns:a14="http://schemas.microsoft.com/office/drawing/2010/main" xmlns="" w="9525">
                     <a:solidFill>
                       <a:srgbClr val="000000"/>
                     </a:solidFill>
@@ -11701,7 +11671,7 @@
               </a:ln>
               <a:extLst>
                 <a:ext uri="{91240B29-F687-4f45-9708-019B960494DF}">
-                  <a14:hiddenLine xmlns="" xmlns:a14="http://schemas.microsoft.com/office/drawing/2010/main" w="9525">
+                  <a14:hiddenLine xmlns:a14="http://schemas.microsoft.com/office/drawing/2010/main" xmlns="" w="9525">
                     <a:solidFill>
                       <a:srgbClr val="000000"/>
                     </a:solidFill>
@@ -11816,7 +11786,7 @@
               </a:ln>
               <a:extLst>
                 <a:ext uri="{91240B29-F687-4f45-9708-019B960494DF}">
-                  <a14:hiddenLine xmlns="" xmlns:a14="http://schemas.microsoft.com/office/drawing/2010/main" w="9525">
+                  <a14:hiddenLine xmlns:a14="http://schemas.microsoft.com/office/drawing/2010/main" xmlns="" w="9525">
                     <a:solidFill>
                       <a:srgbClr val="000000"/>
                     </a:solidFill>
@@ -11906,7 +11876,7 @@
               </a:ln>
               <a:extLst>
                 <a:ext uri="{91240B29-F687-4f45-9708-019B960494DF}">
-                  <a14:hiddenLine xmlns="" xmlns:a14="http://schemas.microsoft.com/office/drawing/2010/main" w="9525">
+                  <a14:hiddenLine xmlns:a14="http://schemas.microsoft.com/office/drawing/2010/main" xmlns="" w="9525">
                     <a:solidFill>
                       <a:srgbClr val="000000"/>
                     </a:solidFill>
@@ -11971,7 +11941,7 @@
               </a:ln>
               <a:extLst>
                 <a:ext uri="{91240B29-F687-4f45-9708-019B960494DF}">
-                  <a14:hiddenLine xmlns="" xmlns:a14="http://schemas.microsoft.com/office/drawing/2010/main" w="9525">
+                  <a14:hiddenLine xmlns:a14="http://schemas.microsoft.com/office/drawing/2010/main" xmlns="" w="9525">
                     <a:solidFill>
                       <a:srgbClr val="000000"/>
                     </a:solidFill>
@@ -12061,7 +12031,7 @@
               </a:ln>
               <a:extLst>
                 <a:ext uri="{91240B29-F687-4f45-9708-019B960494DF}">
-                  <a14:hiddenLine xmlns="" xmlns:a14="http://schemas.microsoft.com/office/drawing/2010/main" w="9525">
+                  <a14:hiddenLine xmlns:a14="http://schemas.microsoft.com/office/drawing/2010/main" xmlns="" w="9525">
                     <a:solidFill>
                       <a:srgbClr val="000000"/>
                     </a:solidFill>
@@ -12129,7 +12099,7 @@
               </a:ln>
               <a:extLst>
                 <a:ext uri="{91240B29-F687-4f45-9708-019B960494DF}">
-                  <a14:hiddenLine xmlns="" xmlns:a14="http://schemas.microsoft.com/office/drawing/2010/main" w="9525">
+                  <a14:hiddenLine xmlns:a14="http://schemas.microsoft.com/office/drawing/2010/main" xmlns="" w="9525">
                     <a:solidFill>
                       <a:srgbClr val="000000"/>
                     </a:solidFill>
@@ -12219,7 +12189,7 @@
               </a:ln>
               <a:extLst>
                 <a:ext uri="{91240B29-F687-4f45-9708-019B960494DF}">
-                  <a14:hiddenLine xmlns="" xmlns:a14="http://schemas.microsoft.com/office/drawing/2010/main" w="9525">
+                  <a14:hiddenLine xmlns:a14="http://schemas.microsoft.com/office/drawing/2010/main" xmlns="" w="9525">
                     <a:solidFill>
                       <a:srgbClr val="000000"/>
                     </a:solidFill>
@@ -12287,7 +12257,7 @@
               </a:ln>
               <a:extLst>
                 <a:ext uri="{91240B29-F687-4f45-9708-019B960494DF}">
-                  <a14:hiddenLine xmlns="" xmlns:a14="http://schemas.microsoft.com/office/drawing/2010/main" w="9525">
+                  <a14:hiddenLine xmlns:a14="http://schemas.microsoft.com/office/drawing/2010/main" xmlns="" w="9525">
                     <a:solidFill>
                       <a:srgbClr val="000000"/>
                     </a:solidFill>
@@ -12377,7 +12347,7 @@
               </a:ln>
               <a:extLst>
                 <a:ext uri="{91240B29-F687-4f45-9708-019B960494DF}">
-                  <a14:hiddenLine xmlns="" xmlns:a14="http://schemas.microsoft.com/office/drawing/2010/main" w="9525">
+                  <a14:hiddenLine xmlns:a14="http://schemas.microsoft.com/office/drawing/2010/main" xmlns="" w="9525">
                     <a:solidFill>
                       <a:srgbClr val="000000"/>
                     </a:solidFill>
@@ -12411,7 +12381,7 @@
               </a:ln>
               <a:extLst>
                 <a:ext uri="{91240B29-F687-4f45-9708-019B960494DF}">
-                  <a14:hiddenLine xmlns="" xmlns:a14="http://schemas.microsoft.com/office/drawing/2010/main" w="9525">
+                  <a14:hiddenLine xmlns:a14="http://schemas.microsoft.com/office/drawing/2010/main" xmlns="" w="9525">
                     <a:solidFill>
                       <a:srgbClr val="000000"/>
                     </a:solidFill>
@@ -12973,7 +12943,7 @@
           <p:cNvPr id="2" name="Title 1">
             <a:extLst>
               <a:ext uri="{FF2B5EF4-FFF2-40B4-BE49-F238E27FC236}">
-                <a16:creationId xmlns:a16="http://schemas.microsoft.com/office/drawing/2014/main" id="{A4CF777D-5FB4-40A1-8C27-3A5535BF92D3}"/>
+                <a16:creationId xmlns:a16="http://schemas.microsoft.com/office/drawing/2014/main" xmlns="" id="{A4CF777D-5FB4-40A1-8C27-3A5535BF92D3}"/>
               </a:ext>
             </a:extLst>
           </p:cNvPr>
@@ -13009,7 +12979,7 @@
           <p:cNvPr id="3" name="Subtitle 2">
             <a:extLst>
               <a:ext uri="{FF2B5EF4-FFF2-40B4-BE49-F238E27FC236}">
-                <a16:creationId xmlns:a16="http://schemas.microsoft.com/office/drawing/2014/main" id="{CFE7443A-EB5F-45B0-A1CD-72B00B6CF3E8}"/>
+                <a16:creationId xmlns:a16="http://schemas.microsoft.com/office/drawing/2014/main" xmlns="" id="{CFE7443A-EB5F-45B0-A1CD-72B00B6CF3E8}"/>
               </a:ext>
             </a:extLst>
           </p:cNvPr>
@@ -13027,43 +12997,78 @@
           <a:p>
             <a:pPr algn="ctr"/>
             <a:r>
-              <a:rPr lang="en-US" dirty="0" err="1"/>
+              <a:rPr lang="en-US" dirty="0" err="1">
+                <a:solidFill>
+                  <a:srgbClr val="9FB2BB"/>
+                </a:solidFill>
+              </a:rPr>
               <a:t>Orestis</a:t>
             </a:r>
             <a:r>
-              <a:rPr lang="en-US" dirty="0"/>
+              <a:rPr lang="en-US" dirty="0">
+                <a:solidFill>
+                  <a:srgbClr val="9FB2BB"/>
+                </a:solidFill>
+              </a:rPr>
               <a:t> </a:t>
             </a:r>
             <a:r>
-              <a:rPr lang="en-US" dirty="0" err="1"/>
+              <a:rPr lang="en-US" dirty="0" err="1">
+                <a:solidFill>
+                  <a:srgbClr val="9FB2BB"/>
+                </a:solidFill>
+              </a:rPr>
               <a:t>melkonian</a:t>
             </a:r>
-            <a:endParaRPr lang="en-US" dirty="0"/>
+            <a:endParaRPr lang="en-US" dirty="0">
+              <a:solidFill>
+                <a:srgbClr val="9FB2BB"/>
+              </a:solidFill>
+            </a:endParaRPr>
           </a:p>
           <a:p>
             <a:pPr algn="ctr"/>
             <a:r>
-              <a:rPr lang="en-US" dirty="0"/>
+              <a:rPr lang="en-US" dirty="0">
+                <a:solidFill>
+                  <a:srgbClr val="9FB2BB"/>
+                </a:solidFill>
+              </a:rPr>
               <a:t>Chris </a:t>
             </a:r>
             <a:r>
-              <a:rPr lang="en-US" dirty="0" err="1"/>
+              <a:rPr lang="en-US" dirty="0" err="1">
+                <a:solidFill>
+                  <a:srgbClr val="9FB2BB"/>
+                </a:solidFill>
+              </a:rPr>
               <a:t>aronis</a:t>
             </a:r>
-            <a:endParaRPr lang="en-US" dirty="0"/>
+            <a:endParaRPr lang="en-US" dirty="0">
+              <a:solidFill>
+                <a:srgbClr val="9FB2BB"/>
+              </a:solidFill>
+            </a:endParaRPr>
           </a:p>
         </p:txBody>
       </p:sp>
     </p:spTree>
     <p:extLst>
       <p:ext uri="{BB962C8B-B14F-4D97-AF65-F5344CB8AC3E}">
-        <p14:creationId xmlns:p14="http://schemas.microsoft.com/office/powerpoint/2010/main" val="4104872032"/>
+        <p14:creationId xmlns:p14="http://schemas.microsoft.com/office/powerpoint/2010/main" xmlns="" val="4104872032"/>
       </p:ext>
     </p:extLst>
   </p:cSld>
   <p:clrMapOvr>
     <a:masterClrMapping/>
   </p:clrMapOvr>
+  <p:timing>
+    <p:tnLst>
+      <p:par>
+        <p:cTn id="1" dur="indefinite" restart="never" nodeType="tmRoot"/>
+      </p:par>
+    </p:tnLst>
+  </p:timing>
 </p:sld>
 </file>
 
@@ -13089,7 +13094,7 @@
           <p:cNvPr id="2" name="Title 1">
             <a:extLst>
               <a:ext uri="{FF2B5EF4-FFF2-40B4-BE49-F238E27FC236}">
-                <a16:creationId xmlns:a16="http://schemas.microsoft.com/office/drawing/2014/main" id="{A26E9092-AF0E-46E7-AD68-2CA805269367}"/>
+                <a16:creationId xmlns:a16="http://schemas.microsoft.com/office/drawing/2014/main" xmlns="" id="{A26E9092-AF0E-46E7-AD68-2CA805269367}"/>
               </a:ext>
             </a:extLst>
           </p:cNvPr>
@@ -13118,7 +13123,7 @@
           <p:cNvPr id="3" name="Content Placeholder 2">
             <a:extLst>
               <a:ext uri="{FF2B5EF4-FFF2-40B4-BE49-F238E27FC236}">
-                <a16:creationId xmlns:a16="http://schemas.microsoft.com/office/drawing/2014/main" id="{63DAC514-9A67-460C-B34C-46952F8026A0}"/>
+                <a16:creationId xmlns:a16="http://schemas.microsoft.com/office/drawing/2014/main" xmlns="" id="{63DAC514-9A67-460C-B34C-46952F8026A0}"/>
               </a:ext>
             </a:extLst>
           </p:cNvPr>
@@ -13165,8 +13170,8 @@
           </a:p>
         </p:txBody>
       </p:sp>
-      <mc:AlternateContent xmlns:mc="http://schemas.openxmlformats.org/markup-compatibility/2006" xmlns:a14="http://schemas.microsoft.com/office/drawing/2010/main">
-        <mc:Choice Requires="a14">
+      <mc:AlternateContent xmlns:mc="http://schemas.openxmlformats.org/markup-compatibility/2006">
+        <mc:Choice xmlns:a14="http://schemas.microsoft.com/office/drawing/2010/main" xmlns="" Requires="a14">
           <p:graphicFrame>
             <p:nvGraphicFramePr>
               <p:cNvPr id="4" name="Table 3">
@@ -13912,13 +13917,13 @@
             </a:graphic>
           </p:graphicFrame>
         </mc:Choice>
-        <mc:Fallback xmlns="">
+        <mc:Fallback>
           <p:graphicFrame>
             <p:nvGraphicFramePr>
               <p:cNvPr id="4" name="Table 3">
                 <a:extLst>
                   <a:ext uri="{FF2B5EF4-FFF2-40B4-BE49-F238E27FC236}">
-                    <a16:creationId xmlns:a16="http://schemas.microsoft.com/office/drawing/2014/main" id="{B3EE9018-C35F-4443-95EB-DA8E70FDFF4C}"/>
+                    <a16:creationId xmlns:a16="http://schemas.microsoft.com/office/drawing/2014/main" xmlns="" xmlns:a14="http://schemas.microsoft.com/office/drawing/2010/main" id="{B3EE9018-C35F-4443-95EB-DA8E70FDFF4C}"/>
                   </a:ext>
                 </a:extLst>
               </p:cNvPr>
@@ -13928,14 +13933,14 @@
               <p:nvPr>
                 <p:extLst>
                   <p:ext uri="{D42A27DB-BD31-4B8C-83A1-F6EECF244321}">
-                    <p14:modId xmlns:p14="http://schemas.microsoft.com/office/powerpoint/2010/main" val="286792041"/>
+                    <p14:modId xmlns:p14="http://schemas.microsoft.com/office/powerpoint/2010/main" xmlns="" xmlns:a14="http://schemas.microsoft.com/office/drawing/2010/main" val="286792041"/>
                   </p:ext>
                 </p:extLst>
               </p:nvPr>
             </p:nvGraphicFramePr>
             <p:xfrm>
               <a:off x="3355777" y="4388756"/>
-              <a:ext cx="4394200" cy="932180"/>
+              <a:ext cx="4394200" cy="1005840"/>
             </p:xfrm>
             <a:graphic>
               <a:graphicData uri="http://schemas.openxmlformats.org/drawingml/2006/table">
@@ -13947,35 +13952,35 @@
                     <a:gridCol w="946785">
                       <a:extLst>
                         <a:ext uri="{9D8B030D-6E8A-4147-A177-3AD203B41FA5}">
-                          <a16:colId xmlns:a16="http://schemas.microsoft.com/office/drawing/2014/main" val="1429745697"/>
+                          <a16:colId xmlns:a16="http://schemas.microsoft.com/office/drawing/2014/main" xmlns="" xmlns:a14="http://schemas.microsoft.com/office/drawing/2010/main" val="1429745697"/>
                         </a:ext>
                       </a:extLst>
                     </a:gridCol>
                     <a:gridCol w="870585">
                       <a:extLst>
                         <a:ext uri="{9D8B030D-6E8A-4147-A177-3AD203B41FA5}">
-                          <a16:colId xmlns:a16="http://schemas.microsoft.com/office/drawing/2014/main" val="2973177547"/>
+                          <a16:colId xmlns:a16="http://schemas.microsoft.com/office/drawing/2014/main" xmlns="" xmlns:a14="http://schemas.microsoft.com/office/drawing/2010/main" val="2973177547"/>
                         </a:ext>
                       </a:extLst>
                     </a:gridCol>
                     <a:gridCol w="890270">
                       <a:extLst>
                         <a:ext uri="{9D8B030D-6E8A-4147-A177-3AD203B41FA5}">
-                          <a16:colId xmlns:a16="http://schemas.microsoft.com/office/drawing/2014/main" val="2367727906"/>
+                          <a16:colId xmlns:a16="http://schemas.microsoft.com/office/drawing/2014/main" xmlns="" xmlns:a14="http://schemas.microsoft.com/office/drawing/2010/main" val="2367727906"/>
                         </a:ext>
                       </a:extLst>
                     </a:gridCol>
                     <a:gridCol w="843280">
                       <a:extLst>
                         <a:ext uri="{9D8B030D-6E8A-4147-A177-3AD203B41FA5}">
-                          <a16:colId xmlns:a16="http://schemas.microsoft.com/office/drawing/2014/main" val="4012752937"/>
+                          <a16:colId xmlns:a16="http://schemas.microsoft.com/office/drawing/2014/main" xmlns="" xmlns:a14="http://schemas.microsoft.com/office/drawing/2010/main" val="4012752937"/>
                         </a:ext>
                       </a:extLst>
                     </a:gridCol>
                     <a:gridCol w="843280">
                       <a:extLst>
                         <a:ext uri="{9D8B030D-6E8A-4147-A177-3AD203B41FA5}">
-                          <a16:colId xmlns:a16="http://schemas.microsoft.com/office/drawing/2014/main" val="1817478430"/>
+                          <a16:colId xmlns:a16="http://schemas.microsoft.com/office/drawing/2014/main" xmlns="" xmlns:a14="http://schemas.microsoft.com/office/drawing/2010/main" val="1817478430"/>
                         </a:ext>
                       </a:extLst>
                     </a:gridCol>
@@ -14083,7 +14088,7 @@
                     </a:tc>
                     <a:extLst>
                       <a:ext uri="{0D108BD9-81ED-4DB2-BD59-A6C34878D82A}">
-                        <a16:rowId xmlns:a16="http://schemas.microsoft.com/office/drawing/2014/main" val="3083938282"/>
+                        <a16:rowId xmlns:a16="http://schemas.microsoft.com/office/drawing/2014/main" xmlns="" xmlns:a14="http://schemas.microsoft.com/office/drawing/2010/main" val="3083938282"/>
                       </a:ext>
                     </a:extLst>
                   </a:tr>
@@ -14220,7 +14225,7 @@
                     </a:tc>
                     <a:extLst>
                       <a:ext uri="{0D108BD9-81ED-4DB2-BD59-A6C34878D82A}">
-                        <a16:rowId xmlns:a16="http://schemas.microsoft.com/office/drawing/2014/main" val="1167989713"/>
+                        <a16:rowId xmlns:a16="http://schemas.microsoft.com/office/drawing/2014/main" xmlns="" xmlns:a14="http://schemas.microsoft.com/office/drawing/2010/main" val="1167989713"/>
                       </a:ext>
                     </a:extLst>
                   </a:tr>
@@ -14357,7 +14362,7 @@
                     </a:tc>
                     <a:extLst>
                       <a:ext uri="{0D108BD9-81ED-4DB2-BD59-A6C34878D82A}">
-                        <a16:rowId xmlns:a16="http://schemas.microsoft.com/office/drawing/2014/main" val="3329928880"/>
+                        <a16:rowId xmlns:a16="http://schemas.microsoft.com/office/drawing/2014/main" xmlns="" xmlns:a14="http://schemas.microsoft.com/office/drawing/2010/main" val="3329928880"/>
                       </a:ext>
                     </a:extLst>
                   </a:tr>
@@ -14370,13 +14375,20 @@
     </p:spTree>
     <p:extLst>
       <p:ext uri="{BB962C8B-B14F-4D97-AF65-F5344CB8AC3E}">
-        <p14:creationId xmlns:p14="http://schemas.microsoft.com/office/powerpoint/2010/main" val="3204893057"/>
+        <p14:creationId xmlns:p14="http://schemas.microsoft.com/office/powerpoint/2010/main" xmlns="" val="3204893057"/>
       </p:ext>
     </p:extLst>
   </p:cSld>
   <p:clrMapOvr>
     <a:masterClrMapping/>
   </p:clrMapOvr>
+  <p:timing>
+    <p:tnLst>
+      <p:par>
+        <p:cTn id="1" dur="indefinite" restart="never" nodeType="tmRoot"/>
+      </p:par>
+    </p:tnLst>
+  </p:timing>
 </p:sld>
 </file>
 
@@ -14402,7 +14414,7 @@
           <p:cNvPr id="2" name="Title 1">
             <a:extLst>
               <a:ext uri="{FF2B5EF4-FFF2-40B4-BE49-F238E27FC236}">
-                <a16:creationId xmlns:a16="http://schemas.microsoft.com/office/drawing/2014/main" id="{652E0597-1AFC-4822-B63B-DB3E8F42284D}"/>
+                <a16:creationId xmlns:a16="http://schemas.microsoft.com/office/drawing/2014/main" xmlns="" id="{652E0597-1AFC-4822-B63B-DB3E8F42284D}"/>
               </a:ext>
             </a:extLst>
           </p:cNvPr>
@@ -14431,7 +14443,7 @@
           <p:cNvPr id="3" name="Content Placeholder 2">
             <a:extLst>
               <a:ext uri="{FF2B5EF4-FFF2-40B4-BE49-F238E27FC236}">
-                <a16:creationId xmlns:a16="http://schemas.microsoft.com/office/drawing/2014/main" id="{F5C44C29-895E-42B1-9E20-6EED78BF3B6A}"/>
+                <a16:creationId xmlns:a16="http://schemas.microsoft.com/office/drawing/2014/main" xmlns="" id="{F5C44C29-895E-42B1-9E20-6EED78BF3B6A}"/>
               </a:ext>
             </a:extLst>
           </p:cNvPr>
@@ -14463,8 +14475,8 @@
           </a:p>
         </p:txBody>
       </p:sp>
-      <mc:AlternateContent xmlns:mc="http://schemas.openxmlformats.org/markup-compatibility/2006" xmlns:a14="http://schemas.microsoft.com/office/drawing/2010/main">
-        <mc:Choice Requires="a14">
+      <mc:AlternateContent xmlns:mc="http://schemas.openxmlformats.org/markup-compatibility/2006">
+        <mc:Choice xmlns:a14="http://schemas.microsoft.com/office/drawing/2010/main" xmlns="" Requires="a14">
           <p:graphicFrame>
             <p:nvGraphicFramePr>
               <p:cNvPr id="4" name="Table 3">
@@ -17397,13 +17409,13 @@
             </a:graphic>
           </p:graphicFrame>
         </mc:Choice>
-        <mc:Fallback xmlns="">
+        <mc:Fallback>
           <p:graphicFrame>
             <p:nvGraphicFramePr>
               <p:cNvPr id="4" name="Table 3">
                 <a:extLst>
                   <a:ext uri="{FF2B5EF4-FFF2-40B4-BE49-F238E27FC236}">
-                    <a16:creationId xmlns:a16="http://schemas.microsoft.com/office/drawing/2014/main" id="{5647D294-108E-44E6-84F6-67175790BE44}"/>
+                    <a16:creationId xmlns:a16="http://schemas.microsoft.com/office/drawing/2014/main" xmlns="" xmlns:a14="http://schemas.microsoft.com/office/drawing/2010/main" id="{5647D294-108E-44E6-84F6-67175790BE44}"/>
                   </a:ext>
                 </a:extLst>
               </p:cNvPr>
@@ -17413,7 +17425,7 @@
               <p:nvPr>
                 <p:extLst>
                   <p:ext uri="{D42A27DB-BD31-4B8C-83A1-F6EECF244321}">
-                    <p14:modId xmlns:p14="http://schemas.microsoft.com/office/powerpoint/2010/main" val="326660795"/>
+                    <p14:modId xmlns:p14="http://schemas.microsoft.com/office/powerpoint/2010/main" xmlns="" xmlns:a14="http://schemas.microsoft.com/office/drawing/2010/main" val="326660795"/>
                   </p:ext>
                 </p:extLst>
               </p:nvPr>
@@ -17432,42 +17444,42 @@
                     <a:gridCol w="843280">
                       <a:extLst>
                         <a:ext uri="{9D8B030D-6E8A-4147-A177-3AD203B41FA5}">
-                          <a16:colId xmlns:a16="http://schemas.microsoft.com/office/drawing/2014/main" val="1626452832"/>
+                          <a16:colId xmlns:a16="http://schemas.microsoft.com/office/drawing/2014/main" xmlns="" xmlns:a14="http://schemas.microsoft.com/office/drawing/2010/main" val="1626452832"/>
                         </a:ext>
                       </a:extLst>
                     </a:gridCol>
                     <a:gridCol w="843280">
                       <a:extLst>
                         <a:ext uri="{9D8B030D-6E8A-4147-A177-3AD203B41FA5}">
-                          <a16:colId xmlns:a16="http://schemas.microsoft.com/office/drawing/2014/main" val="945178344"/>
+                          <a16:colId xmlns:a16="http://schemas.microsoft.com/office/drawing/2014/main" xmlns="" xmlns:a14="http://schemas.microsoft.com/office/drawing/2010/main" val="945178344"/>
                         </a:ext>
                       </a:extLst>
                     </a:gridCol>
                     <a:gridCol w="843280">
                       <a:extLst>
                         <a:ext uri="{9D8B030D-6E8A-4147-A177-3AD203B41FA5}">
-                          <a16:colId xmlns:a16="http://schemas.microsoft.com/office/drawing/2014/main" val="244101766"/>
+                          <a16:colId xmlns:a16="http://schemas.microsoft.com/office/drawing/2014/main" xmlns="" xmlns:a14="http://schemas.microsoft.com/office/drawing/2010/main" val="244101766"/>
                         </a:ext>
                       </a:extLst>
                     </a:gridCol>
                     <a:gridCol w="843280">
                       <a:extLst>
                         <a:ext uri="{9D8B030D-6E8A-4147-A177-3AD203B41FA5}">
-                          <a16:colId xmlns:a16="http://schemas.microsoft.com/office/drawing/2014/main" val="3489125012"/>
+                          <a16:colId xmlns:a16="http://schemas.microsoft.com/office/drawing/2014/main" xmlns="" xmlns:a14="http://schemas.microsoft.com/office/drawing/2010/main" val="3489125012"/>
                         </a:ext>
                       </a:extLst>
                     </a:gridCol>
                     <a:gridCol w="843280">
                       <a:extLst>
                         <a:ext uri="{9D8B030D-6E8A-4147-A177-3AD203B41FA5}">
-                          <a16:colId xmlns:a16="http://schemas.microsoft.com/office/drawing/2014/main" val="3596116221"/>
+                          <a16:colId xmlns:a16="http://schemas.microsoft.com/office/drawing/2014/main" xmlns="" xmlns:a14="http://schemas.microsoft.com/office/drawing/2010/main" val="3596116221"/>
                         </a:ext>
                       </a:extLst>
                     </a:gridCol>
                     <a:gridCol w="843280">
                       <a:extLst>
                         <a:ext uri="{9D8B030D-6E8A-4147-A177-3AD203B41FA5}">
-                          <a16:colId xmlns:a16="http://schemas.microsoft.com/office/drawing/2014/main" val="747997978"/>
+                          <a16:colId xmlns:a16="http://schemas.microsoft.com/office/drawing/2014/main" xmlns="" xmlns:a14="http://schemas.microsoft.com/office/drawing/2010/main" val="747997978"/>
                         </a:ext>
                       </a:extLst>
                     </a:gridCol>
@@ -17577,7 +17589,7 @@
                     </a:tc>
                     <a:extLst>
                       <a:ext uri="{0D108BD9-81ED-4DB2-BD59-A6C34878D82A}">
-                        <a16:rowId xmlns:a16="http://schemas.microsoft.com/office/drawing/2014/main" val="1504677096"/>
+                        <a16:rowId xmlns:a16="http://schemas.microsoft.com/office/drawing/2014/main" xmlns="" xmlns:a14="http://schemas.microsoft.com/office/drawing/2010/main" val="1504677096"/>
                       </a:ext>
                     </a:extLst>
                   </a:tr>
@@ -17776,7 +17788,7 @@
                     </a:tc>
                     <a:extLst>
                       <a:ext uri="{0D108BD9-81ED-4DB2-BD59-A6C34878D82A}">
-                        <a16:rowId xmlns:a16="http://schemas.microsoft.com/office/drawing/2014/main" val="1389641106"/>
+                        <a16:rowId xmlns:a16="http://schemas.microsoft.com/office/drawing/2014/main" xmlns="" xmlns:a14="http://schemas.microsoft.com/office/drawing/2010/main" val="1389641106"/>
                       </a:ext>
                     </a:extLst>
                   </a:tr>
@@ -17975,7 +17987,7 @@
                     </a:tc>
                     <a:extLst>
                       <a:ext uri="{0D108BD9-81ED-4DB2-BD59-A6C34878D82A}">
-                        <a16:rowId xmlns:a16="http://schemas.microsoft.com/office/drawing/2014/main" val="1565076337"/>
+                        <a16:rowId xmlns:a16="http://schemas.microsoft.com/office/drawing/2014/main" xmlns="" xmlns:a14="http://schemas.microsoft.com/office/drawing/2010/main" val="1565076337"/>
                       </a:ext>
                     </a:extLst>
                   </a:tr>
@@ -18174,7 +18186,7 @@
                     </a:tc>
                     <a:extLst>
                       <a:ext uri="{0D108BD9-81ED-4DB2-BD59-A6C34878D82A}">
-                        <a16:rowId xmlns:a16="http://schemas.microsoft.com/office/drawing/2014/main" val="1774057734"/>
+                        <a16:rowId xmlns:a16="http://schemas.microsoft.com/office/drawing/2014/main" xmlns="" xmlns:a14="http://schemas.microsoft.com/office/drawing/2010/main" val="1774057734"/>
                       </a:ext>
                     </a:extLst>
                   </a:tr>
@@ -18373,7 +18385,7 @@
                     </a:tc>
                     <a:extLst>
                       <a:ext uri="{0D108BD9-81ED-4DB2-BD59-A6C34878D82A}">
-                        <a16:rowId xmlns:a16="http://schemas.microsoft.com/office/drawing/2014/main" val="2237571717"/>
+                        <a16:rowId xmlns:a16="http://schemas.microsoft.com/office/drawing/2014/main" xmlns="" xmlns:a14="http://schemas.microsoft.com/office/drawing/2010/main" val="2237571717"/>
                       </a:ext>
                     </a:extLst>
                   </a:tr>
@@ -18572,7 +18584,7 @@
                     </a:tc>
                     <a:extLst>
                       <a:ext uri="{0D108BD9-81ED-4DB2-BD59-A6C34878D82A}">
-                        <a16:rowId xmlns:a16="http://schemas.microsoft.com/office/drawing/2014/main" val="2145997645"/>
+                        <a16:rowId xmlns:a16="http://schemas.microsoft.com/office/drawing/2014/main" xmlns="" xmlns:a14="http://schemas.microsoft.com/office/drawing/2010/main" val="2145997645"/>
                       </a:ext>
                     </a:extLst>
                   </a:tr>
@@ -18771,7 +18783,7 @@
                     </a:tc>
                     <a:extLst>
                       <a:ext uri="{0D108BD9-81ED-4DB2-BD59-A6C34878D82A}">
-                        <a16:rowId xmlns:a16="http://schemas.microsoft.com/office/drawing/2014/main" val="1134390561"/>
+                        <a16:rowId xmlns:a16="http://schemas.microsoft.com/office/drawing/2014/main" xmlns="" xmlns:a14="http://schemas.microsoft.com/office/drawing/2010/main" val="1134390561"/>
                       </a:ext>
                     </a:extLst>
                   </a:tr>
@@ -18970,7 +18982,7 @@
                     </a:tc>
                     <a:extLst>
                       <a:ext uri="{0D108BD9-81ED-4DB2-BD59-A6C34878D82A}">
-                        <a16:rowId xmlns:a16="http://schemas.microsoft.com/office/drawing/2014/main" val="1736847646"/>
+                        <a16:rowId xmlns:a16="http://schemas.microsoft.com/office/drawing/2014/main" xmlns="" xmlns:a14="http://schemas.microsoft.com/office/drawing/2010/main" val="1736847646"/>
                       </a:ext>
                     </a:extLst>
                   </a:tr>
@@ -19169,7 +19181,7 @@
                     </a:tc>
                     <a:extLst>
                       <a:ext uri="{0D108BD9-81ED-4DB2-BD59-A6C34878D82A}">
-                        <a16:rowId xmlns:a16="http://schemas.microsoft.com/office/drawing/2014/main" val="350963744"/>
+                        <a16:rowId xmlns:a16="http://schemas.microsoft.com/office/drawing/2014/main" xmlns="" xmlns:a14="http://schemas.microsoft.com/office/drawing/2010/main" val="350963744"/>
                       </a:ext>
                     </a:extLst>
                   </a:tr>
@@ -19368,7 +19380,7 @@
                     </a:tc>
                     <a:extLst>
                       <a:ext uri="{0D108BD9-81ED-4DB2-BD59-A6C34878D82A}">
-                        <a16:rowId xmlns:a16="http://schemas.microsoft.com/office/drawing/2014/main" val="256980550"/>
+                        <a16:rowId xmlns:a16="http://schemas.microsoft.com/office/drawing/2014/main" xmlns="" xmlns:a14="http://schemas.microsoft.com/office/drawing/2010/main" val="256980550"/>
                       </a:ext>
                     </a:extLst>
                   </a:tr>
@@ -19567,7 +19579,7 @@
                     </a:tc>
                     <a:extLst>
                       <a:ext uri="{0D108BD9-81ED-4DB2-BD59-A6C34878D82A}">
-                        <a16:rowId xmlns:a16="http://schemas.microsoft.com/office/drawing/2014/main" val="1385826102"/>
+                        <a16:rowId xmlns:a16="http://schemas.microsoft.com/office/drawing/2014/main" xmlns="" xmlns:a14="http://schemas.microsoft.com/office/drawing/2010/main" val="1385826102"/>
                       </a:ext>
                     </a:extLst>
                   </a:tr>
@@ -19766,7 +19778,7 @@
                     </a:tc>
                     <a:extLst>
                       <a:ext uri="{0D108BD9-81ED-4DB2-BD59-A6C34878D82A}">
-                        <a16:rowId xmlns:a16="http://schemas.microsoft.com/office/drawing/2014/main" val="1455366281"/>
+                        <a16:rowId xmlns:a16="http://schemas.microsoft.com/office/drawing/2014/main" xmlns="" xmlns:a14="http://schemas.microsoft.com/office/drawing/2010/main" val="1455366281"/>
                       </a:ext>
                     </a:extLst>
                   </a:tr>
@@ -19965,7 +19977,7 @@
                     </a:tc>
                     <a:extLst>
                       <a:ext uri="{0D108BD9-81ED-4DB2-BD59-A6C34878D82A}">
-                        <a16:rowId xmlns:a16="http://schemas.microsoft.com/office/drawing/2014/main" val="1100008243"/>
+                        <a16:rowId xmlns:a16="http://schemas.microsoft.com/office/drawing/2014/main" xmlns="" xmlns:a14="http://schemas.microsoft.com/office/drawing/2010/main" val="1100008243"/>
                       </a:ext>
                     </a:extLst>
                   </a:tr>
@@ -19978,7 +19990,7 @@
     </p:spTree>
     <p:extLst>
       <p:ext uri="{BB962C8B-B14F-4D97-AF65-F5344CB8AC3E}">
-        <p14:creationId xmlns:p14="http://schemas.microsoft.com/office/powerpoint/2010/main" val="3806483474"/>
+        <p14:creationId xmlns:p14="http://schemas.microsoft.com/office/powerpoint/2010/main" xmlns="" val="3806483474"/>
       </p:ext>
     </p:extLst>
   </p:cSld>
@@ -20010,7 +20022,7 @@
           <p:cNvPr id="2" name="Title 1">
             <a:extLst>
               <a:ext uri="{FF2B5EF4-FFF2-40B4-BE49-F238E27FC236}">
-                <a16:creationId xmlns:a16="http://schemas.microsoft.com/office/drawing/2014/main" id="{652E0597-1AFC-4822-B63B-DB3E8F42284D}"/>
+                <a16:creationId xmlns:a16="http://schemas.microsoft.com/office/drawing/2014/main" xmlns="" id="{652E0597-1AFC-4822-B63B-DB3E8F42284D}"/>
               </a:ext>
             </a:extLst>
           </p:cNvPr>
@@ -20039,7 +20051,7 @@
           <p:cNvPr id="3" name="Content Placeholder 2">
             <a:extLst>
               <a:ext uri="{FF2B5EF4-FFF2-40B4-BE49-F238E27FC236}">
-                <a16:creationId xmlns:a16="http://schemas.microsoft.com/office/drawing/2014/main" id="{F5C44C29-895E-42B1-9E20-6EED78BF3B6A}"/>
+                <a16:creationId xmlns:a16="http://schemas.microsoft.com/office/drawing/2014/main" xmlns="" id="{F5C44C29-895E-42B1-9E20-6EED78BF3B6A}"/>
               </a:ext>
             </a:extLst>
           </p:cNvPr>
@@ -20076,7 +20088,7 @@
           <p:cNvPr id="5" name="Chart 4">
             <a:extLst>
               <a:ext uri="{FF2B5EF4-FFF2-40B4-BE49-F238E27FC236}">
-                <a16:creationId xmlns:a16="http://schemas.microsoft.com/office/drawing/2014/main" id="{23A0596F-D3A4-4C39-8D8A-85F6C85BDDB0}"/>
+                <a16:creationId xmlns:a16="http://schemas.microsoft.com/office/drawing/2014/main" xmlns="" id="{23A0596F-D3A4-4C39-8D8A-85F6C85BDDB0}"/>
               </a:ext>
             </a:extLst>
           </p:cNvPr>
@@ -20084,7 +20096,7 @@
           <p:nvPr>
             <p:extLst>
               <p:ext uri="{D42A27DB-BD31-4B8C-83A1-F6EECF244321}">
-                <p14:modId xmlns:p14="http://schemas.microsoft.com/office/powerpoint/2010/main" val="1346182104"/>
+                <p14:modId xmlns:p14="http://schemas.microsoft.com/office/powerpoint/2010/main" xmlns="" val="1346182104"/>
               </p:ext>
             </p:extLst>
           </p:nvPr>
@@ -20104,7 +20116,7 @@
           <p:cNvPr id="6" name="Chart 5">
             <a:extLst>
               <a:ext uri="{FF2B5EF4-FFF2-40B4-BE49-F238E27FC236}">
-                <a16:creationId xmlns:a16="http://schemas.microsoft.com/office/drawing/2014/main" id="{26110053-B7FF-4D41-B900-661079708382}"/>
+                <a16:creationId xmlns:a16="http://schemas.microsoft.com/office/drawing/2014/main" xmlns="" id="{26110053-B7FF-4D41-B900-661079708382}"/>
               </a:ext>
             </a:extLst>
           </p:cNvPr>
@@ -20112,7 +20124,7 @@
           <p:nvPr>
             <p:extLst>
               <p:ext uri="{D42A27DB-BD31-4B8C-83A1-F6EECF244321}">
-                <p14:modId xmlns:p14="http://schemas.microsoft.com/office/powerpoint/2010/main" val="1192025032"/>
+                <p14:modId xmlns:p14="http://schemas.microsoft.com/office/powerpoint/2010/main" xmlns="" val="1192025032"/>
               </p:ext>
             </p:extLst>
           </p:nvPr>
@@ -20130,7 +20142,7 @@
     </p:spTree>
     <p:extLst>
       <p:ext uri="{BB962C8B-B14F-4D97-AF65-F5344CB8AC3E}">
-        <p14:creationId xmlns:p14="http://schemas.microsoft.com/office/powerpoint/2010/main" val="1634058443"/>
+        <p14:creationId xmlns:p14="http://schemas.microsoft.com/office/powerpoint/2010/main" xmlns="" val="1634058443"/>
       </p:ext>
     </p:extLst>
   </p:cSld>
@@ -20162,7 +20174,7 @@
           <p:cNvPr id="2" name="Title 1">
             <a:extLst>
               <a:ext uri="{FF2B5EF4-FFF2-40B4-BE49-F238E27FC236}">
-                <a16:creationId xmlns:a16="http://schemas.microsoft.com/office/drawing/2014/main" id="{652E0597-1AFC-4822-B63B-DB3E8F42284D}"/>
+                <a16:creationId xmlns:a16="http://schemas.microsoft.com/office/drawing/2014/main" xmlns="" id="{652E0597-1AFC-4822-B63B-DB3E8F42284D}"/>
               </a:ext>
             </a:extLst>
           </p:cNvPr>
@@ -20191,7 +20203,7 @@
           <p:cNvPr id="3" name="Content Placeholder 2">
             <a:extLst>
               <a:ext uri="{FF2B5EF4-FFF2-40B4-BE49-F238E27FC236}">
-                <a16:creationId xmlns:a16="http://schemas.microsoft.com/office/drawing/2014/main" id="{F5C44C29-895E-42B1-9E20-6EED78BF3B6A}"/>
+                <a16:creationId xmlns:a16="http://schemas.microsoft.com/office/drawing/2014/main" xmlns="" id="{F5C44C29-895E-42B1-9E20-6EED78BF3B6A}"/>
               </a:ext>
             </a:extLst>
           </p:cNvPr>
@@ -20262,8 +20274,8 @@
           </a:p>
         </p:txBody>
       </p:sp>
-      <mc:AlternateContent xmlns:mc="http://schemas.openxmlformats.org/markup-compatibility/2006" xmlns:a14="http://schemas.microsoft.com/office/drawing/2010/main">
-        <mc:Choice Requires="a14">
+      <mc:AlternateContent xmlns:mc="http://schemas.openxmlformats.org/markup-compatibility/2006">
+        <mc:Choice xmlns:a14="http://schemas.microsoft.com/office/drawing/2010/main" xmlns="" Requires="a14">
           <p:graphicFrame>
             <p:nvGraphicFramePr>
               <p:cNvPr id="4" name="Table 3">
@@ -23202,13 +23214,13 @@
             </a:graphic>
           </p:graphicFrame>
         </mc:Choice>
-        <mc:Fallback xmlns="">
+        <mc:Fallback>
           <p:graphicFrame>
             <p:nvGraphicFramePr>
               <p:cNvPr id="4" name="Table 3">
                 <a:extLst>
                   <a:ext uri="{FF2B5EF4-FFF2-40B4-BE49-F238E27FC236}">
-                    <a16:creationId xmlns:a16="http://schemas.microsoft.com/office/drawing/2014/main" id="{65A88356-48DB-4B67-93FF-121CE55C7F68}"/>
+                    <a16:creationId xmlns:a16="http://schemas.microsoft.com/office/drawing/2014/main" xmlns="" xmlns:a14="http://schemas.microsoft.com/office/drawing/2010/main" id="{65A88356-48DB-4B67-93FF-121CE55C7F68}"/>
                   </a:ext>
                 </a:extLst>
               </p:cNvPr>
@@ -23218,7 +23230,7 @@
               <p:nvPr>
                 <p:extLst>
                   <p:ext uri="{D42A27DB-BD31-4B8C-83A1-F6EECF244321}">
-                    <p14:modId xmlns:p14="http://schemas.microsoft.com/office/powerpoint/2010/main" val="367579326"/>
+                    <p14:modId xmlns:p14="http://schemas.microsoft.com/office/powerpoint/2010/main" xmlns="" xmlns:a14="http://schemas.microsoft.com/office/drawing/2010/main" val="367579326"/>
                   </p:ext>
                 </p:extLst>
               </p:nvPr>
@@ -23237,42 +23249,42 @@
                     <a:gridCol w="1005840">
                       <a:extLst>
                         <a:ext uri="{9D8B030D-6E8A-4147-A177-3AD203B41FA5}">
-                          <a16:colId xmlns:a16="http://schemas.microsoft.com/office/drawing/2014/main" val="882433635"/>
+                          <a16:colId xmlns:a16="http://schemas.microsoft.com/office/drawing/2014/main" xmlns="" xmlns:a14="http://schemas.microsoft.com/office/drawing/2010/main" val="882433635"/>
                         </a:ext>
                       </a:extLst>
                     </a:gridCol>
                     <a:gridCol w="1005840">
                       <a:extLst>
                         <a:ext uri="{9D8B030D-6E8A-4147-A177-3AD203B41FA5}">
-                          <a16:colId xmlns:a16="http://schemas.microsoft.com/office/drawing/2014/main" val="2731264962"/>
+                          <a16:colId xmlns:a16="http://schemas.microsoft.com/office/drawing/2014/main" xmlns="" xmlns:a14="http://schemas.microsoft.com/office/drawing/2010/main" val="2731264962"/>
                         </a:ext>
                       </a:extLst>
                     </a:gridCol>
                     <a:gridCol w="1005840">
                       <a:extLst>
                         <a:ext uri="{9D8B030D-6E8A-4147-A177-3AD203B41FA5}">
-                          <a16:colId xmlns:a16="http://schemas.microsoft.com/office/drawing/2014/main" val="1926267967"/>
+                          <a16:colId xmlns:a16="http://schemas.microsoft.com/office/drawing/2014/main" xmlns="" xmlns:a14="http://schemas.microsoft.com/office/drawing/2010/main" val="1926267967"/>
                         </a:ext>
                       </a:extLst>
                     </a:gridCol>
                     <a:gridCol w="1005840">
                       <a:extLst>
                         <a:ext uri="{9D8B030D-6E8A-4147-A177-3AD203B41FA5}">
-                          <a16:colId xmlns:a16="http://schemas.microsoft.com/office/drawing/2014/main" val="42499281"/>
+                          <a16:colId xmlns:a16="http://schemas.microsoft.com/office/drawing/2014/main" xmlns="" xmlns:a14="http://schemas.microsoft.com/office/drawing/2010/main" val="42499281"/>
                         </a:ext>
                       </a:extLst>
                     </a:gridCol>
                     <a:gridCol w="1005840">
                       <a:extLst>
                         <a:ext uri="{9D8B030D-6E8A-4147-A177-3AD203B41FA5}">
-                          <a16:colId xmlns:a16="http://schemas.microsoft.com/office/drawing/2014/main" val="1862949217"/>
+                          <a16:colId xmlns:a16="http://schemas.microsoft.com/office/drawing/2014/main" xmlns="" xmlns:a14="http://schemas.microsoft.com/office/drawing/2010/main" val="1862949217"/>
                         </a:ext>
                       </a:extLst>
                     </a:gridCol>
                     <a:gridCol w="1005840">
                       <a:extLst>
                         <a:ext uri="{9D8B030D-6E8A-4147-A177-3AD203B41FA5}">
-                          <a16:colId xmlns:a16="http://schemas.microsoft.com/office/drawing/2014/main" val="2292132137"/>
+                          <a16:colId xmlns:a16="http://schemas.microsoft.com/office/drawing/2014/main" xmlns="" xmlns:a14="http://schemas.microsoft.com/office/drawing/2010/main" val="2292132137"/>
                         </a:ext>
                       </a:extLst>
                     </a:gridCol>
@@ -23382,7 +23394,7 @@
                     </a:tc>
                     <a:extLst>
                       <a:ext uri="{0D108BD9-81ED-4DB2-BD59-A6C34878D82A}">
-                        <a16:rowId xmlns:a16="http://schemas.microsoft.com/office/drawing/2014/main" val="1693667725"/>
+                        <a16:rowId xmlns:a16="http://schemas.microsoft.com/office/drawing/2014/main" xmlns="" xmlns:a14="http://schemas.microsoft.com/office/drawing/2010/main" val="1693667725"/>
                       </a:ext>
                     </a:extLst>
                   </a:tr>
@@ -23581,7 +23593,7 @@
                     </a:tc>
                     <a:extLst>
                       <a:ext uri="{0D108BD9-81ED-4DB2-BD59-A6C34878D82A}">
-                        <a16:rowId xmlns:a16="http://schemas.microsoft.com/office/drawing/2014/main" val="233269875"/>
+                        <a16:rowId xmlns:a16="http://schemas.microsoft.com/office/drawing/2014/main" xmlns="" xmlns:a14="http://schemas.microsoft.com/office/drawing/2010/main" val="233269875"/>
                       </a:ext>
                     </a:extLst>
                   </a:tr>
@@ -23780,7 +23792,7 @@
                     </a:tc>
                     <a:extLst>
                       <a:ext uri="{0D108BD9-81ED-4DB2-BD59-A6C34878D82A}">
-                        <a16:rowId xmlns:a16="http://schemas.microsoft.com/office/drawing/2014/main" val="2833209727"/>
+                        <a16:rowId xmlns:a16="http://schemas.microsoft.com/office/drawing/2014/main" xmlns="" xmlns:a14="http://schemas.microsoft.com/office/drawing/2010/main" val="2833209727"/>
                       </a:ext>
                     </a:extLst>
                   </a:tr>
@@ -23979,7 +23991,7 @@
                     </a:tc>
                     <a:extLst>
                       <a:ext uri="{0D108BD9-81ED-4DB2-BD59-A6C34878D82A}">
-                        <a16:rowId xmlns:a16="http://schemas.microsoft.com/office/drawing/2014/main" val="3066756606"/>
+                        <a16:rowId xmlns:a16="http://schemas.microsoft.com/office/drawing/2014/main" xmlns="" xmlns:a14="http://schemas.microsoft.com/office/drawing/2010/main" val="3066756606"/>
                       </a:ext>
                     </a:extLst>
                   </a:tr>
@@ -24178,7 +24190,7 @@
                     </a:tc>
                     <a:extLst>
                       <a:ext uri="{0D108BD9-81ED-4DB2-BD59-A6C34878D82A}">
-                        <a16:rowId xmlns:a16="http://schemas.microsoft.com/office/drawing/2014/main" val="3339928758"/>
+                        <a16:rowId xmlns:a16="http://schemas.microsoft.com/office/drawing/2014/main" xmlns="" xmlns:a14="http://schemas.microsoft.com/office/drawing/2010/main" val="3339928758"/>
                       </a:ext>
                     </a:extLst>
                   </a:tr>
@@ -24377,7 +24389,7 @@
                     </a:tc>
                     <a:extLst>
                       <a:ext uri="{0D108BD9-81ED-4DB2-BD59-A6C34878D82A}">
-                        <a16:rowId xmlns:a16="http://schemas.microsoft.com/office/drawing/2014/main" val="4007278315"/>
+                        <a16:rowId xmlns:a16="http://schemas.microsoft.com/office/drawing/2014/main" xmlns="" xmlns:a14="http://schemas.microsoft.com/office/drawing/2010/main" val="4007278315"/>
                       </a:ext>
                     </a:extLst>
                   </a:tr>
@@ -24576,7 +24588,7 @@
                     </a:tc>
                     <a:extLst>
                       <a:ext uri="{0D108BD9-81ED-4DB2-BD59-A6C34878D82A}">
-                        <a16:rowId xmlns:a16="http://schemas.microsoft.com/office/drawing/2014/main" val="214215250"/>
+                        <a16:rowId xmlns:a16="http://schemas.microsoft.com/office/drawing/2014/main" xmlns="" xmlns:a14="http://schemas.microsoft.com/office/drawing/2010/main" val="214215250"/>
                       </a:ext>
                     </a:extLst>
                   </a:tr>
@@ -24775,7 +24787,7 @@
                     </a:tc>
                     <a:extLst>
                       <a:ext uri="{0D108BD9-81ED-4DB2-BD59-A6C34878D82A}">
-                        <a16:rowId xmlns:a16="http://schemas.microsoft.com/office/drawing/2014/main" val="1279045003"/>
+                        <a16:rowId xmlns:a16="http://schemas.microsoft.com/office/drawing/2014/main" xmlns="" xmlns:a14="http://schemas.microsoft.com/office/drawing/2010/main" val="1279045003"/>
                       </a:ext>
                     </a:extLst>
                   </a:tr>
@@ -24974,7 +24986,7 @@
                     </a:tc>
                     <a:extLst>
                       <a:ext uri="{0D108BD9-81ED-4DB2-BD59-A6C34878D82A}">
-                        <a16:rowId xmlns:a16="http://schemas.microsoft.com/office/drawing/2014/main" val="2187231372"/>
+                        <a16:rowId xmlns:a16="http://schemas.microsoft.com/office/drawing/2014/main" xmlns="" xmlns:a14="http://schemas.microsoft.com/office/drawing/2010/main" val="2187231372"/>
                       </a:ext>
                     </a:extLst>
                   </a:tr>
@@ -25173,7 +25185,7 @@
                     </a:tc>
                     <a:extLst>
                       <a:ext uri="{0D108BD9-81ED-4DB2-BD59-A6C34878D82A}">
-                        <a16:rowId xmlns:a16="http://schemas.microsoft.com/office/drawing/2014/main" val="298031601"/>
+                        <a16:rowId xmlns:a16="http://schemas.microsoft.com/office/drawing/2014/main" xmlns="" xmlns:a14="http://schemas.microsoft.com/office/drawing/2010/main" val="298031601"/>
                       </a:ext>
                     </a:extLst>
                   </a:tr>
@@ -25372,7 +25384,7 @@
                     </a:tc>
                     <a:extLst>
                       <a:ext uri="{0D108BD9-81ED-4DB2-BD59-A6C34878D82A}">
-                        <a16:rowId xmlns:a16="http://schemas.microsoft.com/office/drawing/2014/main" val="1411386970"/>
+                        <a16:rowId xmlns:a16="http://schemas.microsoft.com/office/drawing/2014/main" xmlns="" xmlns:a14="http://schemas.microsoft.com/office/drawing/2010/main" val="1411386970"/>
                       </a:ext>
                     </a:extLst>
                   </a:tr>
@@ -25571,7 +25583,7 @@
                     </a:tc>
                     <a:extLst>
                       <a:ext uri="{0D108BD9-81ED-4DB2-BD59-A6C34878D82A}">
-                        <a16:rowId xmlns:a16="http://schemas.microsoft.com/office/drawing/2014/main" val="1167586342"/>
+                        <a16:rowId xmlns:a16="http://schemas.microsoft.com/office/drawing/2014/main" xmlns="" xmlns:a14="http://schemas.microsoft.com/office/drawing/2010/main" val="1167586342"/>
                       </a:ext>
                     </a:extLst>
                   </a:tr>
@@ -25770,7 +25782,7 @@
                     </a:tc>
                     <a:extLst>
                       <a:ext uri="{0D108BD9-81ED-4DB2-BD59-A6C34878D82A}">
-                        <a16:rowId xmlns:a16="http://schemas.microsoft.com/office/drawing/2014/main" val="3378495617"/>
+                        <a16:rowId xmlns:a16="http://schemas.microsoft.com/office/drawing/2014/main" xmlns="" xmlns:a14="http://schemas.microsoft.com/office/drawing/2010/main" val="3378495617"/>
                       </a:ext>
                     </a:extLst>
                   </a:tr>
@@ -25783,7 +25795,7 @@
     </p:spTree>
     <p:extLst>
       <p:ext uri="{BB962C8B-B14F-4D97-AF65-F5344CB8AC3E}">
-        <p14:creationId xmlns:p14="http://schemas.microsoft.com/office/powerpoint/2010/main" val="3715348033"/>
+        <p14:creationId xmlns:p14="http://schemas.microsoft.com/office/powerpoint/2010/main" xmlns="" val="3715348033"/>
       </p:ext>
     </p:extLst>
   </p:cSld>
@@ -25815,7 +25827,7 @@
           <p:cNvPr id="2" name="Title 1">
             <a:extLst>
               <a:ext uri="{FF2B5EF4-FFF2-40B4-BE49-F238E27FC236}">
-                <a16:creationId xmlns:a16="http://schemas.microsoft.com/office/drawing/2014/main" id="{652E0597-1AFC-4822-B63B-DB3E8F42284D}"/>
+                <a16:creationId xmlns:a16="http://schemas.microsoft.com/office/drawing/2014/main" xmlns="" id="{652E0597-1AFC-4822-B63B-DB3E8F42284D}"/>
               </a:ext>
             </a:extLst>
           </p:cNvPr>
@@ -25844,7 +25856,7 @@
           <p:cNvPr id="3" name="Content Placeholder 2">
             <a:extLst>
               <a:ext uri="{FF2B5EF4-FFF2-40B4-BE49-F238E27FC236}">
-                <a16:creationId xmlns:a16="http://schemas.microsoft.com/office/drawing/2014/main" id="{F5C44C29-895E-42B1-9E20-6EED78BF3B6A}"/>
+                <a16:creationId xmlns:a16="http://schemas.microsoft.com/office/drawing/2014/main" xmlns="" id="{F5C44C29-895E-42B1-9E20-6EED78BF3B6A}"/>
               </a:ext>
             </a:extLst>
           </p:cNvPr>
@@ -25919,3758 +25931,2045 @@
           </a:p>
         </p:txBody>
       </p:sp>
-      <mc:AlternateContent xmlns:mc="http://schemas.openxmlformats.org/markup-compatibility/2006" xmlns:a14="http://schemas.microsoft.com/office/drawing/2010/main">
-        <mc:Choice Requires="a14">
-          <p:graphicFrame>
-            <p:nvGraphicFramePr>
-              <p:cNvPr id="5" name="Table 4">
+      <p:graphicFrame>
+        <p:nvGraphicFramePr>
+          <p:cNvPr id="5" name="Table 4">
+            <a:extLst>
+              <a:ext uri="{FF2B5EF4-FFF2-40B4-BE49-F238E27FC236}">
+                <a16:creationId xmlns:a16="http://schemas.microsoft.com/office/drawing/2014/main" xmlns="" xmlns:a14="http://schemas.microsoft.com/office/drawing/2010/main" xmlns:mc="http://schemas.openxmlformats.org/markup-compatibility/2006" id="{4BD9315E-0CFC-4586-B200-D4CF2DE66206}"/>
+              </a:ext>
+            </a:extLst>
+          </p:cNvPr>
+          <p:cNvGraphicFramePr>
+            <a:graphicFrameLocks noGrp="1"/>
+          </p:cNvGraphicFramePr>
+          <p:nvPr>
+            <p:extLst>
+              <p:ext uri="{D42A27DB-BD31-4B8C-83A1-F6EECF244321}">
+                <p14:modId xmlns:p14="http://schemas.microsoft.com/office/powerpoint/2010/main" xmlns="" xmlns:a14="http://schemas.microsoft.com/office/drawing/2010/main" xmlns:mc="http://schemas.openxmlformats.org/markup-compatibility/2006" val="4164754152"/>
+              </p:ext>
+            </p:extLst>
+          </p:nvPr>
+        </p:nvGraphicFramePr>
+        <p:xfrm>
+          <a:off x="5378131" y="2366804"/>
+          <a:ext cx="5669280" cy="3307080"/>
+        </p:xfrm>
+        <a:graphic>
+          <a:graphicData uri="http://schemas.openxmlformats.org/drawingml/2006/table">
+            <a:tbl>
+              <a:tblPr firstRow="1" firstCol="1" bandRow="1">
+                <a:tableStyleId>{5C22544A-7EE6-4342-B048-85BDC9FD1C3A}</a:tableStyleId>
+              </a:tblPr>
+              <a:tblGrid>
+                <a:gridCol w="1005840">
+                  <a:extLst>
+                    <a:ext uri="{9D8B030D-6E8A-4147-A177-3AD203B41FA5}">
+                      <a16:colId xmlns:a16="http://schemas.microsoft.com/office/drawing/2014/main" xmlns="" xmlns:a14="http://schemas.microsoft.com/office/drawing/2010/main" xmlns:mc="http://schemas.openxmlformats.org/markup-compatibility/2006" val="3082723931"/>
+                    </a:ext>
+                  </a:extLst>
+                </a:gridCol>
+                <a:gridCol w="1005840">
+                  <a:extLst>
+                    <a:ext uri="{9D8B030D-6E8A-4147-A177-3AD203B41FA5}">
+                      <a16:colId xmlns:a16="http://schemas.microsoft.com/office/drawing/2014/main" xmlns="" xmlns:a14="http://schemas.microsoft.com/office/drawing/2010/main" xmlns:mc="http://schemas.openxmlformats.org/markup-compatibility/2006" val="26572659"/>
+                    </a:ext>
+                  </a:extLst>
+                </a:gridCol>
+                <a:gridCol w="1828800">
+                  <a:extLst>
+                    <a:ext uri="{9D8B030D-6E8A-4147-A177-3AD203B41FA5}">
+                      <a16:colId xmlns:a16="http://schemas.microsoft.com/office/drawing/2014/main" xmlns="" xmlns:a14="http://schemas.microsoft.com/office/drawing/2010/main" xmlns:mc="http://schemas.openxmlformats.org/markup-compatibility/2006" val="1067976798"/>
+                    </a:ext>
+                  </a:extLst>
+                </a:gridCol>
+                <a:gridCol w="1828800">
+                  <a:extLst>
+                    <a:ext uri="{9D8B030D-6E8A-4147-A177-3AD203B41FA5}">
+                      <a16:colId xmlns:a16="http://schemas.microsoft.com/office/drawing/2014/main" xmlns="" xmlns:a14="http://schemas.microsoft.com/office/drawing/2010/main" xmlns:mc="http://schemas.openxmlformats.org/markup-compatibility/2006" val="1866872039"/>
+                    </a:ext>
+                  </a:extLst>
+                </a:gridCol>
+              </a:tblGrid>
+              <a:tr h="457200">
+                <a:tc>
+                  <a:txBody>
+                    <a:bodyPr/>
+                    <a:lstStyle/>
+                    <a:p>
+                      <a:endParaRPr lang="en-US" dirty="0"/>
+                    </a:p>
+                  </a:txBody>
+                  <a:tcPr marL="68580" marR="68580" marT="0" marB="0" anchor="ctr">
+                    <a:blipFill>
+                      <a:blip r:embed="rId2"/>
+                      <a:stretch>
+                        <a:fillRect l="-606" t="-1333" r="-466667" b="-636000"/>
+                      </a:stretch>
+                    </a:blipFill>
+                  </a:tcPr>
+                </a:tc>
+                <a:tc>
+                  <a:txBody>
+                    <a:bodyPr/>
+                    <a:lstStyle/>
+                    <a:p>
+                      <a:endParaRPr lang="en-US"/>
+                    </a:p>
+                  </a:txBody>
+                  <a:tcPr marL="68580" marR="68580" marT="0" marB="0" anchor="ctr">
+                    <a:blipFill>
+                      <a:blip r:embed="rId2"/>
+                      <a:stretch>
+                        <a:fillRect l="-100606" t="-1333" r="-366667" b="-636000"/>
+                      </a:stretch>
+                    </a:blipFill>
+                  </a:tcPr>
+                </a:tc>
+                <a:tc>
+                  <a:txBody>
+                    <a:bodyPr/>
+                    <a:lstStyle/>
+                    <a:p>
+                      <a:endParaRPr lang="en-US" dirty="0"/>
+                    </a:p>
+                  </a:txBody>
+                  <a:tcPr marL="68580" marR="68580" marT="0" marB="0" anchor="ctr">
+                    <a:blipFill>
+                      <a:blip r:embed="rId2"/>
+                      <a:stretch>
+                        <a:fillRect l="-109967" t="-1333" r="-100997" b="-636000"/>
+                      </a:stretch>
+                    </a:blipFill>
+                  </a:tcPr>
+                </a:tc>
+                <a:tc>
+                  <a:txBody>
+                    <a:bodyPr/>
+                    <a:lstStyle/>
+                    <a:p>
+                      <a:endParaRPr lang="en-US" dirty="0"/>
+                    </a:p>
+                  </a:txBody>
+                  <a:tcPr marL="68580" marR="68580" marT="0" marB="0" anchor="ctr">
+                    <a:blipFill>
+                      <a:blip r:embed="rId2"/>
+                      <a:stretch>
+                        <a:fillRect l="-210667" t="-1333" r="-1333" b="-636000"/>
+                      </a:stretch>
+                    </a:blipFill>
+                  </a:tcPr>
+                </a:tc>
                 <a:extLst>
-                  <a:ext uri="{FF2B5EF4-FFF2-40B4-BE49-F238E27FC236}">
-                    <a16:creationId xmlns:a16="http://schemas.microsoft.com/office/drawing/2014/main" id="{4BD9315E-0CFC-4586-B200-D4CF2DE66206}"/>
+                  <a:ext uri="{0D108BD9-81ED-4DB2-BD59-A6C34878D82A}">
+                    <a16:rowId xmlns:a16="http://schemas.microsoft.com/office/drawing/2014/main" xmlns="" xmlns:a14="http://schemas.microsoft.com/office/drawing/2010/main" xmlns:mc="http://schemas.openxmlformats.org/markup-compatibility/2006" val="947064816"/>
                   </a:ext>
                 </a:extLst>
-              </p:cNvPr>
-              <p:cNvGraphicFramePr>
-                <a:graphicFrameLocks noGrp="1"/>
-              </p:cNvGraphicFramePr>
-              <p:nvPr>
-                <p:extLst>
-                  <p:ext uri="{D42A27DB-BD31-4B8C-83A1-F6EECF244321}">
-                    <p14:modId xmlns:p14="http://schemas.microsoft.com/office/powerpoint/2010/main" val="4164754152"/>
-                  </p:ext>
-                </p:extLst>
-              </p:nvPr>
-            </p:nvGraphicFramePr>
-            <p:xfrm>
-              <a:off x="5378131" y="2366804"/>
-              <a:ext cx="5669280" cy="3307080"/>
-            </p:xfrm>
-            <a:graphic>
-              <a:graphicData uri="http://schemas.openxmlformats.org/drawingml/2006/table">
-                <a:tbl>
-                  <a:tblPr firstRow="1" firstCol="1" bandRow="1">
-                    <a:tableStyleId>{5C22544A-7EE6-4342-B048-85BDC9FD1C3A}</a:tableStyleId>
-                  </a:tblPr>
-                  <a:tblGrid>
-                    <a:gridCol w="1005840">
-                      <a:extLst>
-                        <a:ext uri="{9D8B030D-6E8A-4147-A177-3AD203B41FA5}">
-                          <a16:colId xmlns:a16="http://schemas.microsoft.com/office/drawing/2014/main" val="3082723931"/>
-                        </a:ext>
-                      </a:extLst>
-                    </a:gridCol>
-                    <a:gridCol w="1005840">
-                      <a:extLst>
-                        <a:ext uri="{9D8B030D-6E8A-4147-A177-3AD203B41FA5}">
-                          <a16:colId xmlns:a16="http://schemas.microsoft.com/office/drawing/2014/main" val="26572659"/>
-                        </a:ext>
-                      </a:extLst>
-                    </a:gridCol>
-                    <a:gridCol w="1828800">
-                      <a:extLst>
-                        <a:ext uri="{9D8B030D-6E8A-4147-A177-3AD203B41FA5}">
-                          <a16:colId xmlns:a16="http://schemas.microsoft.com/office/drawing/2014/main" val="1067976798"/>
-                        </a:ext>
-                      </a:extLst>
-                    </a:gridCol>
-                    <a:gridCol w="1828800">
-                      <a:extLst>
-                        <a:ext uri="{9D8B030D-6E8A-4147-A177-3AD203B41FA5}">
-                          <a16:colId xmlns:a16="http://schemas.microsoft.com/office/drawing/2014/main" val="1866872039"/>
-                        </a:ext>
-                      </a:extLst>
-                    </a:gridCol>
-                  </a:tblGrid>
-                  <a:tr h="457200">
-                    <a:tc>
-                      <a:txBody>
-                        <a:bodyPr/>
-                        <a:lstStyle/>
-                        <a:p>
-                          <a:pPr marL="0" marR="0" algn="ctr">
-                            <a:lnSpc>
-                              <a:spcPct val="107000"/>
-                            </a:lnSpc>
-                            <a:spcBef>
-                              <a:spcPts val="0"/>
-                            </a:spcBef>
-                            <a:spcAft>
-                              <a:spcPts val="0"/>
-                            </a:spcAft>
-                          </a:pPr>
-                          <a14:m>
-                            <m:oMathPara xmlns:m="http://schemas.openxmlformats.org/officeDocument/2006/math">
-                              <m:oMathParaPr>
-                                <m:jc m:val="centerGroup"/>
-                              </m:oMathParaPr>
-                              <m:oMath xmlns:m="http://schemas.openxmlformats.org/officeDocument/2006/math">
-                                <m:sSub>
-                                  <m:sSubPr>
-                                    <m:ctrlPr>
-                                      <a:rPr lang="en-US" sz="1100" i="1">
-                                        <a:effectLst/>
-                                        <a:latin typeface="Cambria Math" panose="02040503050406030204" pitchFamily="18" charset="0"/>
-                                      </a:rPr>
-                                    </m:ctrlPr>
-                                  </m:sSubPr>
-                                  <m:e>
-                                    <m:r>
-                                      <a:rPr lang="en-US" sz="1100">
-                                        <a:effectLst/>
-                                        <a:latin typeface="Cambria Math" panose="02040503050406030204" pitchFamily="18" charset="0"/>
-                                      </a:rPr>
-                                      <m:t>𝒒</m:t>
-                                    </m:r>
-                                  </m:e>
-                                  <m:sub>
-                                    <m:r>
-                                      <a:rPr lang="en-US" sz="1100">
-                                        <a:effectLst/>
-                                        <a:latin typeface="Cambria Math" panose="02040503050406030204" pitchFamily="18" charset="0"/>
-                                      </a:rPr>
-                                      <m:t>𝒃𝒂𝒔𝒆</m:t>
-                                    </m:r>
-                                  </m:sub>
-                                </m:sSub>
-                              </m:oMath>
-                            </m:oMathPara>
-                          </a14:m>
-                          <a:endParaRPr lang="en-US" sz="1100">
-                            <a:effectLst/>
-                            <a:latin typeface="Calibri" panose="020F0502020204030204" pitchFamily="34" charset="0"/>
-                            <a:ea typeface="Calibri" panose="020F0502020204030204" pitchFamily="34" charset="0"/>
-                            <a:cs typeface="Times New Roman" panose="02020603050405020304" pitchFamily="18" charset="0"/>
-                          </a:endParaRPr>
-                        </a:p>
-                      </a:txBody>
-                      <a:tcPr marL="68580" marR="68580" marT="0" marB="0" anchor="ctr"/>
-                    </a:tc>
-                    <a:tc>
-                      <a:txBody>
-                        <a:bodyPr/>
-                        <a:lstStyle/>
-                        <a:p>
-                          <a:pPr marL="0" marR="0" algn="ctr">
-                            <a:lnSpc>
-                              <a:spcPct val="107000"/>
-                            </a:lnSpc>
-                            <a:spcBef>
-                              <a:spcPts val="0"/>
-                            </a:spcBef>
-                            <a:spcAft>
-                              <a:spcPts val="0"/>
-                            </a:spcAft>
-                          </a:pPr>
-                          <a14:m>
-                            <m:oMathPara xmlns:m="http://schemas.openxmlformats.org/officeDocument/2006/math">
-                              <m:oMathParaPr>
-                                <m:jc m:val="centerGroup"/>
-                              </m:oMathParaPr>
-                              <m:oMath xmlns:m="http://schemas.openxmlformats.org/officeDocument/2006/math">
-                                <m:sSub>
-                                  <m:sSubPr>
-                                    <m:ctrlPr>
-                                      <a:rPr lang="en-US" sz="1100" i="1">
-                                        <a:effectLst/>
-                                        <a:latin typeface="Cambria Math" panose="02040503050406030204" pitchFamily="18" charset="0"/>
-                                      </a:rPr>
-                                    </m:ctrlPr>
-                                  </m:sSubPr>
-                                  <m:e>
-                                    <m:r>
-                                      <a:rPr lang="en-US" sz="1100">
-                                        <a:effectLst/>
-                                        <a:latin typeface="Cambria Math" panose="02040503050406030204" pitchFamily="18" charset="0"/>
-                                      </a:rPr>
-                                      <m:t>𝒇</m:t>
-                                    </m:r>
-                                  </m:e>
-                                  <m:sub>
-                                    <m:r>
-                                      <a:rPr lang="en-US" sz="1100">
-                                        <a:effectLst/>
-                                        <a:latin typeface="Cambria Math" panose="02040503050406030204" pitchFamily="18" charset="0"/>
-                                      </a:rPr>
-                                      <m:t>𝒃𝒂𝒔𝒆</m:t>
-                                    </m:r>
-                                  </m:sub>
-                                </m:sSub>
-                              </m:oMath>
-                            </m:oMathPara>
-                          </a14:m>
-                          <a:endParaRPr lang="en-US" sz="1100">
-                            <a:effectLst/>
-                            <a:latin typeface="Calibri" panose="020F0502020204030204" pitchFamily="34" charset="0"/>
-                            <a:ea typeface="Calibri" panose="020F0502020204030204" pitchFamily="34" charset="0"/>
-                            <a:cs typeface="Times New Roman" panose="02020603050405020304" pitchFamily="18" charset="0"/>
-                          </a:endParaRPr>
-                        </a:p>
-                      </a:txBody>
-                      <a:tcPr marL="68580" marR="68580" marT="0" marB="0" anchor="ctr"/>
-                    </a:tc>
-                    <a:tc>
-                      <a:txBody>
-                        <a:bodyPr/>
-                        <a:lstStyle/>
-                        <a:p>
-                          <a:pPr marL="0" marR="0" algn="ctr">
-                            <a:lnSpc>
-                              <a:spcPct val="107000"/>
-                            </a:lnSpc>
-                            <a:spcBef>
-                              <a:spcPts val="0"/>
-                            </a:spcBef>
-                            <a:spcAft>
-                              <a:spcPts val="0"/>
-                            </a:spcAft>
-                          </a:pPr>
-                          <a14:m>
-                            <m:oMathPara xmlns:m="http://schemas.openxmlformats.org/officeDocument/2006/math">
-                              <m:oMathParaPr>
-                                <m:jc m:val="centerGroup"/>
-                              </m:oMathParaPr>
-                              <m:oMath xmlns:m="http://schemas.openxmlformats.org/officeDocument/2006/math">
-                                <m:sSubSup>
-                                  <m:sSubSupPr>
-                                    <m:ctrlPr>
-                                      <a:rPr lang="en-US" sz="1100" i="1">
-                                        <a:effectLst/>
-                                        <a:latin typeface="Cambria Math" panose="02040503050406030204" pitchFamily="18" charset="0"/>
-                                      </a:rPr>
-                                    </m:ctrlPr>
-                                  </m:sSubSupPr>
-                                  <m:e>
-                                    <m:r>
-                                      <a:rPr lang="en-US" sz="1100">
-                                        <a:effectLst/>
-                                        <a:latin typeface="Cambria Math" panose="02040503050406030204" pitchFamily="18" charset="0"/>
-                                      </a:rPr>
-                                      <m:t>                             </m:t>
-                                    </m:r>
-                                    <m:r>
-                                      <a:rPr lang="en-US" sz="1100">
-                                        <a:effectLst/>
-                                        <a:latin typeface="Cambria Math" panose="02040503050406030204" pitchFamily="18" charset="0"/>
-                                      </a:rPr>
-                                      <m:t>𝒁</m:t>
-                                    </m:r>
-                                  </m:e>
-                                  <m:sub>
-                                    <m:r>
-                                      <a:rPr lang="en-US" sz="1100">
-                                        <a:effectLst/>
-                                        <a:latin typeface="Cambria Math" panose="02040503050406030204" pitchFamily="18" charset="0"/>
-                                      </a:rPr>
-                                      <m:t>𝒘𝒕</m:t>
-                                    </m:r>
-                                  </m:sub>
-                                  <m:sup>
-                                    <m:r>
-                                      <a:rPr lang="en-US" sz="1100">
-                                        <a:effectLst/>
-                                        <a:latin typeface="Cambria Math" panose="02040503050406030204" pitchFamily="18" charset="0"/>
-                                      </a:rPr>
-                                      <m:t>𝟗𝟓</m:t>
-                                    </m:r>
-                                    <m:r>
-                                      <a:rPr lang="en-US" sz="1100">
-                                        <a:effectLst/>
-                                        <a:latin typeface="Cambria Math" panose="02040503050406030204" pitchFamily="18" charset="0"/>
-                                      </a:rPr>
-                                      <m:t>%</m:t>
-                                    </m:r>
-                                  </m:sup>
-                                </m:sSubSup>
-                              </m:oMath>
-                            </m:oMathPara>
-                          </a14:m>
-                          <a:endParaRPr lang="en-US" sz="1100">
-                            <a:effectLst/>
-                            <a:latin typeface="Calibri" panose="020F0502020204030204" pitchFamily="34" charset="0"/>
-                            <a:ea typeface="Calibri" panose="020F0502020204030204" pitchFamily="34" charset="0"/>
-                            <a:cs typeface="Times New Roman" panose="02020603050405020304" pitchFamily="18" charset="0"/>
-                          </a:endParaRPr>
-                        </a:p>
-                      </a:txBody>
-                      <a:tcPr marL="68580" marR="68580" marT="0" marB="0" anchor="ctr"/>
-                    </a:tc>
-                    <a:tc>
-                      <a:txBody>
-                        <a:bodyPr/>
-                        <a:lstStyle/>
-                        <a:p>
-                          <a:pPr marL="0" marR="0" algn="ctr">
-                            <a:lnSpc>
-                              <a:spcPct val="107000"/>
-                            </a:lnSpc>
-                            <a:spcBef>
-                              <a:spcPts val="0"/>
-                            </a:spcBef>
-                            <a:spcAft>
-                              <a:spcPts val="0"/>
-                            </a:spcAft>
-                          </a:pPr>
-                          <a:r>
-                            <a:rPr lang="en-US" sz="1100">
-                              <a:effectLst/>
-                            </a:rPr>
-                            <a:t>                              </a:t>
-                          </a:r>
-                          <a14:m>
-                            <m:oMath xmlns:m="http://schemas.openxmlformats.org/officeDocument/2006/math">
-                              <m:sSubSup>
-                                <m:sSubSupPr>
-                                  <m:ctrlPr>
-                                    <a:rPr lang="en-US" sz="1100" i="1">
-                                      <a:effectLst/>
-                                      <a:latin typeface="Cambria Math" panose="02040503050406030204" pitchFamily="18" charset="0"/>
-                                    </a:rPr>
-                                  </m:ctrlPr>
-                                </m:sSubSupPr>
-                                <m:e>
-                                  <m:r>
-                                    <a:rPr lang="en-US" sz="1100">
-                                      <a:effectLst/>
-                                      <a:latin typeface="Cambria Math" panose="02040503050406030204" pitchFamily="18" charset="0"/>
-                                    </a:rPr>
-                                    <m:t>𝒁</m:t>
-                                  </m:r>
-                                </m:e>
-                                <m:sub>
-                                  <m:r>
-                                    <a:rPr lang="en-US" sz="1100">
-                                      <a:effectLst/>
-                                      <a:latin typeface="Cambria Math" panose="02040503050406030204" pitchFamily="18" charset="0"/>
-                                    </a:rPr>
-                                    <m:t>𝒄𝒐𝒏𝒈</m:t>
-                                  </m:r>
-                                </m:sub>
-                                <m:sup>
-                                  <m:r>
-                                    <a:rPr lang="en-US" sz="1100">
-                                      <a:effectLst/>
-                                      <a:latin typeface="Cambria Math" panose="02040503050406030204" pitchFamily="18" charset="0"/>
-                                    </a:rPr>
-                                    <m:t>𝟗𝟓</m:t>
-                                  </m:r>
-                                  <m:r>
-                                    <a:rPr lang="en-US" sz="1100">
-                                      <a:effectLst/>
-                                      <a:latin typeface="Cambria Math" panose="02040503050406030204" pitchFamily="18" charset="0"/>
-                                    </a:rPr>
-                                    <m:t>%</m:t>
-                                  </m:r>
-                                </m:sup>
-                              </m:sSubSup>
-                            </m:oMath>
-                          </a14:m>
-                          <a:endParaRPr lang="en-US" sz="1100">
-                            <a:effectLst/>
-                            <a:latin typeface="Calibri" panose="020F0502020204030204" pitchFamily="34" charset="0"/>
-                            <a:ea typeface="Calibri" panose="020F0502020204030204" pitchFamily="34" charset="0"/>
-                            <a:cs typeface="Times New Roman" panose="02020603050405020304" pitchFamily="18" charset="0"/>
-                          </a:endParaRPr>
-                        </a:p>
-                      </a:txBody>
-                      <a:tcPr marL="68580" marR="68580" marT="0" marB="0" anchor="ctr"/>
-                    </a:tc>
-                    <a:extLst>
-                      <a:ext uri="{0D108BD9-81ED-4DB2-BD59-A6C34878D82A}">
-                        <a16:rowId xmlns:a16="http://schemas.microsoft.com/office/drawing/2014/main" val="947064816"/>
-                      </a:ext>
-                    </a:extLst>
-                  </a:tr>
-                  <a:tr h="237490">
-                    <a:tc>
-                      <a:txBody>
-                        <a:bodyPr/>
-                        <a:lstStyle/>
-                        <a:p>
-                          <a:pPr marL="0" marR="0" algn="ctr">
-                            <a:lnSpc>
-                              <a:spcPct val="107000"/>
-                            </a:lnSpc>
-                            <a:spcBef>
-                              <a:spcPts val="0"/>
-                            </a:spcBef>
-                            <a:spcAft>
-                              <a:spcPts val="0"/>
-                            </a:spcAft>
-                          </a:pPr>
-                          <a:r>
-                            <a:rPr lang="en-US" sz="1100">
-                              <a:effectLst/>
-                            </a:rPr>
-                            <a:t>5</a:t>
-                          </a:r>
-                          <a:endParaRPr lang="en-US" sz="1100">
-                            <a:effectLst/>
-                            <a:latin typeface="Calibri" panose="020F0502020204030204" pitchFamily="34" charset="0"/>
-                            <a:ea typeface="Calibri" panose="020F0502020204030204" pitchFamily="34" charset="0"/>
-                            <a:cs typeface="Times New Roman" panose="02020603050405020304" pitchFamily="18" charset="0"/>
-                          </a:endParaRPr>
-                        </a:p>
-                      </a:txBody>
-                      <a:tcPr marL="68580" marR="68580" marT="0" marB="0" anchor="ctr"/>
-                    </a:tc>
-                    <a:tc>
-                      <a:txBody>
-                        <a:bodyPr/>
-                        <a:lstStyle/>
-                        <a:p>
-                          <a:pPr marL="0" marR="0" algn="ctr">
-                            <a:lnSpc>
-                              <a:spcPct val="107000"/>
-                            </a:lnSpc>
-                            <a:spcBef>
-                              <a:spcPts val="0"/>
-                            </a:spcBef>
-                            <a:spcAft>
-                              <a:spcPts val="0"/>
-                            </a:spcAft>
-                          </a:pPr>
-                          <a:r>
-                            <a:rPr lang="en-US" sz="1100">
-                              <a:effectLst/>
-                            </a:rPr>
-                            <a:t>3</a:t>
-                          </a:r>
-                          <a:endParaRPr lang="en-US" sz="1100">
-                            <a:effectLst/>
-                            <a:latin typeface="Calibri" panose="020F0502020204030204" pitchFamily="34" charset="0"/>
-                            <a:ea typeface="Calibri" panose="020F0502020204030204" pitchFamily="34" charset="0"/>
-                            <a:cs typeface="Times New Roman" panose="02020603050405020304" pitchFamily="18" charset="0"/>
-                          </a:endParaRPr>
-                        </a:p>
-                      </a:txBody>
-                      <a:tcPr marL="68580" marR="68580" marT="0" marB="0" anchor="ctr"/>
-                    </a:tc>
-                    <a:tc>
-                      <a:txBody>
-                        <a:bodyPr/>
-                        <a:lstStyle/>
-                        <a:p>
-                          <a:pPr marL="0" marR="0" algn="r">
-                            <a:lnSpc>
-                              <a:spcPct val="107000"/>
-                            </a:lnSpc>
-                            <a:spcBef>
-                              <a:spcPts val="0"/>
-                            </a:spcBef>
-                            <a:spcAft>
-                              <a:spcPts val="0"/>
-                            </a:spcAft>
-                          </a:pPr>
-                          <a:r>
-                            <a:rPr lang="en-US" sz="1100">
-                              <a:effectLst/>
-                            </a:rPr>
-                            <a:t>[-13.6, -10.8] &lt; 0</a:t>
-                          </a:r>
-                          <a:endParaRPr lang="en-US" sz="1100">
-                            <a:effectLst/>
-                            <a:latin typeface="Calibri" panose="020F0502020204030204" pitchFamily="34" charset="0"/>
-                            <a:ea typeface="Calibri" panose="020F0502020204030204" pitchFamily="34" charset="0"/>
-                            <a:cs typeface="Times New Roman" panose="02020603050405020304" pitchFamily="18" charset="0"/>
-                          </a:endParaRPr>
-                        </a:p>
-                      </a:txBody>
-                      <a:tcPr marL="68580" marR="68580" marT="0" marB="0" anchor="ctr"/>
-                    </a:tc>
-                    <a:tc>
-                      <a:txBody>
-                        <a:bodyPr/>
-                        <a:lstStyle/>
-                        <a:p>
-                          <a:pPr marL="0" marR="0" algn="r">
-                            <a:lnSpc>
-                              <a:spcPct val="107000"/>
-                            </a:lnSpc>
-                            <a:spcBef>
-                              <a:spcPts val="0"/>
-                            </a:spcBef>
-                            <a:spcAft>
-                              <a:spcPts val="0"/>
-                            </a:spcAft>
-                          </a:pPr>
-                          <a:r>
-                            <a:rPr lang="en-US" sz="1100">
-                              <a:effectLst/>
-                            </a:rPr>
-                            <a:t>[-2.3, -1.4] &lt; 0</a:t>
-                          </a:r>
-                          <a:endParaRPr lang="en-US" sz="1100">
-                            <a:effectLst/>
-                            <a:latin typeface="Calibri" panose="020F0502020204030204" pitchFamily="34" charset="0"/>
-                            <a:ea typeface="Calibri" panose="020F0502020204030204" pitchFamily="34" charset="0"/>
-                            <a:cs typeface="Times New Roman" panose="02020603050405020304" pitchFamily="18" charset="0"/>
-                          </a:endParaRPr>
-                        </a:p>
-                      </a:txBody>
-                      <a:tcPr marL="68580" marR="68580" marT="0" marB="0" anchor="ctr"/>
-                    </a:tc>
-                    <a:extLst>
-                      <a:ext uri="{0D108BD9-81ED-4DB2-BD59-A6C34878D82A}">
-                        <a16:rowId xmlns:a16="http://schemas.microsoft.com/office/drawing/2014/main" val="1769026379"/>
-                      </a:ext>
-                    </a:extLst>
-                  </a:tr>
-                  <a:tr h="237490">
-                    <a:tc>
-                      <a:txBody>
-                        <a:bodyPr/>
-                        <a:lstStyle/>
-                        <a:p>
-                          <a:pPr marL="0" marR="0" algn="ctr">
-                            <a:lnSpc>
-                              <a:spcPct val="107000"/>
-                            </a:lnSpc>
-                            <a:spcBef>
-                              <a:spcPts val="0"/>
-                            </a:spcBef>
-                            <a:spcAft>
-                              <a:spcPts val="0"/>
-                            </a:spcAft>
-                          </a:pPr>
-                          <a:r>
-                            <a:rPr lang="en-US" sz="1100">
-                              <a:effectLst/>
-                            </a:rPr>
-                            <a:t>5</a:t>
-                          </a:r>
-                          <a:endParaRPr lang="en-US" sz="1100">
-                            <a:effectLst/>
-                            <a:latin typeface="Calibri" panose="020F0502020204030204" pitchFamily="34" charset="0"/>
-                            <a:ea typeface="Calibri" panose="020F0502020204030204" pitchFamily="34" charset="0"/>
-                            <a:cs typeface="Times New Roman" panose="02020603050405020304" pitchFamily="18" charset="0"/>
-                          </a:endParaRPr>
-                        </a:p>
-                      </a:txBody>
-                      <a:tcPr marL="68580" marR="68580" marT="0" marB="0" anchor="ctr"/>
-                    </a:tc>
-                    <a:tc>
-                      <a:txBody>
-                        <a:bodyPr/>
-                        <a:lstStyle/>
-                        <a:p>
-                          <a:pPr marL="0" marR="0" algn="ctr">
-                            <a:lnSpc>
-                              <a:spcPct val="107000"/>
-                            </a:lnSpc>
-                            <a:spcBef>
-                              <a:spcPts val="0"/>
-                            </a:spcBef>
-                            <a:spcAft>
-                              <a:spcPts val="0"/>
-                            </a:spcAft>
-                          </a:pPr>
-                          <a:r>
-                            <a:rPr lang="en-US" sz="1100">
-                              <a:effectLst/>
-                            </a:rPr>
-                            <a:t>4</a:t>
-                          </a:r>
-                          <a:endParaRPr lang="en-US" sz="1100">
-                            <a:effectLst/>
-                            <a:latin typeface="Calibri" panose="020F0502020204030204" pitchFamily="34" charset="0"/>
-                            <a:ea typeface="Calibri" panose="020F0502020204030204" pitchFamily="34" charset="0"/>
-                            <a:cs typeface="Times New Roman" panose="02020603050405020304" pitchFamily="18" charset="0"/>
-                          </a:endParaRPr>
-                        </a:p>
-                      </a:txBody>
-                      <a:tcPr marL="68580" marR="68580" marT="0" marB="0" anchor="ctr"/>
-                    </a:tc>
-                    <a:tc>
-                      <a:txBody>
-                        <a:bodyPr/>
-                        <a:lstStyle/>
-                        <a:p>
-                          <a:pPr marL="0" marR="0" algn="r">
-                            <a:lnSpc>
-                              <a:spcPct val="107000"/>
-                            </a:lnSpc>
-                            <a:spcBef>
-                              <a:spcPts val="0"/>
-                            </a:spcBef>
-                            <a:spcAft>
-                              <a:spcPts val="0"/>
-                            </a:spcAft>
-                          </a:pPr>
-                          <a:r>
-                            <a:rPr lang="en-US" sz="1100">
-                              <a:effectLst/>
-                            </a:rPr>
-                            <a:t>[10.5, 10.8] &gt; 0</a:t>
-                          </a:r>
-                          <a:endParaRPr lang="en-US" sz="1100">
-                            <a:effectLst/>
-                            <a:latin typeface="Calibri" panose="020F0502020204030204" pitchFamily="34" charset="0"/>
-                            <a:ea typeface="Calibri" panose="020F0502020204030204" pitchFamily="34" charset="0"/>
-                            <a:cs typeface="Times New Roman" panose="02020603050405020304" pitchFamily="18" charset="0"/>
-                          </a:endParaRPr>
-                        </a:p>
-                      </a:txBody>
-                      <a:tcPr marL="68580" marR="68580" marT="0" marB="0" anchor="ctr"/>
-                    </a:tc>
-                    <a:tc>
-                      <a:txBody>
-                        <a:bodyPr/>
-                        <a:lstStyle/>
-                        <a:p>
-                          <a:pPr marL="0" marR="0" algn="r">
-                            <a:lnSpc>
-                              <a:spcPct val="107000"/>
-                            </a:lnSpc>
-                            <a:spcBef>
-                              <a:spcPts val="0"/>
-                            </a:spcBef>
-                            <a:spcAft>
-                              <a:spcPts val="0"/>
-                            </a:spcAft>
-                          </a:pPr>
-                          <a:r>
-                            <a:rPr lang="en-US" sz="1100">
-                              <a:effectLst/>
-                            </a:rPr>
-                            <a:t>[0.7, 1.1] &gt; 0</a:t>
-                          </a:r>
-                          <a:endParaRPr lang="en-US" sz="1100">
-                            <a:effectLst/>
-                            <a:latin typeface="Calibri" panose="020F0502020204030204" pitchFamily="34" charset="0"/>
-                            <a:ea typeface="Calibri" panose="020F0502020204030204" pitchFamily="34" charset="0"/>
-                            <a:cs typeface="Times New Roman" panose="02020603050405020304" pitchFamily="18" charset="0"/>
-                          </a:endParaRPr>
-                        </a:p>
-                      </a:txBody>
-                      <a:tcPr marL="68580" marR="68580" marT="0" marB="0" anchor="ctr"/>
-                    </a:tc>
-                    <a:extLst>
-                      <a:ext uri="{0D108BD9-81ED-4DB2-BD59-A6C34878D82A}">
-                        <a16:rowId xmlns:a16="http://schemas.microsoft.com/office/drawing/2014/main" val="1472892712"/>
-                      </a:ext>
-                    </a:extLst>
-                  </a:tr>
-                  <a:tr h="237490">
-                    <a:tc>
-                      <a:txBody>
-                        <a:bodyPr/>
-                        <a:lstStyle/>
-                        <a:p>
-                          <a:pPr marL="0" marR="0" algn="ctr">
-                            <a:lnSpc>
-                              <a:spcPct val="107000"/>
-                            </a:lnSpc>
-                            <a:spcBef>
-                              <a:spcPts val="0"/>
-                            </a:spcBef>
-                            <a:spcAft>
-                              <a:spcPts val="0"/>
-                            </a:spcAft>
-                          </a:pPr>
-                          <a:r>
-                            <a:rPr lang="en-US" sz="1100">
-                              <a:effectLst/>
-                            </a:rPr>
-                            <a:t>5</a:t>
-                          </a:r>
-                          <a:endParaRPr lang="en-US" sz="1100">
-                            <a:effectLst/>
-                            <a:latin typeface="Calibri" panose="020F0502020204030204" pitchFamily="34" charset="0"/>
-                            <a:ea typeface="Calibri" panose="020F0502020204030204" pitchFamily="34" charset="0"/>
-                            <a:cs typeface="Times New Roman" panose="02020603050405020304" pitchFamily="18" charset="0"/>
-                          </a:endParaRPr>
-                        </a:p>
-                      </a:txBody>
-                      <a:tcPr marL="68580" marR="68580" marT="0" marB="0" anchor="ctr"/>
-                    </a:tc>
-                    <a:tc>
-                      <a:txBody>
-                        <a:bodyPr/>
-                        <a:lstStyle/>
-                        <a:p>
-                          <a:pPr marL="0" marR="0" algn="ctr">
-                            <a:lnSpc>
-                              <a:spcPct val="107000"/>
-                            </a:lnSpc>
-                            <a:spcBef>
-                              <a:spcPts val="0"/>
-                            </a:spcBef>
-                            <a:spcAft>
-                              <a:spcPts val="0"/>
-                            </a:spcAft>
-                          </a:pPr>
-                          <a:r>
-                            <a:rPr lang="en-US" sz="1100">
-                              <a:effectLst/>
-                            </a:rPr>
-                            <a:t>5</a:t>
-                          </a:r>
-                          <a:endParaRPr lang="en-US" sz="1100">
-                            <a:effectLst/>
-                            <a:latin typeface="Calibri" panose="020F0502020204030204" pitchFamily="34" charset="0"/>
-                            <a:ea typeface="Calibri" panose="020F0502020204030204" pitchFamily="34" charset="0"/>
-                            <a:cs typeface="Times New Roman" panose="02020603050405020304" pitchFamily="18" charset="0"/>
-                          </a:endParaRPr>
-                        </a:p>
-                      </a:txBody>
-                      <a:tcPr marL="68580" marR="68580" marT="0" marB="0" anchor="ctr"/>
-                    </a:tc>
-                    <a:tc>
-                      <a:txBody>
-                        <a:bodyPr/>
-                        <a:lstStyle/>
-                        <a:p>
-                          <a:pPr marL="0" marR="0" algn="r">
-                            <a:lnSpc>
-                              <a:spcPct val="107000"/>
-                            </a:lnSpc>
-                            <a:spcBef>
-                              <a:spcPts val="0"/>
-                            </a:spcBef>
-                            <a:spcAft>
-                              <a:spcPts val="0"/>
-                            </a:spcAft>
-                          </a:pPr>
-                          <a:r>
-                            <a:rPr lang="en-US" sz="1100">
-                              <a:effectLst/>
-                            </a:rPr>
-                            <a:t>[40.5, 46.2] &gt; 0</a:t>
-                          </a:r>
-                          <a:endParaRPr lang="en-US" sz="1100">
-                            <a:effectLst/>
-                            <a:latin typeface="Calibri" panose="020F0502020204030204" pitchFamily="34" charset="0"/>
-                            <a:ea typeface="Calibri" panose="020F0502020204030204" pitchFamily="34" charset="0"/>
-                            <a:cs typeface="Times New Roman" panose="02020603050405020304" pitchFamily="18" charset="0"/>
-                          </a:endParaRPr>
-                        </a:p>
-                      </a:txBody>
-                      <a:tcPr marL="68580" marR="68580" marT="0" marB="0" anchor="ctr"/>
-                    </a:tc>
-                    <a:tc>
-                      <a:txBody>
-                        <a:bodyPr/>
-                        <a:lstStyle/>
-                        <a:p>
-                          <a:pPr marL="0" marR="0" algn="r">
-                            <a:lnSpc>
-                              <a:spcPct val="107000"/>
-                            </a:lnSpc>
-                            <a:spcBef>
-                              <a:spcPts val="0"/>
-                            </a:spcBef>
-                            <a:spcAft>
-                              <a:spcPts val="0"/>
-                            </a:spcAft>
-                          </a:pPr>
-                          <a:r>
-                            <a:rPr lang="en-US" sz="1100">
-                              <a:effectLst/>
-                            </a:rPr>
-                            <a:t>[6, 6.1] &gt; 0</a:t>
-                          </a:r>
-                          <a:endParaRPr lang="en-US" sz="1100">
-                            <a:effectLst/>
-                            <a:latin typeface="Calibri" panose="020F0502020204030204" pitchFamily="34" charset="0"/>
-                            <a:ea typeface="Calibri" panose="020F0502020204030204" pitchFamily="34" charset="0"/>
-                            <a:cs typeface="Times New Roman" panose="02020603050405020304" pitchFamily="18" charset="0"/>
-                          </a:endParaRPr>
-                        </a:p>
-                      </a:txBody>
-                      <a:tcPr marL="68580" marR="68580" marT="0" marB="0" anchor="ctr"/>
-                    </a:tc>
-                    <a:extLst>
-                      <a:ext uri="{0D108BD9-81ED-4DB2-BD59-A6C34878D82A}">
-                        <a16:rowId xmlns:a16="http://schemas.microsoft.com/office/drawing/2014/main" val="3939569015"/>
-                      </a:ext>
-                    </a:extLst>
-                  </a:tr>
-                  <a:tr h="237490">
-                    <a:tc>
-                      <a:txBody>
-                        <a:bodyPr/>
-                        <a:lstStyle/>
-                        <a:p>
-                          <a:pPr marL="0" marR="0" algn="ctr">
-                            <a:lnSpc>
-                              <a:spcPct val="107000"/>
-                            </a:lnSpc>
-                            <a:spcBef>
-                              <a:spcPts val="0"/>
-                            </a:spcBef>
-                            <a:spcAft>
-                              <a:spcPts val="0"/>
-                            </a:spcAft>
-                          </a:pPr>
-                          <a:r>
-                            <a:rPr lang="en-US" sz="1100">
-                              <a:effectLst/>
-                            </a:rPr>
-                            <a:t>5</a:t>
-                          </a:r>
-                          <a:endParaRPr lang="en-US" sz="1100">
-                            <a:effectLst/>
-                            <a:latin typeface="Calibri" panose="020F0502020204030204" pitchFamily="34" charset="0"/>
-                            <a:ea typeface="Calibri" panose="020F0502020204030204" pitchFamily="34" charset="0"/>
-                            <a:cs typeface="Times New Roman" panose="02020603050405020304" pitchFamily="18" charset="0"/>
-                          </a:endParaRPr>
-                        </a:p>
-                      </a:txBody>
-                      <a:tcPr marL="68580" marR="68580" marT="0" marB="0" anchor="ctr"/>
-                    </a:tc>
-                    <a:tc>
-                      <a:txBody>
-                        <a:bodyPr/>
-                        <a:lstStyle/>
-                        <a:p>
-                          <a:pPr marL="0" marR="0" algn="ctr">
-                            <a:lnSpc>
-                              <a:spcPct val="107000"/>
-                            </a:lnSpc>
-                            <a:spcBef>
-                              <a:spcPts val="0"/>
-                            </a:spcBef>
-                            <a:spcAft>
-                              <a:spcPts val="0"/>
-                            </a:spcAft>
-                          </a:pPr>
-                          <a:r>
-                            <a:rPr lang="en-US" sz="1100">
-                              <a:effectLst/>
-                            </a:rPr>
-                            <a:t>6</a:t>
-                          </a:r>
-                          <a:endParaRPr lang="en-US" sz="1100">
-                            <a:effectLst/>
-                            <a:latin typeface="Calibri" panose="020F0502020204030204" pitchFamily="34" charset="0"/>
-                            <a:ea typeface="Calibri" panose="020F0502020204030204" pitchFamily="34" charset="0"/>
-                            <a:cs typeface="Times New Roman" panose="02020603050405020304" pitchFamily="18" charset="0"/>
-                          </a:endParaRPr>
-                        </a:p>
-                      </a:txBody>
-                      <a:tcPr marL="68580" marR="68580" marT="0" marB="0" anchor="ctr"/>
-                    </a:tc>
-                    <a:tc>
-                      <a:txBody>
-                        <a:bodyPr/>
-                        <a:lstStyle/>
-                        <a:p>
-                          <a:pPr marL="0" marR="0" algn="r">
-                            <a:lnSpc>
-                              <a:spcPct val="107000"/>
-                            </a:lnSpc>
-                            <a:spcBef>
-                              <a:spcPts val="0"/>
-                            </a:spcBef>
-                            <a:spcAft>
-                              <a:spcPts val="0"/>
-                            </a:spcAft>
-                          </a:pPr>
-                          <a:r>
-                            <a:rPr lang="en-US" sz="1100">
-                              <a:effectLst/>
-                            </a:rPr>
-                            <a:t>[6.7, 11.1] &gt; 0</a:t>
-                          </a:r>
-                          <a:endParaRPr lang="en-US" sz="1100">
-                            <a:effectLst/>
-                            <a:latin typeface="Calibri" panose="020F0502020204030204" pitchFamily="34" charset="0"/>
-                            <a:ea typeface="Calibri" panose="020F0502020204030204" pitchFamily="34" charset="0"/>
-                            <a:cs typeface="Times New Roman" panose="02020603050405020304" pitchFamily="18" charset="0"/>
-                          </a:endParaRPr>
-                        </a:p>
-                      </a:txBody>
-                      <a:tcPr marL="68580" marR="68580" marT="0" marB="0" anchor="ctr"/>
-                    </a:tc>
-                    <a:tc>
-                      <a:txBody>
-                        <a:bodyPr/>
-                        <a:lstStyle/>
-                        <a:p>
-                          <a:pPr marL="0" marR="0" algn="r">
-                            <a:lnSpc>
-                              <a:spcPct val="107000"/>
-                            </a:lnSpc>
-                            <a:spcBef>
-                              <a:spcPts val="0"/>
-                            </a:spcBef>
-                            <a:spcAft>
-                              <a:spcPts val="0"/>
-                            </a:spcAft>
-                          </a:pPr>
-                          <a:r>
-                            <a:rPr lang="en-US" sz="1100">
-                              <a:effectLst/>
-                            </a:rPr>
-                            <a:t>[1.5, 3.6] &gt; 0</a:t>
-                          </a:r>
-                          <a:endParaRPr lang="en-US" sz="1100">
-                            <a:effectLst/>
-                            <a:latin typeface="Calibri" panose="020F0502020204030204" pitchFamily="34" charset="0"/>
-                            <a:ea typeface="Calibri" panose="020F0502020204030204" pitchFamily="34" charset="0"/>
-                            <a:cs typeface="Times New Roman" panose="02020603050405020304" pitchFamily="18" charset="0"/>
-                          </a:endParaRPr>
-                        </a:p>
-                      </a:txBody>
-                      <a:tcPr marL="68580" marR="68580" marT="0" marB="0" anchor="ctr"/>
-                    </a:tc>
-                    <a:extLst>
-                      <a:ext uri="{0D108BD9-81ED-4DB2-BD59-A6C34878D82A}">
-                        <a16:rowId xmlns:a16="http://schemas.microsoft.com/office/drawing/2014/main" val="2305849727"/>
-                      </a:ext>
-                    </a:extLst>
-                  </a:tr>
-                  <a:tr h="237490">
-                    <a:tc>
-                      <a:txBody>
-                        <a:bodyPr/>
-                        <a:lstStyle/>
-                        <a:p>
-                          <a:pPr marL="0" marR="0" algn="ctr">
-                            <a:lnSpc>
-                              <a:spcPct val="107000"/>
-                            </a:lnSpc>
-                            <a:spcBef>
-                              <a:spcPts val="0"/>
-                            </a:spcBef>
-                            <a:spcAft>
-                              <a:spcPts val="0"/>
-                            </a:spcAft>
-                          </a:pPr>
-                          <a:r>
-                            <a:rPr lang="en-US" sz="1100">
-                              <a:effectLst/>
-                            </a:rPr>
-                            <a:t>6</a:t>
-                          </a:r>
-                          <a:endParaRPr lang="en-US" sz="1100">
-                            <a:effectLst/>
-                            <a:latin typeface="Calibri" panose="020F0502020204030204" pitchFamily="34" charset="0"/>
-                            <a:ea typeface="Calibri" panose="020F0502020204030204" pitchFamily="34" charset="0"/>
-                            <a:cs typeface="Times New Roman" panose="02020603050405020304" pitchFamily="18" charset="0"/>
-                          </a:endParaRPr>
-                        </a:p>
-                      </a:txBody>
-                      <a:tcPr marL="68580" marR="68580" marT="0" marB="0" anchor="ctr"/>
-                    </a:tc>
-                    <a:tc>
-                      <a:txBody>
-                        <a:bodyPr/>
-                        <a:lstStyle/>
-                        <a:p>
-                          <a:pPr marL="0" marR="0" algn="ctr">
-                            <a:lnSpc>
-                              <a:spcPct val="107000"/>
-                            </a:lnSpc>
-                            <a:spcBef>
-                              <a:spcPts val="0"/>
-                            </a:spcBef>
-                            <a:spcAft>
-                              <a:spcPts val="0"/>
-                            </a:spcAft>
-                          </a:pPr>
-                          <a:r>
-                            <a:rPr lang="en-US" sz="1100">
-                              <a:effectLst/>
-                            </a:rPr>
-                            <a:t>3</a:t>
-                          </a:r>
-                          <a:endParaRPr lang="en-US" sz="1100">
-                            <a:effectLst/>
-                            <a:latin typeface="Calibri" panose="020F0502020204030204" pitchFamily="34" charset="0"/>
-                            <a:ea typeface="Calibri" panose="020F0502020204030204" pitchFamily="34" charset="0"/>
-                            <a:cs typeface="Times New Roman" panose="02020603050405020304" pitchFamily="18" charset="0"/>
-                          </a:endParaRPr>
-                        </a:p>
-                      </a:txBody>
-                      <a:tcPr marL="68580" marR="68580" marT="0" marB="0" anchor="ctr"/>
-                    </a:tc>
-                    <a:tc>
-                      <a:txBody>
-                        <a:bodyPr/>
-                        <a:lstStyle/>
-                        <a:p>
-                          <a:pPr marL="0" marR="0" algn="r">
-                            <a:lnSpc>
-                              <a:spcPct val="107000"/>
-                            </a:lnSpc>
-                            <a:spcBef>
-                              <a:spcPts val="0"/>
-                            </a:spcBef>
-                            <a:spcAft>
-                              <a:spcPts val="0"/>
-                            </a:spcAft>
-                          </a:pPr>
-                          <a:r>
-                            <a:rPr lang="en-US" sz="1100">
-                              <a:effectLst/>
-                            </a:rPr>
-                            <a:t>[27.4, 28] &gt; 0</a:t>
-                          </a:r>
-                          <a:endParaRPr lang="en-US" sz="1100">
-                            <a:effectLst/>
-                            <a:latin typeface="Calibri" panose="020F0502020204030204" pitchFamily="34" charset="0"/>
-                            <a:ea typeface="Calibri" panose="020F0502020204030204" pitchFamily="34" charset="0"/>
-                            <a:cs typeface="Times New Roman" panose="02020603050405020304" pitchFamily="18" charset="0"/>
-                          </a:endParaRPr>
-                        </a:p>
-                      </a:txBody>
-                      <a:tcPr marL="68580" marR="68580" marT="0" marB="0" anchor="ctr"/>
-                    </a:tc>
-                    <a:tc>
-                      <a:txBody>
-                        <a:bodyPr/>
-                        <a:lstStyle/>
-                        <a:p>
-                          <a:pPr marL="0" marR="0" algn="r">
-                            <a:lnSpc>
-                              <a:spcPct val="107000"/>
-                            </a:lnSpc>
-                            <a:spcBef>
-                              <a:spcPts val="0"/>
-                            </a:spcBef>
-                            <a:spcAft>
-                              <a:spcPts val="0"/>
-                            </a:spcAft>
-                          </a:pPr>
-                          <a:r>
-                            <a:rPr lang="en-US" sz="1100">
-                              <a:effectLst/>
-                            </a:rPr>
-                            <a:t>[6.2, 6.2] &gt; 0</a:t>
-                          </a:r>
-                          <a:endParaRPr lang="en-US" sz="1100">
-                            <a:effectLst/>
-                            <a:latin typeface="Calibri" panose="020F0502020204030204" pitchFamily="34" charset="0"/>
-                            <a:ea typeface="Calibri" panose="020F0502020204030204" pitchFamily="34" charset="0"/>
-                            <a:cs typeface="Times New Roman" panose="02020603050405020304" pitchFamily="18" charset="0"/>
-                          </a:endParaRPr>
-                        </a:p>
-                      </a:txBody>
-                      <a:tcPr marL="68580" marR="68580" marT="0" marB="0" anchor="ctr"/>
-                    </a:tc>
-                    <a:extLst>
-                      <a:ext uri="{0D108BD9-81ED-4DB2-BD59-A6C34878D82A}">
-                        <a16:rowId xmlns:a16="http://schemas.microsoft.com/office/drawing/2014/main" val="3097839083"/>
-                      </a:ext>
-                    </a:extLst>
-                  </a:tr>
-                  <a:tr h="237490">
-                    <a:tc>
-                      <a:txBody>
-                        <a:bodyPr/>
-                        <a:lstStyle/>
-                        <a:p>
-                          <a:pPr marL="0" marR="0" algn="ctr">
-                            <a:lnSpc>
-                              <a:spcPct val="107000"/>
-                            </a:lnSpc>
-                            <a:spcBef>
-                              <a:spcPts val="0"/>
-                            </a:spcBef>
-                            <a:spcAft>
-                              <a:spcPts val="0"/>
-                            </a:spcAft>
-                          </a:pPr>
-                          <a:r>
-                            <a:rPr lang="en-US" sz="1100">
-                              <a:effectLst/>
-                            </a:rPr>
-                            <a:t>6</a:t>
-                          </a:r>
-                          <a:endParaRPr lang="en-US" sz="1100">
-                            <a:effectLst/>
-                            <a:latin typeface="Calibri" panose="020F0502020204030204" pitchFamily="34" charset="0"/>
-                            <a:ea typeface="Calibri" panose="020F0502020204030204" pitchFamily="34" charset="0"/>
-                            <a:cs typeface="Times New Roman" panose="02020603050405020304" pitchFamily="18" charset="0"/>
-                          </a:endParaRPr>
-                        </a:p>
-                      </a:txBody>
-                      <a:tcPr marL="68580" marR="68580" marT="0" marB="0" anchor="ctr"/>
-                    </a:tc>
-                    <a:tc>
-                      <a:txBody>
-                        <a:bodyPr/>
-                        <a:lstStyle/>
-                        <a:p>
-                          <a:pPr marL="0" marR="0" algn="ctr">
-                            <a:lnSpc>
-                              <a:spcPct val="107000"/>
-                            </a:lnSpc>
-                            <a:spcBef>
-                              <a:spcPts val="0"/>
-                            </a:spcBef>
-                            <a:spcAft>
-                              <a:spcPts val="0"/>
-                            </a:spcAft>
-                          </a:pPr>
-                          <a:r>
-                            <a:rPr lang="en-US" sz="1100">
-                              <a:effectLst/>
-                            </a:rPr>
-                            <a:t>4</a:t>
-                          </a:r>
-                          <a:endParaRPr lang="en-US" sz="1100">
-                            <a:effectLst/>
-                            <a:latin typeface="Calibri" panose="020F0502020204030204" pitchFamily="34" charset="0"/>
-                            <a:ea typeface="Calibri" panose="020F0502020204030204" pitchFamily="34" charset="0"/>
-                            <a:cs typeface="Times New Roman" panose="02020603050405020304" pitchFamily="18" charset="0"/>
-                          </a:endParaRPr>
-                        </a:p>
-                      </a:txBody>
-                      <a:tcPr marL="68580" marR="68580" marT="0" marB="0" anchor="ctr"/>
-                    </a:tc>
-                    <a:tc>
-                      <a:txBody>
-                        <a:bodyPr/>
-                        <a:lstStyle/>
-                        <a:p>
-                          <a:pPr marL="0" marR="0" algn="r">
-                            <a:lnSpc>
-                              <a:spcPct val="107000"/>
-                            </a:lnSpc>
-                            <a:spcBef>
-                              <a:spcPts val="0"/>
-                            </a:spcBef>
-                            <a:spcAft>
-                              <a:spcPts val="0"/>
-                            </a:spcAft>
-                          </a:pPr>
-                          <a:r>
-                            <a:rPr lang="en-US" sz="1100">
-                              <a:effectLst/>
-                            </a:rPr>
-                            <a:t>[-16.7, -13.3] &lt; 0</a:t>
-                          </a:r>
-                          <a:endParaRPr lang="en-US" sz="1100">
-                            <a:effectLst/>
-                            <a:latin typeface="Calibri" panose="020F0502020204030204" pitchFamily="34" charset="0"/>
-                            <a:ea typeface="Calibri" panose="020F0502020204030204" pitchFamily="34" charset="0"/>
-                            <a:cs typeface="Times New Roman" panose="02020603050405020304" pitchFamily="18" charset="0"/>
-                          </a:endParaRPr>
-                        </a:p>
-                      </a:txBody>
-                      <a:tcPr marL="68580" marR="68580" marT="0" marB="0" anchor="ctr"/>
-                    </a:tc>
-                    <a:tc>
-                      <a:txBody>
-                        <a:bodyPr/>
-                        <a:lstStyle/>
-                        <a:p>
-                          <a:pPr marL="0" marR="0" algn="r">
-                            <a:lnSpc>
-                              <a:spcPct val="107000"/>
-                            </a:lnSpc>
-                            <a:spcBef>
-                              <a:spcPts val="0"/>
-                            </a:spcBef>
-                            <a:spcAft>
-                              <a:spcPts val="0"/>
-                            </a:spcAft>
-                          </a:pPr>
-                          <a:r>
-                            <a:rPr lang="en-US" sz="1100">
-                              <a:effectLst/>
-                            </a:rPr>
-                            <a:t>[-2.1, -0.8] &lt; 0</a:t>
-                          </a:r>
-                          <a:endParaRPr lang="en-US" sz="1100">
-                            <a:effectLst/>
-                            <a:latin typeface="Calibri" panose="020F0502020204030204" pitchFamily="34" charset="0"/>
-                            <a:ea typeface="Calibri" panose="020F0502020204030204" pitchFamily="34" charset="0"/>
-                            <a:cs typeface="Times New Roman" panose="02020603050405020304" pitchFamily="18" charset="0"/>
-                          </a:endParaRPr>
-                        </a:p>
-                      </a:txBody>
-                      <a:tcPr marL="68580" marR="68580" marT="0" marB="0" anchor="ctr"/>
-                    </a:tc>
-                    <a:extLst>
-                      <a:ext uri="{0D108BD9-81ED-4DB2-BD59-A6C34878D82A}">
-                        <a16:rowId xmlns:a16="http://schemas.microsoft.com/office/drawing/2014/main" val="4131693362"/>
-                      </a:ext>
-                    </a:extLst>
-                  </a:tr>
-                  <a:tr h="237490">
-                    <a:tc>
-                      <a:txBody>
-                        <a:bodyPr/>
-                        <a:lstStyle/>
-                        <a:p>
-                          <a:pPr marL="0" marR="0" algn="ctr">
-                            <a:lnSpc>
-                              <a:spcPct val="107000"/>
-                            </a:lnSpc>
-                            <a:spcBef>
-                              <a:spcPts val="0"/>
-                            </a:spcBef>
-                            <a:spcAft>
-                              <a:spcPts val="0"/>
-                            </a:spcAft>
-                          </a:pPr>
-                          <a:r>
-                            <a:rPr lang="en-US" sz="1100">
-                              <a:effectLst/>
-                            </a:rPr>
-                            <a:t>6</a:t>
-                          </a:r>
-                          <a:endParaRPr lang="en-US" sz="1100">
-                            <a:effectLst/>
-                            <a:latin typeface="Calibri" panose="020F0502020204030204" pitchFamily="34" charset="0"/>
-                            <a:ea typeface="Calibri" panose="020F0502020204030204" pitchFamily="34" charset="0"/>
-                            <a:cs typeface="Times New Roman" panose="02020603050405020304" pitchFamily="18" charset="0"/>
-                          </a:endParaRPr>
-                        </a:p>
-                      </a:txBody>
-                      <a:tcPr marL="68580" marR="68580" marT="0" marB="0" anchor="ctr"/>
-                    </a:tc>
-                    <a:tc>
-                      <a:txBody>
-                        <a:bodyPr/>
-                        <a:lstStyle/>
-                        <a:p>
-                          <a:pPr marL="0" marR="0" algn="ctr">
-                            <a:lnSpc>
-                              <a:spcPct val="107000"/>
-                            </a:lnSpc>
-                            <a:spcBef>
-                              <a:spcPts val="0"/>
-                            </a:spcBef>
-                            <a:spcAft>
-                              <a:spcPts val="0"/>
-                            </a:spcAft>
-                          </a:pPr>
-                          <a:r>
-                            <a:rPr lang="en-US" sz="1100">
-                              <a:effectLst/>
-                            </a:rPr>
-                            <a:t>5</a:t>
-                          </a:r>
-                          <a:endParaRPr lang="en-US" sz="1100">
-                            <a:effectLst/>
-                            <a:latin typeface="Calibri" panose="020F0502020204030204" pitchFamily="34" charset="0"/>
-                            <a:ea typeface="Calibri" panose="020F0502020204030204" pitchFamily="34" charset="0"/>
-                            <a:cs typeface="Times New Roman" panose="02020603050405020304" pitchFamily="18" charset="0"/>
-                          </a:endParaRPr>
-                        </a:p>
-                      </a:txBody>
-                      <a:tcPr marL="68580" marR="68580" marT="0" marB="0" anchor="ctr"/>
-                    </a:tc>
-                    <a:tc>
-                      <a:txBody>
-                        <a:bodyPr/>
-                        <a:lstStyle/>
-                        <a:p>
-                          <a:pPr marL="0" marR="0" algn="r">
-                            <a:lnSpc>
-                              <a:spcPct val="107000"/>
-                            </a:lnSpc>
-                            <a:spcBef>
-                              <a:spcPts val="0"/>
-                            </a:spcBef>
-                            <a:spcAft>
-                              <a:spcPts val="0"/>
-                            </a:spcAft>
-                          </a:pPr>
-                          <a:r>
-                            <a:rPr lang="en-US" sz="1100">
-                              <a:effectLst/>
-                            </a:rPr>
-                            <a:t>[14.5, 23.7] &gt; 0</a:t>
-                          </a:r>
-                          <a:endParaRPr lang="en-US" sz="1100">
-                            <a:effectLst/>
-                            <a:latin typeface="Calibri" panose="020F0502020204030204" pitchFamily="34" charset="0"/>
-                            <a:ea typeface="Calibri" panose="020F0502020204030204" pitchFamily="34" charset="0"/>
-                            <a:cs typeface="Times New Roman" panose="02020603050405020304" pitchFamily="18" charset="0"/>
-                          </a:endParaRPr>
-                        </a:p>
-                      </a:txBody>
-                      <a:tcPr marL="68580" marR="68580" marT="0" marB="0" anchor="ctr"/>
-                    </a:tc>
-                    <a:tc>
-                      <a:txBody>
-                        <a:bodyPr/>
-                        <a:lstStyle/>
-                        <a:p>
-                          <a:pPr marL="0" marR="0" algn="r">
-                            <a:lnSpc>
-                              <a:spcPct val="107000"/>
-                            </a:lnSpc>
-                            <a:spcBef>
-                              <a:spcPts val="0"/>
-                            </a:spcBef>
-                            <a:spcAft>
-                              <a:spcPts val="0"/>
-                            </a:spcAft>
-                          </a:pPr>
-                          <a:r>
-                            <a:rPr lang="en-US" sz="1100">
-                              <a:effectLst/>
-                            </a:rPr>
-                            <a:t>[-0.7, 0.2] = 0</a:t>
-                          </a:r>
-                          <a:endParaRPr lang="en-US" sz="1100">
-                            <a:effectLst/>
-                            <a:latin typeface="Calibri" panose="020F0502020204030204" pitchFamily="34" charset="0"/>
-                            <a:ea typeface="Calibri" panose="020F0502020204030204" pitchFamily="34" charset="0"/>
-                            <a:cs typeface="Times New Roman" panose="02020603050405020304" pitchFamily="18" charset="0"/>
-                          </a:endParaRPr>
-                        </a:p>
-                      </a:txBody>
-                      <a:tcPr marL="68580" marR="68580" marT="0" marB="0" anchor="ctr"/>
-                    </a:tc>
-                    <a:extLst>
-                      <a:ext uri="{0D108BD9-81ED-4DB2-BD59-A6C34878D82A}">
-                        <a16:rowId xmlns:a16="http://schemas.microsoft.com/office/drawing/2014/main" val="1429300228"/>
-                      </a:ext>
-                    </a:extLst>
-                  </a:tr>
-                  <a:tr h="237490">
-                    <a:tc>
-                      <a:txBody>
-                        <a:bodyPr/>
-                        <a:lstStyle/>
-                        <a:p>
-                          <a:pPr marL="0" marR="0" algn="ctr">
-                            <a:lnSpc>
-                              <a:spcPct val="107000"/>
-                            </a:lnSpc>
-                            <a:spcBef>
-                              <a:spcPts val="0"/>
-                            </a:spcBef>
-                            <a:spcAft>
-                              <a:spcPts val="0"/>
-                            </a:spcAft>
-                          </a:pPr>
-                          <a:r>
-                            <a:rPr lang="en-US" sz="1100">
-                              <a:effectLst/>
-                            </a:rPr>
-                            <a:t>6</a:t>
-                          </a:r>
-                          <a:endParaRPr lang="en-US" sz="1100">
-                            <a:effectLst/>
-                            <a:latin typeface="Calibri" panose="020F0502020204030204" pitchFamily="34" charset="0"/>
-                            <a:ea typeface="Calibri" panose="020F0502020204030204" pitchFamily="34" charset="0"/>
-                            <a:cs typeface="Times New Roman" panose="02020603050405020304" pitchFamily="18" charset="0"/>
-                          </a:endParaRPr>
-                        </a:p>
-                      </a:txBody>
-                      <a:tcPr marL="68580" marR="68580" marT="0" marB="0" anchor="ctr"/>
-                    </a:tc>
-                    <a:tc>
-                      <a:txBody>
-                        <a:bodyPr/>
-                        <a:lstStyle/>
-                        <a:p>
-                          <a:pPr marL="0" marR="0" algn="ctr">
-                            <a:lnSpc>
-                              <a:spcPct val="107000"/>
-                            </a:lnSpc>
-                            <a:spcBef>
-                              <a:spcPts val="0"/>
-                            </a:spcBef>
-                            <a:spcAft>
-                              <a:spcPts val="0"/>
-                            </a:spcAft>
-                          </a:pPr>
-                          <a:r>
-                            <a:rPr lang="en-US" sz="1100">
-                              <a:effectLst/>
-                            </a:rPr>
-                            <a:t>6</a:t>
-                          </a:r>
-                          <a:endParaRPr lang="en-US" sz="1100">
-                            <a:effectLst/>
-                            <a:latin typeface="Calibri" panose="020F0502020204030204" pitchFamily="34" charset="0"/>
-                            <a:ea typeface="Calibri" panose="020F0502020204030204" pitchFamily="34" charset="0"/>
-                            <a:cs typeface="Times New Roman" panose="02020603050405020304" pitchFamily="18" charset="0"/>
-                          </a:endParaRPr>
-                        </a:p>
-                      </a:txBody>
-                      <a:tcPr marL="68580" marR="68580" marT="0" marB="0" anchor="ctr"/>
-                    </a:tc>
-                    <a:tc>
-                      <a:txBody>
-                        <a:bodyPr/>
-                        <a:lstStyle/>
-                        <a:p>
-                          <a:pPr marL="0" marR="0" algn="r">
-                            <a:lnSpc>
-                              <a:spcPct val="107000"/>
-                            </a:lnSpc>
-                            <a:spcBef>
-                              <a:spcPts val="0"/>
-                            </a:spcBef>
-                            <a:spcAft>
-                              <a:spcPts val="0"/>
-                            </a:spcAft>
-                          </a:pPr>
-                          <a:r>
-                            <a:rPr lang="en-US" sz="1100">
-                              <a:effectLst/>
-                            </a:rPr>
-                            <a:t>[69.8, 71.2] &gt; 0</a:t>
-                          </a:r>
-                          <a:endParaRPr lang="en-US" sz="1100">
-                            <a:effectLst/>
-                            <a:latin typeface="Calibri" panose="020F0502020204030204" pitchFamily="34" charset="0"/>
-                            <a:ea typeface="Calibri" panose="020F0502020204030204" pitchFamily="34" charset="0"/>
-                            <a:cs typeface="Times New Roman" panose="02020603050405020304" pitchFamily="18" charset="0"/>
-                          </a:endParaRPr>
-                        </a:p>
-                      </a:txBody>
-                      <a:tcPr marL="68580" marR="68580" marT="0" marB="0" anchor="ctr"/>
-                    </a:tc>
-                    <a:tc>
-                      <a:txBody>
-                        <a:bodyPr/>
-                        <a:lstStyle/>
-                        <a:p>
-                          <a:pPr marL="0" marR="0" algn="r">
-                            <a:lnSpc>
-                              <a:spcPct val="107000"/>
-                            </a:lnSpc>
-                            <a:spcBef>
-                              <a:spcPts val="0"/>
-                            </a:spcBef>
-                            <a:spcAft>
-                              <a:spcPts val="0"/>
-                            </a:spcAft>
-                          </a:pPr>
-                          <a:r>
-                            <a:rPr lang="en-US" sz="1100">
-                              <a:effectLst/>
-                            </a:rPr>
-                            <a:t>[15.3, 15.7] &gt; 0</a:t>
-                          </a:r>
-                          <a:endParaRPr lang="en-US" sz="1100">
-                            <a:effectLst/>
-                            <a:latin typeface="Calibri" panose="020F0502020204030204" pitchFamily="34" charset="0"/>
-                            <a:ea typeface="Calibri" panose="020F0502020204030204" pitchFamily="34" charset="0"/>
-                            <a:cs typeface="Times New Roman" panose="02020603050405020304" pitchFamily="18" charset="0"/>
-                          </a:endParaRPr>
-                        </a:p>
-                      </a:txBody>
-                      <a:tcPr marL="68580" marR="68580" marT="0" marB="0" anchor="ctr"/>
-                    </a:tc>
-                    <a:extLst>
-                      <a:ext uri="{0D108BD9-81ED-4DB2-BD59-A6C34878D82A}">
-                        <a16:rowId xmlns:a16="http://schemas.microsoft.com/office/drawing/2014/main" val="2962630569"/>
-                      </a:ext>
-                    </a:extLst>
-                  </a:tr>
-                  <a:tr h="237490">
-                    <a:tc>
-                      <a:txBody>
-                        <a:bodyPr/>
-                        <a:lstStyle/>
-                        <a:p>
-                          <a:pPr marL="0" marR="0" algn="ctr">
-                            <a:lnSpc>
-                              <a:spcPct val="107000"/>
-                            </a:lnSpc>
-                            <a:spcBef>
-                              <a:spcPts val="0"/>
-                            </a:spcBef>
-                            <a:spcAft>
-                              <a:spcPts val="0"/>
-                            </a:spcAft>
-                          </a:pPr>
-                          <a:r>
-                            <a:rPr lang="en-US" sz="1100">
-                              <a:effectLst/>
-                            </a:rPr>
-                            <a:t>7</a:t>
-                          </a:r>
-                          <a:endParaRPr lang="en-US" sz="1100">
-                            <a:effectLst/>
-                            <a:latin typeface="Calibri" panose="020F0502020204030204" pitchFamily="34" charset="0"/>
-                            <a:ea typeface="Calibri" panose="020F0502020204030204" pitchFamily="34" charset="0"/>
-                            <a:cs typeface="Times New Roman" panose="02020603050405020304" pitchFamily="18" charset="0"/>
-                          </a:endParaRPr>
-                        </a:p>
-                      </a:txBody>
-                      <a:tcPr marL="68580" marR="68580" marT="0" marB="0" anchor="ctr"/>
-                    </a:tc>
-                    <a:tc>
-                      <a:txBody>
-                        <a:bodyPr/>
-                        <a:lstStyle/>
-                        <a:p>
-                          <a:pPr marL="0" marR="0" algn="ctr">
-                            <a:lnSpc>
-                              <a:spcPct val="107000"/>
-                            </a:lnSpc>
-                            <a:spcBef>
-                              <a:spcPts val="0"/>
-                            </a:spcBef>
-                            <a:spcAft>
-                              <a:spcPts val="0"/>
-                            </a:spcAft>
-                          </a:pPr>
-                          <a:r>
-                            <a:rPr lang="en-US" sz="1100">
-                              <a:effectLst/>
-                            </a:rPr>
-                            <a:t>3</a:t>
-                          </a:r>
-                          <a:endParaRPr lang="en-US" sz="1100">
-                            <a:effectLst/>
-                            <a:latin typeface="Calibri" panose="020F0502020204030204" pitchFamily="34" charset="0"/>
-                            <a:ea typeface="Calibri" panose="020F0502020204030204" pitchFamily="34" charset="0"/>
-                            <a:cs typeface="Times New Roman" panose="02020603050405020304" pitchFamily="18" charset="0"/>
-                          </a:endParaRPr>
-                        </a:p>
-                      </a:txBody>
-                      <a:tcPr marL="68580" marR="68580" marT="0" marB="0" anchor="ctr"/>
-                    </a:tc>
-                    <a:tc>
-                      <a:txBody>
-                        <a:bodyPr/>
-                        <a:lstStyle/>
-                        <a:p>
-                          <a:pPr marL="0" marR="0" algn="r">
-                            <a:lnSpc>
-                              <a:spcPct val="107000"/>
-                            </a:lnSpc>
-                            <a:spcBef>
-                              <a:spcPts val="0"/>
-                            </a:spcBef>
-                            <a:spcAft>
-                              <a:spcPts val="0"/>
-                            </a:spcAft>
-                          </a:pPr>
-                          <a:r>
-                            <a:rPr lang="en-US" sz="1100">
-                              <a:effectLst/>
-                            </a:rPr>
-                            <a:t>[2.6, 9.1] &gt; 0</a:t>
-                          </a:r>
-                          <a:endParaRPr lang="en-US" sz="1100">
-                            <a:effectLst/>
-                            <a:latin typeface="Calibri" panose="020F0502020204030204" pitchFamily="34" charset="0"/>
-                            <a:ea typeface="Calibri" panose="020F0502020204030204" pitchFamily="34" charset="0"/>
-                            <a:cs typeface="Times New Roman" panose="02020603050405020304" pitchFamily="18" charset="0"/>
-                          </a:endParaRPr>
-                        </a:p>
-                      </a:txBody>
-                      <a:tcPr marL="68580" marR="68580" marT="0" marB="0" anchor="ctr"/>
-                    </a:tc>
-                    <a:tc>
-                      <a:txBody>
-                        <a:bodyPr/>
-                        <a:lstStyle/>
-                        <a:p>
-                          <a:pPr marL="0" marR="0" algn="r">
-                            <a:lnSpc>
-                              <a:spcPct val="107000"/>
-                            </a:lnSpc>
-                            <a:spcBef>
-                              <a:spcPts val="0"/>
-                            </a:spcBef>
-                            <a:spcAft>
-                              <a:spcPts val="0"/>
-                            </a:spcAft>
-                          </a:pPr>
-                          <a:r>
-                            <a:rPr lang="en-US" sz="1100">
-                              <a:effectLst/>
-                            </a:rPr>
-                            <a:t>[1.8, 2.8] &gt; 0</a:t>
-                          </a:r>
-                          <a:endParaRPr lang="en-US" sz="1100">
-                            <a:effectLst/>
-                            <a:latin typeface="Calibri" panose="020F0502020204030204" pitchFamily="34" charset="0"/>
-                            <a:ea typeface="Calibri" panose="020F0502020204030204" pitchFamily="34" charset="0"/>
-                            <a:cs typeface="Times New Roman" panose="02020603050405020304" pitchFamily="18" charset="0"/>
-                          </a:endParaRPr>
-                        </a:p>
-                      </a:txBody>
-                      <a:tcPr marL="68580" marR="68580" marT="0" marB="0" anchor="ctr"/>
-                    </a:tc>
-                    <a:extLst>
-                      <a:ext uri="{0D108BD9-81ED-4DB2-BD59-A6C34878D82A}">
-                        <a16:rowId xmlns:a16="http://schemas.microsoft.com/office/drawing/2014/main" val="3197812872"/>
-                      </a:ext>
-                    </a:extLst>
-                  </a:tr>
-                  <a:tr h="237490">
-                    <a:tc>
-                      <a:txBody>
-                        <a:bodyPr/>
-                        <a:lstStyle/>
-                        <a:p>
-                          <a:pPr marL="0" marR="0" algn="ctr">
-                            <a:lnSpc>
-                              <a:spcPct val="107000"/>
-                            </a:lnSpc>
-                            <a:spcBef>
-                              <a:spcPts val="0"/>
-                            </a:spcBef>
-                            <a:spcAft>
-                              <a:spcPts val="0"/>
-                            </a:spcAft>
-                          </a:pPr>
-                          <a:r>
-                            <a:rPr lang="en-US" sz="1100">
-                              <a:effectLst/>
-                            </a:rPr>
-                            <a:t>7</a:t>
-                          </a:r>
-                          <a:endParaRPr lang="en-US" sz="1100">
-                            <a:effectLst/>
-                            <a:latin typeface="Calibri" panose="020F0502020204030204" pitchFamily="34" charset="0"/>
-                            <a:ea typeface="Calibri" panose="020F0502020204030204" pitchFamily="34" charset="0"/>
-                            <a:cs typeface="Times New Roman" panose="02020603050405020304" pitchFamily="18" charset="0"/>
-                          </a:endParaRPr>
-                        </a:p>
-                      </a:txBody>
-                      <a:tcPr marL="68580" marR="68580" marT="0" marB="0" anchor="ctr"/>
-                    </a:tc>
-                    <a:tc>
-                      <a:txBody>
-                        <a:bodyPr/>
-                        <a:lstStyle/>
-                        <a:p>
-                          <a:pPr marL="0" marR="0" algn="ctr">
-                            <a:lnSpc>
-                              <a:spcPct val="107000"/>
-                            </a:lnSpc>
-                            <a:spcBef>
-                              <a:spcPts val="0"/>
-                            </a:spcBef>
-                            <a:spcAft>
-                              <a:spcPts val="0"/>
-                            </a:spcAft>
-                          </a:pPr>
-                          <a:r>
-                            <a:rPr lang="en-US" sz="1100">
-                              <a:effectLst/>
-                            </a:rPr>
-                            <a:t>4</a:t>
-                          </a:r>
-                          <a:endParaRPr lang="en-US" sz="1100">
-                            <a:effectLst/>
-                            <a:latin typeface="Calibri" panose="020F0502020204030204" pitchFamily="34" charset="0"/>
-                            <a:ea typeface="Calibri" panose="020F0502020204030204" pitchFamily="34" charset="0"/>
-                            <a:cs typeface="Times New Roman" panose="02020603050405020304" pitchFamily="18" charset="0"/>
-                          </a:endParaRPr>
-                        </a:p>
-                      </a:txBody>
-                      <a:tcPr marL="68580" marR="68580" marT="0" marB="0" anchor="ctr"/>
-                    </a:tc>
-                    <a:tc>
-                      <a:txBody>
-                        <a:bodyPr/>
-                        <a:lstStyle/>
-                        <a:p>
-                          <a:pPr marL="0" marR="0" algn="r">
-                            <a:lnSpc>
-                              <a:spcPct val="107000"/>
-                            </a:lnSpc>
-                            <a:spcBef>
-                              <a:spcPts val="0"/>
-                            </a:spcBef>
-                            <a:spcAft>
-                              <a:spcPts val="0"/>
-                            </a:spcAft>
-                          </a:pPr>
-                          <a:r>
-                            <a:rPr lang="en-US" sz="1100">
-                              <a:effectLst/>
-                            </a:rPr>
-                            <a:t>[2.8, 7.7] &gt; 0</a:t>
-                          </a:r>
-                          <a:endParaRPr lang="en-US" sz="1100">
-                            <a:effectLst/>
-                            <a:latin typeface="Calibri" panose="020F0502020204030204" pitchFamily="34" charset="0"/>
-                            <a:ea typeface="Calibri" panose="020F0502020204030204" pitchFamily="34" charset="0"/>
-                            <a:cs typeface="Times New Roman" panose="02020603050405020304" pitchFamily="18" charset="0"/>
-                          </a:endParaRPr>
-                        </a:p>
-                      </a:txBody>
-                      <a:tcPr marL="68580" marR="68580" marT="0" marB="0" anchor="ctr"/>
-                    </a:tc>
-                    <a:tc>
-                      <a:txBody>
-                        <a:bodyPr/>
-                        <a:lstStyle/>
-                        <a:p>
-                          <a:pPr marL="0" marR="0" algn="r">
-                            <a:lnSpc>
-                              <a:spcPct val="107000"/>
-                            </a:lnSpc>
-                            <a:spcBef>
-                              <a:spcPts val="0"/>
-                            </a:spcBef>
-                            <a:spcAft>
-                              <a:spcPts val="0"/>
-                            </a:spcAft>
-                          </a:pPr>
-                          <a:r>
-                            <a:rPr lang="en-US" sz="1100">
-                              <a:effectLst/>
-                            </a:rPr>
-                            <a:t>[3.9, 4.9] &gt; 0</a:t>
-                          </a:r>
-                          <a:endParaRPr lang="en-US" sz="1100">
-                            <a:effectLst/>
-                            <a:latin typeface="Calibri" panose="020F0502020204030204" pitchFamily="34" charset="0"/>
-                            <a:ea typeface="Calibri" panose="020F0502020204030204" pitchFamily="34" charset="0"/>
-                            <a:cs typeface="Times New Roman" panose="02020603050405020304" pitchFamily="18" charset="0"/>
-                          </a:endParaRPr>
-                        </a:p>
-                      </a:txBody>
-                      <a:tcPr marL="68580" marR="68580" marT="0" marB="0" anchor="ctr"/>
-                    </a:tc>
-                    <a:extLst>
-                      <a:ext uri="{0D108BD9-81ED-4DB2-BD59-A6C34878D82A}">
-                        <a16:rowId xmlns:a16="http://schemas.microsoft.com/office/drawing/2014/main" val="3225932287"/>
-                      </a:ext>
-                    </a:extLst>
-                  </a:tr>
-                  <a:tr h="237490">
-                    <a:tc>
-                      <a:txBody>
-                        <a:bodyPr/>
-                        <a:lstStyle/>
-                        <a:p>
-                          <a:pPr marL="0" marR="0" algn="ctr">
-                            <a:lnSpc>
-                              <a:spcPct val="107000"/>
-                            </a:lnSpc>
-                            <a:spcBef>
-                              <a:spcPts val="0"/>
-                            </a:spcBef>
-                            <a:spcAft>
-                              <a:spcPts val="0"/>
-                            </a:spcAft>
-                          </a:pPr>
-                          <a:r>
-                            <a:rPr lang="en-US" sz="1100">
-                              <a:effectLst/>
-                            </a:rPr>
-                            <a:t>7</a:t>
-                          </a:r>
-                          <a:endParaRPr lang="en-US" sz="1100">
-                            <a:effectLst/>
-                            <a:latin typeface="Calibri" panose="020F0502020204030204" pitchFamily="34" charset="0"/>
-                            <a:ea typeface="Calibri" panose="020F0502020204030204" pitchFamily="34" charset="0"/>
-                            <a:cs typeface="Times New Roman" panose="02020603050405020304" pitchFamily="18" charset="0"/>
-                          </a:endParaRPr>
-                        </a:p>
-                      </a:txBody>
-                      <a:tcPr marL="68580" marR="68580" marT="0" marB="0" anchor="ctr"/>
-                    </a:tc>
-                    <a:tc>
-                      <a:txBody>
-                        <a:bodyPr/>
-                        <a:lstStyle/>
-                        <a:p>
-                          <a:pPr marL="0" marR="0" algn="ctr">
-                            <a:lnSpc>
-                              <a:spcPct val="107000"/>
-                            </a:lnSpc>
-                            <a:spcBef>
-                              <a:spcPts val="0"/>
-                            </a:spcBef>
-                            <a:spcAft>
-                              <a:spcPts val="0"/>
-                            </a:spcAft>
-                          </a:pPr>
-                          <a:r>
-                            <a:rPr lang="en-US" sz="1100">
-                              <a:effectLst/>
-                            </a:rPr>
-                            <a:t>5</a:t>
-                          </a:r>
-                          <a:endParaRPr lang="en-US" sz="1100">
-                            <a:effectLst/>
-                            <a:latin typeface="Calibri" panose="020F0502020204030204" pitchFamily="34" charset="0"/>
-                            <a:ea typeface="Calibri" panose="020F0502020204030204" pitchFamily="34" charset="0"/>
-                            <a:cs typeface="Times New Roman" panose="02020603050405020304" pitchFamily="18" charset="0"/>
-                          </a:endParaRPr>
-                        </a:p>
-                      </a:txBody>
-                      <a:tcPr marL="68580" marR="68580" marT="0" marB="0" anchor="ctr"/>
-                    </a:tc>
-                    <a:tc>
-                      <a:txBody>
-                        <a:bodyPr/>
-                        <a:lstStyle/>
-                        <a:p>
-                          <a:pPr marL="0" marR="0" algn="r">
-                            <a:lnSpc>
-                              <a:spcPct val="107000"/>
-                            </a:lnSpc>
-                            <a:spcBef>
-                              <a:spcPts val="0"/>
-                            </a:spcBef>
-                            <a:spcAft>
-                              <a:spcPts val="0"/>
-                            </a:spcAft>
-                          </a:pPr>
-                          <a:r>
-                            <a:rPr lang="en-US" sz="1100">
-                              <a:effectLst/>
-                            </a:rPr>
-                            <a:t>[-31.5, -24.6] &lt; 0</a:t>
-                          </a:r>
-                          <a:endParaRPr lang="en-US" sz="1100">
-                            <a:effectLst/>
-                            <a:latin typeface="Calibri" panose="020F0502020204030204" pitchFamily="34" charset="0"/>
-                            <a:ea typeface="Calibri" panose="020F0502020204030204" pitchFamily="34" charset="0"/>
-                            <a:cs typeface="Times New Roman" panose="02020603050405020304" pitchFamily="18" charset="0"/>
-                          </a:endParaRPr>
-                        </a:p>
-                      </a:txBody>
-                      <a:tcPr marL="68580" marR="68580" marT="0" marB="0" anchor="ctr"/>
-                    </a:tc>
-                    <a:tc>
-                      <a:txBody>
-                        <a:bodyPr/>
-                        <a:lstStyle/>
-                        <a:p>
-                          <a:pPr marL="0" marR="0" algn="r">
-                            <a:lnSpc>
-                              <a:spcPct val="107000"/>
-                            </a:lnSpc>
-                            <a:spcBef>
-                              <a:spcPts val="0"/>
-                            </a:spcBef>
-                            <a:spcAft>
-                              <a:spcPts val="0"/>
-                            </a:spcAft>
-                          </a:pPr>
-                          <a:r>
-                            <a:rPr lang="en-US" sz="1100">
-                              <a:effectLst/>
-                            </a:rPr>
-                            <a:t>[-3.8, -2.8] &lt; 0</a:t>
-                          </a:r>
-                          <a:endParaRPr lang="en-US" sz="1100">
-                            <a:effectLst/>
-                            <a:latin typeface="Calibri" panose="020F0502020204030204" pitchFamily="34" charset="0"/>
-                            <a:ea typeface="Calibri" panose="020F0502020204030204" pitchFamily="34" charset="0"/>
-                            <a:cs typeface="Times New Roman" panose="02020603050405020304" pitchFamily="18" charset="0"/>
-                          </a:endParaRPr>
-                        </a:p>
-                      </a:txBody>
-                      <a:tcPr marL="68580" marR="68580" marT="0" marB="0" anchor="ctr"/>
-                    </a:tc>
-                    <a:extLst>
-                      <a:ext uri="{0D108BD9-81ED-4DB2-BD59-A6C34878D82A}">
-                        <a16:rowId xmlns:a16="http://schemas.microsoft.com/office/drawing/2014/main" val="2000881386"/>
-                      </a:ext>
-                    </a:extLst>
-                  </a:tr>
-                  <a:tr h="237490">
-                    <a:tc>
-                      <a:txBody>
-                        <a:bodyPr/>
-                        <a:lstStyle/>
-                        <a:p>
-                          <a:pPr marL="0" marR="0" algn="ctr">
-                            <a:lnSpc>
-                              <a:spcPct val="107000"/>
-                            </a:lnSpc>
-                            <a:spcBef>
-                              <a:spcPts val="0"/>
-                            </a:spcBef>
-                            <a:spcAft>
-                              <a:spcPts val="0"/>
-                            </a:spcAft>
-                          </a:pPr>
-                          <a:r>
-                            <a:rPr lang="en-US" sz="1100">
-                              <a:effectLst/>
-                            </a:rPr>
-                            <a:t>7</a:t>
-                          </a:r>
-                          <a:endParaRPr lang="en-US" sz="1100">
-                            <a:effectLst/>
-                            <a:latin typeface="Calibri" panose="020F0502020204030204" pitchFamily="34" charset="0"/>
-                            <a:ea typeface="Calibri" panose="020F0502020204030204" pitchFamily="34" charset="0"/>
-                            <a:cs typeface="Times New Roman" panose="02020603050405020304" pitchFamily="18" charset="0"/>
-                          </a:endParaRPr>
-                        </a:p>
-                      </a:txBody>
-                      <a:tcPr marL="68580" marR="68580" marT="0" marB="0" anchor="ctr"/>
-                    </a:tc>
-                    <a:tc>
-                      <a:txBody>
-                        <a:bodyPr/>
-                        <a:lstStyle/>
-                        <a:p>
-                          <a:pPr marL="0" marR="0" algn="ctr">
-                            <a:lnSpc>
-                              <a:spcPct val="107000"/>
-                            </a:lnSpc>
-                            <a:spcBef>
-                              <a:spcPts val="0"/>
-                            </a:spcBef>
-                            <a:spcAft>
-                              <a:spcPts val="0"/>
-                            </a:spcAft>
-                          </a:pPr>
-                          <a:r>
-                            <a:rPr lang="en-US" sz="1100">
-                              <a:effectLst/>
-                            </a:rPr>
-                            <a:t>6</a:t>
-                          </a:r>
-                          <a:endParaRPr lang="en-US" sz="1100">
-                            <a:effectLst/>
-                            <a:latin typeface="Calibri" panose="020F0502020204030204" pitchFamily="34" charset="0"/>
-                            <a:ea typeface="Calibri" panose="020F0502020204030204" pitchFamily="34" charset="0"/>
-                            <a:cs typeface="Times New Roman" panose="02020603050405020304" pitchFamily="18" charset="0"/>
-                          </a:endParaRPr>
-                        </a:p>
-                      </a:txBody>
-                      <a:tcPr marL="68580" marR="68580" marT="0" marB="0" anchor="ctr"/>
-                    </a:tc>
-                    <a:tc>
-                      <a:txBody>
-                        <a:bodyPr/>
-                        <a:lstStyle/>
-                        <a:p>
-                          <a:pPr marL="0" marR="0" algn="r">
-                            <a:lnSpc>
-                              <a:spcPct val="107000"/>
-                            </a:lnSpc>
-                            <a:spcBef>
-                              <a:spcPts val="0"/>
-                            </a:spcBef>
-                            <a:spcAft>
-                              <a:spcPts val="0"/>
-                            </a:spcAft>
-                          </a:pPr>
-                          <a:r>
-                            <a:rPr lang="en-US" sz="1100">
-                              <a:effectLst/>
-                            </a:rPr>
-                            <a:t>[23.2, 27.7] &gt; 0</a:t>
-                          </a:r>
-                          <a:endParaRPr lang="en-US" sz="1100">
-                            <a:effectLst/>
-                            <a:latin typeface="Calibri" panose="020F0502020204030204" pitchFamily="34" charset="0"/>
-                            <a:ea typeface="Calibri" panose="020F0502020204030204" pitchFamily="34" charset="0"/>
-                            <a:cs typeface="Times New Roman" panose="02020603050405020304" pitchFamily="18" charset="0"/>
-                          </a:endParaRPr>
-                        </a:p>
-                      </a:txBody>
-                      <a:tcPr marL="68580" marR="68580" marT="0" marB="0" anchor="ctr"/>
-                    </a:tc>
-                    <a:tc>
-                      <a:txBody>
-                        <a:bodyPr/>
-                        <a:lstStyle/>
-                        <a:p>
-                          <a:pPr marL="0" marR="0" algn="r">
-                            <a:lnSpc>
-                              <a:spcPct val="107000"/>
-                            </a:lnSpc>
-                            <a:spcBef>
-                              <a:spcPts val="0"/>
-                            </a:spcBef>
-                            <a:spcAft>
-                              <a:spcPts val="0"/>
-                            </a:spcAft>
-                          </a:pPr>
-                          <a:r>
-                            <a:rPr lang="en-US" sz="1100" dirty="0">
-                              <a:effectLst/>
-                            </a:rPr>
-                            <a:t>[4.76, 7.4] &gt; 0</a:t>
-                          </a:r>
-                          <a:endParaRPr lang="en-US" sz="1100" dirty="0">
-                            <a:effectLst/>
-                            <a:latin typeface="Calibri" panose="020F0502020204030204" pitchFamily="34" charset="0"/>
-                            <a:ea typeface="Calibri" panose="020F0502020204030204" pitchFamily="34" charset="0"/>
-                            <a:cs typeface="Times New Roman" panose="02020603050405020304" pitchFamily="18" charset="0"/>
-                          </a:endParaRPr>
-                        </a:p>
-                      </a:txBody>
-                      <a:tcPr marL="68580" marR="68580" marT="0" marB="0" anchor="ctr"/>
-                    </a:tc>
-                    <a:extLst>
-                      <a:ext uri="{0D108BD9-81ED-4DB2-BD59-A6C34878D82A}">
-                        <a16:rowId xmlns:a16="http://schemas.microsoft.com/office/drawing/2014/main" val="1717543923"/>
-                      </a:ext>
-                    </a:extLst>
-                  </a:tr>
-                </a:tbl>
-              </a:graphicData>
-            </a:graphic>
-          </p:graphicFrame>
-        </mc:Choice>
-        <mc:Fallback xmlns="">
-          <p:graphicFrame>
-            <p:nvGraphicFramePr>
-              <p:cNvPr id="5" name="Table 4">
+              </a:tr>
+              <a:tr h="237490">
+                <a:tc>
+                  <a:txBody>
+                    <a:bodyPr/>
+                    <a:lstStyle/>
+                    <a:p>
+                      <a:pPr marL="0" marR="0" algn="ctr">
+                        <a:lnSpc>
+                          <a:spcPct val="107000"/>
+                        </a:lnSpc>
+                        <a:spcBef>
+                          <a:spcPts val="0"/>
+                        </a:spcBef>
+                        <a:spcAft>
+                          <a:spcPts val="0"/>
+                        </a:spcAft>
+                      </a:pPr>
+                      <a:r>
+                        <a:rPr lang="en-US" sz="1100">
+                          <a:effectLst/>
+                        </a:rPr>
+                        <a:t>5</a:t>
+                      </a:r>
+                      <a:endParaRPr lang="en-US" sz="1100">
+                        <a:effectLst/>
+                        <a:latin typeface="Calibri" panose="020F0502020204030204" pitchFamily="34" charset="0"/>
+                        <a:ea typeface="Calibri" panose="020F0502020204030204" pitchFamily="34" charset="0"/>
+                        <a:cs typeface="Times New Roman" panose="02020603050405020304" pitchFamily="18" charset="0"/>
+                      </a:endParaRPr>
+                    </a:p>
+                  </a:txBody>
+                  <a:tcPr marL="68580" marR="68580" marT="0" marB="0" anchor="ctr"/>
+                </a:tc>
+                <a:tc>
+                  <a:txBody>
+                    <a:bodyPr/>
+                    <a:lstStyle/>
+                    <a:p>
+                      <a:pPr marL="0" marR="0" algn="ctr">
+                        <a:lnSpc>
+                          <a:spcPct val="107000"/>
+                        </a:lnSpc>
+                        <a:spcBef>
+                          <a:spcPts val="0"/>
+                        </a:spcBef>
+                        <a:spcAft>
+                          <a:spcPts val="0"/>
+                        </a:spcAft>
+                      </a:pPr>
+                      <a:r>
+                        <a:rPr lang="en-US" sz="1100">
+                          <a:effectLst/>
+                        </a:rPr>
+                        <a:t>3</a:t>
+                      </a:r>
+                      <a:endParaRPr lang="en-US" sz="1100">
+                        <a:effectLst/>
+                        <a:latin typeface="Calibri" panose="020F0502020204030204" pitchFamily="34" charset="0"/>
+                        <a:ea typeface="Calibri" panose="020F0502020204030204" pitchFamily="34" charset="0"/>
+                        <a:cs typeface="Times New Roman" panose="02020603050405020304" pitchFamily="18" charset="0"/>
+                      </a:endParaRPr>
+                    </a:p>
+                  </a:txBody>
+                  <a:tcPr marL="68580" marR="68580" marT="0" marB="0" anchor="ctr"/>
+                </a:tc>
+                <a:tc>
+                  <a:txBody>
+                    <a:bodyPr/>
+                    <a:lstStyle/>
+                    <a:p>
+                      <a:pPr marL="0" marR="0" algn="r">
+                        <a:lnSpc>
+                          <a:spcPct val="107000"/>
+                        </a:lnSpc>
+                        <a:spcBef>
+                          <a:spcPts val="0"/>
+                        </a:spcBef>
+                        <a:spcAft>
+                          <a:spcPts val="0"/>
+                        </a:spcAft>
+                      </a:pPr>
+                      <a:r>
+                        <a:rPr lang="en-US" sz="1100" dirty="0">
+                          <a:effectLst/>
+                        </a:rPr>
+                        <a:t>[-13.6, -10.8] </a:t>
+                      </a:r>
+                      <a:r>
+                        <a:rPr lang="en-US" sz="1100" dirty="0">
+                          <a:solidFill>
+                            <a:srgbClr val="FF0000"/>
+                          </a:solidFill>
+                          <a:effectLst/>
+                        </a:rPr>
+                        <a:t>&lt; 0</a:t>
+                      </a:r>
+                      <a:endParaRPr lang="en-US" sz="1100" dirty="0">
+                        <a:solidFill>
+                          <a:srgbClr val="FF0000"/>
+                        </a:solidFill>
+                        <a:effectLst/>
+                        <a:latin typeface="Calibri" panose="020F0502020204030204" pitchFamily="34" charset="0"/>
+                        <a:ea typeface="Calibri" panose="020F0502020204030204" pitchFamily="34" charset="0"/>
+                        <a:cs typeface="Times New Roman" panose="02020603050405020304" pitchFamily="18" charset="0"/>
+                      </a:endParaRPr>
+                    </a:p>
+                  </a:txBody>
+                  <a:tcPr marL="68580" marR="68580" marT="0" marB="0" anchor="ctr"/>
+                </a:tc>
+                <a:tc>
+                  <a:txBody>
+                    <a:bodyPr/>
+                    <a:lstStyle/>
+                    <a:p>
+                      <a:pPr marL="0" marR="0" algn="r">
+                        <a:lnSpc>
+                          <a:spcPct val="107000"/>
+                        </a:lnSpc>
+                        <a:spcBef>
+                          <a:spcPts val="0"/>
+                        </a:spcBef>
+                        <a:spcAft>
+                          <a:spcPts val="0"/>
+                        </a:spcAft>
+                      </a:pPr>
+                      <a:r>
+                        <a:rPr lang="en-US" sz="1100" dirty="0">
+                          <a:effectLst/>
+                        </a:rPr>
+                        <a:t>[-2.3, -1.4] </a:t>
+                      </a:r>
+                      <a:r>
+                        <a:rPr lang="en-US" sz="1100" dirty="0">
+                          <a:solidFill>
+                            <a:srgbClr val="FF0000"/>
+                          </a:solidFill>
+                          <a:effectLst/>
+                        </a:rPr>
+                        <a:t>&lt; 0</a:t>
+                      </a:r>
+                      <a:endParaRPr lang="en-US" sz="1100" dirty="0">
+                        <a:solidFill>
+                          <a:srgbClr val="FF0000"/>
+                        </a:solidFill>
+                        <a:effectLst/>
+                        <a:latin typeface="Calibri" panose="020F0502020204030204" pitchFamily="34" charset="0"/>
+                        <a:ea typeface="Calibri" panose="020F0502020204030204" pitchFamily="34" charset="0"/>
+                        <a:cs typeface="Times New Roman" panose="02020603050405020304" pitchFamily="18" charset="0"/>
+                      </a:endParaRPr>
+                    </a:p>
+                  </a:txBody>
+                  <a:tcPr marL="68580" marR="68580" marT="0" marB="0" anchor="ctr"/>
+                </a:tc>
                 <a:extLst>
-                  <a:ext uri="{FF2B5EF4-FFF2-40B4-BE49-F238E27FC236}">
-                    <a16:creationId xmlns:a16="http://schemas.microsoft.com/office/drawing/2014/main" id="{4BD9315E-0CFC-4586-B200-D4CF2DE66206}"/>
+                  <a:ext uri="{0D108BD9-81ED-4DB2-BD59-A6C34878D82A}">
+                    <a16:rowId xmlns:a16="http://schemas.microsoft.com/office/drawing/2014/main" xmlns="" xmlns:a14="http://schemas.microsoft.com/office/drawing/2010/main" xmlns:mc="http://schemas.openxmlformats.org/markup-compatibility/2006" val="1769026379"/>
                   </a:ext>
                 </a:extLst>
-              </p:cNvPr>
-              <p:cNvGraphicFramePr>
-                <a:graphicFrameLocks noGrp="1"/>
-              </p:cNvGraphicFramePr>
-              <p:nvPr>
-                <p:extLst>
-                  <p:ext uri="{D42A27DB-BD31-4B8C-83A1-F6EECF244321}">
-                    <p14:modId xmlns:p14="http://schemas.microsoft.com/office/powerpoint/2010/main" val="4164754152"/>
-                  </p:ext>
-                </p:extLst>
-              </p:nvPr>
-            </p:nvGraphicFramePr>
-            <p:xfrm>
-              <a:off x="5378131" y="2366804"/>
-              <a:ext cx="5669280" cy="3307080"/>
-            </p:xfrm>
-            <a:graphic>
-              <a:graphicData uri="http://schemas.openxmlformats.org/drawingml/2006/table">
-                <a:tbl>
-                  <a:tblPr firstRow="1" firstCol="1" bandRow="1">
-                    <a:tableStyleId>{5C22544A-7EE6-4342-B048-85BDC9FD1C3A}</a:tableStyleId>
-                  </a:tblPr>
-                  <a:tblGrid>
-                    <a:gridCol w="1005840">
-                      <a:extLst>
-                        <a:ext uri="{9D8B030D-6E8A-4147-A177-3AD203B41FA5}">
-                          <a16:colId xmlns:a16="http://schemas.microsoft.com/office/drawing/2014/main" val="3082723931"/>
-                        </a:ext>
-                      </a:extLst>
-                    </a:gridCol>
-                    <a:gridCol w="1005840">
-                      <a:extLst>
-                        <a:ext uri="{9D8B030D-6E8A-4147-A177-3AD203B41FA5}">
-                          <a16:colId xmlns:a16="http://schemas.microsoft.com/office/drawing/2014/main" val="26572659"/>
-                        </a:ext>
-                      </a:extLst>
-                    </a:gridCol>
-                    <a:gridCol w="1828800">
-                      <a:extLst>
-                        <a:ext uri="{9D8B030D-6E8A-4147-A177-3AD203B41FA5}">
-                          <a16:colId xmlns:a16="http://schemas.microsoft.com/office/drawing/2014/main" val="1067976798"/>
-                        </a:ext>
-                      </a:extLst>
-                    </a:gridCol>
-                    <a:gridCol w="1828800">
-                      <a:extLst>
-                        <a:ext uri="{9D8B030D-6E8A-4147-A177-3AD203B41FA5}">
-                          <a16:colId xmlns:a16="http://schemas.microsoft.com/office/drawing/2014/main" val="1866872039"/>
-                        </a:ext>
-                      </a:extLst>
-                    </a:gridCol>
-                  </a:tblGrid>
-                  <a:tr h="457200">
-                    <a:tc>
-                      <a:txBody>
-                        <a:bodyPr/>
-                        <a:lstStyle/>
-                        <a:p>
-                          <a:endParaRPr lang="en-US"/>
-                        </a:p>
-                      </a:txBody>
-                      <a:tcPr marL="68580" marR="68580" marT="0" marB="0" anchor="ctr">
-                        <a:blipFill>
-                          <a:blip r:embed="rId2"/>
-                          <a:stretch>
-                            <a:fillRect l="-606" t="-1333" r="-466667" b="-636000"/>
-                          </a:stretch>
-                        </a:blipFill>
-                      </a:tcPr>
-                    </a:tc>
-                    <a:tc>
-                      <a:txBody>
-                        <a:bodyPr/>
-                        <a:lstStyle/>
-                        <a:p>
-                          <a:endParaRPr lang="en-US"/>
-                        </a:p>
-                      </a:txBody>
-                      <a:tcPr marL="68580" marR="68580" marT="0" marB="0" anchor="ctr">
-                        <a:blipFill>
-                          <a:blip r:embed="rId2"/>
-                          <a:stretch>
-                            <a:fillRect l="-100606" t="-1333" r="-366667" b="-636000"/>
-                          </a:stretch>
-                        </a:blipFill>
-                      </a:tcPr>
-                    </a:tc>
-                    <a:tc>
-                      <a:txBody>
-                        <a:bodyPr/>
-                        <a:lstStyle/>
-                        <a:p>
-                          <a:endParaRPr lang="en-US"/>
-                        </a:p>
-                      </a:txBody>
-                      <a:tcPr marL="68580" marR="68580" marT="0" marB="0" anchor="ctr">
-                        <a:blipFill>
-                          <a:blip r:embed="rId2"/>
-                          <a:stretch>
-                            <a:fillRect l="-109967" t="-1333" r="-100997" b="-636000"/>
-                          </a:stretch>
-                        </a:blipFill>
-                      </a:tcPr>
-                    </a:tc>
-                    <a:tc>
-                      <a:txBody>
-                        <a:bodyPr/>
-                        <a:lstStyle/>
-                        <a:p>
-                          <a:endParaRPr lang="en-US"/>
-                        </a:p>
-                      </a:txBody>
-                      <a:tcPr marL="68580" marR="68580" marT="0" marB="0" anchor="ctr">
-                        <a:blipFill>
-                          <a:blip r:embed="rId2"/>
-                          <a:stretch>
-                            <a:fillRect l="-210667" t="-1333" r="-1333" b="-636000"/>
-                          </a:stretch>
-                        </a:blipFill>
-                      </a:tcPr>
-                    </a:tc>
-                    <a:extLst>
-                      <a:ext uri="{0D108BD9-81ED-4DB2-BD59-A6C34878D82A}">
-                        <a16:rowId xmlns:a16="http://schemas.microsoft.com/office/drawing/2014/main" val="947064816"/>
-                      </a:ext>
-                    </a:extLst>
-                  </a:tr>
-                  <a:tr h="237490">
-                    <a:tc>
-                      <a:txBody>
-                        <a:bodyPr/>
-                        <a:lstStyle/>
-                        <a:p>
-                          <a:pPr marL="0" marR="0" algn="ctr">
-                            <a:lnSpc>
-                              <a:spcPct val="107000"/>
-                            </a:lnSpc>
-                            <a:spcBef>
-                              <a:spcPts val="0"/>
-                            </a:spcBef>
-                            <a:spcAft>
-                              <a:spcPts val="0"/>
-                            </a:spcAft>
-                          </a:pPr>
-                          <a:r>
-                            <a:rPr lang="en-US" sz="1100">
-                              <a:effectLst/>
-                            </a:rPr>
-                            <a:t>5</a:t>
-                          </a:r>
-                          <a:endParaRPr lang="en-US" sz="1100">
-                            <a:effectLst/>
-                            <a:latin typeface="Calibri" panose="020F0502020204030204" pitchFamily="34" charset="0"/>
-                            <a:ea typeface="Calibri" panose="020F0502020204030204" pitchFamily="34" charset="0"/>
-                            <a:cs typeface="Times New Roman" panose="02020603050405020304" pitchFamily="18" charset="0"/>
-                          </a:endParaRPr>
-                        </a:p>
-                      </a:txBody>
-                      <a:tcPr marL="68580" marR="68580" marT="0" marB="0" anchor="ctr"/>
-                    </a:tc>
-                    <a:tc>
-                      <a:txBody>
-                        <a:bodyPr/>
-                        <a:lstStyle/>
-                        <a:p>
-                          <a:pPr marL="0" marR="0" algn="ctr">
-                            <a:lnSpc>
-                              <a:spcPct val="107000"/>
-                            </a:lnSpc>
-                            <a:spcBef>
-                              <a:spcPts val="0"/>
-                            </a:spcBef>
-                            <a:spcAft>
-                              <a:spcPts val="0"/>
-                            </a:spcAft>
-                          </a:pPr>
-                          <a:r>
-                            <a:rPr lang="en-US" sz="1100">
-                              <a:effectLst/>
-                            </a:rPr>
-                            <a:t>3</a:t>
-                          </a:r>
-                          <a:endParaRPr lang="en-US" sz="1100">
-                            <a:effectLst/>
-                            <a:latin typeface="Calibri" panose="020F0502020204030204" pitchFamily="34" charset="0"/>
-                            <a:ea typeface="Calibri" panose="020F0502020204030204" pitchFamily="34" charset="0"/>
-                            <a:cs typeface="Times New Roman" panose="02020603050405020304" pitchFamily="18" charset="0"/>
-                          </a:endParaRPr>
-                        </a:p>
-                      </a:txBody>
-                      <a:tcPr marL="68580" marR="68580" marT="0" marB="0" anchor="ctr"/>
-                    </a:tc>
-                    <a:tc>
-                      <a:txBody>
-                        <a:bodyPr/>
-                        <a:lstStyle/>
-                        <a:p>
-                          <a:pPr marL="0" marR="0" algn="r">
-                            <a:lnSpc>
-                              <a:spcPct val="107000"/>
-                            </a:lnSpc>
-                            <a:spcBef>
-                              <a:spcPts val="0"/>
-                            </a:spcBef>
-                            <a:spcAft>
-                              <a:spcPts val="0"/>
-                            </a:spcAft>
-                          </a:pPr>
-                          <a:r>
-                            <a:rPr lang="en-US" sz="1100">
-                              <a:effectLst/>
-                            </a:rPr>
-                            <a:t>[-13.6, -10.8] &lt; 0</a:t>
-                          </a:r>
-                          <a:endParaRPr lang="en-US" sz="1100">
-                            <a:effectLst/>
-                            <a:latin typeface="Calibri" panose="020F0502020204030204" pitchFamily="34" charset="0"/>
-                            <a:ea typeface="Calibri" panose="020F0502020204030204" pitchFamily="34" charset="0"/>
-                            <a:cs typeface="Times New Roman" panose="02020603050405020304" pitchFamily="18" charset="0"/>
-                          </a:endParaRPr>
-                        </a:p>
-                      </a:txBody>
-                      <a:tcPr marL="68580" marR="68580" marT="0" marB="0" anchor="ctr"/>
-                    </a:tc>
-                    <a:tc>
-                      <a:txBody>
-                        <a:bodyPr/>
-                        <a:lstStyle/>
-                        <a:p>
-                          <a:pPr marL="0" marR="0" algn="r">
-                            <a:lnSpc>
-                              <a:spcPct val="107000"/>
-                            </a:lnSpc>
-                            <a:spcBef>
-                              <a:spcPts val="0"/>
-                            </a:spcBef>
-                            <a:spcAft>
-                              <a:spcPts val="0"/>
-                            </a:spcAft>
-                          </a:pPr>
-                          <a:r>
-                            <a:rPr lang="en-US" sz="1100">
-                              <a:effectLst/>
-                            </a:rPr>
-                            <a:t>[-2.3, -1.4] &lt; 0</a:t>
-                          </a:r>
-                          <a:endParaRPr lang="en-US" sz="1100">
-                            <a:effectLst/>
-                            <a:latin typeface="Calibri" panose="020F0502020204030204" pitchFamily="34" charset="0"/>
-                            <a:ea typeface="Calibri" panose="020F0502020204030204" pitchFamily="34" charset="0"/>
-                            <a:cs typeface="Times New Roman" panose="02020603050405020304" pitchFamily="18" charset="0"/>
-                          </a:endParaRPr>
-                        </a:p>
-                      </a:txBody>
-                      <a:tcPr marL="68580" marR="68580" marT="0" marB="0" anchor="ctr"/>
-                    </a:tc>
-                    <a:extLst>
-                      <a:ext uri="{0D108BD9-81ED-4DB2-BD59-A6C34878D82A}">
-                        <a16:rowId xmlns:a16="http://schemas.microsoft.com/office/drawing/2014/main" val="1769026379"/>
-                      </a:ext>
-                    </a:extLst>
-                  </a:tr>
-                  <a:tr h="237490">
-                    <a:tc>
-                      <a:txBody>
-                        <a:bodyPr/>
-                        <a:lstStyle/>
-                        <a:p>
-                          <a:pPr marL="0" marR="0" algn="ctr">
-                            <a:lnSpc>
-                              <a:spcPct val="107000"/>
-                            </a:lnSpc>
-                            <a:spcBef>
-                              <a:spcPts val="0"/>
-                            </a:spcBef>
-                            <a:spcAft>
-                              <a:spcPts val="0"/>
-                            </a:spcAft>
-                          </a:pPr>
-                          <a:r>
-                            <a:rPr lang="en-US" sz="1100">
-                              <a:effectLst/>
-                            </a:rPr>
-                            <a:t>5</a:t>
-                          </a:r>
-                          <a:endParaRPr lang="en-US" sz="1100">
-                            <a:effectLst/>
-                            <a:latin typeface="Calibri" panose="020F0502020204030204" pitchFamily="34" charset="0"/>
-                            <a:ea typeface="Calibri" panose="020F0502020204030204" pitchFamily="34" charset="0"/>
-                            <a:cs typeface="Times New Roman" panose="02020603050405020304" pitchFamily="18" charset="0"/>
-                          </a:endParaRPr>
-                        </a:p>
-                      </a:txBody>
-                      <a:tcPr marL="68580" marR="68580" marT="0" marB="0" anchor="ctr"/>
-                    </a:tc>
-                    <a:tc>
-                      <a:txBody>
-                        <a:bodyPr/>
-                        <a:lstStyle/>
-                        <a:p>
-                          <a:pPr marL="0" marR="0" algn="ctr">
-                            <a:lnSpc>
-                              <a:spcPct val="107000"/>
-                            </a:lnSpc>
-                            <a:spcBef>
-                              <a:spcPts val="0"/>
-                            </a:spcBef>
-                            <a:spcAft>
-                              <a:spcPts val="0"/>
-                            </a:spcAft>
-                          </a:pPr>
-                          <a:r>
-                            <a:rPr lang="en-US" sz="1100">
-                              <a:effectLst/>
-                            </a:rPr>
-                            <a:t>4</a:t>
-                          </a:r>
-                          <a:endParaRPr lang="en-US" sz="1100">
-                            <a:effectLst/>
-                            <a:latin typeface="Calibri" panose="020F0502020204030204" pitchFamily="34" charset="0"/>
-                            <a:ea typeface="Calibri" panose="020F0502020204030204" pitchFamily="34" charset="0"/>
-                            <a:cs typeface="Times New Roman" panose="02020603050405020304" pitchFamily="18" charset="0"/>
-                          </a:endParaRPr>
-                        </a:p>
-                      </a:txBody>
-                      <a:tcPr marL="68580" marR="68580" marT="0" marB="0" anchor="ctr"/>
-                    </a:tc>
-                    <a:tc>
-                      <a:txBody>
-                        <a:bodyPr/>
-                        <a:lstStyle/>
-                        <a:p>
-                          <a:pPr marL="0" marR="0" algn="r">
-                            <a:lnSpc>
-                              <a:spcPct val="107000"/>
-                            </a:lnSpc>
-                            <a:spcBef>
-                              <a:spcPts val="0"/>
-                            </a:spcBef>
-                            <a:spcAft>
-                              <a:spcPts val="0"/>
-                            </a:spcAft>
-                          </a:pPr>
-                          <a:r>
-                            <a:rPr lang="en-US" sz="1100">
-                              <a:effectLst/>
-                            </a:rPr>
-                            <a:t>[10.5, 10.8] &gt; 0</a:t>
-                          </a:r>
-                          <a:endParaRPr lang="en-US" sz="1100">
-                            <a:effectLst/>
-                            <a:latin typeface="Calibri" panose="020F0502020204030204" pitchFamily="34" charset="0"/>
-                            <a:ea typeface="Calibri" panose="020F0502020204030204" pitchFamily="34" charset="0"/>
-                            <a:cs typeface="Times New Roman" panose="02020603050405020304" pitchFamily="18" charset="0"/>
-                          </a:endParaRPr>
-                        </a:p>
-                      </a:txBody>
-                      <a:tcPr marL="68580" marR="68580" marT="0" marB="0" anchor="ctr"/>
-                    </a:tc>
-                    <a:tc>
-                      <a:txBody>
-                        <a:bodyPr/>
-                        <a:lstStyle/>
-                        <a:p>
-                          <a:pPr marL="0" marR="0" algn="r">
-                            <a:lnSpc>
-                              <a:spcPct val="107000"/>
-                            </a:lnSpc>
-                            <a:spcBef>
-                              <a:spcPts val="0"/>
-                            </a:spcBef>
-                            <a:spcAft>
-                              <a:spcPts val="0"/>
-                            </a:spcAft>
-                          </a:pPr>
-                          <a:r>
-                            <a:rPr lang="en-US" sz="1100">
-                              <a:effectLst/>
-                            </a:rPr>
-                            <a:t>[0.7, 1.1] &gt; 0</a:t>
-                          </a:r>
-                          <a:endParaRPr lang="en-US" sz="1100">
-                            <a:effectLst/>
-                            <a:latin typeface="Calibri" panose="020F0502020204030204" pitchFamily="34" charset="0"/>
-                            <a:ea typeface="Calibri" panose="020F0502020204030204" pitchFamily="34" charset="0"/>
-                            <a:cs typeface="Times New Roman" panose="02020603050405020304" pitchFamily="18" charset="0"/>
-                          </a:endParaRPr>
-                        </a:p>
-                      </a:txBody>
-                      <a:tcPr marL="68580" marR="68580" marT="0" marB="0" anchor="ctr"/>
-                    </a:tc>
-                    <a:extLst>
-                      <a:ext uri="{0D108BD9-81ED-4DB2-BD59-A6C34878D82A}">
-                        <a16:rowId xmlns:a16="http://schemas.microsoft.com/office/drawing/2014/main" val="1472892712"/>
-                      </a:ext>
-                    </a:extLst>
-                  </a:tr>
-                  <a:tr h="237490">
-                    <a:tc>
-                      <a:txBody>
-                        <a:bodyPr/>
-                        <a:lstStyle/>
-                        <a:p>
-                          <a:pPr marL="0" marR="0" algn="ctr">
-                            <a:lnSpc>
-                              <a:spcPct val="107000"/>
-                            </a:lnSpc>
-                            <a:spcBef>
-                              <a:spcPts val="0"/>
-                            </a:spcBef>
-                            <a:spcAft>
-                              <a:spcPts val="0"/>
-                            </a:spcAft>
-                          </a:pPr>
-                          <a:r>
-                            <a:rPr lang="en-US" sz="1100">
-                              <a:effectLst/>
-                            </a:rPr>
-                            <a:t>5</a:t>
-                          </a:r>
-                          <a:endParaRPr lang="en-US" sz="1100">
-                            <a:effectLst/>
-                            <a:latin typeface="Calibri" panose="020F0502020204030204" pitchFamily="34" charset="0"/>
-                            <a:ea typeface="Calibri" panose="020F0502020204030204" pitchFamily="34" charset="0"/>
-                            <a:cs typeface="Times New Roman" panose="02020603050405020304" pitchFamily="18" charset="0"/>
-                          </a:endParaRPr>
-                        </a:p>
-                      </a:txBody>
-                      <a:tcPr marL="68580" marR="68580" marT="0" marB="0" anchor="ctr"/>
-                    </a:tc>
-                    <a:tc>
-                      <a:txBody>
-                        <a:bodyPr/>
-                        <a:lstStyle/>
-                        <a:p>
-                          <a:pPr marL="0" marR="0" algn="ctr">
-                            <a:lnSpc>
-                              <a:spcPct val="107000"/>
-                            </a:lnSpc>
-                            <a:spcBef>
-                              <a:spcPts val="0"/>
-                            </a:spcBef>
-                            <a:spcAft>
-                              <a:spcPts val="0"/>
-                            </a:spcAft>
-                          </a:pPr>
-                          <a:r>
-                            <a:rPr lang="en-US" sz="1100">
-                              <a:effectLst/>
-                            </a:rPr>
-                            <a:t>5</a:t>
-                          </a:r>
-                          <a:endParaRPr lang="en-US" sz="1100">
-                            <a:effectLst/>
-                            <a:latin typeface="Calibri" panose="020F0502020204030204" pitchFamily="34" charset="0"/>
-                            <a:ea typeface="Calibri" panose="020F0502020204030204" pitchFamily="34" charset="0"/>
-                            <a:cs typeface="Times New Roman" panose="02020603050405020304" pitchFamily="18" charset="0"/>
-                          </a:endParaRPr>
-                        </a:p>
-                      </a:txBody>
-                      <a:tcPr marL="68580" marR="68580" marT="0" marB="0" anchor="ctr"/>
-                    </a:tc>
-                    <a:tc>
-                      <a:txBody>
-                        <a:bodyPr/>
-                        <a:lstStyle/>
-                        <a:p>
-                          <a:pPr marL="0" marR="0" algn="r">
-                            <a:lnSpc>
-                              <a:spcPct val="107000"/>
-                            </a:lnSpc>
-                            <a:spcBef>
-                              <a:spcPts val="0"/>
-                            </a:spcBef>
-                            <a:spcAft>
-                              <a:spcPts val="0"/>
-                            </a:spcAft>
-                          </a:pPr>
-                          <a:r>
-                            <a:rPr lang="en-US" sz="1100">
-                              <a:effectLst/>
-                            </a:rPr>
-                            <a:t>[40.5, 46.2] &gt; 0</a:t>
-                          </a:r>
-                          <a:endParaRPr lang="en-US" sz="1100">
-                            <a:effectLst/>
-                            <a:latin typeface="Calibri" panose="020F0502020204030204" pitchFamily="34" charset="0"/>
-                            <a:ea typeface="Calibri" panose="020F0502020204030204" pitchFamily="34" charset="0"/>
-                            <a:cs typeface="Times New Roman" panose="02020603050405020304" pitchFamily="18" charset="0"/>
-                          </a:endParaRPr>
-                        </a:p>
-                      </a:txBody>
-                      <a:tcPr marL="68580" marR="68580" marT="0" marB="0" anchor="ctr"/>
-                    </a:tc>
-                    <a:tc>
-                      <a:txBody>
-                        <a:bodyPr/>
-                        <a:lstStyle/>
-                        <a:p>
-                          <a:pPr marL="0" marR="0" algn="r">
-                            <a:lnSpc>
-                              <a:spcPct val="107000"/>
-                            </a:lnSpc>
-                            <a:spcBef>
-                              <a:spcPts val="0"/>
-                            </a:spcBef>
-                            <a:spcAft>
-                              <a:spcPts val="0"/>
-                            </a:spcAft>
-                          </a:pPr>
-                          <a:r>
-                            <a:rPr lang="en-US" sz="1100">
-                              <a:effectLst/>
-                            </a:rPr>
-                            <a:t>[6, 6.1] &gt; 0</a:t>
-                          </a:r>
-                          <a:endParaRPr lang="en-US" sz="1100">
-                            <a:effectLst/>
-                            <a:latin typeface="Calibri" panose="020F0502020204030204" pitchFamily="34" charset="0"/>
-                            <a:ea typeface="Calibri" panose="020F0502020204030204" pitchFamily="34" charset="0"/>
-                            <a:cs typeface="Times New Roman" panose="02020603050405020304" pitchFamily="18" charset="0"/>
-                          </a:endParaRPr>
-                        </a:p>
-                      </a:txBody>
-                      <a:tcPr marL="68580" marR="68580" marT="0" marB="0" anchor="ctr"/>
-                    </a:tc>
-                    <a:extLst>
-                      <a:ext uri="{0D108BD9-81ED-4DB2-BD59-A6C34878D82A}">
-                        <a16:rowId xmlns:a16="http://schemas.microsoft.com/office/drawing/2014/main" val="3939569015"/>
-                      </a:ext>
-                    </a:extLst>
-                  </a:tr>
-                  <a:tr h="237490">
-                    <a:tc>
-                      <a:txBody>
-                        <a:bodyPr/>
-                        <a:lstStyle/>
-                        <a:p>
-                          <a:pPr marL="0" marR="0" algn="ctr">
-                            <a:lnSpc>
-                              <a:spcPct val="107000"/>
-                            </a:lnSpc>
-                            <a:spcBef>
-                              <a:spcPts val="0"/>
-                            </a:spcBef>
-                            <a:spcAft>
-                              <a:spcPts val="0"/>
-                            </a:spcAft>
-                          </a:pPr>
-                          <a:r>
-                            <a:rPr lang="en-US" sz="1100">
-                              <a:effectLst/>
-                            </a:rPr>
-                            <a:t>5</a:t>
-                          </a:r>
-                          <a:endParaRPr lang="en-US" sz="1100">
-                            <a:effectLst/>
-                            <a:latin typeface="Calibri" panose="020F0502020204030204" pitchFamily="34" charset="0"/>
-                            <a:ea typeface="Calibri" panose="020F0502020204030204" pitchFamily="34" charset="0"/>
-                            <a:cs typeface="Times New Roman" panose="02020603050405020304" pitchFamily="18" charset="0"/>
-                          </a:endParaRPr>
-                        </a:p>
-                      </a:txBody>
-                      <a:tcPr marL="68580" marR="68580" marT="0" marB="0" anchor="ctr"/>
-                    </a:tc>
-                    <a:tc>
-                      <a:txBody>
-                        <a:bodyPr/>
-                        <a:lstStyle/>
-                        <a:p>
-                          <a:pPr marL="0" marR="0" algn="ctr">
-                            <a:lnSpc>
-                              <a:spcPct val="107000"/>
-                            </a:lnSpc>
-                            <a:spcBef>
-                              <a:spcPts val="0"/>
-                            </a:spcBef>
-                            <a:spcAft>
-                              <a:spcPts val="0"/>
-                            </a:spcAft>
-                          </a:pPr>
-                          <a:r>
-                            <a:rPr lang="en-US" sz="1100">
-                              <a:effectLst/>
-                            </a:rPr>
-                            <a:t>6</a:t>
-                          </a:r>
-                          <a:endParaRPr lang="en-US" sz="1100">
-                            <a:effectLst/>
-                            <a:latin typeface="Calibri" panose="020F0502020204030204" pitchFamily="34" charset="0"/>
-                            <a:ea typeface="Calibri" panose="020F0502020204030204" pitchFamily="34" charset="0"/>
-                            <a:cs typeface="Times New Roman" panose="02020603050405020304" pitchFamily="18" charset="0"/>
-                          </a:endParaRPr>
-                        </a:p>
-                      </a:txBody>
-                      <a:tcPr marL="68580" marR="68580" marT="0" marB="0" anchor="ctr"/>
-                    </a:tc>
-                    <a:tc>
-                      <a:txBody>
-                        <a:bodyPr/>
-                        <a:lstStyle/>
-                        <a:p>
-                          <a:pPr marL="0" marR="0" algn="r">
-                            <a:lnSpc>
-                              <a:spcPct val="107000"/>
-                            </a:lnSpc>
-                            <a:spcBef>
-                              <a:spcPts val="0"/>
-                            </a:spcBef>
-                            <a:spcAft>
-                              <a:spcPts val="0"/>
-                            </a:spcAft>
-                          </a:pPr>
-                          <a:r>
-                            <a:rPr lang="en-US" sz="1100">
-                              <a:effectLst/>
-                            </a:rPr>
-                            <a:t>[6.7, 11.1] &gt; 0</a:t>
-                          </a:r>
-                          <a:endParaRPr lang="en-US" sz="1100">
-                            <a:effectLst/>
-                            <a:latin typeface="Calibri" panose="020F0502020204030204" pitchFamily="34" charset="0"/>
-                            <a:ea typeface="Calibri" panose="020F0502020204030204" pitchFamily="34" charset="0"/>
-                            <a:cs typeface="Times New Roman" panose="02020603050405020304" pitchFamily="18" charset="0"/>
-                          </a:endParaRPr>
-                        </a:p>
-                      </a:txBody>
-                      <a:tcPr marL="68580" marR="68580" marT="0" marB="0" anchor="ctr"/>
-                    </a:tc>
-                    <a:tc>
-                      <a:txBody>
-                        <a:bodyPr/>
-                        <a:lstStyle/>
-                        <a:p>
-                          <a:pPr marL="0" marR="0" algn="r">
-                            <a:lnSpc>
-                              <a:spcPct val="107000"/>
-                            </a:lnSpc>
-                            <a:spcBef>
-                              <a:spcPts val="0"/>
-                            </a:spcBef>
-                            <a:spcAft>
-                              <a:spcPts val="0"/>
-                            </a:spcAft>
-                          </a:pPr>
-                          <a:r>
-                            <a:rPr lang="en-US" sz="1100">
-                              <a:effectLst/>
-                            </a:rPr>
-                            <a:t>[1.5, 3.6] &gt; 0</a:t>
-                          </a:r>
-                          <a:endParaRPr lang="en-US" sz="1100">
-                            <a:effectLst/>
-                            <a:latin typeface="Calibri" panose="020F0502020204030204" pitchFamily="34" charset="0"/>
-                            <a:ea typeface="Calibri" panose="020F0502020204030204" pitchFamily="34" charset="0"/>
-                            <a:cs typeface="Times New Roman" panose="02020603050405020304" pitchFamily="18" charset="0"/>
-                          </a:endParaRPr>
-                        </a:p>
-                      </a:txBody>
-                      <a:tcPr marL="68580" marR="68580" marT="0" marB="0" anchor="ctr"/>
-                    </a:tc>
-                    <a:extLst>
-                      <a:ext uri="{0D108BD9-81ED-4DB2-BD59-A6C34878D82A}">
-                        <a16:rowId xmlns:a16="http://schemas.microsoft.com/office/drawing/2014/main" val="2305849727"/>
-                      </a:ext>
-                    </a:extLst>
-                  </a:tr>
-                  <a:tr h="237490">
-                    <a:tc>
-                      <a:txBody>
-                        <a:bodyPr/>
-                        <a:lstStyle/>
-                        <a:p>
-                          <a:pPr marL="0" marR="0" algn="ctr">
-                            <a:lnSpc>
-                              <a:spcPct val="107000"/>
-                            </a:lnSpc>
-                            <a:spcBef>
-                              <a:spcPts val="0"/>
-                            </a:spcBef>
-                            <a:spcAft>
-                              <a:spcPts val="0"/>
-                            </a:spcAft>
-                          </a:pPr>
-                          <a:r>
-                            <a:rPr lang="en-US" sz="1100">
-                              <a:effectLst/>
-                            </a:rPr>
-                            <a:t>6</a:t>
-                          </a:r>
-                          <a:endParaRPr lang="en-US" sz="1100">
-                            <a:effectLst/>
-                            <a:latin typeface="Calibri" panose="020F0502020204030204" pitchFamily="34" charset="0"/>
-                            <a:ea typeface="Calibri" panose="020F0502020204030204" pitchFamily="34" charset="0"/>
-                            <a:cs typeface="Times New Roman" panose="02020603050405020304" pitchFamily="18" charset="0"/>
-                          </a:endParaRPr>
-                        </a:p>
-                      </a:txBody>
-                      <a:tcPr marL="68580" marR="68580" marT="0" marB="0" anchor="ctr"/>
-                    </a:tc>
-                    <a:tc>
-                      <a:txBody>
-                        <a:bodyPr/>
-                        <a:lstStyle/>
-                        <a:p>
-                          <a:pPr marL="0" marR="0" algn="ctr">
-                            <a:lnSpc>
-                              <a:spcPct val="107000"/>
-                            </a:lnSpc>
-                            <a:spcBef>
-                              <a:spcPts val="0"/>
-                            </a:spcBef>
-                            <a:spcAft>
-                              <a:spcPts val="0"/>
-                            </a:spcAft>
-                          </a:pPr>
-                          <a:r>
-                            <a:rPr lang="en-US" sz="1100">
-                              <a:effectLst/>
-                            </a:rPr>
-                            <a:t>3</a:t>
-                          </a:r>
-                          <a:endParaRPr lang="en-US" sz="1100">
-                            <a:effectLst/>
-                            <a:latin typeface="Calibri" panose="020F0502020204030204" pitchFamily="34" charset="0"/>
-                            <a:ea typeface="Calibri" panose="020F0502020204030204" pitchFamily="34" charset="0"/>
-                            <a:cs typeface="Times New Roman" panose="02020603050405020304" pitchFamily="18" charset="0"/>
-                          </a:endParaRPr>
-                        </a:p>
-                      </a:txBody>
-                      <a:tcPr marL="68580" marR="68580" marT="0" marB="0" anchor="ctr"/>
-                    </a:tc>
-                    <a:tc>
-                      <a:txBody>
-                        <a:bodyPr/>
-                        <a:lstStyle/>
-                        <a:p>
-                          <a:pPr marL="0" marR="0" algn="r">
-                            <a:lnSpc>
-                              <a:spcPct val="107000"/>
-                            </a:lnSpc>
-                            <a:spcBef>
-                              <a:spcPts val="0"/>
-                            </a:spcBef>
-                            <a:spcAft>
-                              <a:spcPts val="0"/>
-                            </a:spcAft>
-                          </a:pPr>
-                          <a:r>
-                            <a:rPr lang="en-US" sz="1100">
-                              <a:effectLst/>
-                            </a:rPr>
-                            <a:t>[27.4, 28] &gt; 0</a:t>
-                          </a:r>
-                          <a:endParaRPr lang="en-US" sz="1100">
-                            <a:effectLst/>
-                            <a:latin typeface="Calibri" panose="020F0502020204030204" pitchFamily="34" charset="0"/>
-                            <a:ea typeface="Calibri" panose="020F0502020204030204" pitchFamily="34" charset="0"/>
-                            <a:cs typeface="Times New Roman" panose="02020603050405020304" pitchFamily="18" charset="0"/>
-                          </a:endParaRPr>
-                        </a:p>
-                      </a:txBody>
-                      <a:tcPr marL="68580" marR="68580" marT="0" marB="0" anchor="ctr"/>
-                    </a:tc>
-                    <a:tc>
-                      <a:txBody>
-                        <a:bodyPr/>
-                        <a:lstStyle/>
-                        <a:p>
-                          <a:pPr marL="0" marR="0" algn="r">
-                            <a:lnSpc>
-                              <a:spcPct val="107000"/>
-                            </a:lnSpc>
-                            <a:spcBef>
-                              <a:spcPts val="0"/>
-                            </a:spcBef>
-                            <a:spcAft>
-                              <a:spcPts val="0"/>
-                            </a:spcAft>
-                          </a:pPr>
-                          <a:r>
-                            <a:rPr lang="en-US" sz="1100">
-                              <a:effectLst/>
-                            </a:rPr>
-                            <a:t>[6.2, 6.2] &gt; 0</a:t>
-                          </a:r>
-                          <a:endParaRPr lang="en-US" sz="1100">
-                            <a:effectLst/>
-                            <a:latin typeface="Calibri" panose="020F0502020204030204" pitchFamily="34" charset="0"/>
-                            <a:ea typeface="Calibri" panose="020F0502020204030204" pitchFamily="34" charset="0"/>
-                            <a:cs typeface="Times New Roman" panose="02020603050405020304" pitchFamily="18" charset="0"/>
-                          </a:endParaRPr>
-                        </a:p>
-                      </a:txBody>
-                      <a:tcPr marL="68580" marR="68580" marT="0" marB="0" anchor="ctr"/>
-                    </a:tc>
-                    <a:extLst>
-                      <a:ext uri="{0D108BD9-81ED-4DB2-BD59-A6C34878D82A}">
-                        <a16:rowId xmlns:a16="http://schemas.microsoft.com/office/drawing/2014/main" val="3097839083"/>
-                      </a:ext>
-                    </a:extLst>
-                  </a:tr>
-                  <a:tr h="237490">
-                    <a:tc>
-                      <a:txBody>
-                        <a:bodyPr/>
-                        <a:lstStyle/>
-                        <a:p>
-                          <a:pPr marL="0" marR="0" algn="ctr">
-                            <a:lnSpc>
-                              <a:spcPct val="107000"/>
-                            </a:lnSpc>
-                            <a:spcBef>
-                              <a:spcPts val="0"/>
-                            </a:spcBef>
-                            <a:spcAft>
-                              <a:spcPts val="0"/>
-                            </a:spcAft>
-                          </a:pPr>
-                          <a:r>
-                            <a:rPr lang="en-US" sz="1100">
-                              <a:effectLst/>
-                            </a:rPr>
-                            <a:t>6</a:t>
-                          </a:r>
-                          <a:endParaRPr lang="en-US" sz="1100">
-                            <a:effectLst/>
-                            <a:latin typeface="Calibri" panose="020F0502020204030204" pitchFamily="34" charset="0"/>
-                            <a:ea typeface="Calibri" panose="020F0502020204030204" pitchFamily="34" charset="0"/>
-                            <a:cs typeface="Times New Roman" panose="02020603050405020304" pitchFamily="18" charset="0"/>
-                          </a:endParaRPr>
-                        </a:p>
-                      </a:txBody>
-                      <a:tcPr marL="68580" marR="68580" marT="0" marB="0" anchor="ctr"/>
-                    </a:tc>
-                    <a:tc>
-                      <a:txBody>
-                        <a:bodyPr/>
-                        <a:lstStyle/>
-                        <a:p>
-                          <a:pPr marL="0" marR="0" algn="ctr">
-                            <a:lnSpc>
-                              <a:spcPct val="107000"/>
-                            </a:lnSpc>
-                            <a:spcBef>
-                              <a:spcPts val="0"/>
-                            </a:spcBef>
-                            <a:spcAft>
-                              <a:spcPts val="0"/>
-                            </a:spcAft>
-                          </a:pPr>
-                          <a:r>
-                            <a:rPr lang="en-US" sz="1100">
-                              <a:effectLst/>
-                            </a:rPr>
-                            <a:t>4</a:t>
-                          </a:r>
-                          <a:endParaRPr lang="en-US" sz="1100">
-                            <a:effectLst/>
-                            <a:latin typeface="Calibri" panose="020F0502020204030204" pitchFamily="34" charset="0"/>
-                            <a:ea typeface="Calibri" panose="020F0502020204030204" pitchFamily="34" charset="0"/>
-                            <a:cs typeface="Times New Roman" panose="02020603050405020304" pitchFamily="18" charset="0"/>
-                          </a:endParaRPr>
-                        </a:p>
-                      </a:txBody>
-                      <a:tcPr marL="68580" marR="68580" marT="0" marB="0" anchor="ctr"/>
-                    </a:tc>
-                    <a:tc>
-                      <a:txBody>
-                        <a:bodyPr/>
-                        <a:lstStyle/>
-                        <a:p>
-                          <a:pPr marL="0" marR="0" algn="r">
-                            <a:lnSpc>
-                              <a:spcPct val="107000"/>
-                            </a:lnSpc>
-                            <a:spcBef>
-                              <a:spcPts val="0"/>
-                            </a:spcBef>
-                            <a:spcAft>
-                              <a:spcPts val="0"/>
-                            </a:spcAft>
-                          </a:pPr>
-                          <a:r>
-                            <a:rPr lang="en-US" sz="1100">
-                              <a:effectLst/>
-                            </a:rPr>
-                            <a:t>[-16.7, -13.3] &lt; 0</a:t>
-                          </a:r>
-                          <a:endParaRPr lang="en-US" sz="1100">
-                            <a:effectLst/>
-                            <a:latin typeface="Calibri" panose="020F0502020204030204" pitchFamily="34" charset="0"/>
-                            <a:ea typeface="Calibri" panose="020F0502020204030204" pitchFamily="34" charset="0"/>
-                            <a:cs typeface="Times New Roman" panose="02020603050405020304" pitchFamily="18" charset="0"/>
-                          </a:endParaRPr>
-                        </a:p>
-                      </a:txBody>
-                      <a:tcPr marL="68580" marR="68580" marT="0" marB="0" anchor="ctr"/>
-                    </a:tc>
-                    <a:tc>
-                      <a:txBody>
-                        <a:bodyPr/>
-                        <a:lstStyle/>
-                        <a:p>
-                          <a:pPr marL="0" marR="0" algn="r">
-                            <a:lnSpc>
-                              <a:spcPct val="107000"/>
-                            </a:lnSpc>
-                            <a:spcBef>
-                              <a:spcPts val="0"/>
-                            </a:spcBef>
-                            <a:spcAft>
-                              <a:spcPts val="0"/>
-                            </a:spcAft>
-                          </a:pPr>
-                          <a:r>
-                            <a:rPr lang="en-US" sz="1100">
-                              <a:effectLst/>
-                            </a:rPr>
-                            <a:t>[-2.1, -0.8] &lt; 0</a:t>
-                          </a:r>
-                          <a:endParaRPr lang="en-US" sz="1100">
-                            <a:effectLst/>
-                            <a:latin typeface="Calibri" panose="020F0502020204030204" pitchFamily="34" charset="0"/>
-                            <a:ea typeface="Calibri" panose="020F0502020204030204" pitchFamily="34" charset="0"/>
-                            <a:cs typeface="Times New Roman" panose="02020603050405020304" pitchFamily="18" charset="0"/>
-                          </a:endParaRPr>
-                        </a:p>
-                      </a:txBody>
-                      <a:tcPr marL="68580" marR="68580" marT="0" marB="0" anchor="ctr"/>
-                    </a:tc>
-                    <a:extLst>
-                      <a:ext uri="{0D108BD9-81ED-4DB2-BD59-A6C34878D82A}">
-                        <a16:rowId xmlns:a16="http://schemas.microsoft.com/office/drawing/2014/main" val="4131693362"/>
-                      </a:ext>
-                    </a:extLst>
-                  </a:tr>
-                  <a:tr h="237490">
-                    <a:tc>
-                      <a:txBody>
-                        <a:bodyPr/>
-                        <a:lstStyle/>
-                        <a:p>
-                          <a:pPr marL="0" marR="0" algn="ctr">
-                            <a:lnSpc>
-                              <a:spcPct val="107000"/>
-                            </a:lnSpc>
-                            <a:spcBef>
-                              <a:spcPts val="0"/>
-                            </a:spcBef>
-                            <a:spcAft>
-                              <a:spcPts val="0"/>
-                            </a:spcAft>
-                          </a:pPr>
-                          <a:r>
-                            <a:rPr lang="en-US" sz="1100">
-                              <a:effectLst/>
-                            </a:rPr>
-                            <a:t>6</a:t>
-                          </a:r>
-                          <a:endParaRPr lang="en-US" sz="1100">
-                            <a:effectLst/>
-                            <a:latin typeface="Calibri" panose="020F0502020204030204" pitchFamily="34" charset="0"/>
-                            <a:ea typeface="Calibri" panose="020F0502020204030204" pitchFamily="34" charset="0"/>
-                            <a:cs typeface="Times New Roman" panose="02020603050405020304" pitchFamily="18" charset="0"/>
-                          </a:endParaRPr>
-                        </a:p>
-                      </a:txBody>
-                      <a:tcPr marL="68580" marR="68580" marT="0" marB="0" anchor="ctr"/>
-                    </a:tc>
-                    <a:tc>
-                      <a:txBody>
-                        <a:bodyPr/>
-                        <a:lstStyle/>
-                        <a:p>
-                          <a:pPr marL="0" marR="0" algn="ctr">
-                            <a:lnSpc>
-                              <a:spcPct val="107000"/>
-                            </a:lnSpc>
-                            <a:spcBef>
-                              <a:spcPts val="0"/>
-                            </a:spcBef>
-                            <a:spcAft>
-                              <a:spcPts val="0"/>
-                            </a:spcAft>
-                          </a:pPr>
-                          <a:r>
-                            <a:rPr lang="en-US" sz="1100">
-                              <a:effectLst/>
-                            </a:rPr>
-                            <a:t>5</a:t>
-                          </a:r>
-                          <a:endParaRPr lang="en-US" sz="1100">
-                            <a:effectLst/>
-                            <a:latin typeface="Calibri" panose="020F0502020204030204" pitchFamily="34" charset="0"/>
-                            <a:ea typeface="Calibri" panose="020F0502020204030204" pitchFamily="34" charset="0"/>
-                            <a:cs typeface="Times New Roman" panose="02020603050405020304" pitchFamily="18" charset="0"/>
-                          </a:endParaRPr>
-                        </a:p>
-                      </a:txBody>
-                      <a:tcPr marL="68580" marR="68580" marT="0" marB="0" anchor="ctr"/>
-                    </a:tc>
-                    <a:tc>
-                      <a:txBody>
-                        <a:bodyPr/>
-                        <a:lstStyle/>
-                        <a:p>
-                          <a:pPr marL="0" marR="0" algn="r">
-                            <a:lnSpc>
-                              <a:spcPct val="107000"/>
-                            </a:lnSpc>
-                            <a:spcBef>
-                              <a:spcPts val="0"/>
-                            </a:spcBef>
-                            <a:spcAft>
-                              <a:spcPts val="0"/>
-                            </a:spcAft>
-                          </a:pPr>
-                          <a:r>
-                            <a:rPr lang="en-US" sz="1100">
-                              <a:effectLst/>
-                            </a:rPr>
-                            <a:t>[14.5, 23.7] &gt; 0</a:t>
-                          </a:r>
-                          <a:endParaRPr lang="en-US" sz="1100">
-                            <a:effectLst/>
-                            <a:latin typeface="Calibri" panose="020F0502020204030204" pitchFamily="34" charset="0"/>
-                            <a:ea typeface="Calibri" panose="020F0502020204030204" pitchFamily="34" charset="0"/>
-                            <a:cs typeface="Times New Roman" panose="02020603050405020304" pitchFamily="18" charset="0"/>
-                          </a:endParaRPr>
-                        </a:p>
-                      </a:txBody>
-                      <a:tcPr marL="68580" marR="68580" marT="0" marB="0" anchor="ctr"/>
-                    </a:tc>
-                    <a:tc>
-                      <a:txBody>
-                        <a:bodyPr/>
-                        <a:lstStyle/>
-                        <a:p>
-                          <a:pPr marL="0" marR="0" algn="r">
-                            <a:lnSpc>
-                              <a:spcPct val="107000"/>
-                            </a:lnSpc>
-                            <a:spcBef>
-                              <a:spcPts val="0"/>
-                            </a:spcBef>
-                            <a:spcAft>
-                              <a:spcPts val="0"/>
-                            </a:spcAft>
-                          </a:pPr>
-                          <a:r>
-                            <a:rPr lang="en-US" sz="1100">
-                              <a:effectLst/>
-                            </a:rPr>
-                            <a:t>[-0.7, 0.2] = 0</a:t>
-                          </a:r>
-                          <a:endParaRPr lang="en-US" sz="1100">
-                            <a:effectLst/>
-                            <a:latin typeface="Calibri" panose="020F0502020204030204" pitchFamily="34" charset="0"/>
-                            <a:ea typeface="Calibri" panose="020F0502020204030204" pitchFamily="34" charset="0"/>
-                            <a:cs typeface="Times New Roman" panose="02020603050405020304" pitchFamily="18" charset="0"/>
-                          </a:endParaRPr>
-                        </a:p>
-                      </a:txBody>
-                      <a:tcPr marL="68580" marR="68580" marT="0" marB="0" anchor="ctr"/>
-                    </a:tc>
-                    <a:extLst>
-                      <a:ext uri="{0D108BD9-81ED-4DB2-BD59-A6C34878D82A}">
-                        <a16:rowId xmlns:a16="http://schemas.microsoft.com/office/drawing/2014/main" val="1429300228"/>
-                      </a:ext>
-                    </a:extLst>
-                  </a:tr>
-                  <a:tr h="237490">
-                    <a:tc>
-                      <a:txBody>
-                        <a:bodyPr/>
-                        <a:lstStyle/>
-                        <a:p>
-                          <a:pPr marL="0" marR="0" algn="ctr">
-                            <a:lnSpc>
-                              <a:spcPct val="107000"/>
-                            </a:lnSpc>
-                            <a:spcBef>
-                              <a:spcPts val="0"/>
-                            </a:spcBef>
-                            <a:spcAft>
-                              <a:spcPts val="0"/>
-                            </a:spcAft>
-                          </a:pPr>
-                          <a:r>
-                            <a:rPr lang="en-US" sz="1100">
-                              <a:effectLst/>
-                            </a:rPr>
-                            <a:t>6</a:t>
-                          </a:r>
-                          <a:endParaRPr lang="en-US" sz="1100">
-                            <a:effectLst/>
-                            <a:latin typeface="Calibri" panose="020F0502020204030204" pitchFamily="34" charset="0"/>
-                            <a:ea typeface="Calibri" panose="020F0502020204030204" pitchFamily="34" charset="0"/>
-                            <a:cs typeface="Times New Roman" panose="02020603050405020304" pitchFamily="18" charset="0"/>
-                          </a:endParaRPr>
-                        </a:p>
-                      </a:txBody>
-                      <a:tcPr marL="68580" marR="68580" marT="0" marB="0" anchor="ctr"/>
-                    </a:tc>
-                    <a:tc>
-                      <a:txBody>
-                        <a:bodyPr/>
-                        <a:lstStyle/>
-                        <a:p>
-                          <a:pPr marL="0" marR="0" algn="ctr">
-                            <a:lnSpc>
-                              <a:spcPct val="107000"/>
-                            </a:lnSpc>
-                            <a:spcBef>
-                              <a:spcPts val="0"/>
-                            </a:spcBef>
-                            <a:spcAft>
-                              <a:spcPts val="0"/>
-                            </a:spcAft>
-                          </a:pPr>
-                          <a:r>
-                            <a:rPr lang="en-US" sz="1100">
-                              <a:effectLst/>
-                            </a:rPr>
-                            <a:t>6</a:t>
-                          </a:r>
-                          <a:endParaRPr lang="en-US" sz="1100">
-                            <a:effectLst/>
-                            <a:latin typeface="Calibri" panose="020F0502020204030204" pitchFamily="34" charset="0"/>
-                            <a:ea typeface="Calibri" panose="020F0502020204030204" pitchFamily="34" charset="0"/>
-                            <a:cs typeface="Times New Roman" panose="02020603050405020304" pitchFamily="18" charset="0"/>
-                          </a:endParaRPr>
-                        </a:p>
-                      </a:txBody>
-                      <a:tcPr marL="68580" marR="68580" marT="0" marB="0" anchor="ctr"/>
-                    </a:tc>
-                    <a:tc>
-                      <a:txBody>
-                        <a:bodyPr/>
-                        <a:lstStyle/>
-                        <a:p>
-                          <a:pPr marL="0" marR="0" algn="r">
-                            <a:lnSpc>
-                              <a:spcPct val="107000"/>
-                            </a:lnSpc>
-                            <a:spcBef>
-                              <a:spcPts val="0"/>
-                            </a:spcBef>
-                            <a:spcAft>
-                              <a:spcPts val="0"/>
-                            </a:spcAft>
-                          </a:pPr>
-                          <a:r>
-                            <a:rPr lang="en-US" sz="1100">
-                              <a:effectLst/>
-                            </a:rPr>
-                            <a:t>[69.8, 71.2] &gt; 0</a:t>
-                          </a:r>
-                          <a:endParaRPr lang="en-US" sz="1100">
-                            <a:effectLst/>
-                            <a:latin typeface="Calibri" panose="020F0502020204030204" pitchFamily="34" charset="0"/>
-                            <a:ea typeface="Calibri" panose="020F0502020204030204" pitchFamily="34" charset="0"/>
-                            <a:cs typeface="Times New Roman" panose="02020603050405020304" pitchFamily="18" charset="0"/>
-                          </a:endParaRPr>
-                        </a:p>
-                      </a:txBody>
-                      <a:tcPr marL="68580" marR="68580" marT="0" marB="0" anchor="ctr"/>
-                    </a:tc>
-                    <a:tc>
-                      <a:txBody>
-                        <a:bodyPr/>
-                        <a:lstStyle/>
-                        <a:p>
-                          <a:pPr marL="0" marR="0" algn="r">
-                            <a:lnSpc>
-                              <a:spcPct val="107000"/>
-                            </a:lnSpc>
-                            <a:spcBef>
-                              <a:spcPts val="0"/>
-                            </a:spcBef>
-                            <a:spcAft>
-                              <a:spcPts val="0"/>
-                            </a:spcAft>
-                          </a:pPr>
-                          <a:r>
-                            <a:rPr lang="en-US" sz="1100">
-                              <a:effectLst/>
-                            </a:rPr>
-                            <a:t>[15.3, 15.7] &gt; 0</a:t>
-                          </a:r>
-                          <a:endParaRPr lang="en-US" sz="1100">
-                            <a:effectLst/>
-                            <a:latin typeface="Calibri" panose="020F0502020204030204" pitchFamily="34" charset="0"/>
-                            <a:ea typeface="Calibri" panose="020F0502020204030204" pitchFamily="34" charset="0"/>
-                            <a:cs typeface="Times New Roman" panose="02020603050405020304" pitchFamily="18" charset="0"/>
-                          </a:endParaRPr>
-                        </a:p>
-                      </a:txBody>
-                      <a:tcPr marL="68580" marR="68580" marT="0" marB="0" anchor="ctr"/>
-                    </a:tc>
-                    <a:extLst>
-                      <a:ext uri="{0D108BD9-81ED-4DB2-BD59-A6C34878D82A}">
-                        <a16:rowId xmlns:a16="http://schemas.microsoft.com/office/drawing/2014/main" val="2962630569"/>
-                      </a:ext>
-                    </a:extLst>
-                  </a:tr>
-                  <a:tr h="237490">
-                    <a:tc>
-                      <a:txBody>
-                        <a:bodyPr/>
-                        <a:lstStyle/>
-                        <a:p>
-                          <a:pPr marL="0" marR="0" algn="ctr">
-                            <a:lnSpc>
-                              <a:spcPct val="107000"/>
-                            </a:lnSpc>
-                            <a:spcBef>
-                              <a:spcPts val="0"/>
-                            </a:spcBef>
-                            <a:spcAft>
-                              <a:spcPts val="0"/>
-                            </a:spcAft>
-                          </a:pPr>
-                          <a:r>
-                            <a:rPr lang="en-US" sz="1100">
-                              <a:effectLst/>
-                            </a:rPr>
-                            <a:t>7</a:t>
-                          </a:r>
-                          <a:endParaRPr lang="en-US" sz="1100">
-                            <a:effectLst/>
-                            <a:latin typeface="Calibri" panose="020F0502020204030204" pitchFamily="34" charset="0"/>
-                            <a:ea typeface="Calibri" panose="020F0502020204030204" pitchFamily="34" charset="0"/>
-                            <a:cs typeface="Times New Roman" panose="02020603050405020304" pitchFamily="18" charset="0"/>
-                          </a:endParaRPr>
-                        </a:p>
-                      </a:txBody>
-                      <a:tcPr marL="68580" marR="68580" marT="0" marB="0" anchor="ctr"/>
-                    </a:tc>
-                    <a:tc>
-                      <a:txBody>
-                        <a:bodyPr/>
-                        <a:lstStyle/>
-                        <a:p>
-                          <a:pPr marL="0" marR="0" algn="ctr">
-                            <a:lnSpc>
-                              <a:spcPct val="107000"/>
-                            </a:lnSpc>
-                            <a:spcBef>
-                              <a:spcPts val="0"/>
-                            </a:spcBef>
-                            <a:spcAft>
-                              <a:spcPts val="0"/>
-                            </a:spcAft>
-                          </a:pPr>
-                          <a:r>
-                            <a:rPr lang="en-US" sz="1100">
-                              <a:effectLst/>
-                            </a:rPr>
-                            <a:t>3</a:t>
-                          </a:r>
-                          <a:endParaRPr lang="en-US" sz="1100">
-                            <a:effectLst/>
-                            <a:latin typeface="Calibri" panose="020F0502020204030204" pitchFamily="34" charset="0"/>
-                            <a:ea typeface="Calibri" panose="020F0502020204030204" pitchFamily="34" charset="0"/>
-                            <a:cs typeface="Times New Roman" panose="02020603050405020304" pitchFamily="18" charset="0"/>
-                          </a:endParaRPr>
-                        </a:p>
-                      </a:txBody>
-                      <a:tcPr marL="68580" marR="68580" marT="0" marB="0" anchor="ctr"/>
-                    </a:tc>
-                    <a:tc>
-                      <a:txBody>
-                        <a:bodyPr/>
-                        <a:lstStyle/>
-                        <a:p>
-                          <a:pPr marL="0" marR="0" algn="r">
-                            <a:lnSpc>
-                              <a:spcPct val="107000"/>
-                            </a:lnSpc>
-                            <a:spcBef>
-                              <a:spcPts val="0"/>
-                            </a:spcBef>
-                            <a:spcAft>
-                              <a:spcPts val="0"/>
-                            </a:spcAft>
-                          </a:pPr>
-                          <a:r>
-                            <a:rPr lang="en-US" sz="1100">
-                              <a:effectLst/>
-                            </a:rPr>
-                            <a:t>[2.6, 9.1] &gt; 0</a:t>
-                          </a:r>
-                          <a:endParaRPr lang="en-US" sz="1100">
-                            <a:effectLst/>
-                            <a:latin typeface="Calibri" panose="020F0502020204030204" pitchFamily="34" charset="0"/>
-                            <a:ea typeface="Calibri" panose="020F0502020204030204" pitchFamily="34" charset="0"/>
-                            <a:cs typeface="Times New Roman" panose="02020603050405020304" pitchFamily="18" charset="0"/>
-                          </a:endParaRPr>
-                        </a:p>
-                      </a:txBody>
-                      <a:tcPr marL="68580" marR="68580" marT="0" marB="0" anchor="ctr"/>
-                    </a:tc>
-                    <a:tc>
-                      <a:txBody>
-                        <a:bodyPr/>
-                        <a:lstStyle/>
-                        <a:p>
-                          <a:pPr marL="0" marR="0" algn="r">
-                            <a:lnSpc>
-                              <a:spcPct val="107000"/>
-                            </a:lnSpc>
-                            <a:spcBef>
-                              <a:spcPts val="0"/>
-                            </a:spcBef>
-                            <a:spcAft>
-                              <a:spcPts val="0"/>
-                            </a:spcAft>
-                          </a:pPr>
-                          <a:r>
-                            <a:rPr lang="en-US" sz="1100">
-                              <a:effectLst/>
-                            </a:rPr>
-                            <a:t>[1.8, 2.8] &gt; 0</a:t>
-                          </a:r>
-                          <a:endParaRPr lang="en-US" sz="1100">
-                            <a:effectLst/>
-                            <a:latin typeface="Calibri" panose="020F0502020204030204" pitchFamily="34" charset="0"/>
-                            <a:ea typeface="Calibri" panose="020F0502020204030204" pitchFamily="34" charset="0"/>
-                            <a:cs typeface="Times New Roman" panose="02020603050405020304" pitchFamily="18" charset="0"/>
-                          </a:endParaRPr>
-                        </a:p>
-                      </a:txBody>
-                      <a:tcPr marL="68580" marR="68580" marT="0" marB="0" anchor="ctr"/>
-                    </a:tc>
-                    <a:extLst>
-                      <a:ext uri="{0D108BD9-81ED-4DB2-BD59-A6C34878D82A}">
-                        <a16:rowId xmlns:a16="http://schemas.microsoft.com/office/drawing/2014/main" val="3197812872"/>
-                      </a:ext>
-                    </a:extLst>
-                  </a:tr>
-                  <a:tr h="237490">
-                    <a:tc>
-                      <a:txBody>
-                        <a:bodyPr/>
-                        <a:lstStyle/>
-                        <a:p>
-                          <a:pPr marL="0" marR="0" algn="ctr">
-                            <a:lnSpc>
-                              <a:spcPct val="107000"/>
-                            </a:lnSpc>
-                            <a:spcBef>
-                              <a:spcPts val="0"/>
-                            </a:spcBef>
-                            <a:spcAft>
-                              <a:spcPts val="0"/>
-                            </a:spcAft>
-                          </a:pPr>
-                          <a:r>
-                            <a:rPr lang="en-US" sz="1100">
-                              <a:effectLst/>
-                            </a:rPr>
-                            <a:t>7</a:t>
-                          </a:r>
-                          <a:endParaRPr lang="en-US" sz="1100">
-                            <a:effectLst/>
-                            <a:latin typeface="Calibri" panose="020F0502020204030204" pitchFamily="34" charset="0"/>
-                            <a:ea typeface="Calibri" panose="020F0502020204030204" pitchFamily="34" charset="0"/>
-                            <a:cs typeface="Times New Roman" panose="02020603050405020304" pitchFamily="18" charset="0"/>
-                          </a:endParaRPr>
-                        </a:p>
-                      </a:txBody>
-                      <a:tcPr marL="68580" marR="68580" marT="0" marB="0" anchor="ctr"/>
-                    </a:tc>
-                    <a:tc>
-                      <a:txBody>
-                        <a:bodyPr/>
-                        <a:lstStyle/>
-                        <a:p>
-                          <a:pPr marL="0" marR="0" algn="ctr">
-                            <a:lnSpc>
-                              <a:spcPct val="107000"/>
-                            </a:lnSpc>
-                            <a:spcBef>
-                              <a:spcPts val="0"/>
-                            </a:spcBef>
-                            <a:spcAft>
-                              <a:spcPts val="0"/>
-                            </a:spcAft>
-                          </a:pPr>
-                          <a:r>
-                            <a:rPr lang="en-US" sz="1100">
-                              <a:effectLst/>
-                            </a:rPr>
-                            <a:t>4</a:t>
-                          </a:r>
-                          <a:endParaRPr lang="en-US" sz="1100">
-                            <a:effectLst/>
-                            <a:latin typeface="Calibri" panose="020F0502020204030204" pitchFamily="34" charset="0"/>
-                            <a:ea typeface="Calibri" panose="020F0502020204030204" pitchFamily="34" charset="0"/>
-                            <a:cs typeface="Times New Roman" panose="02020603050405020304" pitchFamily="18" charset="0"/>
-                          </a:endParaRPr>
-                        </a:p>
-                      </a:txBody>
-                      <a:tcPr marL="68580" marR="68580" marT="0" marB="0" anchor="ctr"/>
-                    </a:tc>
-                    <a:tc>
-                      <a:txBody>
-                        <a:bodyPr/>
-                        <a:lstStyle/>
-                        <a:p>
-                          <a:pPr marL="0" marR="0" algn="r">
-                            <a:lnSpc>
-                              <a:spcPct val="107000"/>
-                            </a:lnSpc>
-                            <a:spcBef>
-                              <a:spcPts val="0"/>
-                            </a:spcBef>
-                            <a:spcAft>
-                              <a:spcPts val="0"/>
-                            </a:spcAft>
-                          </a:pPr>
-                          <a:r>
-                            <a:rPr lang="en-US" sz="1100">
-                              <a:effectLst/>
-                            </a:rPr>
-                            <a:t>[2.8, 7.7] &gt; 0</a:t>
-                          </a:r>
-                          <a:endParaRPr lang="en-US" sz="1100">
-                            <a:effectLst/>
-                            <a:latin typeface="Calibri" panose="020F0502020204030204" pitchFamily="34" charset="0"/>
-                            <a:ea typeface="Calibri" panose="020F0502020204030204" pitchFamily="34" charset="0"/>
-                            <a:cs typeface="Times New Roman" panose="02020603050405020304" pitchFamily="18" charset="0"/>
-                          </a:endParaRPr>
-                        </a:p>
-                      </a:txBody>
-                      <a:tcPr marL="68580" marR="68580" marT="0" marB="0" anchor="ctr"/>
-                    </a:tc>
-                    <a:tc>
-                      <a:txBody>
-                        <a:bodyPr/>
-                        <a:lstStyle/>
-                        <a:p>
-                          <a:pPr marL="0" marR="0" algn="r">
-                            <a:lnSpc>
-                              <a:spcPct val="107000"/>
-                            </a:lnSpc>
-                            <a:spcBef>
-                              <a:spcPts val="0"/>
-                            </a:spcBef>
-                            <a:spcAft>
-                              <a:spcPts val="0"/>
-                            </a:spcAft>
-                          </a:pPr>
-                          <a:r>
-                            <a:rPr lang="en-US" sz="1100">
-                              <a:effectLst/>
-                            </a:rPr>
-                            <a:t>[3.9, 4.9] &gt; 0</a:t>
-                          </a:r>
-                          <a:endParaRPr lang="en-US" sz="1100">
-                            <a:effectLst/>
-                            <a:latin typeface="Calibri" panose="020F0502020204030204" pitchFamily="34" charset="0"/>
-                            <a:ea typeface="Calibri" panose="020F0502020204030204" pitchFamily="34" charset="0"/>
-                            <a:cs typeface="Times New Roman" panose="02020603050405020304" pitchFamily="18" charset="0"/>
-                          </a:endParaRPr>
-                        </a:p>
-                      </a:txBody>
-                      <a:tcPr marL="68580" marR="68580" marT="0" marB="0" anchor="ctr"/>
-                    </a:tc>
-                    <a:extLst>
-                      <a:ext uri="{0D108BD9-81ED-4DB2-BD59-A6C34878D82A}">
-                        <a16:rowId xmlns:a16="http://schemas.microsoft.com/office/drawing/2014/main" val="3225932287"/>
-                      </a:ext>
-                    </a:extLst>
-                  </a:tr>
-                  <a:tr h="237490">
-                    <a:tc>
-                      <a:txBody>
-                        <a:bodyPr/>
-                        <a:lstStyle/>
-                        <a:p>
-                          <a:pPr marL="0" marR="0" algn="ctr">
-                            <a:lnSpc>
-                              <a:spcPct val="107000"/>
-                            </a:lnSpc>
-                            <a:spcBef>
-                              <a:spcPts val="0"/>
-                            </a:spcBef>
-                            <a:spcAft>
-                              <a:spcPts val="0"/>
-                            </a:spcAft>
-                          </a:pPr>
-                          <a:r>
-                            <a:rPr lang="en-US" sz="1100">
-                              <a:effectLst/>
-                            </a:rPr>
-                            <a:t>7</a:t>
-                          </a:r>
-                          <a:endParaRPr lang="en-US" sz="1100">
-                            <a:effectLst/>
-                            <a:latin typeface="Calibri" panose="020F0502020204030204" pitchFamily="34" charset="0"/>
-                            <a:ea typeface="Calibri" panose="020F0502020204030204" pitchFamily="34" charset="0"/>
-                            <a:cs typeface="Times New Roman" panose="02020603050405020304" pitchFamily="18" charset="0"/>
-                          </a:endParaRPr>
-                        </a:p>
-                      </a:txBody>
-                      <a:tcPr marL="68580" marR="68580" marT="0" marB="0" anchor="ctr"/>
-                    </a:tc>
-                    <a:tc>
-                      <a:txBody>
-                        <a:bodyPr/>
-                        <a:lstStyle/>
-                        <a:p>
-                          <a:pPr marL="0" marR="0" algn="ctr">
-                            <a:lnSpc>
-                              <a:spcPct val="107000"/>
-                            </a:lnSpc>
-                            <a:spcBef>
-                              <a:spcPts val="0"/>
-                            </a:spcBef>
-                            <a:spcAft>
-                              <a:spcPts val="0"/>
-                            </a:spcAft>
-                          </a:pPr>
-                          <a:r>
-                            <a:rPr lang="en-US" sz="1100">
-                              <a:effectLst/>
-                            </a:rPr>
-                            <a:t>5</a:t>
-                          </a:r>
-                          <a:endParaRPr lang="en-US" sz="1100">
-                            <a:effectLst/>
-                            <a:latin typeface="Calibri" panose="020F0502020204030204" pitchFamily="34" charset="0"/>
-                            <a:ea typeface="Calibri" panose="020F0502020204030204" pitchFamily="34" charset="0"/>
-                            <a:cs typeface="Times New Roman" panose="02020603050405020304" pitchFamily="18" charset="0"/>
-                          </a:endParaRPr>
-                        </a:p>
-                      </a:txBody>
-                      <a:tcPr marL="68580" marR="68580" marT="0" marB="0" anchor="ctr"/>
-                    </a:tc>
-                    <a:tc>
-                      <a:txBody>
-                        <a:bodyPr/>
-                        <a:lstStyle/>
-                        <a:p>
-                          <a:pPr marL="0" marR="0" algn="r">
-                            <a:lnSpc>
-                              <a:spcPct val="107000"/>
-                            </a:lnSpc>
-                            <a:spcBef>
-                              <a:spcPts val="0"/>
-                            </a:spcBef>
-                            <a:spcAft>
-                              <a:spcPts val="0"/>
-                            </a:spcAft>
-                          </a:pPr>
-                          <a:r>
-                            <a:rPr lang="en-US" sz="1100">
-                              <a:effectLst/>
-                            </a:rPr>
-                            <a:t>[-31.5, -24.6] &lt; 0</a:t>
-                          </a:r>
-                          <a:endParaRPr lang="en-US" sz="1100">
-                            <a:effectLst/>
-                            <a:latin typeface="Calibri" panose="020F0502020204030204" pitchFamily="34" charset="0"/>
-                            <a:ea typeface="Calibri" panose="020F0502020204030204" pitchFamily="34" charset="0"/>
-                            <a:cs typeface="Times New Roman" panose="02020603050405020304" pitchFamily="18" charset="0"/>
-                          </a:endParaRPr>
-                        </a:p>
-                      </a:txBody>
-                      <a:tcPr marL="68580" marR="68580" marT="0" marB="0" anchor="ctr"/>
-                    </a:tc>
-                    <a:tc>
-                      <a:txBody>
-                        <a:bodyPr/>
-                        <a:lstStyle/>
-                        <a:p>
-                          <a:pPr marL="0" marR="0" algn="r">
-                            <a:lnSpc>
-                              <a:spcPct val="107000"/>
-                            </a:lnSpc>
-                            <a:spcBef>
-                              <a:spcPts val="0"/>
-                            </a:spcBef>
-                            <a:spcAft>
-                              <a:spcPts val="0"/>
-                            </a:spcAft>
-                          </a:pPr>
-                          <a:r>
-                            <a:rPr lang="en-US" sz="1100">
-                              <a:effectLst/>
-                            </a:rPr>
-                            <a:t>[-3.8, -2.8] &lt; 0</a:t>
-                          </a:r>
-                          <a:endParaRPr lang="en-US" sz="1100">
-                            <a:effectLst/>
-                            <a:latin typeface="Calibri" panose="020F0502020204030204" pitchFamily="34" charset="0"/>
-                            <a:ea typeface="Calibri" panose="020F0502020204030204" pitchFamily="34" charset="0"/>
-                            <a:cs typeface="Times New Roman" panose="02020603050405020304" pitchFamily="18" charset="0"/>
-                          </a:endParaRPr>
-                        </a:p>
-                      </a:txBody>
-                      <a:tcPr marL="68580" marR="68580" marT="0" marB="0" anchor="ctr"/>
-                    </a:tc>
-                    <a:extLst>
-                      <a:ext uri="{0D108BD9-81ED-4DB2-BD59-A6C34878D82A}">
-                        <a16:rowId xmlns:a16="http://schemas.microsoft.com/office/drawing/2014/main" val="2000881386"/>
-                      </a:ext>
-                    </a:extLst>
-                  </a:tr>
-                  <a:tr h="237490">
-                    <a:tc>
-                      <a:txBody>
-                        <a:bodyPr/>
-                        <a:lstStyle/>
-                        <a:p>
-                          <a:pPr marL="0" marR="0" algn="ctr">
-                            <a:lnSpc>
-                              <a:spcPct val="107000"/>
-                            </a:lnSpc>
-                            <a:spcBef>
-                              <a:spcPts val="0"/>
-                            </a:spcBef>
-                            <a:spcAft>
-                              <a:spcPts val="0"/>
-                            </a:spcAft>
-                          </a:pPr>
-                          <a:r>
-                            <a:rPr lang="en-US" sz="1100">
-                              <a:effectLst/>
-                            </a:rPr>
-                            <a:t>7</a:t>
-                          </a:r>
-                          <a:endParaRPr lang="en-US" sz="1100">
-                            <a:effectLst/>
-                            <a:latin typeface="Calibri" panose="020F0502020204030204" pitchFamily="34" charset="0"/>
-                            <a:ea typeface="Calibri" panose="020F0502020204030204" pitchFamily="34" charset="0"/>
-                            <a:cs typeface="Times New Roman" panose="02020603050405020304" pitchFamily="18" charset="0"/>
-                          </a:endParaRPr>
-                        </a:p>
-                      </a:txBody>
-                      <a:tcPr marL="68580" marR="68580" marT="0" marB="0" anchor="ctr"/>
-                    </a:tc>
-                    <a:tc>
-                      <a:txBody>
-                        <a:bodyPr/>
-                        <a:lstStyle/>
-                        <a:p>
-                          <a:pPr marL="0" marR="0" algn="ctr">
-                            <a:lnSpc>
-                              <a:spcPct val="107000"/>
-                            </a:lnSpc>
-                            <a:spcBef>
-                              <a:spcPts val="0"/>
-                            </a:spcBef>
-                            <a:spcAft>
-                              <a:spcPts val="0"/>
-                            </a:spcAft>
-                          </a:pPr>
-                          <a:r>
-                            <a:rPr lang="en-US" sz="1100">
-                              <a:effectLst/>
-                            </a:rPr>
-                            <a:t>6</a:t>
-                          </a:r>
-                          <a:endParaRPr lang="en-US" sz="1100">
-                            <a:effectLst/>
-                            <a:latin typeface="Calibri" panose="020F0502020204030204" pitchFamily="34" charset="0"/>
-                            <a:ea typeface="Calibri" panose="020F0502020204030204" pitchFamily="34" charset="0"/>
-                            <a:cs typeface="Times New Roman" panose="02020603050405020304" pitchFamily="18" charset="0"/>
-                          </a:endParaRPr>
-                        </a:p>
-                      </a:txBody>
-                      <a:tcPr marL="68580" marR="68580" marT="0" marB="0" anchor="ctr"/>
-                    </a:tc>
-                    <a:tc>
-                      <a:txBody>
-                        <a:bodyPr/>
-                        <a:lstStyle/>
-                        <a:p>
-                          <a:pPr marL="0" marR="0" algn="r">
-                            <a:lnSpc>
-                              <a:spcPct val="107000"/>
-                            </a:lnSpc>
-                            <a:spcBef>
-                              <a:spcPts val="0"/>
-                            </a:spcBef>
-                            <a:spcAft>
-                              <a:spcPts val="0"/>
-                            </a:spcAft>
-                          </a:pPr>
-                          <a:r>
-                            <a:rPr lang="en-US" sz="1100">
-                              <a:effectLst/>
-                            </a:rPr>
-                            <a:t>[23.2, 27.7] &gt; 0</a:t>
-                          </a:r>
-                          <a:endParaRPr lang="en-US" sz="1100">
-                            <a:effectLst/>
-                            <a:latin typeface="Calibri" panose="020F0502020204030204" pitchFamily="34" charset="0"/>
-                            <a:ea typeface="Calibri" panose="020F0502020204030204" pitchFamily="34" charset="0"/>
-                            <a:cs typeface="Times New Roman" panose="02020603050405020304" pitchFamily="18" charset="0"/>
-                          </a:endParaRPr>
-                        </a:p>
-                      </a:txBody>
-                      <a:tcPr marL="68580" marR="68580" marT="0" marB="0" anchor="ctr"/>
-                    </a:tc>
-                    <a:tc>
-                      <a:txBody>
-                        <a:bodyPr/>
-                        <a:lstStyle/>
-                        <a:p>
-                          <a:pPr marL="0" marR="0" algn="r">
-                            <a:lnSpc>
-                              <a:spcPct val="107000"/>
-                            </a:lnSpc>
-                            <a:spcBef>
-                              <a:spcPts val="0"/>
-                            </a:spcBef>
-                            <a:spcAft>
-                              <a:spcPts val="0"/>
-                            </a:spcAft>
-                          </a:pPr>
-                          <a:r>
-                            <a:rPr lang="en-US" sz="1100" dirty="0">
-                              <a:effectLst/>
-                            </a:rPr>
-                            <a:t>[4.76, 7.4] &gt; 0</a:t>
-                          </a:r>
-                          <a:endParaRPr lang="en-US" sz="1100" dirty="0">
-                            <a:effectLst/>
-                            <a:latin typeface="Calibri" panose="020F0502020204030204" pitchFamily="34" charset="0"/>
-                            <a:ea typeface="Calibri" panose="020F0502020204030204" pitchFamily="34" charset="0"/>
-                            <a:cs typeface="Times New Roman" panose="02020603050405020304" pitchFamily="18" charset="0"/>
-                          </a:endParaRPr>
-                        </a:p>
-                      </a:txBody>
-                      <a:tcPr marL="68580" marR="68580" marT="0" marB="0" anchor="ctr"/>
-                    </a:tc>
-                    <a:extLst>
-                      <a:ext uri="{0D108BD9-81ED-4DB2-BD59-A6C34878D82A}">
-                        <a16:rowId xmlns:a16="http://schemas.microsoft.com/office/drawing/2014/main" val="1717543923"/>
-                      </a:ext>
-                    </a:extLst>
-                  </a:tr>
-                </a:tbl>
-              </a:graphicData>
-            </a:graphic>
-          </p:graphicFrame>
-        </mc:Fallback>
-      </mc:AlternateContent>
+              </a:tr>
+              <a:tr h="237490">
+                <a:tc>
+                  <a:txBody>
+                    <a:bodyPr/>
+                    <a:lstStyle/>
+                    <a:p>
+                      <a:pPr marL="0" marR="0" algn="ctr">
+                        <a:lnSpc>
+                          <a:spcPct val="107000"/>
+                        </a:lnSpc>
+                        <a:spcBef>
+                          <a:spcPts val="0"/>
+                        </a:spcBef>
+                        <a:spcAft>
+                          <a:spcPts val="0"/>
+                        </a:spcAft>
+                      </a:pPr>
+                      <a:r>
+                        <a:rPr lang="en-US" sz="1100">
+                          <a:effectLst/>
+                        </a:rPr>
+                        <a:t>5</a:t>
+                      </a:r>
+                      <a:endParaRPr lang="en-US" sz="1100">
+                        <a:effectLst/>
+                        <a:latin typeface="Calibri" panose="020F0502020204030204" pitchFamily="34" charset="0"/>
+                        <a:ea typeface="Calibri" panose="020F0502020204030204" pitchFamily="34" charset="0"/>
+                        <a:cs typeface="Times New Roman" panose="02020603050405020304" pitchFamily="18" charset="0"/>
+                      </a:endParaRPr>
+                    </a:p>
+                  </a:txBody>
+                  <a:tcPr marL="68580" marR="68580" marT="0" marB="0" anchor="ctr"/>
+                </a:tc>
+                <a:tc>
+                  <a:txBody>
+                    <a:bodyPr/>
+                    <a:lstStyle/>
+                    <a:p>
+                      <a:pPr marL="0" marR="0" algn="ctr">
+                        <a:lnSpc>
+                          <a:spcPct val="107000"/>
+                        </a:lnSpc>
+                        <a:spcBef>
+                          <a:spcPts val="0"/>
+                        </a:spcBef>
+                        <a:spcAft>
+                          <a:spcPts val="0"/>
+                        </a:spcAft>
+                      </a:pPr>
+                      <a:r>
+                        <a:rPr lang="en-US" sz="1100">
+                          <a:effectLst/>
+                        </a:rPr>
+                        <a:t>4</a:t>
+                      </a:r>
+                      <a:endParaRPr lang="en-US" sz="1100">
+                        <a:effectLst/>
+                        <a:latin typeface="Calibri" panose="020F0502020204030204" pitchFamily="34" charset="0"/>
+                        <a:ea typeface="Calibri" panose="020F0502020204030204" pitchFamily="34" charset="0"/>
+                        <a:cs typeface="Times New Roman" panose="02020603050405020304" pitchFamily="18" charset="0"/>
+                      </a:endParaRPr>
+                    </a:p>
+                  </a:txBody>
+                  <a:tcPr marL="68580" marR="68580" marT="0" marB="0" anchor="ctr"/>
+                </a:tc>
+                <a:tc>
+                  <a:txBody>
+                    <a:bodyPr/>
+                    <a:lstStyle/>
+                    <a:p>
+                      <a:pPr marL="0" marR="0" algn="r">
+                        <a:lnSpc>
+                          <a:spcPct val="107000"/>
+                        </a:lnSpc>
+                        <a:spcBef>
+                          <a:spcPts val="0"/>
+                        </a:spcBef>
+                        <a:spcAft>
+                          <a:spcPts val="0"/>
+                        </a:spcAft>
+                      </a:pPr>
+                      <a:r>
+                        <a:rPr lang="en-US" sz="1100" dirty="0">
+                          <a:effectLst/>
+                        </a:rPr>
+                        <a:t>[10.5, 10.8] </a:t>
+                      </a:r>
+                      <a:r>
+                        <a:rPr lang="en-US" sz="1100" dirty="0">
+                          <a:solidFill>
+                            <a:srgbClr val="00B050"/>
+                          </a:solidFill>
+                          <a:effectLst/>
+                        </a:rPr>
+                        <a:t>&gt; 0</a:t>
+                      </a:r>
+                      <a:endParaRPr lang="en-US" sz="1100" dirty="0">
+                        <a:solidFill>
+                          <a:srgbClr val="00B050"/>
+                        </a:solidFill>
+                        <a:effectLst/>
+                        <a:latin typeface="Calibri" panose="020F0502020204030204" pitchFamily="34" charset="0"/>
+                        <a:ea typeface="Calibri" panose="020F0502020204030204" pitchFamily="34" charset="0"/>
+                        <a:cs typeface="Times New Roman" panose="02020603050405020304" pitchFamily="18" charset="0"/>
+                      </a:endParaRPr>
+                    </a:p>
+                  </a:txBody>
+                  <a:tcPr marL="68580" marR="68580" marT="0" marB="0" anchor="ctr"/>
+                </a:tc>
+                <a:tc>
+                  <a:txBody>
+                    <a:bodyPr/>
+                    <a:lstStyle/>
+                    <a:p>
+                      <a:pPr marL="0" marR="0" algn="r">
+                        <a:lnSpc>
+                          <a:spcPct val="107000"/>
+                        </a:lnSpc>
+                        <a:spcBef>
+                          <a:spcPts val="0"/>
+                        </a:spcBef>
+                        <a:spcAft>
+                          <a:spcPts val="0"/>
+                        </a:spcAft>
+                      </a:pPr>
+                      <a:r>
+                        <a:rPr lang="en-US" sz="1100" dirty="0">
+                          <a:effectLst/>
+                        </a:rPr>
+                        <a:t>[0.7, 1.1] </a:t>
+                      </a:r>
+                      <a:r>
+                        <a:rPr lang="en-US" sz="1100" dirty="0">
+                          <a:solidFill>
+                            <a:srgbClr val="00B050"/>
+                          </a:solidFill>
+                          <a:effectLst/>
+                        </a:rPr>
+                        <a:t>&gt; 0</a:t>
+                      </a:r>
+                      <a:endParaRPr lang="en-US" sz="1100" dirty="0">
+                        <a:solidFill>
+                          <a:srgbClr val="00B050"/>
+                        </a:solidFill>
+                        <a:effectLst/>
+                        <a:latin typeface="Calibri" panose="020F0502020204030204" pitchFamily="34" charset="0"/>
+                        <a:ea typeface="Calibri" panose="020F0502020204030204" pitchFamily="34" charset="0"/>
+                        <a:cs typeface="Times New Roman" panose="02020603050405020304" pitchFamily="18" charset="0"/>
+                      </a:endParaRPr>
+                    </a:p>
+                  </a:txBody>
+                  <a:tcPr marL="68580" marR="68580" marT="0" marB="0" anchor="ctr"/>
+                </a:tc>
+                <a:extLst>
+                  <a:ext uri="{0D108BD9-81ED-4DB2-BD59-A6C34878D82A}">
+                    <a16:rowId xmlns:a16="http://schemas.microsoft.com/office/drawing/2014/main" xmlns="" xmlns:a14="http://schemas.microsoft.com/office/drawing/2010/main" xmlns:mc="http://schemas.openxmlformats.org/markup-compatibility/2006" val="1472892712"/>
+                  </a:ext>
+                </a:extLst>
+              </a:tr>
+              <a:tr h="237490">
+                <a:tc>
+                  <a:txBody>
+                    <a:bodyPr/>
+                    <a:lstStyle/>
+                    <a:p>
+                      <a:pPr marL="0" marR="0" algn="ctr">
+                        <a:lnSpc>
+                          <a:spcPct val="107000"/>
+                        </a:lnSpc>
+                        <a:spcBef>
+                          <a:spcPts val="0"/>
+                        </a:spcBef>
+                        <a:spcAft>
+                          <a:spcPts val="0"/>
+                        </a:spcAft>
+                      </a:pPr>
+                      <a:r>
+                        <a:rPr lang="en-US" sz="1100">
+                          <a:effectLst/>
+                        </a:rPr>
+                        <a:t>5</a:t>
+                      </a:r>
+                      <a:endParaRPr lang="en-US" sz="1100">
+                        <a:effectLst/>
+                        <a:latin typeface="Calibri" panose="020F0502020204030204" pitchFamily="34" charset="0"/>
+                        <a:ea typeface="Calibri" panose="020F0502020204030204" pitchFamily="34" charset="0"/>
+                        <a:cs typeface="Times New Roman" panose="02020603050405020304" pitchFamily="18" charset="0"/>
+                      </a:endParaRPr>
+                    </a:p>
+                  </a:txBody>
+                  <a:tcPr marL="68580" marR="68580" marT="0" marB="0" anchor="ctr"/>
+                </a:tc>
+                <a:tc>
+                  <a:txBody>
+                    <a:bodyPr/>
+                    <a:lstStyle/>
+                    <a:p>
+                      <a:pPr marL="0" marR="0" algn="ctr">
+                        <a:lnSpc>
+                          <a:spcPct val="107000"/>
+                        </a:lnSpc>
+                        <a:spcBef>
+                          <a:spcPts val="0"/>
+                        </a:spcBef>
+                        <a:spcAft>
+                          <a:spcPts val="0"/>
+                        </a:spcAft>
+                      </a:pPr>
+                      <a:r>
+                        <a:rPr lang="en-US" sz="1100">
+                          <a:effectLst/>
+                        </a:rPr>
+                        <a:t>5</a:t>
+                      </a:r>
+                      <a:endParaRPr lang="en-US" sz="1100">
+                        <a:effectLst/>
+                        <a:latin typeface="Calibri" panose="020F0502020204030204" pitchFamily="34" charset="0"/>
+                        <a:ea typeface="Calibri" panose="020F0502020204030204" pitchFamily="34" charset="0"/>
+                        <a:cs typeface="Times New Roman" panose="02020603050405020304" pitchFamily="18" charset="0"/>
+                      </a:endParaRPr>
+                    </a:p>
+                  </a:txBody>
+                  <a:tcPr marL="68580" marR="68580" marT="0" marB="0" anchor="ctr"/>
+                </a:tc>
+                <a:tc>
+                  <a:txBody>
+                    <a:bodyPr/>
+                    <a:lstStyle/>
+                    <a:p>
+                      <a:pPr marL="0" marR="0" algn="r">
+                        <a:lnSpc>
+                          <a:spcPct val="107000"/>
+                        </a:lnSpc>
+                        <a:spcBef>
+                          <a:spcPts val="0"/>
+                        </a:spcBef>
+                        <a:spcAft>
+                          <a:spcPts val="0"/>
+                        </a:spcAft>
+                      </a:pPr>
+                      <a:r>
+                        <a:rPr lang="en-US" sz="1100" dirty="0">
+                          <a:effectLst/>
+                        </a:rPr>
+                        <a:t>[40.5, 46.2] </a:t>
+                      </a:r>
+                      <a:r>
+                        <a:rPr lang="en-US" sz="1100" dirty="0">
+                          <a:solidFill>
+                            <a:srgbClr val="00B050"/>
+                          </a:solidFill>
+                          <a:effectLst/>
+                        </a:rPr>
+                        <a:t>&gt; 0</a:t>
+                      </a:r>
+                      <a:endParaRPr lang="en-US" sz="1100" dirty="0">
+                        <a:solidFill>
+                          <a:srgbClr val="00B050"/>
+                        </a:solidFill>
+                        <a:effectLst/>
+                        <a:latin typeface="Calibri" panose="020F0502020204030204" pitchFamily="34" charset="0"/>
+                        <a:ea typeface="Calibri" panose="020F0502020204030204" pitchFamily="34" charset="0"/>
+                        <a:cs typeface="Times New Roman" panose="02020603050405020304" pitchFamily="18" charset="0"/>
+                      </a:endParaRPr>
+                    </a:p>
+                  </a:txBody>
+                  <a:tcPr marL="68580" marR="68580" marT="0" marB="0" anchor="ctr"/>
+                </a:tc>
+                <a:tc>
+                  <a:txBody>
+                    <a:bodyPr/>
+                    <a:lstStyle/>
+                    <a:p>
+                      <a:pPr marL="0" marR="0" algn="r">
+                        <a:lnSpc>
+                          <a:spcPct val="107000"/>
+                        </a:lnSpc>
+                        <a:spcBef>
+                          <a:spcPts val="0"/>
+                        </a:spcBef>
+                        <a:spcAft>
+                          <a:spcPts val="0"/>
+                        </a:spcAft>
+                      </a:pPr>
+                      <a:r>
+                        <a:rPr lang="en-US" sz="1100" dirty="0">
+                          <a:effectLst/>
+                        </a:rPr>
+                        <a:t>[6, 6.1] </a:t>
+                      </a:r>
+                      <a:r>
+                        <a:rPr lang="en-US" sz="1100" dirty="0">
+                          <a:solidFill>
+                            <a:srgbClr val="00B050"/>
+                          </a:solidFill>
+                          <a:effectLst/>
+                        </a:rPr>
+                        <a:t>&gt; 0</a:t>
+                      </a:r>
+                      <a:endParaRPr lang="en-US" sz="1100" dirty="0">
+                        <a:solidFill>
+                          <a:srgbClr val="00B050"/>
+                        </a:solidFill>
+                        <a:effectLst/>
+                        <a:latin typeface="Calibri" panose="020F0502020204030204" pitchFamily="34" charset="0"/>
+                        <a:ea typeface="Calibri" panose="020F0502020204030204" pitchFamily="34" charset="0"/>
+                        <a:cs typeface="Times New Roman" panose="02020603050405020304" pitchFamily="18" charset="0"/>
+                      </a:endParaRPr>
+                    </a:p>
+                  </a:txBody>
+                  <a:tcPr marL="68580" marR="68580" marT="0" marB="0" anchor="ctr"/>
+                </a:tc>
+                <a:extLst>
+                  <a:ext uri="{0D108BD9-81ED-4DB2-BD59-A6C34878D82A}">
+                    <a16:rowId xmlns:a16="http://schemas.microsoft.com/office/drawing/2014/main" xmlns="" xmlns:a14="http://schemas.microsoft.com/office/drawing/2010/main" xmlns:mc="http://schemas.openxmlformats.org/markup-compatibility/2006" val="3939569015"/>
+                  </a:ext>
+                </a:extLst>
+              </a:tr>
+              <a:tr h="237490">
+                <a:tc>
+                  <a:txBody>
+                    <a:bodyPr/>
+                    <a:lstStyle/>
+                    <a:p>
+                      <a:pPr marL="0" marR="0" algn="ctr">
+                        <a:lnSpc>
+                          <a:spcPct val="107000"/>
+                        </a:lnSpc>
+                        <a:spcBef>
+                          <a:spcPts val="0"/>
+                        </a:spcBef>
+                        <a:spcAft>
+                          <a:spcPts val="0"/>
+                        </a:spcAft>
+                      </a:pPr>
+                      <a:r>
+                        <a:rPr lang="en-US" sz="1100">
+                          <a:effectLst/>
+                        </a:rPr>
+                        <a:t>5</a:t>
+                      </a:r>
+                      <a:endParaRPr lang="en-US" sz="1100">
+                        <a:effectLst/>
+                        <a:latin typeface="Calibri" panose="020F0502020204030204" pitchFamily="34" charset="0"/>
+                        <a:ea typeface="Calibri" panose="020F0502020204030204" pitchFamily="34" charset="0"/>
+                        <a:cs typeface="Times New Roman" panose="02020603050405020304" pitchFamily="18" charset="0"/>
+                      </a:endParaRPr>
+                    </a:p>
+                  </a:txBody>
+                  <a:tcPr marL="68580" marR="68580" marT="0" marB="0" anchor="ctr"/>
+                </a:tc>
+                <a:tc>
+                  <a:txBody>
+                    <a:bodyPr/>
+                    <a:lstStyle/>
+                    <a:p>
+                      <a:pPr marL="0" marR="0" algn="ctr">
+                        <a:lnSpc>
+                          <a:spcPct val="107000"/>
+                        </a:lnSpc>
+                        <a:spcBef>
+                          <a:spcPts val="0"/>
+                        </a:spcBef>
+                        <a:spcAft>
+                          <a:spcPts val="0"/>
+                        </a:spcAft>
+                      </a:pPr>
+                      <a:r>
+                        <a:rPr lang="en-US" sz="1100">
+                          <a:effectLst/>
+                        </a:rPr>
+                        <a:t>6</a:t>
+                      </a:r>
+                      <a:endParaRPr lang="en-US" sz="1100">
+                        <a:effectLst/>
+                        <a:latin typeface="Calibri" panose="020F0502020204030204" pitchFamily="34" charset="0"/>
+                        <a:ea typeface="Calibri" panose="020F0502020204030204" pitchFamily="34" charset="0"/>
+                        <a:cs typeface="Times New Roman" panose="02020603050405020304" pitchFamily="18" charset="0"/>
+                      </a:endParaRPr>
+                    </a:p>
+                  </a:txBody>
+                  <a:tcPr marL="68580" marR="68580" marT="0" marB="0" anchor="ctr"/>
+                </a:tc>
+                <a:tc>
+                  <a:txBody>
+                    <a:bodyPr/>
+                    <a:lstStyle/>
+                    <a:p>
+                      <a:pPr marL="0" marR="0" algn="r">
+                        <a:lnSpc>
+                          <a:spcPct val="107000"/>
+                        </a:lnSpc>
+                        <a:spcBef>
+                          <a:spcPts val="0"/>
+                        </a:spcBef>
+                        <a:spcAft>
+                          <a:spcPts val="0"/>
+                        </a:spcAft>
+                      </a:pPr>
+                      <a:r>
+                        <a:rPr lang="en-US" sz="1100" dirty="0">
+                          <a:effectLst/>
+                        </a:rPr>
+                        <a:t>[6.7, 11.1] </a:t>
+                      </a:r>
+                      <a:r>
+                        <a:rPr lang="en-US" sz="1100" dirty="0">
+                          <a:solidFill>
+                            <a:srgbClr val="00B050"/>
+                          </a:solidFill>
+                          <a:effectLst/>
+                        </a:rPr>
+                        <a:t>&gt; 0</a:t>
+                      </a:r>
+                      <a:endParaRPr lang="en-US" sz="1100" dirty="0">
+                        <a:solidFill>
+                          <a:srgbClr val="00B050"/>
+                        </a:solidFill>
+                        <a:effectLst/>
+                        <a:latin typeface="Calibri" panose="020F0502020204030204" pitchFamily="34" charset="0"/>
+                        <a:ea typeface="Calibri" panose="020F0502020204030204" pitchFamily="34" charset="0"/>
+                        <a:cs typeface="Times New Roman" panose="02020603050405020304" pitchFamily="18" charset="0"/>
+                      </a:endParaRPr>
+                    </a:p>
+                  </a:txBody>
+                  <a:tcPr marL="68580" marR="68580" marT="0" marB="0" anchor="ctr"/>
+                </a:tc>
+                <a:tc>
+                  <a:txBody>
+                    <a:bodyPr/>
+                    <a:lstStyle/>
+                    <a:p>
+                      <a:pPr marL="0" marR="0" algn="r">
+                        <a:lnSpc>
+                          <a:spcPct val="107000"/>
+                        </a:lnSpc>
+                        <a:spcBef>
+                          <a:spcPts val="0"/>
+                        </a:spcBef>
+                        <a:spcAft>
+                          <a:spcPts val="0"/>
+                        </a:spcAft>
+                      </a:pPr>
+                      <a:r>
+                        <a:rPr lang="en-US" sz="1100" dirty="0">
+                          <a:effectLst/>
+                        </a:rPr>
+                        <a:t>[1.5, 3.6] </a:t>
+                      </a:r>
+                      <a:r>
+                        <a:rPr lang="en-US" sz="1100" dirty="0">
+                          <a:solidFill>
+                            <a:srgbClr val="00B050"/>
+                          </a:solidFill>
+                          <a:effectLst/>
+                        </a:rPr>
+                        <a:t>&gt; 0</a:t>
+                      </a:r>
+                      <a:endParaRPr lang="en-US" sz="1100" dirty="0">
+                        <a:solidFill>
+                          <a:srgbClr val="00B050"/>
+                        </a:solidFill>
+                        <a:effectLst/>
+                        <a:latin typeface="Calibri" panose="020F0502020204030204" pitchFamily="34" charset="0"/>
+                        <a:ea typeface="Calibri" panose="020F0502020204030204" pitchFamily="34" charset="0"/>
+                        <a:cs typeface="Times New Roman" panose="02020603050405020304" pitchFamily="18" charset="0"/>
+                      </a:endParaRPr>
+                    </a:p>
+                  </a:txBody>
+                  <a:tcPr marL="68580" marR="68580" marT="0" marB="0" anchor="ctr"/>
+                </a:tc>
+                <a:extLst>
+                  <a:ext uri="{0D108BD9-81ED-4DB2-BD59-A6C34878D82A}">
+                    <a16:rowId xmlns:a16="http://schemas.microsoft.com/office/drawing/2014/main" xmlns="" xmlns:a14="http://schemas.microsoft.com/office/drawing/2010/main" xmlns:mc="http://schemas.openxmlformats.org/markup-compatibility/2006" val="2305849727"/>
+                  </a:ext>
+                </a:extLst>
+              </a:tr>
+              <a:tr h="237490">
+                <a:tc>
+                  <a:txBody>
+                    <a:bodyPr/>
+                    <a:lstStyle/>
+                    <a:p>
+                      <a:pPr marL="0" marR="0" algn="ctr">
+                        <a:lnSpc>
+                          <a:spcPct val="107000"/>
+                        </a:lnSpc>
+                        <a:spcBef>
+                          <a:spcPts val="0"/>
+                        </a:spcBef>
+                        <a:spcAft>
+                          <a:spcPts val="0"/>
+                        </a:spcAft>
+                      </a:pPr>
+                      <a:r>
+                        <a:rPr lang="en-US" sz="1100">
+                          <a:effectLst/>
+                        </a:rPr>
+                        <a:t>6</a:t>
+                      </a:r>
+                      <a:endParaRPr lang="en-US" sz="1100">
+                        <a:effectLst/>
+                        <a:latin typeface="Calibri" panose="020F0502020204030204" pitchFamily="34" charset="0"/>
+                        <a:ea typeface="Calibri" panose="020F0502020204030204" pitchFamily="34" charset="0"/>
+                        <a:cs typeface="Times New Roman" panose="02020603050405020304" pitchFamily="18" charset="0"/>
+                      </a:endParaRPr>
+                    </a:p>
+                  </a:txBody>
+                  <a:tcPr marL="68580" marR="68580" marT="0" marB="0" anchor="ctr"/>
+                </a:tc>
+                <a:tc>
+                  <a:txBody>
+                    <a:bodyPr/>
+                    <a:lstStyle/>
+                    <a:p>
+                      <a:pPr marL="0" marR="0" algn="ctr">
+                        <a:lnSpc>
+                          <a:spcPct val="107000"/>
+                        </a:lnSpc>
+                        <a:spcBef>
+                          <a:spcPts val="0"/>
+                        </a:spcBef>
+                        <a:spcAft>
+                          <a:spcPts val="0"/>
+                        </a:spcAft>
+                      </a:pPr>
+                      <a:r>
+                        <a:rPr lang="en-US" sz="1100">
+                          <a:effectLst/>
+                        </a:rPr>
+                        <a:t>3</a:t>
+                      </a:r>
+                      <a:endParaRPr lang="en-US" sz="1100">
+                        <a:effectLst/>
+                        <a:latin typeface="Calibri" panose="020F0502020204030204" pitchFamily="34" charset="0"/>
+                        <a:ea typeface="Calibri" panose="020F0502020204030204" pitchFamily="34" charset="0"/>
+                        <a:cs typeface="Times New Roman" panose="02020603050405020304" pitchFamily="18" charset="0"/>
+                      </a:endParaRPr>
+                    </a:p>
+                  </a:txBody>
+                  <a:tcPr marL="68580" marR="68580" marT="0" marB="0" anchor="ctr"/>
+                </a:tc>
+                <a:tc>
+                  <a:txBody>
+                    <a:bodyPr/>
+                    <a:lstStyle/>
+                    <a:p>
+                      <a:pPr marL="0" marR="0" algn="r">
+                        <a:lnSpc>
+                          <a:spcPct val="107000"/>
+                        </a:lnSpc>
+                        <a:spcBef>
+                          <a:spcPts val="0"/>
+                        </a:spcBef>
+                        <a:spcAft>
+                          <a:spcPts val="0"/>
+                        </a:spcAft>
+                      </a:pPr>
+                      <a:r>
+                        <a:rPr lang="en-US" sz="1100" dirty="0">
+                          <a:effectLst/>
+                        </a:rPr>
+                        <a:t>[27.4, 28] </a:t>
+                      </a:r>
+                      <a:r>
+                        <a:rPr lang="en-US" sz="1100" dirty="0">
+                          <a:solidFill>
+                            <a:srgbClr val="00B050"/>
+                          </a:solidFill>
+                          <a:effectLst/>
+                        </a:rPr>
+                        <a:t>&gt; 0</a:t>
+                      </a:r>
+                      <a:endParaRPr lang="en-US" sz="1100" dirty="0">
+                        <a:solidFill>
+                          <a:srgbClr val="00B050"/>
+                        </a:solidFill>
+                        <a:effectLst/>
+                        <a:latin typeface="Calibri" panose="020F0502020204030204" pitchFamily="34" charset="0"/>
+                        <a:ea typeface="Calibri" panose="020F0502020204030204" pitchFamily="34" charset="0"/>
+                        <a:cs typeface="Times New Roman" panose="02020603050405020304" pitchFamily="18" charset="0"/>
+                      </a:endParaRPr>
+                    </a:p>
+                  </a:txBody>
+                  <a:tcPr marL="68580" marR="68580" marT="0" marB="0" anchor="ctr"/>
+                </a:tc>
+                <a:tc>
+                  <a:txBody>
+                    <a:bodyPr/>
+                    <a:lstStyle/>
+                    <a:p>
+                      <a:pPr marL="0" marR="0" algn="r">
+                        <a:lnSpc>
+                          <a:spcPct val="107000"/>
+                        </a:lnSpc>
+                        <a:spcBef>
+                          <a:spcPts val="0"/>
+                        </a:spcBef>
+                        <a:spcAft>
+                          <a:spcPts val="0"/>
+                        </a:spcAft>
+                      </a:pPr>
+                      <a:r>
+                        <a:rPr lang="en-US" sz="1100" dirty="0">
+                          <a:effectLst/>
+                        </a:rPr>
+                        <a:t>[6.2, 6.2] </a:t>
+                      </a:r>
+                      <a:r>
+                        <a:rPr lang="en-US" sz="1100" dirty="0">
+                          <a:solidFill>
+                            <a:srgbClr val="00B050"/>
+                          </a:solidFill>
+                          <a:effectLst/>
+                        </a:rPr>
+                        <a:t>&gt; 0</a:t>
+                      </a:r>
+                      <a:endParaRPr lang="en-US" sz="1100" dirty="0">
+                        <a:solidFill>
+                          <a:srgbClr val="00B050"/>
+                        </a:solidFill>
+                        <a:effectLst/>
+                        <a:latin typeface="Calibri" panose="020F0502020204030204" pitchFamily="34" charset="0"/>
+                        <a:ea typeface="Calibri" panose="020F0502020204030204" pitchFamily="34" charset="0"/>
+                        <a:cs typeface="Times New Roman" panose="02020603050405020304" pitchFamily="18" charset="0"/>
+                      </a:endParaRPr>
+                    </a:p>
+                  </a:txBody>
+                  <a:tcPr marL="68580" marR="68580" marT="0" marB="0" anchor="ctr"/>
+                </a:tc>
+                <a:extLst>
+                  <a:ext uri="{0D108BD9-81ED-4DB2-BD59-A6C34878D82A}">
+                    <a16:rowId xmlns:a16="http://schemas.microsoft.com/office/drawing/2014/main" xmlns="" xmlns:a14="http://schemas.microsoft.com/office/drawing/2010/main" xmlns:mc="http://schemas.openxmlformats.org/markup-compatibility/2006" val="3097839083"/>
+                  </a:ext>
+                </a:extLst>
+              </a:tr>
+              <a:tr h="237490">
+                <a:tc>
+                  <a:txBody>
+                    <a:bodyPr/>
+                    <a:lstStyle/>
+                    <a:p>
+                      <a:pPr marL="0" marR="0" algn="ctr">
+                        <a:lnSpc>
+                          <a:spcPct val="107000"/>
+                        </a:lnSpc>
+                        <a:spcBef>
+                          <a:spcPts val="0"/>
+                        </a:spcBef>
+                        <a:spcAft>
+                          <a:spcPts val="0"/>
+                        </a:spcAft>
+                      </a:pPr>
+                      <a:r>
+                        <a:rPr lang="en-US" sz="1100">
+                          <a:effectLst/>
+                        </a:rPr>
+                        <a:t>6</a:t>
+                      </a:r>
+                      <a:endParaRPr lang="en-US" sz="1100">
+                        <a:effectLst/>
+                        <a:latin typeface="Calibri" panose="020F0502020204030204" pitchFamily="34" charset="0"/>
+                        <a:ea typeface="Calibri" panose="020F0502020204030204" pitchFamily="34" charset="0"/>
+                        <a:cs typeface="Times New Roman" panose="02020603050405020304" pitchFamily="18" charset="0"/>
+                      </a:endParaRPr>
+                    </a:p>
+                  </a:txBody>
+                  <a:tcPr marL="68580" marR="68580" marT="0" marB="0" anchor="ctr"/>
+                </a:tc>
+                <a:tc>
+                  <a:txBody>
+                    <a:bodyPr/>
+                    <a:lstStyle/>
+                    <a:p>
+                      <a:pPr marL="0" marR="0" algn="ctr">
+                        <a:lnSpc>
+                          <a:spcPct val="107000"/>
+                        </a:lnSpc>
+                        <a:spcBef>
+                          <a:spcPts val="0"/>
+                        </a:spcBef>
+                        <a:spcAft>
+                          <a:spcPts val="0"/>
+                        </a:spcAft>
+                      </a:pPr>
+                      <a:r>
+                        <a:rPr lang="en-US" sz="1100">
+                          <a:effectLst/>
+                        </a:rPr>
+                        <a:t>4</a:t>
+                      </a:r>
+                      <a:endParaRPr lang="en-US" sz="1100">
+                        <a:effectLst/>
+                        <a:latin typeface="Calibri" panose="020F0502020204030204" pitchFamily="34" charset="0"/>
+                        <a:ea typeface="Calibri" panose="020F0502020204030204" pitchFamily="34" charset="0"/>
+                        <a:cs typeface="Times New Roman" panose="02020603050405020304" pitchFamily="18" charset="0"/>
+                      </a:endParaRPr>
+                    </a:p>
+                  </a:txBody>
+                  <a:tcPr marL="68580" marR="68580" marT="0" marB="0" anchor="ctr"/>
+                </a:tc>
+                <a:tc>
+                  <a:txBody>
+                    <a:bodyPr/>
+                    <a:lstStyle/>
+                    <a:p>
+                      <a:pPr marL="0" marR="0" algn="r">
+                        <a:lnSpc>
+                          <a:spcPct val="107000"/>
+                        </a:lnSpc>
+                        <a:spcBef>
+                          <a:spcPts val="0"/>
+                        </a:spcBef>
+                        <a:spcAft>
+                          <a:spcPts val="0"/>
+                        </a:spcAft>
+                      </a:pPr>
+                      <a:r>
+                        <a:rPr lang="en-US" sz="1100" dirty="0">
+                          <a:effectLst/>
+                        </a:rPr>
+                        <a:t>[-16.7, -13.3] </a:t>
+                      </a:r>
+                      <a:r>
+                        <a:rPr lang="en-US" sz="1100" dirty="0">
+                          <a:solidFill>
+                            <a:srgbClr val="FF0000"/>
+                          </a:solidFill>
+                          <a:effectLst/>
+                        </a:rPr>
+                        <a:t>&lt; 0</a:t>
+                      </a:r>
+                      <a:endParaRPr lang="en-US" sz="1100" dirty="0">
+                        <a:solidFill>
+                          <a:srgbClr val="FF0000"/>
+                        </a:solidFill>
+                        <a:effectLst/>
+                        <a:latin typeface="Calibri" panose="020F0502020204030204" pitchFamily="34" charset="0"/>
+                        <a:ea typeface="Calibri" panose="020F0502020204030204" pitchFamily="34" charset="0"/>
+                        <a:cs typeface="Times New Roman" panose="02020603050405020304" pitchFamily="18" charset="0"/>
+                      </a:endParaRPr>
+                    </a:p>
+                  </a:txBody>
+                  <a:tcPr marL="68580" marR="68580" marT="0" marB="0" anchor="ctr"/>
+                </a:tc>
+                <a:tc>
+                  <a:txBody>
+                    <a:bodyPr/>
+                    <a:lstStyle/>
+                    <a:p>
+                      <a:pPr marL="0" marR="0" algn="r">
+                        <a:lnSpc>
+                          <a:spcPct val="107000"/>
+                        </a:lnSpc>
+                        <a:spcBef>
+                          <a:spcPts val="0"/>
+                        </a:spcBef>
+                        <a:spcAft>
+                          <a:spcPts val="0"/>
+                        </a:spcAft>
+                      </a:pPr>
+                      <a:r>
+                        <a:rPr lang="en-US" sz="1100" dirty="0">
+                          <a:effectLst/>
+                        </a:rPr>
+                        <a:t>[-2.1, -0.8] </a:t>
+                      </a:r>
+                      <a:r>
+                        <a:rPr lang="en-US" sz="1100" dirty="0">
+                          <a:solidFill>
+                            <a:srgbClr val="FF0000"/>
+                          </a:solidFill>
+                          <a:effectLst/>
+                        </a:rPr>
+                        <a:t>&lt; 0</a:t>
+                      </a:r>
+                      <a:endParaRPr lang="en-US" sz="1100" dirty="0">
+                        <a:solidFill>
+                          <a:srgbClr val="FF0000"/>
+                        </a:solidFill>
+                        <a:effectLst/>
+                        <a:latin typeface="Calibri" panose="020F0502020204030204" pitchFamily="34" charset="0"/>
+                        <a:ea typeface="Calibri" panose="020F0502020204030204" pitchFamily="34" charset="0"/>
+                        <a:cs typeface="Times New Roman" panose="02020603050405020304" pitchFamily="18" charset="0"/>
+                      </a:endParaRPr>
+                    </a:p>
+                  </a:txBody>
+                  <a:tcPr marL="68580" marR="68580" marT="0" marB="0" anchor="ctr"/>
+                </a:tc>
+                <a:extLst>
+                  <a:ext uri="{0D108BD9-81ED-4DB2-BD59-A6C34878D82A}">
+                    <a16:rowId xmlns:a16="http://schemas.microsoft.com/office/drawing/2014/main" xmlns="" xmlns:a14="http://schemas.microsoft.com/office/drawing/2010/main" xmlns:mc="http://schemas.openxmlformats.org/markup-compatibility/2006" val="4131693362"/>
+                  </a:ext>
+                </a:extLst>
+              </a:tr>
+              <a:tr h="237490">
+                <a:tc>
+                  <a:txBody>
+                    <a:bodyPr/>
+                    <a:lstStyle/>
+                    <a:p>
+                      <a:pPr marL="0" marR="0" algn="ctr">
+                        <a:lnSpc>
+                          <a:spcPct val="107000"/>
+                        </a:lnSpc>
+                        <a:spcBef>
+                          <a:spcPts val="0"/>
+                        </a:spcBef>
+                        <a:spcAft>
+                          <a:spcPts val="0"/>
+                        </a:spcAft>
+                      </a:pPr>
+                      <a:r>
+                        <a:rPr lang="en-US" sz="1100">
+                          <a:effectLst/>
+                        </a:rPr>
+                        <a:t>6</a:t>
+                      </a:r>
+                      <a:endParaRPr lang="en-US" sz="1100">
+                        <a:effectLst/>
+                        <a:latin typeface="Calibri" panose="020F0502020204030204" pitchFamily="34" charset="0"/>
+                        <a:ea typeface="Calibri" panose="020F0502020204030204" pitchFamily="34" charset="0"/>
+                        <a:cs typeface="Times New Roman" panose="02020603050405020304" pitchFamily="18" charset="0"/>
+                      </a:endParaRPr>
+                    </a:p>
+                  </a:txBody>
+                  <a:tcPr marL="68580" marR="68580" marT="0" marB="0" anchor="ctr"/>
+                </a:tc>
+                <a:tc>
+                  <a:txBody>
+                    <a:bodyPr/>
+                    <a:lstStyle/>
+                    <a:p>
+                      <a:pPr marL="0" marR="0" algn="ctr">
+                        <a:lnSpc>
+                          <a:spcPct val="107000"/>
+                        </a:lnSpc>
+                        <a:spcBef>
+                          <a:spcPts val="0"/>
+                        </a:spcBef>
+                        <a:spcAft>
+                          <a:spcPts val="0"/>
+                        </a:spcAft>
+                      </a:pPr>
+                      <a:r>
+                        <a:rPr lang="en-US" sz="1100">
+                          <a:effectLst/>
+                        </a:rPr>
+                        <a:t>5</a:t>
+                      </a:r>
+                      <a:endParaRPr lang="en-US" sz="1100">
+                        <a:effectLst/>
+                        <a:latin typeface="Calibri" panose="020F0502020204030204" pitchFamily="34" charset="0"/>
+                        <a:ea typeface="Calibri" panose="020F0502020204030204" pitchFamily="34" charset="0"/>
+                        <a:cs typeface="Times New Roman" panose="02020603050405020304" pitchFamily="18" charset="0"/>
+                      </a:endParaRPr>
+                    </a:p>
+                  </a:txBody>
+                  <a:tcPr marL="68580" marR="68580" marT="0" marB="0" anchor="ctr"/>
+                </a:tc>
+                <a:tc>
+                  <a:txBody>
+                    <a:bodyPr/>
+                    <a:lstStyle/>
+                    <a:p>
+                      <a:pPr marL="0" marR="0" algn="r">
+                        <a:lnSpc>
+                          <a:spcPct val="107000"/>
+                        </a:lnSpc>
+                        <a:spcBef>
+                          <a:spcPts val="0"/>
+                        </a:spcBef>
+                        <a:spcAft>
+                          <a:spcPts val="0"/>
+                        </a:spcAft>
+                      </a:pPr>
+                      <a:r>
+                        <a:rPr lang="en-US" sz="1100" dirty="0">
+                          <a:effectLst/>
+                        </a:rPr>
+                        <a:t>[14.5, 23.7] </a:t>
+                      </a:r>
+                      <a:r>
+                        <a:rPr lang="en-US" sz="1100" dirty="0">
+                          <a:solidFill>
+                            <a:srgbClr val="00B050"/>
+                          </a:solidFill>
+                          <a:effectLst/>
+                        </a:rPr>
+                        <a:t>&gt; 0</a:t>
+                      </a:r>
+                      <a:endParaRPr lang="en-US" sz="1100" dirty="0">
+                        <a:solidFill>
+                          <a:srgbClr val="00B050"/>
+                        </a:solidFill>
+                        <a:effectLst/>
+                        <a:latin typeface="Calibri" panose="020F0502020204030204" pitchFamily="34" charset="0"/>
+                        <a:ea typeface="Calibri" panose="020F0502020204030204" pitchFamily="34" charset="0"/>
+                        <a:cs typeface="Times New Roman" panose="02020603050405020304" pitchFamily="18" charset="0"/>
+                      </a:endParaRPr>
+                    </a:p>
+                  </a:txBody>
+                  <a:tcPr marL="68580" marR="68580" marT="0" marB="0" anchor="ctr"/>
+                </a:tc>
+                <a:tc>
+                  <a:txBody>
+                    <a:bodyPr/>
+                    <a:lstStyle/>
+                    <a:p>
+                      <a:pPr marL="0" marR="0" algn="r">
+                        <a:lnSpc>
+                          <a:spcPct val="107000"/>
+                        </a:lnSpc>
+                        <a:spcBef>
+                          <a:spcPts val="0"/>
+                        </a:spcBef>
+                        <a:spcAft>
+                          <a:spcPts val="0"/>
+                        </a:spcAft>
+                      </a:pPr>
+                      <a:r>
+                        <a:rPr lang="en-US" sz="1100">
+                          <a:effectLst/>
+                        </a:rPr>
+                        <a:t>[-0.7, 0.2] = 0</a:t>
+                      </a:r>
+                      <a:endParaRPr lang="en-US" sz="1100">
+                        <a:effectLst/>
+                        <a:latin typeface="Calibri" panose="020F0502020204030204" pitchFamily="34" charset="0"/>
+                        <a:ea typeface="Calibri" panose="020F0502020204030204" pitchFamily="34" charset="0"/>
+                        <a:cs typeface="Times New Roman" panose="02020603050405020304" pitchFamily="18" charset="0"/>
+                      </a:endParaRPr>
+                    </a:p>
+                  </a:txBody>
+                  <a:tcPr marL="68580" marR="68580" marT="0" marB="0" anchor="ctr"/>
+                </a:tc>
+                <a:extLst>
+                  <a:ext uri="{0D108BD9-81ED-4DB2-BD59-A6C34878D82A}">
+                    <a16:rowId xmlns:a16="http://schemas.microsoft.com/office/drawing/2014/main" xmlns="" xmlns:a14="http://schemas.microsoft.com/office/drawing/2010/main" xmlns:mc="http://schemas.openxmlformats.org/markup-compatibility/2006" val="1429300228"/>
+                  </a:ext>
+                </a:extLst>
+              </a:tr>
+              <a:tr h="237490">
+                <a:tc>
+                  <a:txBody>
+                    <a:bodyPr/>
+                    <a:lstStyle/>
+                    <a:p>
+                      <a:pPr marL="0" marR="0" algn="ctr">
+                        <a:lnSpc>
+                          <a:spcPct val="107000"/>
+                        </a:lnSpc>
+                        <a:spcBef>
+                          <a:spcPts val="0"/>
+                        </a:spcBef>
+                        <a:spcAft>
+                          <a:spcPts val="0"/>
+                        </a:spcAft>
+                      </a:pPr>
+                      <a:r>
+                        <a:rPr lang="en-US" sz="1100">
+                          <a:effectLst/>
+                        </a:rPr>
+                        <a:t>6</a:t>
+                      </a:r>
+                      <a:endParaRPr lang="en-US" sz="1100">
+                        <a:effectLst/>
+                        <a:latin typeface="Calibri" panose="020F0502020204030204" pitchFamily="34" charset="0"/>
+                        <a:ea typeface="Calibri" panose="020F0502020204030204" pitchFamily="34" charset="0"/>
+                        <a:cs typeface="Times New Roman" panose="02020603050405020304" pitchFamily="18" charset="0"/>
+                      </a:endParaRPr>
+                    </a:p>
+                  </a:txBody>
+                  <a:tcPr marL="68580" marR="68580" marT="0" marB="0" anchor="ctr"/>
+                </a:tc>
+                <a:tc>
+                  <a:txBody>
+                    <a:bodyPr/>
+                    <a:lstStyle/>
+                    <a:p>
+                      <a:pPr marL="0" marR="0" algn="ctr">
+                        <a:lnSpc>
+                          <a:spcPct val="107000"/>
+                        </a:lnSpc>
+                        <a:spcBef>
+                          <a:spcPts val="0"/>
+                        </a:spcBef>
+                        <a:spcAft>
+                          <a:spcPts val="0"/>
+                        </a:spcAft>
+                      </a:pPr>
+                      <a:r>
+                        <a:rPr lang="en-US" sz="1100">
+                          <a:effectLst/>
+                        </a:rPr>
+                        <a:t>6</a:t>
+                      </a:r>
+                      <a:endParaRPr lang="en-US" sz="1100">
+                        <a:effectLst/>
+                        <a:latin typeface="Calibri" panose="020F0502020204030204" pitchFamily="34" charset="0"/>
+                        <a:ea typeface="Calibri" panose="020F0502020204030204" pitchFamily="34" charset="0"/>
+                        <a:cs typeface="Times New Roman" panose="02020603050405020304" pitchFamily="18" charset="0"/>
+                      </a:endParaRPr>
+                    </a:p>
+                  </a:txBody>
+                  <a:tcPr marL="68580" marR="68580" marT="0" marB="0" anchor="ctr"/>
+                </a:tc>
+                <a:tc>
+                  <a:txBody>
+                    <a:bodyPr/>
+                    <a:lstStyle/>
+                    <a:p>
+                      <a:pPr marL="0" marR="0" algn="r">
+                        <a:lnSpc>
+                          <a:spcPct val="107000"/>
+                        </a:lnSpc>
+                        <a:spcBef>
+                          <a:spcPts val="0"/>
+                        </a:spcBef>
+                        <a:spcAft>
+                          <a:spcPts val="0"/>
+                        </a:spcAft>
+                      </a:pPr>
+                      <a:r>
+                        <a:rPr lang="en-US" sz="1100" dirty="0">
+                          <a:effectLst/>
+                        </a:rPr>
+                        <a:t>[69.8, 71.2] </a:t>
+                      </a:r>
+                      <a:r>
+                        <a:rPr lang="en-US" sz="1100" dirty="0">
+                          <a:solidFill>
+                            <a:srgbClr val="00B050"/>
+                          </a:solidFill>
+                          <a:effectLst/>
+                        </a:rPr>
+                        <a:t>&gt; 0</a:t>
+                      </a:r>
+                      <a:endParaRPr lang="en-US" sz="1100" dirty="0">
+                        <a:solidFill>
+                          <a:srgbClr val="00B050"/>
+                        </a:solidFill>
+                        <a:effectLst/>
+                        <a:latin typeface="Calibri" panose="020F0502020204030204" pitchFamily="34" charset="0"/>
+                        <a:ea typeface="Calibri" panose="020F0502020204030204" pitchFamily="34" charset="0"/>
+                        <a:cs typeface="Times New Roman" panose="02020603050405020304" pitchFamily="18" charset="0"/>
+                      </a:endParaRPr>
+                    </a:p>
+                  </a:txBody>
+                  <a:tcPr marL="68580" marR="68580" marT="0" marB="0" anchor="ctr"/>
+                </a:tc>
+                <a:tc>
+                  <a:txBody>
+                    <a:bodyPr/>
+                    <a:lstStyle/>
+                    <a:p>
+                      <a:pPr marL="0" marR="0" algn="r">
+                        <a:lnSpc>
+                          <a:spcPct val="107000"/>
+                        </a:lnSpc>
+                        <a:spcBef>
+                          <a:spcPts val="0"/>
+                        </a:spcBef>
+                        <a:spcAft>
+                          <a:spcPts val="0"/>
+                        </a:spcAft>
+                      </a:pPr>
+                      <a:r>
+                        <a:rPr lang="en-US" sz="1100" dirty="0">
+                          <a:effectLst/>
+                        </a:rPr>
+                        <a:t>[15.3, 15.7] </a:t>
+                      </a:r>
+                      <a:r>
+                        <a:rPr lang="en-US" sz="1100" dirty="0">
+                          <a:solidFill>
+                            <a:srgbClr val="00B050"/>
+                          </a:solidFill>
+                          <a:effectLst/>
+                        </a:rPr>
+                        <a:t>&gt; 0</a:t>
+                      </a:r>
+                      <a:endParaRPr lang="en-US" sz="1100" dirty="0">
+                        <a:solidFill>
+                          <a:srgbClr val="00B050"/>
+                        </a:solidFill>
+                        <a:effectLst/>
+                        <a:latin typeface="Calibri" panose="020F0502020204030204" pitchFamily="34" charset="0"/>
+                        <a:ea typeface="Calibri" panose="020F0502020204030204" pitchFamily="34" charset="0"/>
+                        <a:cs typeface="Times New Roman" panose="02020603050405020304" pitchFamily="18" charset="0"/>
+                      </a:endParaRPr>
+                    </a:p>
+                  </a:txBody>
+                  <a:tcPr marL="68580" marR="68580" marT="0" marB="0" anchor="ctr"/>
+                </a:tc>
+                <a:extLst>
+                  <a:ext uri="{0D108BD9-81ED-4DB2-BD59-A6C34878D82A}">
+                    <a16:rowId xmlns:a16="http://schemas.microsoft.com/office/drawing/2014/main" xmlns="" xmlns:a14="http://schemas.microsoft.com/office/drawing/2010/main" xmlns:mc="http://schemas.openxmlformats.org/markup-compatibility/2006" val="2962630569"/>
+                  </a:ext>
+                </a:extLst>
+              </a:tr>
+              <a:tr h="237490">
+                <a:tc>
+                  <a:txBody>
+                    <a:bodyPr/>
+                    <a:lstStyle/>
+                    <a:p>
+                      <a:pPr marL="0" marR="0" algn="ctr">
+                        <a:lnSpc>
+                          <a:spcPct val="107000"/>
+                        </a:lnSpc>
+                        <a:spcBef>
+                          <a:spcPts val="0"/>
+                        </a:spcBef>
+                        <a:spcAft>
+                          <a:spcPts val="0"/>
+                        </a:spcAft>
+                      </a:pPr>
+                      <a:r>
+                        <a:rPr lang="en-US" sz="1100">
+                          <a:effectLst/>
+                        </a:rPr>
+                        <a:t>7</a:t>
+                      </a:r>
+                      <a:endParaRPr lang="en-US" sz="1100">
+                        <a:effectLst/>
+                        <a:latin typeface="Calibri" panose="020F0502020204030204" pitchFamily="34" charset="0"/>
+                        <a:ea typeface="Calibri" panose="020F0502020204030204" pitchFamily="34" charset="0"/>
+                        <a:cs typeface="Times New Roman" panose="02020603050405020304" pitchFamily="18" charset="0"/>
+                      </a:endParaRPr>
+                    </a:p>
+                  </a:txBody>
+                  <a:tcPr marL="68580" marR="68580" marT="0" marB="0" anchor="ctr"/>
+                </a:tc>
+                <a:tc>
+                  <a:txBody>
+                    <a:bodyPr/>
+                    <a:lstStyle/>
+                    <a:p>
+                      <a:pPr marL="0" marR="0" algn="ctr">
+                        <a:lnSpc>
+                          <a:spcPct val="107000"/>
+                        </a:lnSpc>
+                        <a:spcBef>
+                          <a:spcPts val="0"/>
+                        </a:spcBef>
+                        <a:spcAft>
+                          <a:spcPts val="0"/>
+                        </a:spcAft>
+                      </a:pPr>
+                      <a:r>
+                        <a:rPr lang="en-US" sz="1100">
+                          <a:effectLst/>
+                        </a:rPr>
+                        <a:t>3</a:t>
+                      </a:r>
+                      <a:endParaRPr lang="en-US" sz="1100">
+                        <a:effectLst/>
+                        <a:latin typeface="Calibri" panose="020F0502020204030204" pitchFamily="34" charset="0"/>
+                        <a:ea typeface="Calibri" panose="020F0502020204030204" pitchFamily="34" charset="0"/>
+                        <a:cs typeface="Times New Roman" panose="02020603050405020304" pitchFamily="18" charset="0"/>
+                      </a:endParaRPr>
+                    </a:p>
+                  </a:txBody>
+                  <a:tcPr marL="68580" marR="68580" marT="0" marB="0" anchor="ctr"/>
+                </a:tc>
+                <a:tc>
+                  <a:txBody>
+                    <a:bodyPr/>
+                    <a:lstStyle/>
+                    <a:p>
+                      <a:pPr marL="0" marR="0" algn="r">
+                        <a:lnSpc>
+                          <a:spcPct val="107000"/>
+                        </a:lnSpc>
+                        <a:spcBef>
+                          <a:spcPts val="0"/>
+                        </a:spcBef>
+                        <a:spcAft>
+                          <a:spcPts val="0"/>
+                        </a:spcAft>
+                      </a:pPr>
+                      <a:r>
+                        <a:rPr lang="en-US" sz="1100" dirty="0">
+                          <a:effectLst/>
+                        </a:rPr>
+                        <a:t>[2.6, 9.1] </a:t>
+                      </a:r>
+                      <a:r>
+                        <a:rPr lang="en-US" sz="1100" dirty="0">
+                          <a:solidFill>
+                            <a:srgbClr val="00B050"/>
+                          </a:solidFill>
+                          <a:effectLst/>
+                        </a:rPr>
+                        <a:t>&gt; 0</a:t>
+                      </a:r>
+                      <a:endParaRPr lang="en-US" sz="1100" dirty="0">
+                        <a:solidFill>
+                          <a:srgbClr val="00B050"/>
+                        </a:solidFill>
+                        <a:effectLst/>
+                        <a:latin typeface="Calibri" panose="020F0502020204030204" pitchFamily="34" charset="0"/>
+                        <a:ea typeface="Calibri" panose="020F0502020204030204" pitchFamily="34" charset="0"/>
+                        <a:cs typeface="Times New Roman" panose="02020603050405020304" pitchFamily="18" charset="0"/>
+                      </a:endParaRPr>
+                    </a:p>
+                  </a:txBody>
+                  <a:tcPr marL="68580" marR="68580" marT="0" marB="0" anchor="ctr"/>
+                </a:tc>
+                <a:tc>
+                  <a:txBody>
+                    <a:bodyPr/>
+                    <a:lstStyle/>
+                    <a:p>
+                      <a:pPr marL="0" marR="0" algn="r">
+                        <a:lnSpc>
+                          <a:spcPct val="107000"/>
+                        </a:lnSpc>
+                        <a:spcBef>
+                          <a:spcPts val="0"/>
+                        </a:spcBef>
+                        <a:spcAft>
+                          <a:spcPts val="0"/>
+                        </a:spcAft>
+                      </a:pPr>
+                      <a:r>
+                        <a:rPr lang="en-US" sz="1100" dirty="0">
+                          <a:effectLst/>
+                        </a:rPr>
+                        <a:t>[1.8, 2.8] </a:t>
+                      </a:r>
+                      <a:r>
+                        <a:rPr lang="en-US" sz="1100" dirty="0">
+                          <a:solidFill>
+                            <a:srgbClr val="00B050"/>
+                          </a:solidFill>
+                          <a:effectLst/>
+                        </a:rPr>
+                        <a:t>&gt; 0</a:t>
+                      </a:r>
+                      <a:endParaRPr lang="en-US" sz="1100" dirty="0">
+                        <a:solidFill>
+                          <a:srgbClr val="00B050"/>
+                        </a:solidFill>
+                        <a:effectLst/>
+                        <a:latin typeface="Calibri" panose="020F0502020204030204" pitchFamily="34" charset="0"/>
+                        <a:ea typeface="Calibri" panose="020F0502020204030204" pitchFamily="34" charset="0"/>
+                        <a:cs typeface="Times New Roman" panose="02020603050405020304" pitchFamily="18" charset="0"/>
+                      </a:endParaRPr>
+                    </a:p>
+                  </a:txBody>
+                  <a:tcPr marL="68580" marR="68580" marT="0" marB="0" anchor="ctr"/>
+                </a:tc>
+                <a:extLst>
+                  <a:ext uri="{0D108BD9-81ED-4DB2-BD59-A6C34878D82A}">
+                    <a16:rowId xmlns:a16="http://schemas.microsoft.com/office/drawing/2014/main" xmlns="" xmlns:a14="http://schemas.microsoft.com/office/drawing/2010/main" xmlns:mc="http://schemas.openxmlformats.org/markup-compatibility/2006" val="3197812872"/>
+                  </a:ext>
+                </a:extLst>
+              </a:tr>
+              <a:tr h="237490">
+                <a:tc>
+                  <a:txBody>
+                    <a:bodyPr/>
+                    <a:lstStyle/>
+                    <a:p>
+                      <a:pPr marL="0" marR="0" algn="ctr">
+                        <a:lnSpc>
+                          <a:spcPct val="107000"/>
+                        </a:lnSpc>
+                        <a:spcBef>
+                          <a:spcPts val="0"/>
+                        </a:spcBef>
+                        <a:spcAft>
+                          <a:spcPts val="0"/>
+                        </a:spcAft>
+                      </a:pPr>
+                      <a:r>
+                        <a:rPr lang="en-US" sz="1100">
+                          <a:effectLst/>
+                        </a:rPr>
+                        <a:t>7</a:t>
+                      </a:r>
+                      <a:endParaRPr lang="en-US" sz="1100">
+                        <a:effectLst/>
+                        <a:latin typeface="Calibri" panose="020F0502020204030204" pitchFamily="34" charset="0"/>
+                        <a:ea typeface="Calibri" panose="020F0502020204030204" pitchFamily="34" charset="0"/>
+                        <a:cs typeface="Times New Roman" panose="02020603050405020304" pitchFamily="18" charset="0"/>
+                      </a:endParaRPr>
+                    </a:p>
+                  </a:txBody>
+                  <a:tcPr marL="68580" marR="68580" marT="0" marB="0" anchor="ctr"/>
+                </a:tc>
+                <a:tc>
+                  <a:txBody>
+                    <a:bodyPr/>
+                    <a:lstStyle/>
+                    <a:p>
+                      <a:pPr marL="0" marR="0" algn="ctr">
+                        <a:lnSpc>
+                          <a:spcPct val="107000"/>
+                        </a:lnSpc>
+                        <a:spcBef>
+                          <a:spcPts val="0"/>
+                        </a:spcBef>
+                        <a:spcAft>
+                          <a:spcPts val="0"/>
+                        </a:spcAft>
+                      </a:pPr>
+                      <a:r>
+                        <a:rPr lang="en-US" sz="1100">
+                          <a:effectLst/>
+                        </a:rPr>
+                        <a:t>4</a:t>
+                      </a:r>
+                      <a:endParaRPr lang="en-US" sz="1100">
+                        <a:effectLst/>
+                        <a:latin typeface="Calibri" panose="020F0502020204030204" pitchFamily="34" charset="0"/>
+                        <a:ea typeface="Calibri" panose="020F0502020204030204" pitchFamily="34" charset="0"/>
+                        <a:cs typeface="Times New Roman" panose="02020603050405020304" pitchFamily="18" charset="0"/>
+                      </a:endParaRPr>
+                    </a:p>
+                  </a:txBody>
+                  <a:tcPr marL="68580" marR="68580" marT="0" marB="0" anchor="ctr"/>
+                </a:tc>
+                <a:tc>
+                  <a:txBody>
+                    <a:bodyPr/>
+                    <a:lstStyle/>
+                    <a:p>
+                      <a:pPr marL="0" marR="0" algn="r">
+                        <a:lnSpc>
+                          <a:spcPct val="107000"/>
+                        </a:lnSpc>
+                        <a:spcBef>
+                          <a:spcPts val="0"/>
+                        </a:spcBef>
+                        <a:spcAft>
+                          <a:spcPts val="0"/>
+                        </a:spcAft>
+                      </a:pPr>
+                      <a:r>
+                        <a:rPr lang="en-US" sz="1100" dirty="0">
+                          <a:effectLst/>
+                        </a:rPr>
+                        <a:t>[2.8, 7.7] </a:t>
+                      </a:r>
+                      <a:r>
+                        <a:rPr lang="en-US" sz="1100" dirty="0">
+                          <a:solidFill>
+                            <a:srgbClr val="00B050"/>
+                          </a:solidFill>
+                          <a:effectLst/>
+                        </a:rPr>
+                        <a:t>&gt; 0</a:t>
+                      </a:r>
+                      <a:endParaRPr lang="en-US" sz="1100" dirty="0">
+                        <a:solidFill>
+                          <a:srgbClr val="00B050"/>
+                        </a:solidFill>
+                        <a:effectLst/>
+                        <a:latin typeface="Calibri" panose="020F0502020204030204" pitchFamily="34" charset="0"/>
+                        <a:ea typeface="Calibri" panose="020F0502020204030204" pitchFamily="34" charset="0"/>
+                        <a:cs typeface="Times New Roman" panose="02020603050405020304" pitchFamily="18" charset="0"/>
+                      </a:endParaRPr>
+                    </a:p>
+                  </a:txBody>
+                  <a:tcPr marL="68580" marR="68580" marT="0" marB="0" anchor="ctr"/>
+                </a:tc>
+                <a:tc>
+                  <a:txBody>
+                    <a:bodyPr/>
+                    <a:lstStyle/>
+                    <a:p>
+                      <a:pPr marL="0" marR="0" algn="r">
+                        <a:lnSpc>
+                          <a:spcPct val="107000"/>
+                        </a:lnSpc>
+                        <a:spcBef>
+                          <a:spcPts val="0"/>
+                        </a:spcBef>
+                        <a:spcAft>
+                          <a:spcPts val="0"/>
+                        </a:spcAft>
+                      </a:pPr>
+                      <a:r>
+                        <a:rPr lang="en-US" sz="1100" dirty="0">
+                          <a:effectLst/>
+                        </a:rPr>
+                        <a:t>[3.9, 4.9] </a:t>
+                      </a:r>
+                      <a:r>
+                        <a:rPr lang="en-US" sz="1100" dirty="0">
+                          <a:solidFill>
+                            <a:srgbClr val="00B050"/>
+                          </a:solidFill>
+                          <a:effectLst/>
+                        </a:rPr>
+                        <a:t>&gt; 0</a:t>
+                      </a:r>
+                      <a:endParaRPr lang="en-US" sz="1100" dirty="0">
+                        <a:solidFill>
+                          <a:srgbClr val="00B050"/>
+                        </a:solidFill>
+                        <a:effectLst/>
+                        <a:latin typeface="Calibri" panose="020F0502020204030204" pitchFamily="34" charset="0"/>
+                        <a:ea typeface="Calibri" panose="020F0502020204030204" pitchFamily="34" charset="0"/>
+                        <a:cs typeface="Times New Roman" panose="02020603050405020304" pitchFamily="18" charset="0"/>
+                      </a:endParaRPr>
+                    </a:p>
+                  </a:txBody>
+                  <a:tcPr marL="68580" marR="68580" marT="0" marB="0" anchor="ctr"/>
+                </a:tc>
+                <a:extLst>
+                  <a:ext uri="{0D108BD9-81ED-4DB2-BD59-A6C34878D82A}">
+                    <a16:rowId xmlns:a16="http://schemas.microsoft.com/office/drawing/2014/main" xmlns="" xmlns:a14="http://schemas.microsoft.com/office/drawing/2010/main" xmlns:mc="http://schemas.openxmlformats.org/markup-compatibility/2006" val="3225932287"/>
+                  </a:ext>
+                </a:extLst>
+              </a:tr>
+              <a:tr h="237490">
+                <a:tc>
+                  <a:txBody>
+                    <a:bodyPr/>
+                    <a:lstStyle/>
+                    <a:p>
+                      <a:pPr marL="0" marR="0" algn="ctr">
+                        <a:lnSpc>
+                          <a:spcPct val="107000"/>
+                        </a:lnSpc>
+                        <a:spcBef>
+                          <a:spcPts val="0"/>
+                        </a:spcBef>
+                        <a:spcAft>
+                          <a:spcPts val="0"/>
+                        </a:spcAft>
+                      </a:pPr>
+                      <a:r>
+                        <a:rPr lang="en-US" sz="1100">
+                          <a:effectLst/>
+                        </a:rPr>
+                        <a:t>7</a:t>
+                      </a:r>
+                      <a:endParaRPr lang="en-US" sz="1100">
+                        <a:effectLst/>
+                        <a:latin typeface="Calibri" panose="020F0502020204030204" pitchFamily="34" charset="0"/>
+                        <a:ea typeface="Calibri" panose="020F0502020204030204" pitchFamily="34" charset="0"/>
+                        <a:cs typeface="Times New Roman" panose="02020603050405020304" pitchFamily="18" charset="0"/>
+                      </a:endParaRPr>
+                    </a:p>
+                  </a:txBody>
+                  <a:tcPr marL="68580" marR="68580" marT="0" marB="0" anchor="ctr"/>
+                </a:tc>
+                <a:tc>
+                  <a:txBody>
+                    <a:bodyPr/>
+                    <a:lstStyle/>
+                    <a:p>
+                      <a:pPr marL="0" marR="0" algn="ctr">
+                        <a:lnSpc>
+                          <a:spcPct val="107000"/>
+                        </a:lnSpc>
+                        <a:spcBef>
+                          <a:spcPts val="0"/>
+                        </a:spcBef>
+                        <a:spcAft>
+                          <a:spcPts val="0"/>
+                        </a:spcAft>
+                      </a:pPr>
+                      <a:r>
+                        <a:rPr lang="en-US" sz="1100">
+                          <a:effectLst/>
+                        </a:rPr>
+                        <a:t>5</a:t>
+                      </a:r>
+                      <a:endParaRPr lang="en-US" sz="1100">
+                        <a:effectLst/>
+                        <a:latin typeface="Calibri" panose="020F0502020204030204" pitchFamily="34" charset="0"/>
+                        <a:ea typeface="Calibri" panose="020F0502020204030204" pitchFamily="34" charset="0"/>
+                        <a:cs typeface="Times New Roman" panose="02020603050405020304" pitchFamily="18" charset="0"/>
+                      </a:endParaRPr>
+                    </a:p>
+                  </a:txBody>
+                  <a:tcPr marL="68580" marR="68580" marT="0" marB="0" anchor="ctr"/>
+                </a:tc>
+                <a:tc>
+                  <a:txBody>
+                    <a:bodyPr/>
+                    <a:lstStyle/>
+                    <a:p>
+                      <a:pPr marL="0" marR="0" algn="r">
+                        <a:lnSpc>
+                          <a:spcPct val="107000"/>
+                        </a:lnSpc>
+                        <a:spcBef>
+                          <a:spcPts val="0"/>
+                        </a:spcBef>
+                        <a:spcAft>
+                          <a:spcPts val="0"/>
+                        </a:spcAft>
+                      </a:pPr>
+                      <a:r>
+                        <a:rPr lang="en-US" sz="1100" dirty="0">
+                          <a:effectLst/>
+                        </a:rPr>
+                        <a:t>[-31.5, -24.6] </a:t>
+                      </a:r>
+                      <a:r>
+                        <a:rPr lang="en-US" sz="1100" dirty="0">
+                          <a:solidFill>
+                            <a:srgbClr val="FF0000"/>
+                          </a:solidFill>
+                          <a:effectLst/>
+                        </a:rPr>
+                        <a:t>&lt; 0</a:t>
+                      </a:r>
+                      <a:endParaRPr lang="en-US" sz="1100" dirty="0">
+                        <a:solidFill>
+                          <a:srgbClr val="FF0000"/>
+                        </a:solidFill>
+                        <a:effectLst/>
+                        <a:latin typeface="Calibri" panose="020F0502020204030204" pitchFamily="34" charset="0"/>
+                        <a:ea typeface="Calibri" panose="020F0502020204030204" pitchFamily="34" charset="0"/>
+                        <a:cs typeface="Times New Roman" panose="02020603050405020304" pitchFamily="18" charset="0"/>
+                      </a:endParaRPr>
+                    </a:p>
+                  </a:txBody>
+                  <a:tcPr marL="68580" marR="68580" marT="0" marB="0" anchor="ctr"/>
+                </a:tc>
+                <a:tc>
+                  <a:txBody>
+                    <a:bodyPr/>
+                    <a:lstStyle/>
+                    <a:p>
+                      <a:pPr marL="0" marR="0" algn="r">
+                        <a:lnSpc>
+                          <a:spcPct val="107000"/>
+                        </a:lnSpc>
+                        <a:spcBef>
+                          <a:spcPts val="0"/>
+                        </a:spcBef>
+                        <a:spcAft>
+                          <a:spcPts val="0"/>
+                        </a:spcAft>
+                      </a:pPr>
+                      <a:r>
+                        <a:rPr lang="en-US" sz="1100" dirty="0">
+                          <a:effectLst/>
+                        </a:rPr>
+                        <a:t>[-3.8, -2.8] </a:t>
+                      </a:r>
+                      <a:r>
+                        <a:rPr lang="en-US" sz="1100" dirty="0">
+                          <a:solidFill>
+                            <a:srgbClr val="FF0000"/>
+                          </a:solidFill>
+                          <a:effectLst/>
+                        </a:rPr>
+                        <a:t>&lt; 0</a:t>
+                      </a:r>
+                      <a:endParaRPr lang="en-US" sz="1100" dirty="0">
+                        <a:solidFill>
+                          <a:srgbClr val="FF0000"/>
+                        </a:solidFill>
+                        <a:effectLst/>
+                        <a:latin typeface="Calibri" panose="020F0502020204030204" pitchFamily="34" charset="0"/>
+                        <a:ea typeface="Calibri" panose="020F0502020204030204" pitchFamily="34" charset="0"/>
+                        <a:cs typeface="Times New Roman" panose="02020603050405020304" pitchFamily="18" charset="0"/>
+                      </a:endParaRPr>
+                    </a:p>
+                  </a:txBody>
+                  <a:tcPr marL="68580" marR="68580" marT="0" marB="0" anchor="ctr"/>
+                </a:tc>
+                <a:extLst>
+                  <a:ext uri="{0D108BD9-81ED-4DB2-BD59-A6C34878D82A}">
+                    <a16:rowId xmlns:a16="http://schemas.microsoft.com/office/drawing/2014/main" xmlns="" xmlns:a14="http://schemas.microsoft.com/office/drawing/2010/main" xmlns:mc="http://schemas.openxmlformats.org/markup-compatibility/2006" val="2000881386"/>
+                  </a:ext>
+                </a:extLst>
+              </a:tr>
+              <a:tr h="237490">
+                <a:tc>
+                  <a:txBody>
+                    <a:bodyPr/>
+                    <a:lstStyle/>
+                    <a:p>
+                      <a:pPr marL="0" marR="0" algn="ctr">
+                        <a:lnSpc>
+                          <a:spcPct val="107000"/>
+                        </a:lnSpc>
+                        <a:spcBef>
+                          <a:spcPts val="0"/>
+                        </a:spcBef>
+                        <a:spcAft>
+                          <a:spcPts val="0"/>
+                        </a:spcAft>
+                      </a:pPr>
+                      <a:r>
+                        <a:rPr lang="en-US" sz="1100">
+                          <a:effectLst/>
+                        </a:rPr>
+                        <a:t>7</a:t>
+                      </a:r>
+                      <a:endParaRPr lang="en-US" sz="1100">
+                        <a:effectLst/>
+                        <a:latin typeface="Calibri" panose="020F0502020204030204" pitchFamily="34" charset="0"/>
+                        <a:ea typeface="Calibri" panose="020F0502020204030204" pitchFamily="34" charset="0"/>
+                        <a:cs typeface="Times New Roman" panose="02020603050405020304" pitchFamily="18" charset="0"/>
+                      </a:endParaRPr>
+                    </a:p>
+                  </a:txBody>
+                  <a:tcPr marL="68580" marR="68580" marT="0" marB="0" anchor="ctr"/>
+                </a:tc>
+                <a:tc>
+                  <a:txBody>
+                    <a:bodyPr/>
+                    <a:lstStyle/>
+                    <a:p>
+                      <a:pPr marL="0" marR="0" algn="ctr">
+                        <a:lnSpc>
+                          <a:spcPct val="107000"/>
+                        </a:lnSpc>
+                        <a:spcBef>
+                          <a:spcPts val="0"/>
+                        </a:spcBef>
+                        <a:spcAft>
+                          <a:spcPts val="0"/>
+                        </a:spcAft>
+                      </a:pPr>
+                      <a:r>
+                        <a:rPr lang="en-US" sz="1100">
+                          <a:effectLst/>
+                        </a:rPr>
+                        <a:t>6</a:t>
+                      </a:r>
+                      <a:endParaRPr lang="en-US" sz="1100">
+                        <a:effectLst/>
+                        <a:latin typeface="Calibri" panose="020F0502020204030204" pitchFamily="34" charset="0"/>
+                        <a:ea typeface="Calibri" panose="020F0502020204030204" pitchFamily="34" charset="0"/>
+                        <a:cs typeface="Times New Roman" panose="02020603050405020304" pitchFamily="18" charset="0"/>
+                      </a:endParaRPr>
+                    </a:p>
+                  </a:txBody>
+                  <a:tcPr marL="68580" marR="68580" marT="0" marB="0" anchor="ctr"/>
+                </a:tc>
+                <a:tc>
+                  <a:txBody>
+                    <a:bodyPr/>
+                    <a:lstStyle/>
+                    <a:p>
+                      <a:pPr marL="0" marR="0" algn="r">
+                        <a:lnSpc>
+                          <a:spcPct val="107000"/>
+                        </a:lnSpc>
+                        <a:spcBef>
+                          <a:spcPts val="0"/>
+                        </a:spcBef>
+                        <a:spcAft>
+                          <a:spcPts val="0"/>
+                        </a:spcAft>
+                      </a:pPr>
+                      <a:r>
+                        <a:rPr lang="en-US" sz="1100" dirty="0">
+                          <a:effectLst/>
+                        </a:rPr>
+                        <a:t>[23.2, 27.7] </a:t>
+                      </a:r>
+                      <a:r>
+                        <a:rPr lang="en-US" sz="1100" dirty="0">
+                          <a:solidFill>
+                            <a:srgbClr val="00B050"/>
+                          </a:solidFill>
+                          <a:effectLst/>
+                        </a:rPr>
+                        <a:t>&gt; 0</a:t>
+                      </a:r>
+                      <a:endParaRPr lang="en-US" sz="1100" dirty="0">
+                        <a:solidFill>
+                          <a:srgbClr val="00B050"/>
+                        </a:solidFill>
+                        <a:effectLst/>
+                        <a:latin typeface="Calibri" panose="020F0502020204030204" pitchFamily="34" charset="0"/>
+                        <a:ea typeface="Calibri" panose="020F0502020204030204" pitchFamily="34" charset="0"/>
+                        <a:cs typeface="Times New Roman" panose="02020603050405020304" pitchFamily="18" charset="0"/>
+                      </a:endParaRPr>
+                    </a:p>
+                  </a:txBody>
+                  <a:tcPr marL="68580" marR="68580" marT="0" marB="0" anchor="ctr"/>
+                </a:tc>
+                <a:tc>
+                  <a:txBody>
+                    <a:bodyPr/>
+                    <a:lstStyle/>
+                    <a:p>
+                      <a:pPr marL="0" marR="0" algn="r">
+                        <a:lnSpc>
+                          <a:spcPct val="107000"/>
+                        </a:lnSpc>
+                        <a:spcBef>
+                          <a:spcPts val="0"/>
+                        </a:spcBef>
+                        <a:spcAft>
+                          <a:spcPts val="0"/>
+                        </a:spcAft>
+                      </a:pPr>
+                      <a:r>
+                        <a:rPr lang="en-US" sz="1100" dirty="0">
+                          <a:effectLst/>
+                        </a:rPr>
+                        <a:t>[4.76, 7.4] </a:t>
+                      </a:r>
+                      <a:r>
+                        <a:rPr lang="en-US" sz="1100" dirty="0">
+                          <a:solidFill>
+                            <a:srgbClr val="00B050"/>
+                          </a:solidFill>
+                          <a:effectLst/>
+                        </a:rPr>
+                        <a:t>&gt; 0</a:t>
+                      </a:r>
+                      <a:endParaRPr lang="en-US" sz="1100" dirty="0">
+                        <a:solidFill>
+                          <a:srgbClr val="00B050"/>
+                        </a:solidFill>
+                        <a:effectLst/>
+                        <a:latin typeface="Calibri" panose="020F0502020204030204" pitchFamily="34" charset="0"/>
+                        <a:ea typeface="Calibri" panose="020F0502020204030204" pitchFamily="34" charset="0"/>
+                        <a:cs typeface="Times New Roman" panose="02020603050405020304" pitchFamily="18" charset="0"/>
+                      </a:endParaRPr>
+                    </a:p>
+                  </a:txBody>
+                  <a:tcPr marL="68580" marR="68580" marT="0" marB="0" anchor="ctr"/>
+                </a:tc>
+                <a:extLst>
+                  <a:ext uri="{0D108BD9-81ED-4DB2-BD59-A6C34878D82A}">
+                    <a16:rowId xmlns:a16="http://schemas.microsoft.com/office/drawing/2014/main" xmlns="" xmlns:a14="http://schemas.microsoft.com/office/drawing/2010/main" xmlns:mc="http://schemas.openxmlformats.org/markup-compatibility/2006" val="1717543923"/>
+                  </a:ext>
+                </a:extLst>
+              </a:tr>
+            </a:tbl>
+          </a:graphicData>
+        </a:graphic>
+      </p:graphicFrame>
     </p:spTree>
     <p:extLst>
       <p:ext uri="{BB962C8B-B14F-4D97-AF65-F5344CB8AC3E}">
-        <p14:creationId xmlns:p14="http://schemas.microsoft.com/office/powerpoint/2010/main" val="3377703338"/>
+        <p14:creationId xmlns:p14="http://schemas.microsoft.com/office/powerpoint/2010/main" xmlns="" val="3377703338"/>
       </p:ext>
     </p:extLst>
   </p:cSld>
@@ -29702,7 +28001,7 @@
           <p:cNvPr id="2" name="Title 1">
             <a:extLst>
               <a:ext uri="{FF2B5EF4-FFF2-40B4-BE49-F238E27FC236}">
-                <a16:creationId xmlns:a16="http://schemas.microsoft.com/office/drawing/2014/main" id="{55A24444-B408-490F-B301-C84B3CF5A984}"/>
+                <a16:creationId xmlns:a16="http://schemas.microsoft.com/office/drawing/2014/main" xmlns="" id="{55A24444-B408-490F-B301-C84B3CF5A984}"/>
               </a:ext>
             </a:extLst>
           </p:cNvPr>
@@ -29731,7 +28030,7 @@
           <p:cNvPr id="3" name="Content Placeholder 2">
             <a:extLst>
               <a:ext uri="{FF2B5EF4-FFF2-40B4-BE49-F238E27FC236}">
-                <a16:creationId xmlns:a16="http://schemas.microsoft.com/office/drawing/2014/main" id="{90374A87-2355-4688-835D-CB739384C239}"/>
+                <a16:creationId xmlns:a16="http://schemas.microsoft.com/office/drawing/2014/main" xmlns="" id="{90374A87-2355-4688-835D-CB739384C239}"/>
               </a:ext>
             </a:extLst>
           </p:cNvPr>
@@ -29763,8 +28062,8 @@
           </a:p>
         </p:txBody>
       </p:sp>
-      <mc:AlternateContent xmlns:mc="http://schemas.openxmlformats.org/markup-compatibility/2006" xmlns:a14="http://schemas.microsoft.com/office/drawing/2010/main">
-        <mc:Choice Requires="a14">
+      <mc:AlternateContent xmlns:mc="http://schemas.openxmlformats.org/markup-compatibility/2006">
+        <mc:Choice xmlns:a14="http://schemas.microsoft.com/office/drawing/2010/main" xmlns="" Requires="a14">
           <p:graphicFrame>
             <p:nvGraphicFramePr>
               <p:cNvPr id="4" name="Table 3">
@@ -31493,13 +29792,13 @@
             </a:graphic>
           </p:graphicFrame>
         </mc:Choice>
-        <mc:Fallback xmlns="">
+        <mc:Fallback>
           <p:graphicFrame>
             <p:nvGraphicFramePr>
               <p:cNvPr id="4" name="Table 3">
                 <a:extLst>
                   <a:ext uri="{FF2B5EF4-FFF2-40B4-BE49-F238E27FC236}">
-                    <a16:creationId xmlns:a16="http://schemas.microsoft.com/office/drawing/2014/main" id="{4BB8EFF4-347A-45EB-B303-2955E95F9574}"/>
+                    <a16:creationId xmlns:a16="http://schemas.microsoft.com/office/drawing/2014/main" xmlns="" xmlns:a14="http://schemas.microsoft.com/office/drawing/2010/main" id="{4BB8EFF4-347A-45EB-B303-2955E95F9574}"/>
                   </a:ext>
                 </a:extLst>
               </p:cNvPr>
@@ -31522,35 +29821,35 @@
                     <a:gridCol w="752475">
                       <a:extLst>
                         <a:ext uri="{9D8B030D-6E8A-4147-A177-3AD203B41FA5}">
-                          <a16:colId xmlns:a16="http://schemas.microsoft.com/office/drawing/2014/main" val="504880085"/>
+                          <a16:colId xmlns:a16="http://schemas.microsoft.com/office/drawing/2014/main" xmlns="" xmlns:a14="http://schemas.microsoft.com/office/drawing/2010/main" val="504880085"/>
                         </a:ext>
                       </a:extLst>
                     </a:gridCol>
                     <a:gridCol w="752475">
                       <a:extLst>
                         <a:ext uri="{9D8B030D-6E8A-4147-A177-3AD203B41FA5}">
-                          <a16:colId xmlns:a16="http://schemas.microsoft.com/office/drawing/2014/main" val="3130973603"/>
+                          <a16:colId xmlns:a16="http://schemas.microsoft.com/office/drawing/2014/main" xmlns="" xmlns:a14="http://schemas.microsoft.com/office/drawing/2010/main" val="3130973603"/>
                         </a:ext>
                       </a:extLst>
                     </a:gridCol>
                     <a:gridCol w="752475">
                       <a:extLst>
                         <a:ext uri="{9D8B030D-6E8A-4147-A177-3AD203B41FA5}">
-                          <a16:colId xmlns:a16="http://schemas.microsoft.com/office/drawing/2014/main" val="2759515319"/>
+                          <a16:colId xmlns:a16="http://schemas.microsoft.com/office/drawing/2014/main" xmlns="" xmlns:a14="http://schemas.microsoft.com/office/drawing/2010/main" val="2759515319"/>
                         </a:ext>
                       </a:extLst>
                     </a:gridCol>
                     <a:gridCol w="752475">
                       <a:extLst>
                         <a:ext uri="{9D8B030D-6E8A-4147-A177-3AD203B41FA5}">
-                          <a16:colId xmlns:a16="http://schemas.microsoft.com/office/drawing/2014/main" val="495397592"/>
+                          <a16:colId xmlns:a16="http://schemas.microsoft.com/office/drawing/2014/main" xmlns="" xmlns:a14="http://schemas.microsoft.com/office/drawing/2010/main" val="495397592"/>
                         </a:ext>
                       </a:extLst>
                     </a:gridCol>
                     <a:gridCol w="752475">
                       <a:extLst>
                         <a:ext uri="{9D8B030D-6E8A-4147-A177-3AD203B41FA5}">
-                          <a16:colId xmlns:a16="http://schemas.microsoft.com/office/drawing/2014/main" val="424441163"/>
+                          <a16:colId xmlns:a16="http://schemas.microsoft.com/office/drawing/2014/main" xmlns="" xmlns:a14="http://schemas.microsoft.com/office/drawing/2010/main" val="424441163"/>
                         </a:ext>
                       </a:extLst>
                     </a:gridCol>
@@ -31643,7 +29942,7 @@
                     </a:tc>
                     <a:extLst>
                       <a:ext uri="{0D108BD9-81ED-4DB2-BD59-A6C34878D82A}">
-                        <a16:rowId xmlns:a16="http://schemas.microsoft.com/office/drawing/2014/main" val="579411622"/>
+                        <a16:rowId xmlns:a16="http://schemas.microsoft.com/office/drawing/2014/main" xmlns="" xmlns:a14="http://schemas.microsoft.com/office/drawing/2010/main" val="579411622"/>
                       </a:ext>
                     </a:extLst>
                   </a:tr>
@@ -31810,7 +30109,7 @@
                     </a:tc>
                     <a:extLst>
                       <a:ext uri="{0D108BD9-81ED-4DB2-BD59-A6C34878D82A}">
-                        <a16:rowId xmlns:a16="http://schemas.microsoft.com/office/drawing/2014/main" val="2046125082"/>
+                        <a16:rowId xmlns:a16="http://schemas.microsoft.com/office/drawing/2014/main" xmlns="" xmlns:a14="http://schemas.microsoft.com/office/drawing/2010/main" val="2046125082"/>
                       </a:ext>
                     </a:extLst>
                   </a:tr>
@@ -31977,7 +30276,7 @@
                     </a:tc>
                     <a:extLst>
                       <a:ext uri="{0D108BD9-81ED-4DB2-BD59-A6C34878D82A}">
-                        <a16:rowId xmlns:a16="http://schemas.microsoft.com/office/drawing/2014/main" val="2059275729"/>
+                        <a16:rowId xmlns:a16="http://schemas.microsoft.com/office/drawing/2014/main" xmlns="" xmlns:a14="http://schemas.microsoft.com/office/drawing/2010/main" val="2059275729"/>
                       </a:ext>
                     </a:extLst>
                   </a:tr>
@@ -32144,7 +30443,7 @@
                     </a:tc>
                     <a:extLst>
                       <a:ext uri="{0D108BD9-81ED-4DB2-BD59-A6C34878D82A}">
-                        <a16:rowId xmlns:a16="http://schemas.microsoft.com/office/drawing/2014/main" val="2990201228"/>
+                        <a16:rowId xmlns:a16="http://schemas.microsoft.com/office/drawing/2014/main" xmlns="" xmlns:a14="http://schemas.microsoft.com/office/drawing/2010/main" val="2990201228"/>
                       </a:ext>
                     </a:extLst>
                   </a:tr>
@@ -32311,7 +30610,7 @@
                     </a:tc>
                     <a:extLst>
                       <a:ext uri="{0D108BD9-81ED-4DB2-BD59-A6C34878D82A}">
-                        <a16:rowId xmlns:a16="http://schemas.microsoft.com/office/drawing/2014/main" val="1677644287"/>
+                        <a16:rowId xmlns:a16="http://schemas.microsoft.com/office/drawing/2014/main" xmlns="" xmlns:a14="http://schemas.microsoft.com/office/drawing/2010/main" val="1677644287"/>
                       </a:ext>
                     </a:extLst>
                   </a:tr>
@@ -32478,7 +30777,7 @@
                     </a:tc>
                     <a:extLst>
                       <a:ext uri="{0D108BD9-81ED-4DB2-BD59-A6C34878D82A}">
-                        <a16:rowId xmlns:a16="http://schemas.microsoft.com/office/drawing/2014/main" val="917667472"/>
+                        <a16:rowId xmlns:a16="http://schemas.microsoft.com/office/drawing/2014/main" xmlns="" xmlns:a14="http://schemas.microsoft.com/office/drawing/2010/main" val="917667472"/>
                       </a:ext>
                     </a:extLst>
                   </a:tr>
@@ -32645,7 +30944,7 @@
                     </a:tc>
                     <a:extLst>
                       <a:ext uri="{0D108BD9-81ED-4DB2-BD59-A6C34878D82A}">
-                        <a16:rowId xmlns:a16="http://schemas.microsoft.com/office/drawing/2014/main" val="2967885137"/>
+                        <a16:rowId xmlns:a16="http://schemas.microsoft.com/office/drawing/2014/main" xmlns="" xmlns:a14="http://schemas.microsoft.com/office/drawing/2010/main" val="2967885137"/>
                       </a:ext>
                     </a:extLst>
                   </a:tr>
@@ -32812,7 +31111,7 @@
                     </a:tc>
                     <a:extLst>
                       <a:ext uri="{0D108BD9-81ED-4DB2-BD59-A6C34878D82A}">
-                        <a16:rowId xmlns:a16="http://schemas.microsoft.com/office/drawing/2014/main" val="2381697377"/>
+                        <a16:rowId xmlns:a16="http://schemas.microsoft.com/office/drawing/2014/main" xmlns="" xmlns:a14="http://schemas.microsoft.com/office/drawing/2010/main" val="2381697377"/>
                       </a:ext>
                     </a:extLst>
                   </a:tr>
@@ -32979,7 +31278,7 @@
                     </a:tc>
                     <a:extLst>
                       <a:ext uri="{0D108BD9-81ED-4DB2-BD59-A6C34878D82A}">
-                        <a16:rowId xmlns:a16="http://schemas.microsoft.com/office/drawing/2014/main" val="600433670"/>
+                        <a16:rowId xmlns:a16="http://schemas.microsoft.com/office/drawing/2014/main" xmlns="" xmlns:a14="http://schemas.microsoft.com/office/drawing/2010/main" val="600433670"/>
                       </a:ext>
                     </a:extLst>
                   </a:tr>
@@ -32992,7 +31291,7 @@
     </p:spTree>
     <p:extLst>
       <p:ext uri="{BB962C8B-B14F-4D97-AF65-F5344CB8AC3E}">
-        <p14:creationId xmlns:p14="http://schemas.microsoft.com/office/powerpoint/2010/main" val="2384237682"/>
+        <p14:creationId xmlns:p14="http://schemas.microsoft.com/office/powerpoint/2010/main" xmlns="" val="2384237682"/>
       </p:ext>
     </p:extLst>
   </p:cSld>
@@ -33024,7 +31323,7 @@
           <p:cNvPr id="2" name="Title 1">
             <a:extLst>
               <a:ext uri="{FF2B5EF4-FFF2-40B4-BE49-F238E27FC236}">
-                <a16:creationId xmlns:a16="http://schemas.microsoft.com/office/drawing/2014/main" id="{A0D1BC9E-8F46-4E18-83EE-8E3509FD96A2}"/>
+                <a16:creationId xmlns:a16="http://schemas.microsoft.com/office/drawing/2014/main" xmlns="" id="{A0D1BC9E-8F46-4E18-83EE-8E3509FD96A2}"/>
               </a:ext>
             </a:extLst>
           </p:cNvPr>
@@ -33053,7 +31352,7 @@
           <p:cNvPr id="3" name="Content Placeholder 2">
             <a:extLst>
               <a:ext uri="{FF2B5EF4-FFF2-40B4-BE49-F238E27FC236}">
-                <a16:creationId xmlns:a16="http://schemas.microsoft.com/office/drawing/2014/main" id="{84BA0A47-6B44-4084-BB5E-0E38FBAE45AA}"/>
+                <a16:creationId xmlns:a16="http://schemas.microsoft.com/office/drawing/2014/main" xmlns="" id="{84BA0A47-6B44-4084-BB5E-0E38FBAE45AA}"/>
               </a:ext>
             </a:extLst>
           </p:cNvPr>
@@ -33108,13 +31407,20 @@
     </p:spTree>
     <p:extLst>
       <p:ext uri="{BB962C8B-B14F-4D97-AF65-F5344CB8AC3E}">
-        <p14:creationId xmlns:p14="http://schemas.microsoft.com/office/powerpoint/2010/main" val="1423127566"/>
+        <p14:creationId xmlns:p14="http://schemas.microsoft.com/office/powerpoint/2010/main" xmlns="" val="1423127566"/>
       </p:ext>
     </p:extLst>
   </p:cSld>
   <p:clrMapOvr>
     <a:masterClrMapping/>
   </p:clrMapOvr>
+  <p:timing>
+    <p:tnLst>
+      <p:par>
+        <p:cTn id="1" dur="indefinite" restart="never" nodeType="tmRoot"/>
+      </p:par>
+    </p:tnLst>
+  </p:timing>
 </p:sld>
 </file>
 
@@ -33140,7 +31446,7 @@
           <p:cNvPr id="2" name="Title 1">
             <a:extLst>
               <a:ext uri="{FF2B5EF4-FFF2-40B4-BE49-F238E27FC236}">
-                <a16:creationId xmlns:a16="http://schemas.microsoft.com/office/drawing/2014/main" id="{91E65E50-61BC-4C8A-8E92-ADDAE4FC7F52}"/>
+                <a16:creationId xmlns:a16="http://schemas.microsoft.com/office/drawing/2014/main" xmlns="" id="{91E65E50-61BC-4C8A-8E92-ADDAE4FC7F52}"/>
               </a:ext>
             </a:extLst>
           </p:cNvPr>
@@ -33169,7 +31475,7 @@
           <p:cNvPr id="3" name="Content Placeholder 2">
             <a:extLst>
               <a:ext uri="{FF2B5EF4-FFF2-40B4-BE49-F238E27FC236}">
-                <a16:creationId xmlns:a16="http://schemas.microsoft.com/office/drawing/2014/main" id="{8FABC416-E36F-48ED-BA1C-8EB306E1618D}"/>
+                <a16:creationId xmlns:a16="http://schemas.microsoft.com/office/drawing/2014/main" xmlns="" id="{8FABC416-E36F-48ED-BA1C-8EB306E1618D}"/>
               </a:ext>
             </a:extLst>
           </p:cNvPr>
@@ -33221,7 +31527,7 @@
           <p:cNvPr id="5" name="Straight Arrow Connector 4">
             <a:extLst>
               <a:ext uri="{FF2B5EF4-FFF2-40B4-BE49-F238E27FC236}">
-                <a16:creationId xmlns:a16="http://schemas.microsoft.com/office/drawing/2014/main" id="{EC190A12-D0EB-46CF-A130-BEEAB7FE4FDB}"/>
+                <a16:creationId xmlns:a16="http://schemas.microsoft.com/office/drawing/2014/main" xmlns="" id="{EC190A12-D0EB-46CF-A130-BEEAB7FE4FDB}"/>
               </a:ext>
             </a:extLst>
           </p:cNvPr>
@@ -33260,7 +31566,7 @@
           <p:cNvPr id="6" name="TextBox 5">
             <a:extLst>
               <a:ext uri="{FF2B5EF4-FFF2-40B4-BE49-F238E27FC236}">
-                <a16:creationId xmlns:a16="http://schemas.microsoft.com/office/drawing/2014/main" id="{07030E73-52D6-413B-AEE1-BC7606FB77D7}"/>
+                <a16:creationId xmlns:a16="http://schemas.microsoft.com/office/drawing/2014/main" xmlns="" id="{07030E73-52D6-413B-AEE1-BC7606FB77D7}"/>
               </a:ext>
             </a:extLst>
           </p:cNvPr>
@@ -33293,13 +31599,20 @@
     </p:spTree>
     <p:extLst>
       <p:ext uri="{BB962C8B-B14F-4D97-AF65-F5344CB8AC3E}">
-        <p14:creationId xmlns:p14="http://schemas.microsoft.com/office/powerpoint/2010/main" val="2387556811"/>
+        <p14:creationId xmlns:p14="http://schemas.microsoft.com/office/powerpoint/2010/main" xmlns="" val="2387556811"/>
       </p:ext>
     </p:extLst>
   </p:cSld>
   <p:clrMapOvr>
     <a:masterClrMapping/>
   </p:clrMapOvr>
+  <p:timing>
+    <p:tnLst>
+      <p:par>
+        <p:cTn id="1" dur="indefinite" restart="never" nodeType="tmRoot"/>
+      </p:par>
+    </p:tnLst>
+  </p:timing>
 </p:sld>
 </file>
 
@@ -33325,7 +31638,7 @@
           <p:cNvPr id="2" name="Title 1">
             <a:extLst>
               <a:ext uri="{FF2B5EF4-FFF2-40B4-BE49-F238E27FC236}">
-                <a16:creationId xmlns:a16="http://schemas.microsoft.com/office/drawing/2014/main" id="{2FFD2255-DFF9-442F-B0EE-0B75DF4B2B4A}"/>
+                <a16:creationId xmlns:a16="http://schemas.microsoft.com/office/drawing/2014/main" xmlns="" id="{2FFD2255-DFF9-442F-B0EE-0B75DF4B2B4A}"/>
               </a:ext>
             </a:extLst>
           </p:cNvPr>
@@ -33354,7 +31667,7 @@
           <p:cNvPr id="6" name="Content Placeholder 5">
             <a:extLst>
               <a:ext uri="{FF2B5EF4-FFF2-40B4-BE49-F238E27FC236}">
-                <a16:creationId xmlns:a16="http://schemas.microsoft.com/office/drawing/2014/main" id="{0B520486-29EB-4C7E-B108-2EEAAABEA7B6}"/>
+                <a16:creationId xmlns:a16="http://schemas.microsoft.com/office/drawing/2014/main" xmlns="" id="{0B520486-29EB-4C7E-B108-2EEAAABEA7B6}"/>
               </a:ext>
             </a:extLst>
           </p:cNvPr>
@@ -33424,13 +31737,20 @@
     </p:spTree>
     <p:extLst>
       <p:ext uri="{BB962C8B-B14F-4D97-AF65-F5344CB8AC3E}">
-        <p14:creationId xmlns:p14="http://schemas.microsoft.com/office/powerpoint/2010/main" val="624245973"/>
+        <p14:creationId xmlns:p14="http://schemas.microsoft.com/office/powerpoint/2010/main" xmlns="" val="624245973"/>
       </p:ext>
     </p:extLst>
   </p:cSld>
   <p:clrMapOvr>
     <a:masterClrMapping/>
   </p:clrMapOvr>
+  <p:timing>
+    <p:tnLst>
+      <p:par>
+        <p:cTn id="1" dur="indefinite" restart="never" nodeType="tmRoot"/>
+      </p:par>
+    </p:tnLst>
+  </p:timing>
 </p:sld>
 </file>
 
@@ -33456,7 +31776,7 @@
           <p:cNvPr id="2" name="Title 1">
             <a:extLst>
               <a:ext uri="{FF2B5EF4-FFF2-40B4-BE49-F238E27FC236}">
-                <a16:creationId xmlns:a16="http://schemas.microsoft.com/office/drawing/2014/main" id="{2FFD2255-DFF9-442F-B0EE-0B75DF4B2B4A}"/>
+                <a16:creationId xmlns:a16="http://schemas.microsoft.com/office/drawing/2014/main" xmlns="" id="{2FFD2255-DFF9-442F-B0EE-0B75DF4B2B4A}"/>
               </a:ext>
             </a:extLst>
           </p:cNvPr>
@@ -33485,7 +31805,7 @@
           <p:cNvPr id="4" name="Content Placeholder 3" descr="EventGraph.png">
             <a:extLst>
               <a:ext uri="{FF2B5EF4-FFF2-40B4-BE49-F238E27FC236}">
-                <a16:creationId xmlns:a16="http://schemas.microsoft.com/office/drawing/2014/main" id="{CD1D1B85-0AC1-43E9-B476-07D03C6E16E5}"/>
+                <a16:creationId xmlns:a16="http://schemas.microsoft.com/office/drawing/2014/main" xmlns="" id="{CD1D1B85-0AC1-43E9-B476-07D03C6E16E5}"/>
               </a:ext>
             </a:extLst>
           </p:cNvPr>
@@ -33517,7 +31837,7 @@
           <p:cNvPr id="3" name="TextBox 2">
             <a:extLst>
               <a:ext uri="{FF2B5EF4-FFF2-40B4-BE49-F238E27FC236}">
-                <a16:creationId xmlns:a16="http://schemas.microsoft.com/office/drawing/2014/main" id="{594CAA22-6530-4B1D-A2EF-450AD4D1432D}"/>
+                <a16:creationId xmlns:a16="http://schemas.microsoft.com/office/drawing/2014/main" xmlns="" id="{594CAA22-6530-4B1D-A2EF-450AD4D1432D}"/>
               </a:ext>
             </a:extLst>
           </p:cNvPr>
@@ -33551,13 +31871,20 @@
     </p:spTree>
     <p:extLst>
       <p:ext uri="{BB962C8B-B14F-4D97-AF65-F5344CB8AC3E}">
-        <p14:creationId xmlns:p14="http://schemas.microsoft.com/office/powerpoint/2010/main" val="3907193672"/>
+        <p14:creationId xmlns:p14="http://schemas.microsoft.com/office/powerpoint/2010/main" xmlns="" val="3907193672"/>
       </p:ext>
     </p:extLst>
   </p:cSld>
   <p:clrMapOvr>
     <a:masterClrMapping/>
   </p:clrMapOvr>
+  <p:timing>
+    <p:tnLst>
+      <p:par>
+        <p:cTn id="1" dur="indefinite" restart="never" nodeType="tmRoot"/>
+      </p:par>
+    </p:tnLst>
+  </p:timing>
 </p:sld>
 </file>
 
@@ -33583,7 +31910,7 @@
           <p:cNvPr id="2" name="Title 1">
             <a:extLst>
               <a:ext uri="{FF2B5EF4-FFF2-40B4-BE49-F238E27FC236}">
-                <a16:creationId xmlns:a16="http://schemas.microsoft.com/office/drawing/2014/main" id="{72EE6C34-7D8D-403A-A21C-198B88EDE56E}"/>
+                <a16:creationId xmlns:a16="http://schemas.microsoft.com/office/drawing/2014/main" xmlns="" id="{72EE6C34-7D8D-403A-A21C-198B88EDE56E}"/>
               </a:ext>
             </a:extLst>
           </p:cNvPr>
@@ -33607,8 +31934,8 @@
           </a:p>
         </p:txBody>
       </p:sp>
-      <mc:AlternateContent xmlns:mc="http://schemas.openxmlformats.org/markup-compatibility/2006" xmlns:a14="http://schemas.microsoft.com/office/drawing/2010/main">
-        <mc:Choice Requires="a14">
+      <mc:AlternateContent xmlns:mc="http://schemas.openxmlformats.org/markup-compatibility/2006">
+        <mc:Choice xmlns:a14="http://schemas.microsoft.com/office/drawing/2010/main" xmlns="" Requires="a14">
           <p:sp>
             <p:nvSpPr>
               <p:cNvPr id="3" name="Content Placeholder 2">
@@ -34153,13 +32480,13 @@
             </p:txBody>
           </p:sp>
         </mc:Choice>
-        <mc:Fallback xmlns="">
+        <mc:Fallback>
           <p:sp>
             <p:nvSpPr>
               <p:cNvPr id="3" name="Content Placeholder 2">
                 <a:extLst>
                   <a:ext uri="{FF2B5EF4-FFF2-40B4-BE49-F238E27FC236}">
-                    <a16:creationId xmlns:a16="http://schemas.microsoft.com/office/drawing/2014/main" id="{12ABD7B2-0C3E-4EAA-B491-8F23BA528F0D}"/>
+                    <a16:creationId xmlns:a16="http://schemas.microsoft.com/office/drawing/2014/main" xmlns="" xmlns:a14="http://schemas.microsoft.com/office/drawing/2010/main" id="{12ABD7B2-0C3E-4EAA-B491-8F23BA528F0D}"/>
                   </a:ext>
                 </a:extLst>
               </p:cNvPr>
@@ -34196,13 +32523,20 @@
     </p:spTree>
     <p:extLst>
       <p:ext uri="{BB962C8B-B14F-4D97-AF65-F5344CB8AC3E}">
-        <p14:creationId xmlns:p14="http://schemas.microsoft.com/office/powerpoint/2010/main" val="3533473101"/>
+        <p14:creationId xmlns:p14="http://schemas.microsoft.com/office/powerpoint/2010/main" xmlns="" val="3533473101"/>
       </p:ext>
     </p:extLst>
   </p:cSld>
   <p:clrMapOvr>
     <a:masterClrMapping/>
   </p:clrMapOvr>
+  <p:timing>
+    <p:tnLst>
+      <p:par>
+        <p:cTn id="1" dur="indefinite" restart="never" nodeType="tmRoot"/>
+      </p:par>
+    </p:tnLst>
+  </p:timing>
 </p:sld>
 </file>
 
@@ -34228,7 +32562,7 @@
           <p:cNvPr id="2" name="Title 1">
             <a:extLst>
               <a:ext uri="{FF2B5EF4-FFF2-40B4-BE49-F238E27FC236}">
-                <a16:creationId xmlns:a16="http://schemas.microsoft.com/office/drawing/2014/main" id="{8154E1F1-6EC6-4230-B697-F4F0EC514043}"/>
+                <a16:creationId xmlns:a16="http://schemas.microsoft.com/office/drawing/2014/main" xmlns="" id="{8154E1F1-6EC6-4230-B697-F4F0EC514043}"/>
               </a:ext>
             </a:extLst>
           </p:cNvPr>
@@ -34257,7 +32591,7 @@
           <p:cNvPr id="3" name="Content Placeholder 2">
             <a:extLst>
               <a:ext uri="{FF2B5EF4-FFF2-40B4-BE49-F238E27FC236}">
-                <a16:creationId xmlns:a16="http://schemas.microsoft.com/office/drawing/2014/main" id="{EA8BF57B-741A-4743-8114-28A95EA0B35D}"/>
+                <a16:creationId xmlns:a16="http://schemas.microsoft.com/office/drawing/2014/main" xmlns="" id="{EA8BF57B-741A-4743-8114-28A95EA0B35D}"/>
               </a:ext>
             </a:extLst>
           </p:cNvPr>
@@ -34428,7 +32762,7 @@
           <p:cNvPr id="5" name="Straight Arrow Connector 4">
             <a:extLst>
               <a:ext uri="{FF2B5EF4-FFF2-40B4-BE49-F238E27FC236}">
-                <a16:creationId xmlns:a16="http://schemas.microsoft.com/office/drawing/2014/main" id="{054B5537-6CFF-47C0-B010-6E7A986DFA5E}"/>
+                <a16:creationId xmlns:a16="http://schemas.microsoft.com/office/drawing/2014/main" xmlns="" id="{054B5537-6CFF-47C0-B010-6E7A986DFA5E}"/>
               </a:ext>
             </a:extLst>
           </p:cNvPr>
@@ -34465,13 +32799,20 @@
     </p:spTree>
     <p:extLst>
       <p:ext uri="{BB962C8B-B14F-4D97-AF65-F5344CB8AC3E}">
-        <p14:creationId xmlns:p14="http://schemas.microsoft.com/office/powerpoint/2010/main" val="3700407136"/>
+        <p14:creationId xmlns:p14="http://schemas.microsoft.com/office/powerpoint/2010/main" xmlns="" val="3700407136"/>
       </p:ext>
     </p:extLst>
   </p:cSld>
   <p:clrMapOvr>
     <a:masterClrMapping/>
   </p:clrMapOvr>
+  <p:timing>
+    <p:tnLst>
+      <p:par>
+        <p:cTn id="1" dur="indefinite" restart="never" nodeType="tmRoot"/>
+      </p:par>
+    </p:tnLst>
+  </p:timing>
 </p:sld>
 </file>
 
@@ -34497,7 +32838,7 @@
           <p:cNvPr id="2" name="Title 1">
             <a:extLst>
               <a:ext uri="{FF2B5EF4-FFF2-40B4-BE49-F238E27FC236}">
-                <a16:creationId xmlns:a16="http://schemas.microsoft.com/office/drawing/2014/main" id="{88E937E0-A6EB-446C-8487-65416B0067E0}"/>
+                <a16:creationId xmlns:a16="http://schemas.microsoft.com/office/drawing/2014/main" xmlns="" id="{88E937E0-A6EB-446C-8487-65416B0067E0}"/>
               </a:ext>
             </a:extLst>
           </p:cNvPr>
@@ -34526,7 +32867,7 @@
           <p:cNvPr id="3" name="Content Placeholder 2">
             <a:extLst>
               <a:ext uri="{FF2B5EF4-FFF2-40B4-BE49-F238E27FC236}">
-                <a16:creationId xmlns:a16="http://schemas.microsoft.com/office/drawing/2014/main" id="{80357D3F-B9D0-46DD-A13D-8295D2CAFDA4}"/>
+                <a16:creationId xmlns:a16="http://schemas.microsoft.com/office/drawing/2014/main" xmlns="" id="{80357D3F-B9D0-46DD-A13D-8295D2CAFDA4}"/>
               </a:ext>
             </a:extLst>
           </p:cNvPr>
@@ -34573,8 +32914,8 @@
           </a:p>
         </p:txBody>
       </p:sp>
-      <mc:AlternateContent xmlns:mc="http://schemas.openxmlformats.org/markup-compatibility/2006" xmlns:a14="http://schemas.microsoft.com/office/drawing/2010/main">
-        <mc:Choice Requires="a14">
+      <mc:AlternateContent xmlns:mc="http://schemas.openxmlformats.org/markup-compatibility/2006">
+        <mc:Choice xmlns:a14="http://schemas.microsoft.com/office/drawing/2010/main" xmlns="" Requires="a14">
           <p:graphicFrame>
             <p:nvGraphicFramePr>
               <p:cNvPr id="4" name="Table 3">
@@ -36308,13 +34649,13 @@
             </a:graphic>
           </p:graphicFrame>
         </mc:Choice>
-        <mc:Fallback xmlns="">
+        <mc:Fallback>
           <p:graphicFrame>
             <p:nvGraphicFramePr>
               <p:cNvPr id="4" name="Table 3">
                 <a:extLst>
                   <a:ext uri="{FF2B5EF4-FFF2-40B4-BE49-F238E27FC236}">
-                    <a16:creationId xmlns:a16="http://schemas.microsoft.com/office/drawing/2014/main" id="{3451A2F3-0416-42C2-9763-CF4429463610}"/>
+                    <a16:creationId xmlns:a16="http://schemas.microsoft.com/office/drawing/2014/main" xmlns="" xmlns:a14="http://schemas.microsoft.com/office/drawing/2010/main" id="{3451A2F3-0416-42C2-9763-CF4429463610}"/>
                   </a:ext>
                 </a:extLst>
               </p:cNvPr>
@@ -36324,7 +34665,7 @@
               <p:nvPr>
                 <p:extLst>
                   <p:ext uri="{D42A27DB-BD31-4B8C-83A1-F6EECF244321}">
-                    <p14:modId xmlns:p14="http://schemas.microsoft.com/office/powerpoint/2010/main" val="873538763"/>
+                    <p14:modId xmlns:p14="http://schemas.microsoft.com/office/powerpoint/2010/main" xmlns="" xmlns:a14="http://schemas.microsoft.com/office/drawing/2010/main" val="873538763"/>
                   </p:ext>
                 </p:extLst>
               </p:nvPr>
@@ -36343,35 +34684,35 @@
                     <a:gridCol w="893172">
                       <a:extLst>
                         <a:ext uri="{9D8B030D-6E8A-4147-A177-3AD203B41FA5}">
-                          <a16:colId xmlns:a16="http://schemas.microsoft.com/office/drawing/2014/main" val="4209520208"/>
+                          <a16:colId xmlns:a16="http://schemas.microsoft.com/office/drawing/2014/main" xmlns="" xmlns:a14="http://schemas.microsoft.com/office/drawing/2010/main" val="4209520208"/>
                         </a:ext>
                       </a:extLst>
                     </a:gridCol>
                     <a:gridCol w="893172">
                       <a:extLst>
                         <a:ext uri="{9D8B030D-6E8A-4147-A177-3AD203B41FA5}">
-                          <a16:colId xmlns:a16="http://schemas.microsoft.com/office/drawing/2014/main" val="3168927312"/>
+                          <a16:colId xmlns:a16="http://schemas.microsoft.com/office/drawing/2014/main" xmlns="" xmlns:a14="http://schemas.microsoft.com/office/drawing/2010/main" val="3168927312"/>
                         </a:ext>
                       </a:extLst>
                     </a:gridCol>
                     <a:gridCol w="893172">
                       <a:extLst>
                         <a:ext uri="{9D8B030D-6E8A-4147-A177-3AD203B41FA5}">
-                          <a16:colId xmlns:a16="http://schemas.microsoft.com/office/drawing/2014/main" val="4107507721"/>
+                          <a16:colId xmlns:a16="http://schemas.microsoft.com/office/drawing/2014/main" xmlns="" xmlns:a14="http://schemas.microsoft.com/office/drawing/2010/main" val="4107507721"/>
                         </a:ext>
                       </a:extLst>
                     </a:gridCol>
                     <a:gridCol w="893172">
                       <a:extLst>
                         <a:ext uri="{9D8B030D-6E8A-4147-A177-3AD203B41FA5}">
-                          <a16:colId xmlns:a16="http://schemas.microsoft.com/office/drawing/2014/main" val="351892178"/>
+                          <a16:colId xmlns:a16="http://schemas.microsoft.com/office/drawing/2014/main" xmlns="" xmlns:a14="http://schemas.microsoft.com/office/drawing/2010/main" val="351892178"/>
                         </a:ext>
                       </a:extLst>
                     </a:gridCol>
                     <a:gridCol w="893172">
                       <a:extLst>
                         <a:ext uri="{9D8B030D-6E8A-4147-A177-3AD203B41FA5}">
-                          <a16:colId xmlns:a16="http://schemas.microsoft.com/office/drawing/2014/main" val="3513115103"/>
+                          <a16:colId xmlns:a16="http://schemas.microsoft.com/office/drawing/2014/main" xmlns="" xmlns:a14="http://schemas.microsoft.com/office/drawing/2010/main" val="3513115103"/>
                         </a:ext>
                       </a:extLst>
                     </a:gridCol>
@@ -36464,7 +34805,7 @@
                     </a:tc>
                     <a:extLst>
                       <a:ext uri="{0D108BD9-81ED-4DB2-BD59-A6C34878D82A}">
-                        <a16:rowId xmlns:a16="http://schemas.microsoft.com/office/drawing/2014/main" val="2809631727"/>
+                        <a16:rowId xmlns:a16="http://schemas.microsoft.com/office/drawing/2014/main" xmlns="" xmlns:a14="http://schemas.microsoft.com/office/drawing/2010/main" val="2809631727"/>
                       </a:ext>
                     </a:extLst>
                   </a:tr>
@@ -36631,7 +34972,7 @@
                     </a:tc>
                     <a:extLst>
                       <a:ext uri="{0D108BD9-81ED-4DB2-BD59-A6C34878D82A}">
-                        <a16:rowId xmlns:a16="http://schemas.microsoft.com/office/drawing/2014/main" val="4096748613"/>
+                        <a16:rowId xmlns:a16="http://schemas.microsoft.com/office/drawing/2014/main" xmlns="" xmlns:a14="http://schemas.microsoft.com/office/drawing/2010/main" val="4096748613"/>
                       </a:ext>
                     </a:extLst>
                   </a:tr>
@@ -36798,7 +35139,7 @@
                     </a:tc>
                     <a:extLst>
                       <a:ext uri="{0D108BD9-81ED-4DB2-BD59-A6C34878D82A}">
-                        <a16:rowId xmlns:a16="http://schemas.microsoft.com/office/drawing/2014/main" val="3675930758"/>
+                        <a16:rowId xmlns:a16="http://schemas.microsoft.com/office/drawing/2014/main" xmlns="" xmlns:a14="http://schemas.microsoft.com/office/drawing/2010/main" val="3675930758"/>
                       </a:ext>
                     </a:extLst>
                   </a:tr>
@@ -36965,7 +35306,7 @@
                     </a:tc>
                     <a:extLst>
                       <a:ext uri="{0D108BD9-81ED-4DB2-BD59-A6C34878D82A}">
-                        <a16:rowId xmlns:a16="http://schemas.microsoft.com/office/drawing/2014/main" val="2762191797"/>
+                        <a16:rowId xmlns:a16="http://schemas.microsoft.com/office/drawing/2014/main" xmlns="" xmlns:a14="http://schemas.microsoft.com/office/drawing/2010/main" val="2762191797"/>
                       </a:ext>
                     </a:extLst>
                   </a:tr>
@@ -37132,7 +35473,7 @@
                     </a:tc>
                     <a:extLst>
                       <a:ext uri="{0D108BD9-81ED-4DB2-BD59-A6C34878D82A}">
-                        <a16:rowId xmlns:a16="http://schemas.microsoft.com/office/drawing/2014/main" val="3282689616"/>
+                        <a16:rowId xmlns:a16="http://schemas.microsoft.com/office/drawing/2014/main" xmlns="" xmlns:a14="http://schemas.microsoft.com/office/drawing/2010/main" val="3282689616"/>
                       </a:ext>
                     </a:extLst>
                   </a:tr>
@@ -37299,7 +35640,7 @@
                     </a:tc>
                     <a:extLst>
                       <a:ext uri="{0D108BD9-81ED-4DB2-BD59-A6C34878D82A}">
-                        <a16:rowId xmlns:a16="http://schemas.microsoft.com/office/drawing/2014/main" val="477276906"/>
+                        <a16:rowId xmlns:a16="http://schemas.microsoft.com/office/drawing/2014/main" xmlns="" xmlns:a14="http://schemas.microsoft.com/office/drawing/2010/main" val="477276906"/>
                       </a:ext>
                     </a:extLst>
                   </a:tr>
@@ -37466,7 +35807,7 @@
                     </a:tc>
                     <a:extLst>
                       <a:ext uri="{0D108BD9-81ED-4DB2-BD59-A6C34878D82A}">
-                        <a16:rowId xmlns:a16="http://schemas.microsoft.com/office/drawing/2014/main" val="2398271103"/>
+                        <a16:rowId xmlns:a16="http://schemas.microsoft.com/office/drawing/2014/main" xmlns="" xmlns:a14="http://schemas.microsoft.com/office/drawing/2010/main" val="2398271103"/>
                       </a:ext>
                     </a:extLst>
                   </a:tr>
@@ -37633,7 +35974,7 @@
                     </a:tc>
                     <a:extLst>
                       <a:ext uri="{0D108BD9-81ED-4DB2-BD59-A6C34878D82A}">
-                        <a16:rowId xmlns:a16="http://schemas.microsoft.com/office/drawing/2014/main" val="1316174806"/>
+                        <a16:rowId xmlns:a16="http://schemas.microsoft.com/office/drawing/2014/main" xmlns="" xmlns:a14="http://schemas.microsoft.com/office/drawing/2010/main" val="1316174806"/>
                       </a:ext>
                     </a:extLst>
                   </a:tr>
@@ -37800,7 +36141,7 @@
                     </a:tc>
                     <a:extLst>
                       <a:ext uri="{0D108BD9-81ED-4DB2-BD59-A6C34878D82A}">
-                        <a16:rowId xmlns:a16="http://schemas.microsoft.com/office/drawing/2014/main" val="56485897"/>
+                        <a16:rowId xmlns:a16="http://schemas.microsoft.com/office/drawing/2014/main" xmlns="" xmlns:a14="http://schemas.microsoft.com/office/drawing/2010/main" val="56485897"/>
                       </a:ext>
                     </a:extLst>
                   </a:tr>
@@ -37813,13 +36154,20 @@
     </p:spTree>
     <p:extLst>
       <p:ext uri="{BB962C8B-B14F-4D97-AF65-F5344CB8AC3E}">
-        <p14:creationId xmlns:p14="http://schemas.microsoft.com/office/powerpoint/2010/main" val="2774981893"/>
+        <p14:creationId xmlns:p14="http://schemas.microsoft.com/office/powerpoint/2010/main" xmlns="" val="2774981893"/>
       </p:ext>
     </p:extLst>
   </p:cSld>
   <p:clrMapOvr>
     <a:masterClrMapping/>
   </p:clrMapOvr>
+  <p:timing>
+    <p:tnLst>
+      <p:par>
+        <p:cTn id="1" dur="indefinite" restart="never" nodeType="tmRoot"/>
+      </p:par>
+    </p:tnLst>
+  </p:timing>
 </p:sld>
 </file>
 
@@ -37845,7 +36193,7 @@
           <p:cNvPr id="2" name="Title 1">
             <a:extLst>
               <a:ext uri="{FF2B5EF4-FFF2-40B4-BE49-F238E27FC236}">
-                <a16:creationId xmlns:a16="http://schemas.microsoft.com/office/drawing/2014/main" id="{88E937E0-A6EB-446C-8487-65416B0067E0}"/>
+                <a16:creationId xmlns:a16="http://schemas.microsoft.com/office/drawing/2014/main" xmlns="" id="{88E937E0-A6EB-446C-8487-65416B0067E0}"/>
               </a:ext>
             </a:extLst>
           </p:cNvPr>
@@ -37874,7 +36222,7 @@
           <p:cNvPr id="3" name="Content Placeholder 2">
             <a:extLst>
               <a:ext uri="{FF2B5EF4-FFF2-40B4-BE49-F238E27FC236}">
-                <a16:creationId xmlns:a16="http://schemas.microsoft.com/office/drawing/2014/main" id="{80357D3F-B9D0-46DD-A13D-8295D2CAFDA4}"/>
+                <a16:creationId xmlns:a16="http://schemas.microsoft.com/office/drawing/2014/main" xmlns="" id="{80357D3F-B9D0-46DD-A13D-8295D2CAFDA4}"/>
               </a:ext>
             </a:extLst>
           </p:cNvPr>
@@ -37924,8 +36272,8 @@
           </a:p>
         </p:txBody>
       </p:sp>
-      <mc:AlternateContent xmlns:mc="http://schemas.openxmlformats.org/markup-compatibility/2006" xmlns:a14="http://schemas.microsoft.com/office/drawing/2010/main">
-        <mc:Choice Requires="a14">
+      <mc:AlternateContent xmlns:mc="http://schemas.openxmlformats.org/markup-compatibility/2006">
+        <mc:Choice xmlns:a14="http://schemas.microsoft.com/office/drawing/2010/main" xmlns="" Requires="a14">
           <p:graphicFrame>
             <p:nvGraphicFramePr>
               <p:cNvPr id="5" name="Table 4">
@@ -38714,13 +37062,13 @@
             </a:graphic>
           </p:graphicFrame>
         </mc:Choice>
-        <mc:Fallback xmlns="">
+        <mc:Fallback>
           <p:graphicFrame>
             <p:nvGraphicFramePr>
               <p:cNvPr id="5" name="Table 4">
                 <a:extLst>
                   <a:ext uri="{FF2B5EF4-FFF2-40B4-BE49-F238E27FC236}">
-                    <a16:creationId xmlns:a16="http://schemas.microsoft.com/office/drawing/2014/main" id="{7D7655B3-C1E0-4962-A25C-30C53993C47A}"/>
+                    <a16:creationId xmlns:a16="http://schemas.microsoft.com/office/drawing/2014/main" xmlns="" xmlns:a14="http://schemas.microsoft.com/office/drawing/2010/main" id="{7D7655B3-C1E0-4962-A25C-30C53993C47A}"/>
                   </a:ext>
                 </a:extLst>
               </p:cNvPr>
@@ -38730,7 +37078,7 @@
               <p:nvPr>
                 <p:extLst>
                   <p:ext uri="{D42A27DB-BD31-4B8C-83A1-F6EECF244321}">
-                    <p14:modId xmlns:p14="http://schemas.microsoft.com/office/powerpoint/2010/main" val="3713498414"/>
+                    <p14:modId xmlns:p14="http://schemas.microsoft.com/office/powerpoint/2010/main" xmlns="" xmlns:a14="http://schemas.microsoft.com/office/drawing/2010/main" val="3713498414"/>
                   </p:ext>
                 </p:extLst>
               </p:nvPr>
@@ -38749,21 +37097,21 @@
                     <a:gridCol w="1005840">
                       <a:extLst>
                         <a:ext uri="{9D8B030D-6E8A-4147-A177-3AD203B41FA5}">
-                          <a16:colId xmlns:a16="http://schemas.microsoft.com/office/drawing/2014/main" val="3356416576"/>
+                          <a16:colId xmlns:a16="http://schemas.microsoft.com/office/drawing/2014/main" xmlns="" xmlns:a14="http://schemas.microsoft.com/office/drawing/2010/main" val="3356416576"/>
                         </a:ext>
                       </a:extLst>
                     </a:gridCol>
                     <a:gridCol w="1005840">
                       <a:extLst>
                         <a:ext uri="{9D8B030D-6E8A-4147-A177-3AD203B41FA5}">
-                          <a16:colId xmlns:a16="http://schemas.microsoft.com/office/drawing/2014/main" val="3795946595"/>
+                          <a16:colId xmlns:a16="http://schemas.microsoft.com/office/drawing/2014/main" xmlns="" xmlns:a14="http://schemas.microsoft.com/office/drawing/2010/main" val="3795946595"/>
                         </a:ext>
                       </a:extLst>
                     </a:gridCol>
                     <a:gridCol w="1005840">
                       <a:extLst>
                         <a:ext uri="{9D8B030D-6E8A-4147-A177-3AD203B41FA5}">
-                          <a16:colId xmlns:a16="http://schemas.microsoft.com/office/drawing/2014/main" val="3578530851"/>
+                          <a16:colId xmlns:a16="http://schemas.microsoft.com/office/drawing/2014/main" xmlns="" xmlns:a14="http://schemas.microsoft.com/office/drawing/2010/main" val="3578530851"/>
                         </a:ext>
                       </a:extLst>
                     </a:gridCol>
@@ -38822,7 +37170,7 @@
                     </a:tc>
                     <a:extLst>
                       <a:ext uri="{0D108BD9-81ED-4DB2-BD59-A6C34878D82A}">
-                        <a16:rowId xmlns:a16="http://schemas.microsoft.com/office/drawing/2014/main" val="3657041758"/>
+                        <a16:rowId xmlns:a16="http://schemas.microsoft.com/office/drawing/2014/main" xmlns="" xmlns:a14="http://schemas.microsoft.com/office/drawing/2010/main" val="3657041758"/>
                       </a:ext>
                     </a:extLst>
                   </a:tr>
@@ -38925,7 +37273,7 @@
                     </a:tc>
                     <a:extLst>
                       <a:ext uri="{0D108BD9-81ED-4DB2-BD59-A6C34878D82A}">
-                        <a16:rowId xmlns:a16="http://schemas.microsoft.com/office/drawing/2014/main" val="3912281868"/>
+                        <a16:rowId xmlns:a16="http://schemas.microsoft.com/office/drawing/2014/main" xmlns="" xmlns:a14="http://schemas.microsoft.com/office/drawing/2010/main" val="3912281868"/>
                       </a:ext>
                     </a:extLst>
                   </a:tr>
@@ -39028,7 +37376,7 @@
                     </a:tc>
                     <a:extLst>
                       <a:ext uri="{0D108BD9-81ED-4DB2-BD59-A6C34878D82A}">
-                        <a16:rowId xmlns:a16="http://schemas.microsoft.com/office/drawing/2014/main" val="1190155143"/>
+                        <a16:rowId xmlns:a16="http://schemas.microsoft.com/office/drawing/2014/main" xmlns="" xmlns:a14="http://schemas.microsoft.com/office/drawing/2010/main" val="1190155143"/>
                       </a:ext>
                     </a:extLst>
                   </a:tr>
@@ -39131,7 +37479,7 @@
                     </a:tc>
                     <a:extLst>
                       <a:ext uri="{0D108BD9-81ED-4DB2-BD59-A6C34878D82A}">
-                        <a16:rowId xmlns:a16="http://schemas.microsoft.com/office/drawing/2014/main" val="3872658168"/>
+                        <a16:rowId xmlns:a16="http://schemas.microsoft.com/office/drawing/2014/main" xmlns="" xmlns:a14="http://schemas.microsoft.com/office/drawing/2010/main" val="3872658168"/>
                       </a:ext>
                     </a:extLst>
                   </a:tr>
@@ -39234,7 +37582,7 @@
                     </a:tc>
                     <a:extLst>
                       <a:ext uri="{0D108BD9-81ED-4DB2-BD59-A6C34878D82A}">
-                        <a16:rowId xmlns:a16="http://schemas.microsoft.com/office/drawing/2014/main" val="1052606555"/>
+                        <a16:rowId xmlns:a16="http://schemas.microsoft.com/office/drawing/2014/main" xmlns="" xmlns:a14="http://schemas.microsoft.com/office/drawing/2010/main" val="1052606555"/>
                       </a:ext>
                     </a:extLst>
                   </a:tr>
@@ -39337,7 +37685,7 @@
                     </a:tc>
                     <a:extLst>
                       <a:ext uri="{0D108BD9-81ED-4DB2-BD59-A6C34878D82A}">
-                        <a16:rowId xmlns:a16="http://schemas.microsoft.com/office/drawing/2014/main" val="2844005368"/>
+                        <a16:rowId xmlns:a16="http://schemas.microsoft.com/office/drawing/2014/main" xmlns="" xmlns:a14="http://schemas.microsoft.com/office/drawing/2010/main" val="2844005368"/>
                       </a:ext>
                     </a:extLst>
                   </a:tr>
@@ -39350,13 +37698,20 @@
     </p:spTree>
     <p:extLst>
       <p:ext uri="{BB962C8B-B14F-4D97-AF65-F5344CB8AC3E}">
-        <p14:creationId xmlns:p14="http://schemas.microsoft.com/office/powerpoint/2010/main" val="3238346895"/>
+        <p14:creationId xmlns:p14="http://schemas.microsoft.com/office/powerpoint/2010/main" xmlns="" val="3238346895"/>
       </p:ext>
     </p:extLst>
   </p:cSld>
   <p:clrMapOvr>
     <a:masterClrMapping/>
   </p:clrMapOvr>
+  <p:timing>
+    <p:tnLst>
+      <p:par>
+        <p:cTn id="1" dur="indefinite" restart="never" nodeType="tmRoot"/>
+      </p:par>
+    </p:tnLst>
+  </p:timing>
 </p:sld>
 </file>
 
@@ -39403,7 +37758,7 @@
     </a:clrScheme>
     <a:fontScheme name="Circuit">
       <a:majorFont>
-        <a:latin typeface="Tw Cen MT" panose="020B0602020104020603"/>
+        <a:latin typeface="Tw Cen MT"/>
         <a:ea typeface=""/>
         <a:cs typeface=""/>
         <a:font script="Jpan" typeface="ＭＳ Ｐゴシック"/>
@@ -39438,7 +37793,7 @@
         <a:font script="Geor" typeface="Sylfaen"/>
       </a:majorFont>
       <a:minorFont>
-        <a:latin typeface="Tw Cen MT" panose="020B0602020104020603"/>
+        <a:latin typeface="Tw Cen MT"/>
         <a:ea typeface=""/>
         <a:cs typeface=""/>
         <a:font script="Jpan" typeface="ＭＳ Ｐゴシック"/>
@@ -39605,7 +37960,7 @@
   <a:extraClrSchemeLst/>
   <a:extLst>
     <a:ext uri="{05A4C25C-085E-4340-85A3-A5531E510DB2}">
-      <thm15:themeFamily xmlns:thm15="http://schemas.microsoft.com/office/thememl/2012/main" name="Circuit" id="{0AC2F7E7-15F5-431C-B2A2-456FE929F56C}" vid="{142578CA-DEC9-49C3-80AF-C113973CC9A9}"/>
+      <thm15:themeFamily xmlns:thm15="http://schemas.microsoft.com/office/thememl/2012/main" xmlns="" name="Circuit" id="{0AC2F7E7-15F5-431C-B2A2-456FE929F56C}" vid="{142578CA-DEC9-49C3-80AF-C113973CC9A9}"/>
     </a:ext>
   </a:extLst>
 </a:theme>
